--- a/Sample Guys _ Demo Day _ AstroLabs DS ML Bootcamp Oct Nov 2021.pptx
+++ b/Sample Guys _ Demo Day _ AstroLabs DS ML Bootcamp Oct Nov 2021.pptx
@@ -27,16 +27,22 @@
     <p:sldId id="272" r:id="rId22"/>
     <p:sldId id="273" r:id="rId23"/>
     <p:sldId id="274" r:id="rId24"/>
+    <p:sldId id="275" r:id="rId25"/>
+    <p:sldId id="276" r:id="rId26"/>
+    <p:sldId id="277" r:id="rId27"/>
+    <p:sldId id="278" r:id="rId28"/>
+    <p:sldId id="279" r:id="rId29"/>
+    <p:sldId id="280" r:id="rId30"/>
   </p:sldIdLst>
   <p:sldSz cy="5143500" cx="9144000"/>
   <p:notesSz cx="6858000" cy="9144000"/>
   <p:embeddedFontLst>
     <p:embeddedFont>
       <p:font typeface="Roboto"/>
-      <p:regular r:id="rId25"/>
-      <p:bold r:id="rId26"/>
-      <p:italic r:id="rId27"/>
-      <p:boldItalic r:id="rId28"/>
+      <p:regular r:id="rId31"/>
+      <p:bold r:id="rId32"/>
+      <p:italic r:id="rId33"/>
+      <p:boldItalic r:id="rId34"/>
     </p:embeddedFont>
   </p:embeddedFontLst>
   <p:defaultTextStyle>
@@ -831,7 +837,7 @@
       </p:grpSpPr>
       <p:sp>
         <p:nvSpPr>
-          <p:cNvPr id="109" name="Google Shape;109;gfa5439182c_0_158:notes"/>
+          <p:cNvPr id="109" name="Google Shape;109;g104fbd46bb0_0_10:notes"/>
           <p:cNvSpPr/>
           <p:nvPr>
             <p:ph idx="2" type="sldImg"/>
@@ -866,7 +872,7 @@
       </p:sp>
       <p:sp>
         <p:nvSpPr>
-          <p:cNvPr id="110" name="Google Shape;110;gfa5439182c_0_158:notes"/>
+          <p:cNvPr id="110" name="Google Shape;110;g104fbd46bb0_0_10:notes"/>
           <p:cNvSpPr txBox="1"/>
           <p:nvPr>
             <p:ph idx="1" type="body"/>
@@ -916,7 +922,7 @@
   <p:cSld>
     <p:spTree>
       <p:nvGrpSpPr>
-        <p:cNvPr id="114" name="Shape 114"/>
+        <p:cNvPr id="113" name="Shape 113"/>
         <p:cNvGrpSpPr/>
         <p:nvPr/>
       </p:nvGrpSpPr>
@@ -930,7 +936,7 @@
       </p:grpSpPr>
       <p:sp>
         <p:nvSpPr>
-          <p:cNvPr id="115" name="Google Shape;115;gfa5439182c_0_164:notes"/>
+          <p:cNvPr id="114" name="Google Shape;114;gfa5439182c_0_158:notes"/>
           <p:cNvSpPr/>
           <p:nvPr>
             <p:ph idx="2" type="sldImg"/>
@@ -965,7 +971,7 @@
       </p:sp>
       <p:sp>
         <p:nvSpPr>
-          <p:cNvPr id="116" name="Google Shape;116;gfa5439182c_0_164:notes"/>
+          <p:cNvPr id="115" name="Google Shape;115;gfa5439182c_0_158:notes"/>
           <p:cNvSpPr txBox="1"/>
           <p:nvPr>
             <p:ph idx="1" type="body"/>
@@ -1029,7 +1035,7 @@
       </p:grpSpPr>
       <p:sp>
         <p:nvSpPr>
-          <p:cNvPr id="120" name="Google Shape;120;gfa5439182c_0_146:notes"/>
+          <p:cNvPr id="120" name="Google Shape;120;g104fbd46bb0_0_50:notes"/>
           <p:cNvSpPr/>
           <p:nvPr>
             <p:ph idx="2" type="sldImg"/>
@@ -1064,7 +1070,7 @@
       </p:sp>
       <p:sp>
         <p:nvSpPr>
-          <p:cNvPr id="121" name="Google Shape;121;gfa5439182c_0_146:notes"/>
+          <p:cNvPr id="121" name="Google Shape;121;g104fbd46bb0_0_50:notes"/>
           <p:cNvSpPr txBox="1"/>
           <p:nvPr>
             <p:ph idx="1" type="body"/>
@@ -1095,8 +1101,7 @@
               <a:buNone/>
             </a:pPr>
             <a:r>
-              <a:rPr lang="en"/>
-              <a:t>Slides for stages 1 and 2 upto EDA and Data Engineering done.</a:t>
+              <a:t/>
             </a:r>
             <a:endParaRPr/>
           </a:p>
@@ -1115,7 +1120,7 @@
   <p:cSld>
     <p:spTree>
       <p:nvGrpSpPr>
-        <p:cNvPr id="127" name="Shape 127"/>
+        <p:cNvPr id="124" name="Shape 124"/>
         <p:cNvGrpSpPr/>
         <p:nvPr/>
       </p:nvGrpSpPr>
@@ -1129,7 +1134,7 @@
       </p:grpSpPr>
       <p:sp>
         <p:nvSpPr>
-          <p:cNvPr id="128" name="Google Shape;128;g10125a04487_0_434:notes"/>
+          <p:cNvPr id="125" name="Google Shape;125;g10125a04487_0_428:notes"/>
           <p:cNvSpPr/>
           <p:nvPr>
             <p:ph idx="2" type="sldImg"/>
@@ -1164,7 +1169,7 @@
       </p:sp>
       <p:sp>
         <p:nvSpPr>
-          <p:cNvPr id="129" name="Google Shape;129;g10125a04487_0_434:notes"/>
+          <p:cNvPr id="126" name="Google Shape;126;g10125a04487_0_428:notes"/>
           <p:cNvSpPr txBox="1"/>
           <p:nvPr>
             <p:ph idx="1" type="body"/>
@@ -1214,7 +1219,7 @@
   <p:cSld>
     <p:spTree>
       <p:nvGrpSpPr>
-        <p:cNvPr id="132" name="Shape 132"/>
+        <p:cNvPr id="130" name="Shape 130"/>
         <p:cNvGrpSpPr/>
         <p:nvPr/>
       </p:nvGrpSpPr>
@@ -1228,7 +1233,7 @@
       </p:grpSpPr>
       <p:sp>
         <p:nvSpPr>
-          <p:cNvPr id="133" name="Google Shape;133;g10125a04487_0_438:notes"/>
+          <p:cNvPr id="131" name="Google Shape;131;gfa5439182c_0_150:notes"/>
           <p:cNvSpPr/>
           <p:nvPr>
             <p:ph idx="2" type="sldImg"/>
@@ -1263,7 +1268,7 @@
       </p:sp>
       <p:sp>
         <p:nvSpPr>
-          <p:cNvPr id="134" name="Google Shape;134;g10125a04487_0_438:notes"/>
+          <p:cNvPr id="132" name="Google Shape;132;gfa5439182c_0_150:notes"/>
           <p:cNvSpPr txBox="1"/>
           <p:nvPr>
             <p:ph idx="1" type="body"/>
@@ -1313,7 +1318,7 @@
   <p:cSld>
     <p:spTree>
       <p:nvGrpSpPr>
-        <p:cNvPr id="139" name="Shape 139"/>
+        <p:cNvPr id="136" name="Shape 136"/>
         <p:cNvGrpSpPr/>
         <p:nvPr/>
       </p:nvGrpSpPr>
@@ -1327,7 +1332,7 @@
       </p:grpSpPr>
       <p:sp>
         <p:nvSpPr>
-          <p:cNvPr id="140" name="Google Shape;140;g10125a04487_0_443:notes"/>
+          <p:cNvPr id="137" name="Google Shape;137;gfa5439182c_0_146:notes"/>
           <p:cNvSpPr/>
           <p:nvPr>
             <p:ph idx="2" type="sldImg"/>
@@ -1362,7 +1367,7 @@
       </p:sp>
       <p:sp>
         <p:nvSpPr>
-          <p:cNvPr id="141" name="Google Shape;141;g10125a04487_0_443:notes"/>
+          <p:cNvPr id="138" name="Google Shape;138;gfa5439182c_0_146:notes"/>
           <p:cNvSpPr txBox="1"/>
           <p:nvPr>
             <p:ph idx="1" type="body"/>
@@ -1393,7 +1398,8 @@
               <a:buNone/>
             </a:pPr>
             <a:r>
-              <a:t/>
+              <a:rPr lang="en"/>
+              <a:t>Slides for stages 1 and 2 upto EDA and Data Engineering done.</a:t>
             </a:r>
             <a:endParaRPr/>
           </a:p>
@@ -1426,7 +1432,7 @@
       </p:grpSpPr>
       <p:sp>
         <p:nvSpPr>
-          <p:cNvPr id="145" name="Google Shape;145;g10125a04487_0_448:notes"/>
+          <p:cNvPr id="145" name="Google Shape;145;g10125a04487_0_434:notes"/>
           <p:cNvSpPr/>
           <p:nvPr>
             <p:ph idx="2" type="sldImg"/>
@@ -1461,7 +1467,7 @@
       </p:sp>
       <p:sp>
         <p:nvSpPr>
-          <p:cNvPr id="146" name="Google Shape;146;g10125a04487_0_448:notes"/>
+          <p:cNvPr id="146" name="Google Shape;146;g10125a04487_0_434:notes"/>
           <p:cNvSpPr txBox="1"/>
           <p:nvPr>
             <p:ph idx="1" type="body"/>
@@ -1511,7 +1517,7 @@
   <p:cSld>
     <p:spTree>
       <p:nvGrpSpPr>
-        <p:cNvPr id="150" name="Shape 150"/>
+        <p:cNvPr id="149" name="Shape 149"/>
         <p:cNvGrpSpPr/>
         <p:nvPr/>
       </p:nvGrpSpPr>
@@ -1525,7 +1531,7 @@
       </p:grpSpPr>
       <p:sp>
         <p:nvSpPr>
-          <p:cNvPr id="151" name="Google Shape;151;g10125a04487_0_454:notes"/>
+          <p:cNvPr id="150" name="Google Shape;150;g104e0cc5998_0_6:notes"/>
           <p:cNvSpPr/>
           <p:nvPr>
             <p:ph idx="2" type="sldImg"/>
@@ -1560,7 +1566,7 @@
       </p:sp>
       <p:sp>
         <p:nvSpPr>
-          <p:cNvPr id="152" name="Google Shape;152;g10125a04487_0_454:notes"/>
+          <p:cNvPr id="151" name="Google Shape;151;g104e0cc5998_0_6:notes"/>
           <p:cNvSpPr txBox="1"/>
           <p:nvPr>
             <p:ph idx="1" type="body"/>
@@ -1610,7 +1616,7 @@
   <p:cSld>
     <p:spTree>
       <p:nvGrpSpPr>
-        <p:cNvPr id="155" name="Shape 155"/>
+        <p:cNvPr id="154" name="Shape 154"/>
         <p:cNvGrpSpPr/>
         <p:nvPr/>
       </p:nvGrpSpPr>
@@ -1624,7 +1630,7 @@
       </p:grpSpPr>
       <p:sp>
         <p:nvSpPr>
-          <p:cNvPr id="156" name="Google Shape;156;g10125a04487_0_458:notes"/>
+          <p:cNvPr id="155" name="Google Shape;155;g10125a04487_0_438:notes"/>
           <p:cNvSpPr/>
           <p:nvPr>
             <p:ph idx="2" type="sldImg"/>
@@ -1659,7 +1665,7 @@
       </p:sp>
       <p:sp>
         <p:nvSpPr>
-          <p:cNvPr id="157" name="Google Shape;157;g10125a04487_0_458:notes"/>
+          <p:cNvPr id="156" name="Google Shape;156;g10125a04487_0_438:notes"/>
           <p:cNvSpPr txBox="1"/>
           <p:nvPr>
             <p:ph idx="1" type="body"/>
@@ -1723,7 +1729,7 @@
       </p:grpSpPr>
       <p:sp>
         <p:nvSpPr>
-          <p:cNvPr id="162" name="Google Shape;162;g10125a04487_0_463:notes"/>
+          <p:cNvPr id="162" name="Google Shape;162;g104fbd46bb0_0_32:notes"/>
           <p:cNvSpPr/>
           <p:nvPr>
             <p:ph idx="2" type="sldImg"/>
@@ -1758,7 +1764,7 @@
       </p:sp>
       <p:sp>
         <p:nvSpPr>
-          <p:cNvPr id="163" name="Google Shape;163;g10125a04487_0_463:notes"/>
+          <p:cNvPr id="163" name="Google Shape;163;g104fbd46bb0_0_32:notes"/>
           <p:cNvSpPr txBox="1"/>
           <p:nvPr>
             <p:ph idx="1" type="body"/>
@@ -1902,12 +1908,12 @@
 </p:notes>
 </file>
 
-<file path=ppt/notesSlides/notesSlide3.xml><?xml version="1.0" encoding="utf-8"?>
+<file path=ppt/notesSlides/notesSlide20.xml><?xml version="1.0" encoding="utf-8"?>
 <p:notes xmlns:a="http://schemas.openxmlformats.org/drawingml/2006/main" xmlns:r="http://schemas.openxmlformats.org/officeDocument/2006/relationships" xmlns:mc="http://schemas.openxmlformats.org/markup-compatibility/2006" xmlns:mv="urn:schemas-microsoft-com:mac:vml" xmlns:p="http://schemas.openxmlformats.org/presentationml/2006/main" xmlns:c="http://schemas.openxmlformats.org/drawingml/2006/chart" xmlns:dgm="http://schemas.openxmlformats.org/drawingml/2006/diagram" xmlns:o="urn:schemas-microsoft-com:office:office" xmlns:v="urn:schemas-microsoft-com:vml" xmlns:pvml="urn:schemas-microsoft-com:office:powerpoint" xmlns:com="http://schemas.openxmlformats.org/drawingml/2006/compatibility" xmlns:p14="http://schemas.microsoft.com/office/powerpoint/2010/main" xmlns:p15="http://schemas.microsoft.com/office/powerpoint/2012/main" xmlns:ahyp="http://schemas.microsoft.com/office/drawing/2018/hyperlinkcolor" showMasterPhAnim="0" showMasterSp="0">
   <p:cSld>
     <p:spTree>
       <p:nvGrpSpPr>
-        <p:cNvPr id="70" name="Shape 70"/>
+        <p:cNvPr id="167" name="Shape 167"/>
         <p:cNvGrpSpPr/>
         <p:nvPr/>
       </p:nvGrpSpPr>
@@ -1921,7 +1927,7 @@
       </p:grpSpPr>
       <p:sp>
         <p:nvSpPr>
-          <p:cNvPr id="71" name="Google Shape;71;g10125a04487_0_414:notes"/>
+          <p:cNvPr id="168" name="Google Shape;168;g104fbd46bb0_0_27:notes"/>
           <p:cNvSpPr/>
           <p:nvPr>
             <p:ph idx="2" type="sldImg"/>
@@ -1956,7 +1962,601 @@
       </p:sp>
       <p:sp>
         <p:nvSpPr>
-          <p:cNvPr id="72" name="Google Shape;72;g10125a04487_0_414:notes"/>
+          <p:cNvPr id="169" name="Google Shape;169;g104fbd46bb0_0_27:notes"/>
+          <p:cNvSpPr txBox="1"/>
+          <p:nvPr>
+            <p:ph idx="1" type="body"/>
+          </p:nvPr>
+        </p:nvSpPr>
+        <p:spPr>
+          <a:xfrm>
+            <a:off x="685800" y="4343400"/>
+            <a:ext cx="5486400" cy="4114800"/>
+          </a:xfrm>
+          <a:prstGeom prst="rect">
+            <a:avLst/>
+          </a:prstGeom>
+        </p:spPr>
+        <p:txBody>
+          <a:bodyPr anchorCtr="0" anchor="t" bIns="91425" lIns="91425" spcFirstLastPara="1" rIns="91425" wrap="square" tIns="91425">
+            <a:noAutofit/>
+          </a:bodyPr>
+          <a:lstStyle/>
+          <a:p>
+            <a:pPr indent="0" lvl="0" marL="0" rtl="0" algn="l">
+              <a:spcBef>
+                <a:spcPts val="0"/>
+              </a:spcBef>
+              <a:spcAft>
+                <a:spcPts val="0"/>
+              </a:spcAft>
+              <a:buNone/>
+            </a:pPr>
+            <a:r>
+              <a:t/>
+            </a:r>
+            <a:endParaRPr/>
+          </a:p>
+        </p:txBody>
+      </p:sp>
+    </p:spTree>
+  </p:cSld>
+  <p:clrMapOvr>
+    <a:masterClrMapping/>
+  </p:clrMapOvr>
+</p:notes>
+</file>
+
+<file path=ppt/notesSlides/notesSlide21.xml><?xml version="1.0" encoding="utf-8"?>
+<p:notes xmlns:a="http://schemas.openxmlformats.org/drawingml/2006/main" xmlns:r="http://schemas.openxmlformats.org/officeDocument/2006/relationships" xmlns:mc="http://schemas.openxmlformats.org/markup-compatibility/2006" xmlns:mv="urn:schemas-microsoft-com:mac:vml" xmlns:p="http://schemas.openxmlformats.org/presentationml/2006/main" xmlns:c="http://schemas.openxmlformats.org/drawingml/2006/chart" xmlns:dgm="http://schemas.openxmlformats.org/drawingml/2006/diagram" xmlns:o="urn:schemas-microsoft-com:office:office" xmlns:v="urn:schemas-microsoft-com:vml" xmlns:pvml="urn:schemas-microsoft-com:office:powerpoint" xmlns:com="http://schemas.openxmlformats.org/drawingml/2006/compatibility" xmlns:p14="http://schemas.microsoft.com/office/powerpoint/2010/main" xmlns:p15="http://schemas.microsoft.com/office/powerpoint/2012/main" xmlns:ahyp="http://schemas.microsoft.com/office/drawing/2018/hyperlinkcolor" showMasterPhAnim="0" showMasterSp="0">
+  <p:cSld>
+    <p:spTree>
+      <p:nvGrpSpPr>
+        <p:cNvPr id="172" name="Shape 172"/>
+        <p:cNvGrpSpPr/>
+        <p:nvPr/>
+      </p:nvGrpSpPr>
+      <p:grpSpPr>
+        <a:xfrm>
+          <a:off x="0" y="0"/>
+          <a:ext cx="0" cy="0"/>
+          <a:chOff x="0" y="0"/>
+          <a:chExt cx="0" cy="0"/>
+        </a:xfrm>
+      </p:grpSpPr>
+      <p:sp>
+        <p:nvSpPr>
+          <p:cNvPr id="173" name="Google Shape;173;g10125a04487_0_443:notes"/>
+          <p:cNvSpPr/>
+          <p:nvPr>
+            <p:ph idx="2" type="sldImg"/>
+          </p:nvPr>
+        </p:nvSpPr>
+        <p:spPr>
+          <a:xfrm>
+            <a:off x="381300" y="685800"/>
+            <a:ext cx="6096000" cy="3429000"/>
+          </a:xfrm>
+          <a:custGeom>
+            <a:rect b="b" l="l" r="r" t="t"/>
+            <a:pathLst>
+              <a:path extrusionOk="0" h="120000" w="120000">
+                <a:moveTo>
+                  <a:pt x="0" y="0"/>
+                </a:moveTo>
+                <a:lnTo>
+                  <a:pt x="120000" y="0"/>
+                </a:lnTo>
+                <a:lnTo>
+                  <a:pt x="120000" y="120000"/>
+                </a:lnTo>
+                <a:lnTo>
+                  <a:pt x="0" y="120000"/>
+                </a:lnTo>
+                <a:close/>
+              </a:path>
+            </a:pathLst>
+          </a:custGeom>
+        </p:spPr>
+      </p:sp>
+      <p:sp>
+        <p:nvSpPr>
+          <p:cNvPr id="174" name="Google Shape;174;g10125a04487_0_443:notes"/>
+          <p:cNvSpPr txBox="1"/>
+          <p:nvPr>
+            <p:ph idx="1" type="body"/>
+          </p:nvPr>
+        </p:nvSpPr>
+        <p:spPr>
+          <a:xfrm>
+            <a:off x="685800" y="4343400"/>
+            <a:ext cx="5486400" cy="4114800"/>
+          </a:xfrm>
+          <a:prstGeom prst="rect">
+            <a:avLst/>
+          </a:prstGeom>
+        </p:spPr>
+        <p:txBody>
+          <a:bodyPr anchorCtr="0" anchor="t" bIns="91425" lIns="91425" spcFirstLastPara="1" rIns="91425" wrap="square" tIns="91425">
+            <a:noAutofit/>
+          </a:bodyPr>
+          <a:lstStyle/>
+          <a:p>
+            <a:pPr indent="0" lvl="0" marL="0" rtl="0" algn="l">
+              <a:spcBef>
+                <a:spcPts val="0"/>
+              </a:spcBef>
+              <a:spcAft>
+                <a:spcPts val="0"/>
+              </a:spcAft>
+              <a:buNone/>
+            </a:pPr>
+            <a:r>
+              <a:t/>
+            </a:r>
+            <a:endParaRPr/>
+          </a:p>
+        </p:txBody>
+      </p:sp>
+    </p:spTree>
+  </p:cSld>
+  <p:clrMapOvr>
+    <a:masterClrMapping/>
+  </p:clrMapOvr>
+</p:notes>
+</file>
+
+<file path=ppt/notesSlides/notesSlide22.xml><?xml version="1.0" encoding="utf-8"?>
+<p:notes xmlns:a="http://schemas.openxmlformats.org/drawingml/2006/main" xmlns:r="http://schemas.openxmlformats.org/officeDocument/2006/relationships" xmlns:mc="http://schemas.openxmlformats.org/markup-compatibility/2006" xmlns:mv="urn:schemas-microsoft-com:mac:vml" xmlns:p="http://schemas.openxmlformats.org/presentationml/2006/main" xmlns:c="http://schemas.openxmlformats.org/drawingml/2006/chart" xmlns:dgm="http://schemas.openxmlformats.org/drawingml/2006/diagram" xmlns:o="urn:schemas-microsoft-com:office:office" xmlns:v="urn:schemas-microsoft-com:vml" xmlns:pvml="urn:schemas-microsoft-com:office:powerpoint" xmlns:com="http://schemas.openxmlformats.org/drawingml/2006/compatibility" xmlns:p14="http://schemas.microsoft.com/office/powerpoint/2010/main" xmlns:p15="http://schemas.microsoft.com/office/powerpoint/2012/main" xmlns:ahyp="http://schemas.microsoft.com/office/drawing/2018/hyperlinkcolor" showMasterPhAnim="0" showMasterSp="0">
+  <p:cSld>
+    <p:spTree>
+      <p:nvGrpSpPr>
+        <p:cNvPr id="177" name="Shape 177"/>
+        <p:cNvGrpSpPr/>
+        <p:nvPr/>
+      </p:nvGrpSpPr>
+      <p:grpSpPr>
+        <a:xfrm>
+          <a:off x="0" y="0"/>
+          <a:ext cx="0" cy="0"/>
+          <a:chOff x="0" y="0"/>
+          <a:chExt cx="0" cy="0"/>
+        </a:xfrm>
+      </p:grpSpPr>
+      <p:sp>
+        <p:nvSpPr>
+          <p:cNvPr id="178" name="Google Shape;178;g10125a04487_0_448:notes"/>
+          <p:cNvSpPr/>
+          <p:nvPr>
+            <p:ph idx="2" type="sldImg"/>
+          </p:nvPr>
+        </p:nvSpPr>
+        <p:spPr>
+          <a:xfrm>
+            <a:off x="381300" y="685800"/>
+            <a:ext cx="6096000" cy="3429000"/>
+          </a:xfrm>
+          <a:custGeom>
+            <a:rect b="b" l="l" r="r" t="t"/>
+            <a:pathLst>
+              <a:path extrusionOk="0" h="120000" w="120000">
+                <a:moveTo>
+                  <a:pt x="0" y="0"/>
+                </a:moveTo>
+                <a:lnTo>
+                  <a:pt x="120000" y="0"/>
+                </a:lnTo>
+                <a:lnTo>
+                  <a:pt x="120000" y="120000"/>
+                </a:lnTo>
+                <a:lnTo>
+                  <a:pt x="0" y="120000"/>
+                </a:lnTo>
+                <a:close/>
+              </a:path>
+            </a:pathLst>
+          </a:custGeom>
+        </p:spPr>
+      </p:sp>
+      <p:sp>
+        <p:nvSpPr>
+          <p:cNvPr id="179" name="Google Shape;179;g10125a04487_0_448:notes"/>
+          <p:cNvSpPr txBox="1"/>
+          <p:nvPr>
+            <p:ph idx="1" type="body"/>
+          </p:nvPr>
+        </p:nvSpPr>
+        <p:spPr>
+          <a:xfrm>
+            <a:off x="685800" y="4343400"/>
+            <a:ext cx="5486400" cy="4114800"/>
+          </a:xfrm>
+          <a:prstGeom prst="rect">
+            <a:avLst/>
+          </a:prstGeom>
+        </p:spPr>
+        <p:txBody>
+          <a:bodyPr anchorCtr="0" anchor="t" bIns="91425" lIns="91425" spcFirstLastPara="1" rIns="91425" wrap="square" tIns="91425">
+            <a:noAutofit/>
+          </a:bodyPr>
+          <a:lstStyle/>
+          <a:p>
+            <a:pPr indent="0" lvl="0" marL="0" rtl="0" algn="l">
+              <a:spcBef>
+                <a:spcPts val="0"/>
+              </a:spcBef>
+              <a:spcAft>
+                <a:spcPts val="0"/>
+              </a:spcAft>
+              <a:buNone/>
+            </a:pPr>
+            <a:r>
+              <a:t/>
+            </a:r>
+            <a:endParaRPr/>
+          </a:p>
+        </p:txBody>
+      </p:sp>
+    </p:spTree>
+  </p:cSld>
+  <p:clrMapOvr>
+    <a:masterClrMapping/>
+  </p:clrMapOvr>
+</p:notes>
+</file>
+
+<file path=ppt/notesSlides/notesSlide23.xml><?xml version="1.0" encoding="utf-8"?>
+<p:notes xmlns:a="http://schemas.openxmlformats.org/drawingml/2006/main" xmlns:r="http://schemas.openxmlformats.org/officeDocument/2006/relationships" xmlns:mc="http://schemas.openxmlformats.org/markup-compatibility/2006" xmlns:mv="urn:schemas-microsoft-com:mac:vml" xmlns:p="http://schemas.openxmlformats.org/presentationml/2006/main" xmlns:c="http://schemas.openxmlformats.org/drawingml/2006/chart" xmlns:dgm="http://schemas.openxmlformats.org/drawingml/2006/diagram" xmlns:o="urn:schemas-microsoft-com:office:office" xmlns:v="urn:schemas-microsoft-com:vml" xmlns:pvml="urn:schemas-microsoft-com:office:powerpoint" xmlns:com="http://schemas.openxmlformats.org/drawingml/2006/compatibility" xmlns:p14="http://schemas.microsoft.com/office/powerpoint/2010/main" xmlns:p15="http://schemas.microsoft.com/office/powerpoint/2012/main" xmlns:ahyp="http://schemas.microsoft.com/office/drawing/2018/hyperlinkcolor" showMasterPhAnim="0" showMasterSp="0">
+  <p:cSld>
+    <p:spTree>
+      <p:nvGrpSpPr>
+        <p:cNvPr id="183" name="Shape 183"/>
+        <p:cNvGrpSpPr/>
+        <p:nvPr/>
+      </p:nvGrpSpPr>
+      <p:grpSpPr>
+        <a:xfrm>
+          <a:off x="0" y="0"/>
+          <a:ext cx="0" cy="0"/>
+          <a:chOff x="0" y="0"/>
+          <a:chExt cx="0" cy="0"/>
+        </a:xfrm>
+      </p:grpSpPr>
+      <p:sp>
+        <p:nvSpPr>
+          <p:cNvPr id="184" name="Google Shape;184;g10125a04487_0_454:notes"/>
+          <p:cNvSpPr/>
+          <p:nvPr>
+            <p:ph idx="2" type="sldImg"/>
+          </p:nvPr>
+        </p:nvSpPr>
+        <p:spPr>
+          <a:xfrm>
+            <a:off x="381300" y="685800"/>
+            <a:ext cx="6096000" cy="3429000"/>
+          </a:xfrm>
+          <a:custGeom>
+            <a:rect b="b" l="l" r="r" t="t"/>
+            <a:pathLst>
+              <a:path extrusionOk="0" h="120000" w="120000">
+                <a:moveTo>
+                  <a:pt x="0" y="0"/>
+                </a:moveTo>
+                <a:lnTo>
+                  <a:pt x="120000" y="0"/>
+                </a:lnTo>
+                <a:lnTo>
+                  <a:pt x="120000" y="120000"/>
+                </a:lnTo>
+                <a:lnTo>
+                  <a:pt x="0" y="120000"/>
+                </a:lnTo>
+                <a:close/>
+              </a:path>
+            </a:pathLst>
+          </a:custGeom>
+        </p:spPr>
+      </p:sp>
+      <p:sp>
+        <p:nvSpPr>
+          <p:cNvPr id="185" name="Google Shape;185;g10125a04487_0_454:notes"/>
+          <p:cNvSpPr txBox="1"/>
+          <p:nvPr>
+            <p:ph idx="1" type="body"/>
+          </p:nvPr>
+        </p:nvSpPr>
+        <p:spPr>
+          <a:xfrm>
+            <a:off x="685800" y="4343400"/>
+            <a:ext cx="5486400" cy="4114800"/>
+          </a:xfrm>
+          <a:prstGeom prst="rect">
+            <a:avLst/>
+          </a:prstGeom>
+        </p:spPr>
+        <p:txBody>
+          <a:bodyPr anchorCtr="0" anchor="t" bIns="91425" lIns="91425" spcFirstLastPara="1" rIns="91425" wrap="square" tIns="91425">
+            <a:noAutofit/>
+          </a:bodyPr>
+          <a:lstStyle/>
+          <a:p>
+            <a:pPr indent="0" lvl="0" marL="0" rtl="0" algn="l">
+              <a:spcBef>
+                <a:spcPts val="0"/>
+              </a:spcBef>
+              <a:spcAft>
+                <a:spcPts val="0"/>
+              </a:spcAft>
+              <a:buNone/>
+            </a:pPr>
+            <a:r>
+              <a:t/>
+            </a:r>
+            <a:endParaRPr/>
+          </a:p>
+        </p:txBody>
+      </p:sp>
+    </p:spTree>
+  </p:cSld>
+  <p:clrMapOvr>
+    <a:masterClrMapping/>
+  </p:clrMapOvr>
+</p:notes>
+</file>
+
+<file path=ppt/notesSlides/notesSlide24.xml><?xml version="1.0" encoding="utf-8"?>
+<p:notes xmlns:a="http://schemas.openxmlformats.org/drawingml/2006/main" xmlns:r="http://schemas.openxmlformats.org/officeDocument/2006/relationships" xmlns:mc="http://schemas.openxmlformats.org/markup-compatibility/2006" xmlns:mv="urn:schemas-microsoft-com:mac:vml" xmlns:p="http://schemas.openxmlformats.org/presentationml/2006/main" xmlns:c="http://schemas.openxmlformats.org/drawingml/2006/chart" xmlns:dgm="http://schemas.openxmlformats.org/drawingml/2006/diagram" xmlns:o="urn:schemas-microsoft-com:office:office" xmlns:v="urn:schemas-microsoft-com:vml" xmlns:pvml="urn:schemas-microsoft-com:office:powerpoint" xmlns:com="http://schemas.openxmlformats.org/drawingml/2006/compatibility" xmlns:p14="http://schemas.microsoft.com/office/powerpoint/2010/main" xmlns:p15="http://schemas.microsoft.com/office/powerpoint/2012/main" xmlns:ahyp="http://schemas.microsoft.com/office/drawing/2018/hyperlinkcolor" showMasterPhAnim="0" showMasterSp="0">
+  <p:cSld>
+    <p:spTree>
+      <p:nvGrpSpPr>
+        <p:cNvPr id="188" name="Shape 188"/>
+        <p:cNvGrpSpPr/>
+        <p:nvPr/>
+      </p:nvGrpSpPr>
+      <p:grpSpPr>
+        <a:xfrm>
+          <a:off x="0" y="0"/>
+          <a:ext cx="0" cy="0"/>
+          <a:chOff x="0" y="0"/>
+          <a:chExt cx="0" cy="0"/>
+        </a:xfrm>
+      </p:grpSpPr>
+      <p:sp>
+        <p:nvSpPr>
+          <p:cNvPr id="189" name="Google Shape;189;g10125a04487_0_458:notes"/>
+          <p:cNvSpPr/>
+          <p:nvPr>
+            <p:ph idx="2" type="sldImg"/>
+          </p:nvPr>
+        </p:nvSpPr>
+        <p:spPr>
+          <a:xfrm>
+            <a:off x="381300" y="685800"/>
+            <a:ext cx="6096000" cy="3429000"/>
+          </a:xfrm>
+          <a:custGeom>
+            <a:rect b="b" l="l" r="r" t="t"/>
+            <a:pathLst>
+              <a:path extrusionOk="0" h="120000" w="120000">
+                <a:moveTo>
+                  <a:pt x="0" y="0"/>
+                </a:moveTo>
+                <a:lnTo>
+                  <a:pt x="120000" y="0"/>
+                </a:lnTo>
+                <a:lnTo>
+                  <a:pt x="120000" y="120000"/>
+                </a:lnTo>
+                <a:lnTo>
+                  <a:pt x="0" y="120000"/>
+                </a:lnTo>
+                <a:close/>
+              </a:path>
+            </a:pathLst>
+          </a:custGeom>
+        </p:spPr>
+      </p:sp>
+      <p:sp>
+        <p:nvSpPr>
+          <p:cNvPr id="190" name="Google Shape;190;g10125a04487_0_458:notes"/>
+          <p:cNvSpPr txBox="1"/>
+          <p:nvPr>
+            <p:ph idx="1" type="body"/>
+          </p:nvPr>
+        </p:nvSpPr>
+        <p:spPr>
+          <a:xfrm>
+            <a:off x="685800" y="4343400"/>
+            <a:ext cx="5486400" cy="4114800"/>
+          </a:xfrm>
+          <a:prstGeom prst="rect">
+            <a:avLst/>
+          </a:prstGeom>
+        </p:spPr>
+        <p:txBody>
+          <a:bodyPr anchorCtr="0" anchor="t" bIns="91425" lIns="91425" spcFirstLastPara="1" rIns="91425" wrap="square" tIns="91425">
+            <a:noAutofit/>
+          </a:bodyPr>
+          <a:lstStyle/>
+          <a:p>
+            <a:pPr indent="0" lvl="0" marL="0" rtl="0" algn="l">
+              <a:spcBef>
+                <a:spcPts val="0"/>
+              </a:spcBef>
+              <a:spcAft>
+                <a:spcPts val="0"/>
+              </a:spcAft>
+              <a:buNone/>
+            </a:pPr>
+            <a:r>
+              <a:t/>
+            </a:r>
+            <a:endParaRPr/>
+          </a:p>
+        </p:txBody>
+      </p:sp>
+    </p:spTree>
+  </p:cSld>
+  <p:clrMapOvr>
+    <a:masterClrMapping/>
+  </p:clrMapOvr>
+</p:notes>
+</file>
+
+<file path=ppt/notesSlides/notesSlide25.xml><?xml version="1.0" encoding="utf-8"?>
+<p:notes xmlns:a="http://schemas.openxmlformats.org/drawingml/2006/main" xmlns:r="http://schemas.openxmlformats.org/officeDocument/2006/relationships" xmlns:mc="http://schemas.openxmlformats.org/markup-compatibility/2006" xmlns:mv="urn:schemas-microsoft-com:mac:vml" xmlns:p="http://schemas.openxmlformats.org/presentationml/2006/main" xmlns:c="http://schemas.openxmlformats.org/drawingml/2006/chart" xmlns:dgm="http://schemas.openxmlformats.org/drawingml/2006/diagram" xmlns:o="urn:schemas-microsoft-com:office:office" xmlns:v="urn:schemas-microsoft-com:vml" xmlns:pvml="urn:schemas-microsoft-com:office:powerpoint" xmlns:com="http://schemas.openxmlformats.org/drawingml/2006/compatibility" xmlns:p14="http://schemas.microsoft.com/office/powerpoint/2010/main" xmlns:p15="http://schemas.microsoft.com/office/powerpoint/2012/main" xmlns:ahyp="http://schemas.microsoft.com/office/drawing/2018/hyperlinkcolor" showMasterPhAnim="0" showMasterSp="0">
+  <p:cSld>
+    <p:spTree>
+      <p:nvGrpSpPr>
+        <p:cNvPr id="194" name="Shape 194"/>
+        <p:cNvGrpSpPr/>
+        <p:nvPr/>
+      </p:nvGrpSpPr>
+      <p:grpSpPr>
+        <a:xfrm>
+          <a:off x="0" y="0"/>
+          <a:ext cx="0" cy="0"/>
+          <a:chOff x="0" y="0"/>
+          <a:chExt cx="0" cy="0"/>
+        </a:xfrm>
+      </p:grpSpPr>
+      <p:sp>
+        <p:nvSpPr>
+          <p:cNvPr id="195" name="Google Shape;195;g10125a04487_0_463:notes"/>
+          <p:cNvSpPr/>
+          <p:nvPr>
+            <p:ph idx="2" type="sldImg"/>
+          </p:nvPr>
+        </p:nvSpPr>
+        <p:spPr>
+          <a:xfrm>
+            <a:off x="381300" y="685800"/>
+            <a:ext cx="6096000" cy="3429000"/>
+          </a:xfrm>
+          <a:custGeom>
+            <a:rect b="b" l="l" r="r" t="t"/>
+            <a:pathLst>
+              <a:path extrusionOk="0" h="120000" w="120000">
+                <a:moveTo>
+                  <a:pt x="0" y="0"/>
+                </a:moveTo>
+                <a:lnTo>
+                  <a:pt x="120000" y="0"/>
+                </a:lnTo>
+                <a:lnTo>
+                  <a:pt x="120000" y="120000"/>
+                </a:lnTo>
+                <a:lnTo>
+                  <a:pt x="0" y="120000"/>
+                </a:lnTo>
+                <a:close/>
+              </a:path>
+            </a:pathLst>
+          </a:custGeom>
+        </p:spPr>
+      </p:sp>
+      <p:sp>
+        <p:nvSpPr>
+          <p:cNvPr id="196" name="Google Shape;196;g10125a04487_0_463:notes"/>
+          <p:cNvSpPr txBox="1"/>
+          <p:nvPr>
+            <p:ph idx="1" type="body"/>
+          </p:nvPr>
+        </p:nvSpPr>
+        <p:spPr>
+          <a:xfrm>
+            <a:off x="685800" y="4343400"/>
+            <a:ext cx="5486400" cy="4114800"/>
+          </a:xfrm>
+          <a:prstGeom prst="rect">
+            <a:avLst/>
+          </a:prstGeom>
+        </p:spPr>
+        <p:txBody>
+          <a:bodyPr anchorCtr="0" anchor="t" bIns="91425" lIns="91425" spcFirstLastPara="1" rIns="91425" wrap="square" tIns="91425">
+            <a:noAutofit/>
+          </a:bodyPr>
+          <a:lstStyle/>
+          <a:p>
+            <a:pPr indent="0" lvl="0" marL="0" rtl="0" algn="l">
+              <a:spcBef>
+                <a:spcPts val="0"/>
+              </a:spcBef>
+              <a:spcAft>
+                <a:spcPts val="0"/>
+              </a:spcAft>
+              <a:buNone/>
+            </a:pPr>
+            <a:r>
+              <a:t/>
+            </a:r>
+            <a:endParaRPr/>
+          </a:p>
+        </p:txBody>
+      </p:sp>
+    </p:spTree>
+  </p:cSld>
+  <p:clrMapOvr>
+    <a:masterClrMapping/>
+  </p:clrMapOvr>
+</p:notes>
+</file>
+
+<file path=ppt/notesSlides/notesSlide3.xml><?xml version="1.0" encoding="utf-8"?>
+<p:notes xmlns:a="http://schemas.openxmlformats.org/drawingml/2006/main" xmlns:r="http://schemas.openxmlformats.org/officeDocument/2006/relationships" xmlns:mc="http://schemas.openxmlformats.org/markup-compatibility/2006" xmlns:mv="urn:schemas-microsoft-com:mac:vml" xmlns:p="http://schemas.openxmlformats.org/presentationml/2006/main" xmlns:c="http://schemas.openxmlformats.org/drawingml/2006/chart" xmlns:dgm="http://schemas.openxmlformats.org/drawingml/2006/diagram" xmlns:o="urn:schemas-microsoft-com:office:office" xmlns:v="urn:schemas-microsoft-com:vml" xmlns:pvml="urn:schemas-microsoft-com:office:powerpoint" xmlns:com="http://schemas.openxmlformats.org/drawingml/2006/compatibility" xmlns:p14="http://schemas.microsoft.com/office/powerpoint/2010/main" xmlns:p15="http://schemas.microsoft.com/office/powerpoint/2012/main" xmlns:ahyp="http://schemas.microsoft.com/office/drawing/2018/hyperlinkcolor" showMasterPhAnim="0" showMasterSp="0">
+  <p:cSld>
+    <p:spTree>
+      <p:nvGrpSpPr>
+        <p:cNvPr id="70" name="Shape 70"/>
+        <p:cNvGrpSpPr/>
+        <p:nvPr/>
+      </p:nvGrpSpPr>
+      <p:grpSpPr>
+        <a:xfrm>
+          <a:off x="0" y="0"/>
+          <a:ext cx="0" cy="0"/>
+          <a:chOff x="0" y="0"/>
+          <a:chExt cx="0" cy="0"/>
+        </a:xfrm>
+      </p:grpSpPr>
+      <p:sp>
+        <p:nvSpPr>
+          <p:cNvPr id="71" name="Google Shape;71;g104e0cc5998_0_0:notes"/>
+          <p:cNvSpPr/>
+          <p:nvPr>
+            <p:ph idx="2" type="sldImg"/>
+          </p:nvPr>
+        </p:nvSpPr>
+        <p:spPr>
+          <a:xfrm>
+            <a:off x="381300" y="685800"/>
+            <a:ext cx="6096000" cy="3429000"/>
+          </a:xfrm>
+          <a:custGeom>
+            <a:rect b="b" l="l" r="r" t="t"/>
+            <a:pathLst>
+              <a:path extrusionOk="0" h="120000" w="120000">
+                <a:moveTo>
+                  <a:pt x="0" y="0"/>
+                </a:moveTo>
+                <a:lnTo>
+                  <a:pt x="120000" y="0"/>
+                </a:lnTo>
+                <a:lnTo>
+                  <a:pt x="120000" y="120000"/>
+                </a:lnTo>
+                <a:lnTo>
+                  <a:pt x="0" y="120000"/>
+                </a:lnTo>
+                <a:close/>
+              </a:path>
+            </a:pathLst>
+          </a:custGeom>
+        </p:spPr>
+      </p:sp>
+      <p:sp>
+        <p:nvSpPr>
+          <p:cNvPr id="72" name="Google Shape;72;g104e0cc5998_0_0:notes"/>
           <p:cNvSpPr txBox="1"/>
           <p:nvPr>
             <p:ph idx="1" type="body"/>
@@ -2218,7 +2818,7 @@
       </p:grpSpPr>
       <p:sp>
         <p:nvSpPr>
-          <p:cNvPr id="87" name="Google Shape;87;g10125a04487_0_424:notes"/>
+          <p:cNvPr id="87" name="Google Shape;87;g104fbd46bb0_0_0:notes"/>
           <p:cNvSpPr/>
           <p:nvPr>
             <p:ph idx="2" type="sldImg"/>
@@ -2253,7 +2853,7 @@
       </p:sp>
       <p:sp>
         <p:nvSpPr>
-          <p:cNvPr id="88" name="Google Shape;88;g10125a04487_0_424:notes"/>
+          <p:cNvPr id="88" name="Google Shape;88;g104fbd46bb0_0_0:notes"/>
           <p:cNvSpPr txBox="1"/>
           <p:nvPr>
             <p:ph idx="1" type="body"/>
@@ -2303,7 +2903,7 @@
   <p:cSld>
     <p:spTree>
       <p:nvGrpSpPr>
-        <p:cNvPr id="91" name="Shape 91"/>
+        <p:cNvPr id="93" name="Shape 93"/>
         <p:cNvGrpSpPr/>
         <p:nvPr/>
       </p:nvGrpSpPr>
@@ -2317,7 +2917,7 @@
       </p:grpSpPr>
       <p:sp>
         <p:nvSpPr>
-          <p:cNvPr id="92" name="Google Shape;92;gfa5439182c_0_129:notes"/>
+          <p:cNvPr id="94" name="Google Shape;94;g10125a04487_0_424:notes"/>
           <p:cNvSpPr/>
           <p:nvPr>
             <p:ph idx="2" type="sldImg"/>
@@ -2352,7 +2952,7 @@
       </p:sp>
       <p:sp>
         <p:nvSpPr>
-          <p:cNvPr id="93" name="Google Shape;93;gfa5439182c_0_129:notes"/>
+          <p:cNvPr id="95" name="Google Shape;95;g10125a04487_0_424:notes"/>
           <p:cNvSpPr txBox="1"/>
           <p:nvPr>
             <p:ph idx="1" type="body"/>
@@ -2402,7 +3002,7 @@
   <p:cSld>
     <p:spTree>
       <p:nvGrpSpPr>
-        <p:cNvPr id="96" name="Shape 96"/>
+        <p:cNvPr id="98" name="Shape 98"/>
         <p:cNvGrpSpPr/>
         <p:nvPr/>
       </p:nvGrpSpPr>
@@ -2416,7 +3016,7 @@
       </p:grpSpPr>
       <p:sp>
         <p:nvSpPr>
-          <p:cNvPr id="97" name="Google Shape;97;g10125a04487_0_428:notes"/>
+          <p:cNvPr id="99" name="Google Shape;99;gfa5439182c_0_129:notes"/>
           <p:cNvSpPr/>
           <p:nvPr>
             <p:ph idx="2" type="sldImg"/>
@@ -2451,7 +3051,7 @@
       </p:sp>
       <p:sp>
         <p:nvSpPr>
-          <p:cNvPr id="98" name="Google Shape;98;g10125a04487_0_428:notes"/>
+          <p:cNvPr id="100" name="Google Shape;100;gfa5439182c_0_129:notes"/>
           <p:cNvSpPr txBox="1"/>
           <p:nvPr>
             <p:ph idx="1" type="body"/>
@@ -2501,7 +3101,7 @@
   <p:cSld>
     <p:spTree>
       <p:nvGrpSpPr>
-        <p:cNvPr id="102" name="Shape 102"/>
+        <p:cNvPr id="103" name="Shape 103"/>
         <p:cNvGrpSpPr/>
         <p:nvPr/>
       </p:nvGrpSpPr>
@@ -2515,7 +3115,7 @@
       </p:grpSpPr>
       <p:sp>
         <p:nvSpPr>
-          <p:cNvPr id="103" name="Google Shape;103;gfa5439182c_0_150:notes"/>
+          <p:cNvPr id="104" name="Google Shape;104;gfa5439182c_0_164:notes"/>
           <p:cNvSpPr/>
           <p:nvPr>
             <p:ph idx="2" type="sldImg"/>
@@ -2550,7 +3150,7 @@
       </p:sp>
       <p:sp>
         <p:nvSpPr>
-          <p:cNvPr id="104" name="Google Shape;104;gfa5439182c_0_150:notes"/>
+          <p:cNvPr id="105" name="Google Shape;105;gfa5439182c_0_164:notes"/>
           <p:cNvSpPr txBox="1"/>
           <p:nvPr>
             <p:ph idx="1" type="body"/>
@@ -7373,6 +7973,21 @@
 <file path=ppt/slides/slide1.xml><?xml version="1.0" encoding="utf-8"?>
 <p:sld xmlns:a="http://schemas.openxmlformats.org/drawingml/2006/main" xmlns:r="http://schemas.openxmlformats.org/officeDocument/2006/relationships" xmlns:mc="http://schemas.openxmlformats.org/markup-compatibility/2006" xmlns:mv="urn:schemas-microsoft-com:mac:vml" xmlns:p="http://schemas.openxmlformats.org/presentationml/2006/main" xmlns:c="http://schemas.openxmlformats.org/drawingml/2006/chart" xmlns:dgm="http://schemas.openxmlformats.org/drawingml/2006/diagram" xmlns:o="urn:schemas-microsoft-com:office:office" xmlns:v="urn:schemas-microsoft-com:vml" xmlns:pvml="urn:schemas-microsoft-com:office:powerpoint" xmlns:com="http://schemas.openxmlformats.org/drawingml/2006/compatibility" xmlns:p14="http://schemas.microsoft.com/office/powerpoint/2010/main" xmlns:p15="http://schemas.microsoft.com/office/powerpoint/2012/main" xmlns:ahyp="http://schemas.microsoft.com/office/drawing/2018/hyperlinkcolor">
   <p:cSld>
+    <p:bg>
+      <p:bgPr>
+        <a:gradFill>
+          <a:gsLst>
+            <a:gs pos="0">
+              <a:srgbClr val="EBF0F6"/>
+            </a:gs>
+            <a:gs pos="100000">
+              <a:srgbClr val="70A4D5"/>
+            </a:gs>
+          </a:gsLst>
+          <a:lin ang="16200038" scaled="0"/>
+        </a:gradFill>
+      </p:bgPr>
+    </p:bg>
     <p:spTree>
       <p:nvGrpSpPr>
         <p:cNvPr id="53" name="Shape 53"/>
@@ -7420,10 +8035,20 @@
               <a:buNone/>
             </a:pPr>
             <a:r>
-              <a:rPr lang="en"/>
+              <a:rPr lang="en">
+                <a:latin typeface="Impact"/>
+                <a:ea typeface="Impact"/>
+                <a:cs typeface="Impact"/>
+                <a:sym typeface="Impact"/>
+              </a:rPr>
               <a:t>Fraud Detection For Banking</a:t>
             </a:r>
-            <a:endParaRPr/>
+            <a:endParaRPr>
+              <a:latin typeface="Impact"/>
+              <a:ea typeface="Impact"/>
+              <a:cs typeface="Impact"/>
+              <a:sym typeface="Impact"/>
+            </a:endParaRPr>
           </a:p>
         </p:txBody>
       </p:sp>
@@ -7493,7 +8118,7 @@
         </p:blipFill>
         <p:spPr>
           <a:xfrm>
-            <a:off x="1481476" y="1362700"/>
+            <a:off x="1648051" y="1362700"/>
             <a:ext cx="5668774" cy="3443650"/>
           </a:xfrm>
           <a:prstGeom prst="rect">
@@ -7546,36 +8171,8 @@
         </p:blipFill>
         <p:spPr>
           <a:xfrm>
-            <a:off x="1" y="424975"/>
-            <a:ext cx="4666075" cy="3749193"/>
-          </a:xfrm>
-          <a:prstGeom prst="rect">
-            <a:avLst/>
-          </a:prstGeom>
-          <a:noFill/>
-          <a:ln>
-            <a:noFill/>
-          </a:ln>
-        </p:spPr>
-      </p:pic>
-      <p:pic>
-        <p:nvPicPr>
-          <p:cNvPr id="113" name="Google Shape;113;p22"/>
-          <p:cNvPicPr preferRelativeResize="0"/>
-          <p:nvPr/>
-        </p:nvPicPr>
-        <p:blipFill>
-          <a:blip r:embed="rId4">
-            <a:alphaModFix/>
-          </a:blip>
-          <a:stretch>
-            <a:fillRect/>
-          </a:stretch>
-        </p:blipFill>
-        <p:spPr>
-          <a:xfrm>
-            <a:off x="4748225" y="580675"/>
-            <a:ext cx="4278525" cy="3437801"/>
+            <a:off x="1130275" y="428625"/>
+            <a:ext cx="6667500" cy="4286250"/>
           </a:xfrm>
           <a:prstGeom prst="rect">
             <a:avLst/>
@@ -7599,7 +8196,7 @@
   <p:cSld>
     <p:spTree>
       <p:nvGrpSpPr>
-        <p:cNvPr id="117" name="Shape 117"/>
+        <p:cNvPr id="116" name="Shape 116"/>
         <p:cNvGrpSpPr/>
         <p:nvPr/>
       </p:nvGrpSpPr>
@@ -7613,7 +8210,7 @@
       </p:grpSpPr>
       <p:pic>
         <p:nvPicPr>
-          <p:cNvPr id="118" name="Google Shape;118;p23"/>
+          <p:cNvPr id="117" name="Google Shape;117;p23"/>
           <p:cNvPicPr preferRelativeResize="0"/>
           <p:nvPr/>
         </p:nvPicPr>
@@ -7626,9 +8223,37 @@
           </a:stretch>
         </p:blipFill>
         <p:spPr>
-          <a:xfrm rot="5400000">
-            <a:off x="1603600" y="-1342725"/>
-            <a:ext cx="5132675" cy="7955226"/>
+          <a:xfrm>
+            <a:off x="1" y="424975"/>
+            <a:ext cx="4666075" cy="3749193"/>
+          </a:xfrm>
+          <a:prstGeom prst="rect">
+            <a:avLst/>
+          </a:prstGeom>
+          <a:noFill/>
+          <a:ln>
+            <a:noFill/>
+          </a:ln>
+        </p:spPr>
+      </p:pic>
+      <p:pic>
+        <p:nvPicPr>
+          <p:cNvPr id="118" name="Google Shape;118;p23"/>
+          <p:cNvPicPr preferRelativeResize="0"/>
+          <p:nvPr/>
+        </p:nvPicPr>
+        <p:blipFill>
+          <a:blip r:embed="rId4">
+            <a:alphaModFix/>
+          </a:blip>
+          <a:stretch>
+            <a:fillRect/>
+          </a:stretch>
+        </p:blipFill>
+        <p:spPr>
+          <a:xfrm>
+            <a:off x="4666075" y="839150"/>
+            <a:ext cx="4477925" cy="2213789"/>
           </a:xfrm>
           <a:prstGeom prst="rect">
             <a:avLst/>
@@ -7664,9 +8289,787 @@
           <a:chExt cx="0" cy="0"/>
         </a:xfrm>
       </p:grpSpPr>
+      <p:pic>
+        <p:nvPicPr>
+          <p:cNvPr id="123" name="Google Shape;123;p24"/>
+          <p:cNvPicPr preferRelativeResize="0"/>
+          <p:nvPr/>
+        </p:nvPicPr>
+        <p:blipFill>
+          <a:blip r:embed="rId3">
+            <a:alphaModFix/>
+          </a:blip>
+          <a:stretch>
+            <a:fillRect/>
+          </a:stretch>
+        </p:blipFill>
+        <p:spPr>
+          <a:xfrm>
+            <a:off x="150475" y="477725"/>
+            <a:ext cx="4849999" cy="3896976"/>
+          </a:xfrm>
+          <a:prstGeom prst="rect">
+            <a:avLst/>
+          </a:prstGeom>
+          <a:noFill/>
+          <a:ln>
+            <a:noFill/>
+          </a:ln>
+        </p:spPr>
+      </p:pic>
+    </p:spTree>
+  </p:cSld>
+  <p:clrMapOvr>
+    <a:masterClrMapping/>
+  </p:clrMapOvr>
+</p:sld>
+</file>
+
+<file path=ppt/slides/slide13.xml><?xml version="1.0" encoding="utf-8"?>
+<p:sld xmlns:a="http://schemas.openxmlformats.org/drawingml/2006/main" xmlns:r="http://schemas.openxmlformats.org/officeDocument/2006/relationships" xmlns:mc="http://schemas.openxmlformats.org/markup-compatibility/2006" xmlns:mv="urn:schemas-microsoft-com:mac:vml" xmlns:p="http://schemas.openxmlformats.org/presentationml/2006/main" xmlns:c="http://schemas.openxmlformats.org/drawingml/2006/chart" xmlns:dgm="http://schemas.openxmlformats.org/drawingml/2006/diagram" xmlns:o="urn:schemas-microsoft-com:office:office" xmlns:v="urn:schemas-microsoft-com:vml" xmlns:pvml="urn:schemas-microsoft-com:office:powerpoint" xmlns:com="http://schemas.openxmlformats.org/drawingml/2006/compatibility" xmlns:p14="http://schemas.microsoft.com/office/powerpoint/2010/main" xmlns:p15="http://schemas.microsoft.com/office/powerpoint/2012/main" xmlns:ahyp="http://schemas.microsoft.com/office/drawing/2018/hyperlinkcolor">
+  <p:cSld>
+    <p:spTree>
+      <p:nvGrpSpPr>
+        <p:cNvPr id="127" name="Shape 127"/>
+        <p:cNvGrpSpPr/>
+        <p:nvPr/>
+      </p:nvGrpSpPr>
+      <p:grpSpPr>
+        <a:xfrm>
+          <a:off x="0" y="0"/>
+          <a:ext cx="0" cy="0"/>
+          <a:chOff x="0" y="0"/>
+          <a:chExt cx="0" cy="0"/>
+        </a:xfrm>
+      </p:grpSpPr>
       <p:sp>
         <p:nvSpPr>
-          <p:cNvPr id="123" name="Google Shape;123;p24"/>
+          <p:cNvPr id="128" name="Google Shape;128;p25"/>
+          <p:cNvSpPr txBox="1"/>
+          <p:nvPr>
+            <p:ph type="title"/>
+          </p:nvPr>
+        </p:nvSpPr>
+        <p:spPr>
+          <a:xfrm>
+            <a:off x="311700" y="225225"/>
+            <a:ext cx="8520600" cy="572700"/>
+          </a:xfrm>
+          <a:prstGeom prst="rect">
+            <a:avLst/>
+          </a:prstGeom>
+        </p:spPr>
+        <p:txBody>
+          <a:bodyPr anchorCtr="0" anchor="t" bIns="91425" lIns="91425" spcFirstLastPara="1" rIns="91425" wrap="square" tIns="91425">
+            <a:normAutofit fontScale="90000"/>
+          </a:bodyPr>
+          <a:lstStyle/>
+          <a:p>
+            <a:pPr indent="0" lvl="0" marL="0" rtl="0" algn="l">
+              <a:spcBef>
+                <a:spcPts val="0"/>
+              </a:spcBef>
+              <a:spcAft>
+                <a:spcPts val="0"/>
+              </a:spcAft>
+              <a:buNone/>
+            </a:pPr>
+            <a:r>
+              <a:rPr lang="en"/>
+              <a:t>2. Exploratory Data Analysis</a:t>
+            </a:r>
+            <a:endParaRPr/>
+          </a:p>
+        </p:txBody>
+      </p:sp>
+      <p:sp>
+        <p:nvSpPr>
+          <p:cNvPr id="129" name="Google Shape;129;p25"/>
+          <p:cNvSpPr txBox="1"/>
+          <p:nvPr>
+            <p:ph idx="1" type="body"/>
+          </p:nvPr>
+        </p:nvSpPr>
+        <p:spPr>
+          <a:xfrm>
+            <a:off x="311700" y="900475"/>
+            <a:ext cx="8520600" cy="3854100"/>
+          </a:xfrm>
+          <a:prstGeom prst="rect">
+            <a:avLst/>
+          </a:prstGeom>
+        </p:spPr>
+        <p:txBody>
+          <a:bodyPr anchorCtr="0" anchor="t" bIns="91425" lIns="91425" spcFirstLastPara="1" rIns="91425" wrap="square" tIns="91425">
+            <a:noAutofit/>
+          </a:bodyPr>
+          <a:lstStyle/>
+          <a:p>
+            <a:pPr indent="-334010" lvl="0" marL="457200" rtl="0" algn="l">
+              <a:lnSpc>
+                <a:spcPct val="115000"/>
+              </a:lnSpc>
+              <a:spcBef>
+                <a:spcPts val="0"/>
+              </a:spcBef>
+              <a:spcAft>
+                <a:spcPts val="0"/>
+              </a:spcAft>
+              <a:buClr>
+                <a:schemeClr val="dk1"/>
+              </a:buClr>
+              <a:buSzPts val="1660"/>
+              <a:buChar char="●"/>
+            </a:pPr>
+            <a:r>
+              <a:rPr lang="en" sz="1660">
+                <a:solidFill>
+                  <a:schemeClr val="dk1"/>
+                </a:solidFill>
+              </a:rPr>
+              <a:t>We started with analysing our dataset and found that there was no missing data. We checked the details of the fraud transactions and the </a:t>
+            </a:r>
+            <a:r>
+              <a:rPr lang="en" sz="1660">
+                <a:solidFill>
+                  <a:schemeClr val="dk1"/>
+                </a:solidFill>
+              </a:rPr>
+              <a:t>correlation</a:t>
+            </a:r>
+            <a:r>
+              <a:rPr lang="en" sz="1660">
+                <a:solidFill>
+                  <a:schemeClr val="dk1"/>
+                </a:solidFill>
+              </a:rPr>
+              <a:t> with different features like age, gender etc. </a:t>
+            </a:r>
+            <a:endParaRPr sz="1660">
+              <a:solidFill>
+                <a:schemeClr val="dk1"/>
+              </a:solidFill>
+            </a:endParaRPr>
+          </a:p>
+          <a:p>
+            <a:pPr indent="0" lvl="0" marL="457200" rtl="0" algn="l">
+              <a:lnSpc>
+                <a:spcPct val="115000"/>
+              </a:lnSpc>
+              <a:spcBef>
+                <a:spcPts val="100"/>
+              </a:spcBef>
+              <a:spcAft>
+                <a:spcPts val="0"/>
+              </a:spcAft>
+              <a:buNone/>
+            </a:pPr>
+            <a:r>
+              <a:t/>
+            </a:r>
+            <a:endParaRPr sz="1660">
+              <a:solidFill>
+                <a:schemeClr val="dk1"/>
+              </a:solidFill>
+            </a:endParaRPr>
+          </a:p>
+          <a:p>
+            <a:pPr indent="-328930" lvl="1" marL="914400" rtl="0" algn="l">
+              <a:lnSpc>
+                <a:spcPct val="115000"/>
+              </a:lnSpc>
+              <a:spcBef>
+                <a:spcPts val="100"/>
+              </a:spcBef>
+              <a:spcAft>
+                <a:spcPts val="0"/>
+              </a:spcAft>
+              <a:buClr>
+                <a:schemeClr val="dk1"/>
+              </a:buClr>
+              <a:buSzPts val="1580"/>
+              <a:buChar char="○"/>
+            </a:pPr>
+            <a:r>
+              <a:rPr lang="en" sz="1580">
+                <a:solidFill>
+                  <a:schemeClr val="dk1"/>
+                </a:solidFill>
+              </a:rPr>
+              <a:t>A</a:t>
+            </a:r>
+            <a:r>
+              <a:rPr lang="en" sz="1580">
+                <a:solidFill>
+                  <a:schemeClr val="dk1"/>
+                </a:solidFill>
+              </a:rPr>
+              <a:t>ge wise analysis showed that, the number of transaction and the number of fraud transactions were more in age group 2 that is 26-35.</a:t>
+            </a:r>
+            <a:endParaRPr sz="1580">
+              <a:solidFill>
+                <a:schemeClr val="dk1"/>
+              </a:solidFill>
+            </a:endParaRPr>
+          </a:p>
+          <a:p>
+            <a:pPr indent="0" lvl="0" marL="914400" rtl="0" algn="l">
+              <a:lnSpc>
+                <a:spcPct val="115000"/>
+              </a:lnSpc>
+              <a:spcBef>
+                <a:spcPts val="100"/>
+              </a:spcBef>
+              <a:spcAft>
+                <a:spcPts val="0"/>
+              </a:spcAft>
+              <a:buNone/>
+            </a:pPr>
+            <a:r>
+              <a:t/>
+            </a:r>
+            <a:endParaRPr sz="1380">
+              <a:solidFill>
+                <a:schemeClr val="dk1"/>
+              </a:solidFill>
+            </a:endParaRPr>
+          </a:p>
+          <a:p>
+            <a:pPr indent="-328930" lvl="1" marL="914400" rtl="0" algn="l">
+              <a:lnSpc>
+                <a:spcPct val="115000"/>
+              </a:lnSpc>
+              <a:spcBef>
+                <a:spcPts val="100"/>
+              </a:spcBef>
+              <a:spcAft>
+                <a:spcPts val="0"/>
+              </a:spcAft>
+              <a:buClr>
+                <a:schemeClr val="dk1"/>
+              </a:buClr>
+              <a:buSzPts val="1580"/>
+              <a:buChar char="○"/>
+            </a:pPr>
+            <a:r>
+              <a:rPr lang="en" sz="1580">
+                <a:solidFill>
+                  <a:schemeClr val="dk1"/>
+                </a:solidFill>
+              </a:rPr>
+              <a:t>Gender wise analysis revealed that the number of transactions were more in female category, E and U category being negligible</a:t>
+            </a:r>
+            <a:endParaRPr sz="1580">
+              <a:solidFill>
+                <a:schemeClr val="dk1"/>
+              </a:solidFill>
+            </a:endParaRPr>
+          </a:p>
+          <a:p>
+            <a:pPr indent="0" lvl="0" marL="914400" rtl="0" algn="l">
+              <a:lnSpc>
+                <a:spcPct val="115000"/>
+              </a:lnSpc>
+              <a:spcBef>
+                <a:spcPts val="100"/>
+              </a:spcBef>
+              <a:spcAft>
+                <a:spcPts val="0"/>
+              </a:spcAft>
+              <a:buNone/>
+            </a:pPr>
+            <a:r>
+              <a:t/>
+            </a:r>
+            <a:endParaRPr sz="1380">
+              <a:solidFill>
+                <a:schemeClr val="dk1"/>
+              </a:solidFill>
+            </a:endParaRPr>
+          </a:p>
+          <a:p>
+            <a:pPr indent="-334010" lvl="0" marL="457200" rtl="0" algn="l">
+              <a:lnSpc>
+                <a:spcPct val="115000"/>
+              </a:lnSpc>
+              <a:spcBef>
+                <a:spcPts val="100"/>
+              </a:spcBef>
+              <a:spcAft>
+                <a:spcPts val="100"/>
+              </a:spcAft>
+              <a:buClr>
+                <a:schemeClr val="dk1"/>
+              </a:buClr>
+              <a:buSzPts val="1660"/>
+              <a:buChar char="●"/>
+            </a:pPr>
+            <a:r>
+              <a:rPr lang="en" sz="1660">
+                <a:solidFill>
+                  <a:schemeClr val="dk1"/>
+                </a:solidFill>
+              </a:rPr>
+              <a:t>The two largest categories (es_transportation and es_food) have absolutely no fraud. Another pattern emerged was higher amount transactions has higher possibility of fraud.</a:t>
+            </a:r>
+            <a:endParaRPr sz="1380">
+              <a:solidFill>
+                <a:schemeClr val="dk1"/>
+              </a:solidFill>
+            </a:endParaRPr>
+          </a:p>
+        </p:txBody>
+      </p:sp>
+    </p:spTree>
+  </p:cSld>
+  <p:clrMapOvr>
+    <a:masterClrMapping/>
+  </p:clrMapOvr>
+</p:sld>
+</file>
+
+<file path=ppt/slides/slide14.xml><?xml version="1.0" encoding="utf-8"?>
+<p:sld xmlns:a="http://schemas.openxmlformats.org/drawingml/2006/main" xmlns:r="http://schemas.openxmlformats.org/officeDocument/2006/relationships" xmlns:mc="http://schemas.openxmlformats.org/markup-compatibility/2006" xmlns:mv="urn:schemas-microsoft-com:mac:vml" xmlns:p="http://schemas.openxmlformats.org/presentationml/2006/main" xmlns:c="http://schemas.openxmlformats.org/drawingml/2006/chart" xmlns:dgm="http://schemas.openxmlformats.org/drawingml/2006/diagram" xmlns:o="urn:schemas-microsoft-com:office:office" xmlns:v="urn:schemas-microsoft-com:vml" xmlns:pvml="urn:schemas-microsoft-com:office:powerpoint" xmlns:com="http://schemas.openxmlformats.org/drawingml/2006/compatibility" xmlns:p14="http://schemas.microsoft.com/office/powerpoint/2010/main" xmlns:p15="http://schemas.microsoft.com/office/powerpoint/2012/main" xmlns:ahyp="http://schemas.microsoft.com/office/drawing/2018/hyperlinkcolor">
+  <p:cSld>
+    <p:spTree>
+      <p:nvGrpSpPr>
+        <p:cNvPr id="133" name="Shape 133"/>
+        <p:cNvGrpSpPr/>
+        <p:nvPr/>
+      </p:nvGrpSpPr>
+      <p:grpSpPr>
+        <a:xfrm>
+          <a:off x="0" y="0"/>
+          <a:ext cx="0" cy="0"/>
+          <a:chOff x="0" y="0"/>
+          <a:chExt cx="0" cy="0"/>
+        </a:xfrm>
+      </p:grpSpPr>
+      <p:sp>
+        <p:nvSpPr>
+          <p:cNvPr id="134" name="Google Shape;134;p26"/>
+          <p:cNvSpPr txBox="1"/>
+          <p:nvPr>
+            <p:ph type="title"/>
+          </p:nvPr>
+        </p:nvSpPr>
+        <p:spPr>
+          <a:xfrm>
+            <a:off x="311700" y="313150"/>
+            <a:ext cx="8520600" cy="572700"/>
+          </a:xfrm>
+          <a:prstGeom prst="rect">
+            <a:avLst/>
+          </a:prstGeom>
+        </p:spPr>
+        <p:txBody>
+          <a:bodyPr anchorCtr="0" anchor="t" bIns="91425" lIns="91425" spcFirstLastPara="1" rIns="91425" wrap="square" tIns="91425">
+            <a:normAutofit fontScale="90000"/>
+          </a:bodyPr>
+          <a:lstStyle/>
+          <a:p>
+            <a:pPr indent="0" lvl="0" marL="0" rtl="0" algn="l">
+              <a:spcBef>
+                <a:spcPts val="0"/>
+              </a:spcBef>
+              <a:spcAft>
+                <a:spcPts val="0"/>
+              </a:spcAft>
+              <a:buNone/>
+            </a:pPr>
+            <a:r>
+              <a:rPr lang="en"/>
+              <a:t>EDA - Data Engineering</a:t>
+            </a:r>
+            <a:endParaRPr/>
+          </a:p>
+        </p:txBody>
+      </p:sp>
+      <p:sp>
+        <p:nvSpPr>
+          <p:cNvPr id="135" name="Google Shape;135;p26"/>
+          <p:cNvSpPr txBox="1"/>
+          <p:nvPr>
+            <p:ph idx="1" type="body"/>
+          </p:nvPr>
+        </p:nvSpPr>
+        <p:spPr>
+          <a:xfrm>
+            <a:off x="311700" y="885850"/>
+            <a:ext cx="8520600" cy="4023300"/>
+          </a:xfrm>
+          <a:prstGeom prst="rect">
+            <a:avLst/>
+          </a:prstGeom>
+        </p:spPr>
+        <p:txBody>
+          <a:bodyPr anchorCtr="0" anchor="t" bIns="91425" lIns="91425" spcFirstLastPara="1" rIns="91425" wrap="square" tIns="91425">
+            <a:noAutofit/>
+          </a:bodyPr>
+          <a:lstStyle/>
+          <a:p>
+            <a:pPr indent="-335756" lvl="0" marL="457200" rtl="0" algn="l">
+              <a:lnSpc>
+                <a:spcPct val="140000"/>
+              </a:lnSpc>
+              <a:spcBef>
+                <a:spcPts val="100"/>
+              </a:spcBef>
+              <a:spcAft>
+                <a:spcPts val="0"/>
+              </a:spcAft>
+              <a:buClr>
+                <a:schemeClr val="dk1"/>
+              </a:buClr>
+              <a:buSzPts val="1688"/>
+              <a:buChar char="●"/>
+            </a:pPr>
+            <a:r>
+              <a:rPr lang="en" sz="1687">
+                <a:solidFill>
+                  <a:schemeClr val="dk1"/>
+                </a:solidFill>
+              </a:rPr>
+              <a:t>EDA and advanced EDA with Data cleaning and feature engineering were done. </a:t>
+            </a:r>
+            <a:endParaRPr sz="1687">
+              <a:solidFill>
+                <a:schemeClr val="dk1"/>
+              </a:solidFill>
+            </a:endParaRPr>
+          </a:p>
+          <a:p>
+            <a:pPr indent="0" lvl="0" marL="457200" rtl="0" algn="l">
+              <a:lnSpc>
+                <a:spcPct val="140000"/>
+              </a:lnSpc>
+              <a:spcBef>
+                <a:spcPts val="100"/>
+              </a:spcBef>
+              <a:spcAft>
+                <a:spcPts val="0"/>
+              </a:spcAft>
+              <a:buNone/>
+            </a:pPr>
+            <a:r>
+              <a:rPr lang="en" sz="1687">
+                <a:solidFill>
+                  <a:schemeClr val="dk1"/>
+                </a:solidFill>
+              </a:rPr>
+              <a:t>One-hot encoding was done for ‘category’ feature as it was not numerical. Dimensions of the features were reduced.</a:t>
+            </a:r>
+            <a:endParaRPr sz="1687">
+              <a:solidFill>
+                <a:schemeClr val="dk1"/>
+              </a:solidFill>
+            </a:endParaRPr>
+          </a:p>
+          <a:p>
+            <a:pPr indent="-335756" lvl="0" marL="457200" rtl="0" algn="l">
+              <a:lnSpc>
+                <a:spcPct val="140000"/>
+              </a:lnSpc>
+              <a:spcBef>
+                <a:spcPts val="100"/>
+              </a:spcBef>
+              <a:spcAft>
+                <a:spcPts val="0"/>
+              </a:spcAft>
+              <a:buClr>
+                <a:schemeClr val="dk1"/>
+              </a:buClr>
+              <a:buSzPts val="1688"/>
+              <a:buChar char="●"/>
+            </a:pPr>
+            <a:r>
+              <a:rPr lang="en" sz="1687">
+                <a:solidFill>
+                  <a:schemeClr val="dk1"/>
+                </a:solidFill>
+              </a:rPr>
+              <a:t>Irrelevant features were dropped:</a:t>
+            </a:r>
+            <a:endParaRPr sz="1687">
+              <a:solidFill>
+                <a:schemeClr val="dk1"/>
+              </a:solidFill>
+            </a:endParaRPr>
+          </a:p>
+          <a:p>
+            <a:pPr indent="-311943" lvl="1" marL="914400" rtl="0" algn="l">
+              <a:lnSpc>
+                <a:spcPct val="140000"/>
+              </a:lnSpc>
+              <a:spcBef>
+                <a:spcPts val="100"/>
+              </a:spcBef>
+              <a:spcAft>
+                <a:spcPts val="0"/>
+              </a:spcAft>
+              <a:buClr>
+                <a:schemeClr val="dk1"/>
+              </a:buClr>
+              <a:buSzPts val="1313"/>
+              <a:buChar char="○"/>
+            </a:pPr>
+            <a:r>
+              <a:rPr lang="en" sz="1312">
+                <a:solidFill>
+                  <a:schemeClr val="dk1"/>
+                </a:solidFill>
+              </a:rPr>
+              <a:t>    </a:t>
+            </a:r>
+            <a:r>
+              <a:rPr lang="en" sz="1412">
+                <a:solidFill>
+                  <a:schemeClr val="dk1"/>
+                </a:solidFill>
+              </a:rPr>
+              <a:t>'step' - as there are only 20 repetitions</a:t>
+            </a:r>
+            <a:endParaRPr sz="1412">
+              <a:solidFill>
+                <a:schemeClr val="dk1"/>
+              </a:solidFill>
+            </a:endParaRPr>
+          </a:p>
+          <a:p>
+            <a:pPr indent="-318293" lvl="1" marL="914400" rtl="0" algn="l">
+              <a:lnSpc>
+                <a:spcPct val="140000"/>
+              </a:lnSpc>
+              <a:spcBef>
+                <a:spcPts val="100"/>
+              </a:spcBef>
+              <a:spcAft>
+                <a:spcPts val="0"/>
+              </a:spcAft>
+              <a:buClr>
+                <a:schemeClr val="dk1"/>
+              </a:buClr>
+              <a:buSzPts val="1413"/>
+              <a:buChar char="○"/>
+            </a:pPr>
+            <a:r>
+              <a:rPr lang="en" sz="1412">
+                <a:solidFill>
+                  <a:schemeClr val="dk1"/>
+                </a:solidFill>
+              </a:rPr>
+              <a:t>    'customer' - everybody can be a victim.</a:t>
+            </a:r>
+            <a:endParaRPr sz="1412">
+              <a:solidFill>
+                <a:schemeClr val="dk1"/>
+              </a:solidFill>
+            </a:endParaRPr>
+          </a:p>
+          <a:p>
+            <a:pPr indent="-318293" lvl="1" marL="914400" rtl="0" algn="l">
+              <a:lnSpc>
+                <a:spcPct val="140000"/>
+              </a:lnSpc>
+              <a:spcBef>
+                <a:spcPts val="100"/>
+              </a:spcBef>
+              <a:spcAft>
+                <a:spcPts val="0"/>
+              </a:spcAft>
+              <a:buClr>
+                <a:schemeClr val="dk1"/>
+              </a:buClr>
+              <a:buSzPts val="1413"/>
+              <a:buChar char="○"/>
+            </a:pPr>
+            <a:r>
+              <a:rPr lang="en" sz="1412">
+                <a:solidFill>
+                  <a:schemeClr val="dk1"/>
+                </a:solidFill>
+              </a:rPr>
+              <a:t>    'age' - no obvious correlation</a:t>
+            </a:r>
+            <a:endParaRPr sz="1412">
+              <a:solidFill>
+                <a:schemeClr val="dk1"/>
+              </a:solidFill>
+            </a:endParaRPr>
+          </a:p>
+          <a:p>
+            <a:pPr indent="-318293" lvl="1" marL="914400" rtl="0" algn="l">
+              <a:lnSpc>
+                <a:spcPct val="140000"/>
+              </a:lnSpc>
+              <a:spcBef>
+                <a:spcPts val="100"/>
+              </a:spcBef>
+              <a:spcAft>
+                <a:spcPts val="0"/>
+              </a:spcAft>
+              <a:buClr>
+                <a:schemeClr val="dk1"/>
+              </a:buClr>
+              <a:buSzPts val="1413"/>
+              <a:buChar char="○"/>
+            </a:pPr>
+            <a:r>
+              <a:rPr lang="en" sz="1412">
+                <a:solidFill>
+                  <a:schemeClr val="dk1"/>
+                </a:solidFill>
+              </a:rPr>
+              <a:t>    'gender' - no obvious correlation</a:t>
+            </a:r>
+            <a:endParaRPr sz="1412">
+              <a:solidFill>
+                <a:schemeClr val="dk1"/>
+              </a:solidFill>
+            </a:endParaRPr>
+          </a:p>
+          <a:p>
+            <a:pPr indent="-318293" lvl="1" marL="914400" rtl="0" algn="l">
+              <a:lnSpc>
+                <a:spcPct val="140000"/>
+              </a:lnSpc>
+              <a:spcBef>
+                <a:spcPts val="100"/>
+              </a:spcBef>
+              <a:spcAft>
+                <a:spcPts val="0"/>
+              </a:spcAft>
+              <a:buClr>
+                <a:schemeClr val="dk1"/>
+              </a:buClr>
+              <a:buSzPts val="1413"/>
+              <a:buChar char="○"/>
+            </a:pPr>
+            <a:r>
+              <a:rPr lang="en" sz="1412">
+                <a:solidFill>
+                  <a:schemeClr val="dk1"/>
+                </a:solidFill>
+              </a:rPr>
+              <a:t>    'zipMerchant' - same value for all entries</a:t>
+            </a:r>
+            <a:endParaRPr sz="1412">
+              <a:solidFill>
+                <a:schemeClr val="dk1"/>
+              </a:solidFill>
+            </a:endParaRPr>
+          </a:p>
+          <a:p>
+            <a:pPr indent="-318293" lvl="1" marL="914400" rtl="0" algn="l">
+              <a:lnSpc>
+                <a:spcPct val="140000"/>
+              </a:lnSpc>
+              <a:spcBef>
+                <a:spcPts val="100"/>
+              </a:spcBef>
+              <a:spcAft>
+                <a:spcPts val="0"/>
+              </a:spcAft>
+              <a:buClr>
+                <a:schemeClr val="dk1"/>
+              </a:buClr>
+              <a:buSzPts val="1413"/>
+              <a:buChar char="○"/>
+            </a:pPr>
+            <a:r>
+              <a:rPr lang="en" sz="1412">
+                <a:solidFill>
+                  <a:schemeClr val="dk1"/>
+                </a:solidFill>
+              </a:rPr>
+              <a:t>    'zipcodeOri'  - same value for all entries</a:t>
+            </a:r>
+            <a:endParaRPr sz="1412">
+              <a:solidFill>
+                <a:schemeClr val="dk1"/>
+              </a:solidFill>
+            </a:endParaRPr>
+          </a:p>
+          <a:p>
+            <a:pPr indent="-318293" lvl="1" marL="914400" rtl="0" algn="l">
+              <a:lnSpc>
+                <a:spcPct val="140000"/>
+              </a:lnSpc>
+              <a:spcBef>
+                <a:spcPts val="100"/>
+              </a:spcBef>
+              <a:spcAft>
+                <a:spcPts val="0"/>
+              </a:spcAft>
+              <a:buClr>
+                <a:schemeClr val="dk1"/>
+              </a:buClr>
+              <a:buSzPts val="1413"/>
+              <a:buChar char="○"/>
+            </a:pPr>
+            <a:r>
+              <a:rPr lang="en" sz="1412">
+                <a:solidFill>
+                  <a:schemeClr val="dk1"/>
+                </a:solidFill>
+              </a:rPr>
+              <a:t>    'merchant' - not a good indicator, </a:t>
+            </a:r>
+            <a:endParaRPr sz="1412">
+              <a:solidFill>
+                <a:schemeClr val="dk1"/>
+              </a:solidFill>
+            </a:endParaRPr>
+          </a:p>
+          <a:p>
+            <a:pPr indent="0" lvl="0" marL="0" rtl="0" algn="l">
+              <a:lnSpc>
+                <a:spcPct val="90000"/>
+              </a:lnSpc>
+              <a:spcBef>
+                <a:spcPts val="100"/>
+              </a:spcBef>
+              <a:spcAft>
+                <a:spcPts val="100"/>
+              </a:spcAft>
+              <a:buSzPts val="688"/>
+              <a:buNone/>
+            </a:pPr>
+            <a:r>
+              <a:t/>
+            </a:r>
+            <a:endParaRPr sz="1125"/>
+          </a:p>
+        </p:txBody>
+      </p:sp>
+    </p:spTree>
+  </p:cSld>
+  <p:clrMapOvr>
+    <a:masterClrMapping/>
+  </p:clrMapOvr>
+</p:sld>
+</file>
+
+<file path=ppt/slides/slide15.xml><?xml version="1.0" encoding="utf-8"?>
+<p:sld xmlns:a="http://schemas.openxmlformats.org/drawingml/2006/main" xmlns:r="http://schemas.openxmlformats.org/officeDocument/2006/relationships" xmlns:mc="http://schemas.openxmlformats.org/markup-compatibility/2006" xmlns:mv="urn:schemas-microsoft-com:mac:vml" xmlns:p="http://schemas.openxmlformats.org/presentationml/2006/main" xmlns:c="http://schemas.openxmlformats.org/drawingml/2006/chart" xmlns:dgm="http://schemas.openxmlformats.org/drawingml/2006/diagram" xmlns:o="urn:schemas-microsoft-com:office:office" xmlns:v="urn:schemas-microsoft-com:vml" xmlns:pvml="urn:schemas-microsoft-com:office:powerpoint" xmlns:com="http://schemas.openxmlformats.org/drawingml/2006/compatibility" xmlns:p14="http://schemas.microsoft.com/office/powerpoint/2010/main" xmlns:p15="http://schemas.microsoft.com/office/powerpoint/2012/main" xmlns:ahyp="http://schemas.microsoft.com/office/drawing/2018/hyperlinkcolor">
+  <p:cSld>
+    <p:spTree>
+      <p:nvGrpSpPr>
+        <p:cNvPr id="139" name="Shape 139"/>
+        <p:cNvGrpSpPr/>
+        <p:nvPr/>
+      </p:nvGrpSpPr>
+      <p:grpSpPr>
+        <a:xfrm>
+          <a:off x="0" y="0"/>
+          <a:ext cx="0" cy="0"/>
+          <a:chOff x="0" y="0"/>
+          <a:chExt cx="0" cy="0"/>
+        </a:xfrm>
+      </p:grpSpPr>
+      <p:sp>
+        <p:nvSpPr>
+          <p:cNvPr id="140" name="Google Shape;140;p27"/>
           <p:cNvSpPr txBox="1"/>
           <p:nvPr>
             <p:ph type="title"/>
@@ -7706,7 +9109,7 @@
       </p:sp>
       <p:pic>
         <p:nvPicPr>
-          <p:cNvPr id="124" name="Google Shape;124;p24"/>
+          <p:cNvPr id="141" name="Google Shape;141;p27"/>
           <p:cNvPicPr preferRelativeResize="0"/>
           <p:nvPr/>
         </p:nvPicPr>
@@ -7734,7 +9137,7 @@
       </p:pic>
       <p:pic>
         <p:nvPicPr>
-          <p:cNvPr id="125" name="Google Shape;125;p24"/>
+          <p:cNvPr id="142" name="Google Shape;142;p27"/>
           <p:cNvPicPr preferRelativeResize="0"/>
           <p:nvPr/>
         </p:nvPicPr>
@@ -7762,7 +9165,7 @@
       </p:pic>
       <p:sp>
         <p:nvSpPr>
-          <p:cNvPr id="126" name="Google Shape;126;p24"/>
+          <p:cNvPr id="143" name="Google Shape;143;p27"/>
           <p:cNvSpPr txBox="1"/>
           <p:nvPr/>
         </p:nvSpPr>
@@ -7809,373 +9212,6 @@
               <a:cs typeface="Roboto"/>
               <a:sym typeface="Roboto"/>
             </a:endParaRPr>
-          </a:p>
-        </p:txBody>
-      </p:sp>
-    </p:spTree>
-  </p:cSld>
-  <p:clrMapOvr>
-    <a:masterClrMapping/>
-  </p:clrMapOvr>
-</p:sld>
-</file>
-
-<file path=ppt/slides/slide13.xml><?xml version="1.0" encoding="utf-8"?>
-<p:sld xmlns:a="http://schemas.openxmlformats.org/drawingml/2006/main" xmlns:r="http://schemas.openxmlformats.org/officeDocument/2006/relationships" xmlns:mc="http://schemas.openxmlformats.org/markup-compatibility/2006" xmlns:mv="urn:schemas-microsoft-com:mac:vml" xmlns:p="http://schemas.openxmlformats.org/presentationml/2006/main" xmlns:c="http://schemas.openxmlformats.org/drawingml/2006/chart" xmlns:dgm="http://schemas.openxmlformats.org/drawingml/2006/diagram" xmlns:o="urn:schemas-microsoft-com:office:office" xmlns:v="urn:schemas-microsoft-com:vml" xmlns:pvml="urn:schemas-microsoft-com:office:powerpoint" xmlns:com="http://schemas.openxmlformats.org/drawingml/2006/compatibility" xmlns:p14="http://schemas.microsoft.com/office/powerpoint/2010/main" xmlns:p15="http://schemas.microsoft.com/office/powerpoint/2012/main" xmlns:ahyp="http://schemas.microsoft.com/office/drawing/2018/hyperlinkcolor">
-  <p:cSld>
-    <p:spTree>
-      <p:nvGrpSpPr>
-        <p:cNvPr id="130" name="Shape 130"/>
-        <p:cNvGrpSpPr/>
-        <p:nvPr/>
-      </p:nvGrpSpPr>
-      <p:grpSpPr>
-        <a:xfrm>
-          <a:off x="0" y="0"/>
-          <a:ext cx="0" cy="0"/>
-          <a:chOff x="0" y="0"/>
-          <a:chExt cx="0" cy="0"/>
-        </a:xfrm>
-      </p:grpSpPr>
-      <p:sp>
-        <p:nvSpPr>
-          <p:cNvPr id="131" name="Google Shape;131;p25"/>
-          <p:cNvSpPr txBox="1"/>
-          <p:nvPr>
-            <p:ph type="title"/>
-          </p:nvPr>
-        </p:nvSpPr>
-        <p:spPr>
-          <a:xfrm>
-            <a:off x="490250" y="450150"/>
-            <a:ext cx="6367800" cy="4090800"/>
-          </a:xfrm>
-          <a:prstGeom prst="rect">
-            <a:avLst/>
-          </a:prstGeom>
-        </p:spPr>
-        <p:txBody>
-          <a:bodyPr anchorCtr="0" anchor="ctr" bIns="91425" lIns="91425" spcFirstLastPara="1" rIns="91425" wrap="square" tIns="91425">
-            <a:normAutofit/>
-          </a:bodyPr>
-          <a:lstStyle/>
-          <a:p>
-            <a:pPr indent="0" lvl="0" marL="0" rtl="0" algn="l">
-              <a:spcBef>
-                <a:spcPts val="0"/>
-              </a:spcBef>
-              <a:spcAft>
-                <a:spcPts val="0"/>
-              </a:spcAft>
-              <a:buNone/>
-            </a:pPr>
-            <a:r>
-              <a:rPr lang="en"/>
-              <a:t>3</a:t>
-            </a:r>
-            <a:r>
-              <a:rPr lang="en"/>
-              <a:t>. The Machine Learning Model</a:t>
-            </a:r>
-            <a:endParaRPr/>
-          </a:p>
-        </p:txBody>
-      </p:sp>
-    </p:spTree>
-  </p:cSld>
-  <p:clrMapOvr>
-    <a:masterClrMapping/>
-  </p:clrMapOvr>
-</p:sld>
-</file>
-
-<file path=ppt/slides/slide14.xml><?xml version="1.0" encoding="utf-8"?>
-<p:sld xmlns:a="http://schemas.openxmlformats.org/drawingml/2006/main" xmlns:r="http://schemas.openxmlformats.org/officeDocument/2006/relationships" xmlns:mc="http://schemas.openxmlformats.org/markup-compatibility/2006" xmlns:mv="urn:schemas-microsoft-com:mac:vml" xmlns:p="http://schemas.openxmlformats.org/presentationml/2006/main" xmlns:c="http://schemas.openxmlformats.org/drawingml/2006/chart" xmlns:dgm="http://schemas.openxmlformats.org/drawingml/2006/diagram" xmlns:o="urn:schemas-microsoft-com:office:office" xmlns:v="urn:schemas-microsoft-com:vml" xmlns:pvml="urn:schemas-microsoft-com:office:powerpoint" xmlns:com="http://schemas.openxmlformats.org/drawingml/2006/compatibility" xmlns:p14="http://schemas.microsoft.com/office/powerpoint/2010/main" xmlns:p15="http://schemas.microsoft.com/office/powerpoint/2012/main" xmlns:ahyp="http://schemas.microsoft.com/office/drawing/2018/hyperlinkcolor">
-  <p:cSld>
-    <p:spTree>
-      <p:nvGrpSpPr>
-        <p:cNvPr id="135" name="Shape 135"/>
-        <p:cNvGrpSpPr/>
-        <p:nvPr/>
-      </p:nvGrpSpPr>
-      <p:grpSpPr>
-        <a:xfrm>
-          <a:off x="0" y="0"/>
-          <a:ext cx="0" cy="0"/>
-          <a:chOff x="0" y="0"/>
-          <a:chExt cx="0" cy="0"/>
-        </a:xfrm>
-      </p:grpSpPr>
-      <p:sp>
-        <p:nvSpPr>
-          <p:cNvPr id="136" name="Google Shape;136;p26"/>
-          <p:cNvSpPr txBox="1"/>
-          <p:nvPr>
-            <p:ph type="title"/>
-          </p:nvPr>
-        </p:nvSpPr>
-        <p:spPr>
-          <a:xfrm>
-            <a:off x="311700" y="445025"/>
-            <a:ext cx="8520600" cy="572700"/>
-          </a:xfrm>
-          <a:prstGeom prst="rect">
-            <a:avLst/>
-          </a:prstGeom>
-        </p:spPr>
-        <p:txBody>
-          <a:bodyPr anchorCtr="0" anchor="t" bIns="91425" lIns="91425" spcFirstLastPara="1" rIns="91425" wrap="square" tIns="91425">
-            <a:normAutofit fontScale="90000"/>
-          </a:bodyPr>
-          <a:lstStyle/>
-          <a:p>
-            <a:pPr indent="0" lvl="0" marL="0" rtl="0" algn="l">
-              <a:spcBef>
-                <a:spcPts val="0"/>
-              </a:spcBef>
-              <a:spcAft>
-                <a:spcPts val="0"/>
-              </a:spcAft>
-              <a:buNone/>
-            </a:pPr>
-            <a:r>
-              <a:rPr lang="en"/>
-              <a:t>3. The Machine Learning Model</a:t>
-            </a:r>
-            <a:endParaRPr/>
-          </a:p>
-        </p:txBody>
-      </p:sp>
-      <p:sp>
-        <p:nvSpPr>
-          <p:cNvPr id="137" name="Google Shape;137;p26"/>
-          <p:cNvSpPr txBox="1"/>
-          <p:nvPr>
-            <p:ph idx="1" type="body"/>
-          </p:nvPr>
-        </p:nvSpPr>
-        <p:spPr>
-          <a:xfrm>
-            <a:off x="311700" y="1401925"/>
-            <a:ext cx="8520600" cy="1774200"/>
-          </a:xfrm>
-          <a:prstGeom prst="rect">
-            <a:avLst/>
-          </a:prstGeom>
-        </p:spPr>
-        <p:txBody>
-          <a:bodyPr anchorCtr="0" anchor="t" bIns="91425" lIns="91425" spcFirstLastPara="1" rIns="91425" wrap="square" tIns="91425">
-            <a:normAutofit lnSpcReduction="10000"/>
-          </a:bodyPr>
-          <a:lstStyle/>
-          <a:p>
-            <a:pPr indent="0" lvl="0" marL="0" rtl="0" algn="l">
-              <a:spcBef>
-                <a:spcPts val="0"/>
-              </a:spcBef>
-              <a:spcAft>
-                <a:spcPts val="0"/>
-              </a:spcAft>
-              <a:buNone/>
-            </a:pPr>
-            <a:r>
-              <a:rPr lang="en"/>
-              <a:t>In this section, you will go over the following:</a:t>
-            </a:r>
-            <a:endParaRPr/>
-          </a:p>
-          <a:p>
-            <a:pPr indent="-342900" lvl="0" marL="457200" rtl="0" algn="l">
-              <a:spcBef>
-                <a:spcPts val="1200"/>
-              </a:spcBef>
-              <a:spcAft>
-                <a:spcPts val="0"/>
-              </a:spcAft>
-              <a:buSzPts val="1800"/>
-              <a:buAutoNum type="arabicPeriod"/>
-            </a:pPr>
-            <a:r>
-              <a:rPr lang="en"/>
-              <a:t>The name and type* of your machine learning model</a:t>
-            </a:r>
-            <a:endParaRPr/>
-          </a:p>
-          <a:p>
-            <a:pPr indent="-342900" lvl="0" marL="457200" rtl="0" algn="l">
-              <a:spcBef>
-                <a:spcPts val="0"/>
-              </a:spcBef>
-              <a:spcAft>
-                <a:spcPts val="0"/>
-              </a:spcAft>
-              <a:buSzPts val="1800"/>
-              <a:buAutoNum type="arabicPeriod"/>
-            </a:pPr>
-            <a:r>
-              <a:rPr lang="en"/>
-              <a:t>The features and label for the model</a:t>
-            </a:r>
-            <a:endParaRPr/>
-          </a:p>
-          <a:p>
-            <a:pPr indent="-342900" lvl="0" marL="457200" rtl="0" algn="l">
-              <a:spcBef>
-                <a:spcPts val="0"/>
-              </a:spcBef>
-              <a:spcAft>
-                <a:spcPts val="0"/>
-              </a:spcAft>
-              <a:buSzPts val="1800"/>
-              <a:buAutoNum type="arabicPeriod"/>
-            </a:pPr>
-            <a:r>
-              <a:rPr lang="en"/>
-              <a:t>The reason you chose this ML model</a:t>
-            </a:r>
-            <a:endParaRPr/>
-          </a:p>
-          <a:p>
-            <a:pPr indent="-342900" lvl="0" marL="457200" rtl="0" algn="l">
-              <a:spcBef>
-                <a:spcPts val="0"/>
-              </a:spcBef>
-              <a:spcAft>
-                <a:spcPts val="0"/>
-              </a:spcAft>
-              <a:buSzPts val="1800"/>
-              <a:buAutoNum type="arabicPeriod"/>
-            </a:pPr>
-            <a:r>
-              <a:rPr lang="en"/>
-              <a:t>How this model compares to other </a:t>
-            </a:r>
-            <a:r>
-              <a:rPr lang="en"/>
-              <a:t>ML models</a:t>
-            </a:r>
-            <a:endParaRPr/>
-          </a:p>
-        </p:txBody>
-      </p:sp>
-      <p:sp>
-        <p:nvSpPr>
-          <p:cNvPr id="138" name="Google Shape;138;p26"/>
-          <p:cNvSpPr txBox="1"/>
-          <p:nvPr/>
-        </p:nvSpPr>
-        <p:spPr>
-          <a:xfrm>
-            <a:off x="445650" y="3305200"/>
-            <a:ext cx="5347800" cy="400200"/>
-          </a:xfrm>
-          <a:prstGeom prst="rect">
-            <a:avLst/>
-          </a:prstGeom>
-          <a:noFill/>
-          <a:ln>
-            <a:noFill/>
-          </a:ln>
-        </p:spPr>
-        <p:txBody>
-          <a:bodyPr anchorCtr="0" anchor="t" bIns="91425" lIns="91425" spcFirstLastPara="1" rIns="91425" wrap="square" tIns="91425">
-            <a:spAutoFit/>
-          </a:bodyPr>
-          <a:lstStyle/>
-          <a:p>
-            <a:pPr indent="0" lvl="0" marL="0" rtl="0" algn="l">
-              <a:spcBef>
-                <a:spcPts val="0"/>
-              </a:spcBef>
-              <a:spcAft>
-                <a:spcPts val="0"/>
-              </a:spcAft>
-              <a:buNone/>
-            </a:pPr>
-            <a:r>
-              <a:rPr lang="en">
-                <a:latin typeface="Roboto"/>
-                <a:ea typeface="Roboto"/>
-                <a:cs typeface="Roboto"/>
-                <a:sym typeface="Roboto"/>
-              </a:rPr>
-              <a:t>* For example: regression, classification, or clustering.</a:t>
-            </a:r>
-            <a:endParaRPr>
-              <a:latin typeface="Roboto"/>
-              <a:ea typeface="Roboto"/>
-              <a:cs typeface="Roboto"/>
-              <a:sym typeface="Roboto"/>
-            </a:endParaRPr>
-          </a:p>
-        </p:txBody>
-      </p:sp>
-    </p:spTree>
-  </p:cSld>
-  <p:clrMapOvr>
-    <a:masterClrMapping/>
-  </p:clrMapOvr>
-</p:sld>
-</file>
-
-<file path=ppt/slides/slide15.xml><?xml version="1.0" encoding="utf-8"?>
-<p:sld xmlns:a="http://schemas.openxmlformats.org/drawingml/2006/main" xmlns:r="http://schemas.openxmlformats.org/officeDocument/2006/relationships" xmlns:mc="http://schemas.openxmlformats.org/markup-compatibility/2006" xmlns:mv="urn:schemas-microsoft-com:mac:vml" xmlns:p="http://schemas.openxmlformats.org/presentationml/2006/main" xmlns:c="http://schemas.openxmlformats.org/drawingml/2006/chart" xmlns:dgm="http://schemas.openxmlformats.org/drawingml/2006/diagram" xmlns:o="urn:schemas-microsoft-com:office:office" xmlns:v="urn:schemas-microsoft-com:vml" xmlns:pvml="urn:schemas-microsoft-com:office:powerpoint" xmlns:com="http://schemas.openxmlformats.org/drawingml/2006/compatibility" xmlns:p14="http://schemas.microsoft.com/office/powerpoint/2010/main" xmlns:p15="http://schemas.microsoft.com/office/powerpoint/2012/main" xmlns:ahyp="http://schemas.microsoft.com/office/drawing/2018/hyperlinkcolor">
-  <p:cSld>
-    <p:spTree>
-      <p:nvGrpSpPr>
-        <p:cNvPr id="142" name="Shape 142"/>
-        <p:cNvGrpSpPr/>
-        <p:nvPr/>
-      </p:nvGrpSpPr>
-      <p:grpSpPr>
-        <a:xfrm>
-          <a:off x="0" y="0"/>
-          <a:ext cx="0" cy="0"/>
-          <a:chOff x="0" y="0"/>
-          <a:chExt cx="0" cy="0"/>
-        </a:xfrm>
-      </p:grpSpPr>
-      <p:sp>
-        <p:nvSpPr>
-          <p:cNvPr id="143" name="Google Shape;143;p27"/>
-          <p:cNvSpPr txBox="1"/>
-          <p:nvPr>
-            <p:ph type="title"/>
-          </p:nvPr>
-        </p:nvSpPr>
-        <p:spPr>
-          <a:xfrm>
-            <a:off x="490250" y="450150"/>
-            <a:ext cx="6367800" cy="4090800"/>
-          </a:xfrm>
-          <a:prstGeom prst="rect">
-            <a:avLst/>
-          </a:prstGeom>
-        </p:spPr>
-        <p:txBody>
-          <a:bodyPr anchorCtr="0" anchor="ctr" bIns="91425" lIns="91425" spcFirstLastPara="1" rIns="91425" wrap="square" tIns="91425">
-            <a:normAutofit/>
-          </a:bodyPr>
-          <a:lstStyle/>
-          <a:p>
-            <a:pPr indent="0" lvl="0" marL="0" rtl="0" algn="l">
-              <a:spcBef>
-                <a:spcPts val="0"/>
-              </a:spcBef>
-              <a:spcAft>
-                <a:spcPts val="0"/>
-              </a:spcAft>
-              <a:buNone/>
-            </a:pPr>
-            <a:r>
-              <a:rPr lang="en"/>
-              <a:t>4</a:t>
-            </a:r>
-            <a:r>
-              <a:rPr lang="en"/>
-              <a:t>. Machine Learning Analysis</a:t>
-            </a:r>
-            <a:endParaRPr/>
           </a:p>
         </p:txBody>
       </p:sp>
@@ -8214,59 +9250,15 @@
         </p:nvSpPr>
         <p:spPr>
           <a:xfrm>
-            <a:off x="311700" y="445025"/>
-            <a:ext cx="8520600" cy="572700"/>
+            <a:off x="490250" y="450150"/>
+            <a:ext cx="6367800" cy="4090800"/>
           </a:xfrm>
           <a:prstGeom prst="rect">
             <a:avLst/>
           </a:prstGeom>
         </p:spPr>
         <p:txBody>
-          <a:bodyPr anchorCtr="0" anchor="t" bIns="91425" lIns="91425" spcFirstLastPara="1" rIns="91425" wrap="square" tIns="91425">
-            <a:normAutofit fontScale="90000"/>
-          </a:bodyPr>
-          <a:lstStyle/>
-          <a:p>
-            <a:pPr indent="0" lvl="0" marL="0" rtl="0" algn="l">
-              <a:spcBef>
-                <a:spcPts val="0"/>
-              </a:spcBef>
-              <a:spcAft>
-                <a:spcPts val="0"/>
-              </a:spcAft>
-              <a:buNone/>
-            </a:pPr>
-            <a:r>
-              <a:rPr lang="en"/>
-              <a:t>4.</a:t>
-            </a:r>
-            <a:r>
-              <a:rPr lang="en"/>
-              <a:t> Machine Learning Analysis</a:t>
-            </a:r>
-            <a:endParaRPr/>
-          </a:p>
-        </p:txBody>
-      </p:sp>
-      <p:sp>
-        <p:nvSpPr>
-          <p:cNvPr id="149" name="Google Shape;149;p28"/>
-          <p:cNvSpPr txBox="1"/>
-          <p:nvPr>
-            <p:ph idx="1" type="body"/>
-          </p:nvPr>
-        </p:nvSpPr>
-        <p:spPr>
-          <a:xfrm>
-            <a:off x="311700" y="1401925"/>
-            <a:ext cx="8520600" cy="2219100"/>
-          </a:xfrm>
-          <a:prstGeom prst="rect">
-            <a:avLst/>
-          </a:prstGeom>
-        </p:spPr>
-        <p:txBody>
-          <a:bodyPr anchorCtr="0" anchor="t" bIns="91425" lIns="91425" spcFirstLastPara="1" rIns="91425" wrap="square" tIns="91425">
+          <a:bodyPr anchorCtr="0" anchor="ctr" bIns="91425" lIns="91425" spcFirstLastPara="1" rIns="91425" wrap="square" tIns="91425">
             <a:normAutofit/>
           </a:bodyPr>
           <a:lstStyle/>
@@ -8282,75 +9274,27 @@
             </a:pPr>
             <a:r>
               <a:rPr lang="en"/>
-              <a:t>In this section, you will talk about the following:</a:t>
+              <a:t>3</a:t>
+            </a:r>
+            <a:r>
+              <a:rPr lang="en"/>
+              <a:t>. The Machine Learning Model</a:t>
             </a:r>
             <a:endParaRPr/>
           </a:p>
           <a:p>
-            <a:pPr indent="-342900" lvl="0" marL="457200" rtl="0" algn="l">
-              <a:spcBef>
-                <a:spcPts val="1200"/>
-              </a:spcBef>
-              <a:spcAft>
-                <a:spcPts val="0"/>
-              </a:spcAft>
-              <a:buSzPts val="1800"/>
-              <a:buAutoNum type="arabicPeriod"/>
+            <a:pPr indent="457200" lvl="0" marL="0" rtl="0" algn="l">
+              <a:spcBef>
+                <a:spcPts val="0"/>
+              </a:spcBef>
+              <a:spcAft>
+                <a:spcPts val="0"/>
+              </a:spcAft>
+              <a:buNone/>
             </a:pPr>
             <a:r>
               <a:rPr lang="en"/>
-              <a:t>The final metrics of the model</a:t>
-            </a:r>
-            <a:endParaRPr/>
-          </a:p>
-          <a:p>
-            <a:pPr indent="-342900" lvl="0" marL="457200" rtl="0" algn="l">
-              <a:spcBef>
-                <a:spcPts val="0"/>
-              </a:spcBef>
-              <a:spcAft>
-                <a:spcPts val="0"/>
-              </a:spcAft>
-              <a:buSzPts val="1800"/>
-              <a:buAutoNum type="arabicPeriod"/>
-            </a:pPr>
-            <a:r>
-              <a:rPr lang="en"/>
-              <a:t>How you trained the model</a:t>
-            </a:r>
-            <a:endParaRPr/>
-          </a:p>
-          <a:p>
-            <a:pPr indent="-342900" lvl="0" marL="457200" rtl="0" algn="l">
-              <a:spcBef>
-                <a:spcPts val="0"/>
-              </a:spcBef>
-              <a:spcAft>
-                <a:spcPts val="0"/>
-              </a:spcAft>
-              <a:buSzPts val="1800"/>
-              <a:buAutoNum type="arabicPeriod"/>
-            </a:pPr>
-            <a:r>
-              <a:rPr lang="en"/>
-              <a:t>The hyperparameters used</a:t>
-            </a:r>
-            <a:endParaRPr/>
-          </a:p>
-          <a:p>
-            <a:pPr indent="-342900" lvl="0" marL="457200" rtl="0" algn="l">
-              <a:spcBef>
-                <a:spcPts val="0"/>
-              </a:spcBef>
-              <a:spcAft>
-                <a:spcPts val="0"/>
-              </a:spcAft>
-              <a:buSzPts val="1800"/>
-              <a:buAutoNum type="arabicPeriod"/>
-            </a:pPr>
-            <a:r>
-              <a:rPr lang="en"/>
-              <a:t>Other improvements that could be made</a:t>
+              <a:t>Neural Network</a:t>
             </a:r>
             <a:endParaRPr/>
           </a:p>
@@ -8367,9 +9311,69 @@
 <file path=ppt/slides/slide17.xml><?xml version="1.0" encoding="utf-8"?>
 <p:sld xmlns:a="http://schemas.openxmlformats.org/drawingml/2006/main" xmlns:r="http://schemas.openxmlformats.org/officeDocument/2006/relationships" xmlns:mc="http://schemas.openxmlformats.org/markup-compatibility/2006" xmlns:mv="urn:schemas-microsoft-com:mac:vml" xmlns:p="http://schemas.openxmlformats.org/presentationml/2006/main" xmlns:c="http://schemas.openxmlformats.org/drawingml/2006/chart" xmlns:dgm="http://schemas.openxmlformats.org/drawingml/2006/diagram" xmlns:o="urn:schemas-microsoft-com:office:office" xmlns:v="urn:schemas-microsoft-com:vml" xmlns:pvml="urn:schemas-microsoft-com:office:powerpoint" xmlns:com="http://schemas.openxmlformats.org/drawingml/2006/compatibility" xmlns:p14="http://schemas.microsoft.com/office/powerpoint/2010/main" xmlns:p15="http://schemas.microsoft.com/office/powerpoint/2012/main" xmlns:ahyp="http://schemas.microsoft.com/office/drawing/2018/hyperlinkcolor">
   <p:cSld>
+    <p:bg>
+      <p:bgPr>
+        <a:solidFill>
+          <a:schemeClr val="lt1"/>
+        </a:solidFill>
+      </p:bgPr>
+    </p:bg>
     <p:spTree>
       <p:nvGrpSpPr>
-        <p:cNvPr id="153" name="Shape 153"/>
+        <p:cNvPr id="152" name="Shape 152"/>
+        <p:cNvGrpSpPr/>
+        <p:nvPr/>
+      </p:nvGrpSpPr>
+      <p:grpSpPr>
+        <a:xfrm>
+          <a:off x="0" y="0"/>
+          <a:ext cx="0" cy="0"/>
+          <a:chOff x="0" y="0"/>
+          <a:chExt cx="0" cy="0"/>
+        </a:xfrm>
+      </p:grpSpPr>
+      <p:pic>
+        <p:nvPicPr>
+          <p:cNvPr id="153" name="Google Shape;153;p29"/>
+          <p:cNvPicPr preferRelativeResize="0"/>
+          <p:nvPr/>
+        </p:nvPicPr>
+        <p:blipFill>
+          <a:blip r:embed="rId3">
+            <a:alphaModFix/>
+          </a:blip>
+          <a:stretch>
+            <a:fillRect/>
+          </a:stretch>
+        </p:blipFill>
+        <p:spPr>
+          <a:xfrm>
+            <a:off x="76200" y="1041263"/>
+            <a:ext cx="8991601" cy="3060970"/>
+          </a:xfrm>
+          <a:prstGeom prst="rect">
+            <a:avLst/>
+          </a:prstGeom>
+          <a:noFill/>
+          <a:ln>
+            <a:noFill/>
+          </a:ln>
+        </p:spPr>
+      </p:pic>
+    </p:spTree>
+  </p:cSld>
+  <p:clrMapOvr>
+    <a:masterClrMapping/>
+  </p:clrMapOvr>
+</p:sld>
+</file>
+
+<file path=ppt/slides/slide18.xml><?xml version="1.0" encoding="utf-8"?>
+<p:sld xmlns:a="http://schemas.openxmlformats.org/drawingml/2006/main" xmlns:r="http://schemas.openxmlformats.org/officeDocument/2006/relationships" xmlns:mc="http://schemas.openxmlformats.org/markup-compatibility/2006" xmlns:mv="urn:schemas-microsoft-com:mac:vml" xmlns:p="http://schemas.openxmlformats.org/presentationml/2006/main" xmlns:c="http://schemas.openxmlformats.org/drawingml/2006/chart" xmlns:dgm="http://schemas.openxmlformats.org/drawingml/2006/diagram" xmlns:o="urn:schemas-microsoft-com:office:office" xmlns:v="urn:schemas-microsoft-com:vml" xmlns:pvml="urn:schemas-microsoft-com:office:powerpoint" xmlns:com="http://schemas.openxmlformats.org/drawingml/2006/compatibility" xmlns:p14="http://schemas.microsoft.com/office/powerpoint/2010/main" xmlns:p15="http://schemas.microsoft.com/office/powerpoint/2012/main" xmlns:ahyp="http://schemas.microsoft.com/office/drawing/2018/hyperlinkcolor">
+  <p:cSld>
+    <p:spTree>
+      <p:nvGrpSpPr>
+        <p:cNvPr id="157" name="Shape 157"/>
         <p:cNvGrpSpPr/>
         <p:nvPr/>
       </p:nvGrpSpPr>
@@ -8383,76 +9387,7 @@
       </p:grpSpPr>
       <p:sp>
         <p:nvSpPr>
-          <p:cNvPr id="154" name="Google Shape;154;p29"/>
-          <p:cNvSpPr txBox="1"/>
-          <p:nvPr>
-            <p:ph type="title"/>
-          </p:nvPr>
-        </p:nvSpPr>
-        <p:spPr>
-          <a:xfrm>
-            <a:off x="490250" y="450150"/>
-            <a:ext cx="6367800" cy="4090800"/>
-          </a:xfrm>
-          <a:prstGeom prst="rect">
-            <a:avLst/>
-          </a:prstGeom>
-        </p:spPr>
-        <p:txBody>
-          <a:bodyPr anchorCtr="0" anchor="ctr" bIns="91425" lIns="91425" spcFirstLastPara="1" rIns="91425" wrap="square" tIns="91425">
-            <a:normAutofit/>
-          </a:bodyPr>
-          <a:lstStyle/>
-          <a:p>
-            <a:pPr indent="0" lvl="0" marL="0" rtl="0" algn="l">
-              <a:spcBef>
-                <a:spcPts val="0"/>
-              </a:spcBef>
-              <a:spcAft>
-                <a:spcPts val="0"/>
-              </a:spcAft>
-              <a:buNone/>
-            </a:pPr>
-            <a:r>
-              <a:rPr lang="en"/>
-              <a:t>5</a:t>
-            </a:r>
-            <a:r>
-              <a:rPr lang="en"/>
-              <a:t>. Conclusion</a:t>
-            </a:r>
-            <a:endParaRPr/>
-          </a:p>
-        </p:txBody>
-      </p:sp>
-    </p:spTree>
-  </p:cSld>
-  <p:clrMapOvr>
-    <a:masterClrMapping/>
-  </p:clrMapOvr>
-</p:sld>
-</file>
-
-<file path=ppt/slides/slide18.xml><?xml version="1.0" encoding="utf-8"?>
-<p:sld xmlns:a="http://schemas.openxmlformats.org/drawingml/2006/main" xmlns:r="http://schemas.openxmlformats.org/officeDocument/2006/relationships" xmlns:mc="http://schemas.openxmlformats.org/markup-compatibility/2006" xmlns:mv="urn:schemas-microsoft-com:mac:vml" xmlns:p="http://schemas.openxmlformats.org/presentationml/2006/main" xmlns:c="http://schemas.openxmlformats.org/drawingml/2006/chart" xmlns:dgm="http://schemas.openxmlformats.org/drawingml/2006/diagram" xmlns:o="urn:schemas-microsoft-com:office:office" xmlns:v="urn:schemas-microsoft-com:vml" xmlns:pvml="urn:schemas-microsoft-com:office:powerpoint" xmlns:com="http://schemas.openxmlformats.org/drawingml/2006/compatibility" xmlns:p14="http://schemas.microsoft.com/office/powerpoint/2010/main" xmlns:p15="http://schemas.microsoft.com/office/powerpoint/2012/main" xmlns:ahyp="http://schemas.microsoft.com/office/drawing/2018/hyperlinkcolor">
-  <p:cSld>
-    <p:spTree>
-      <p:nvGrpSpPr>
-        <p:cNvPr id="158" name="Shape 158"/>
-        <p:cNvGrpSpPr/>
-        <p:nvPr/>
-      </p:nvGrpSpPr>
-      <p:grpSpPr>
-        <a:xfrm>
-          <a:off x="0" y="0"/>
-          <a:ext cx="0" cy="0"/>
-          <a:chOff x="0" y="0"/>
-          <a:chExt cx="0" cy="0"/>
-        </a:xfrm>
-      </p:grpSpPr>
-      <p:sp>
-        <p:nvSpPr>
-          <p:cNvPr id="159" name="Google Shape;159;p30"/>
+          <p:cNvPr id="158" name="Google Shape;158;p30"/>
           <p:cNvSpPr txBox="1"/>
           <p:nvPr>
             <p:ph type="title"/>
@@ -8484,11 +9419,7 @@
             </a:pPr>
             <a:r>
               <a:rPr lang="en"/>
-              <a:t>5</a:t>
-            </a:r>
-            <a:r>
-              <a:rPr lang="en"/>
-              <a:t>. Conclusion</a:t>
+              <a:t>3. The Machine Learning Model</a:t>
             </a:r>
             <a:endParaRPr/>
           </a:p>
@@ -8496,7 +9427,7 @@
       </p:sp>
       <p:sp>
         <p:nvSpPr>
-          <p:cNvPr id="160" name="Google Shape;160;p30"/>
+          <p:cNvPr id="159" name="Google Shape;159;p30"/>
           <p:cNvSpPr txBox="1"/>
           <p:nvPr>
             <p:ph idx="1" type="body"/>
@@ -8505,7 +9436,7 @@
         <p:spPr>
           <a:xfrm>
             <a:off x="311700" y="1401925"/>
-            <a:ext cx="8520600" cy="2219100"/>
+            <a:ext cx="8520600" cy="1774200"/>
           </a:xfrm>
           <a:prstGeom prst="rect">
             <a:avLst/>
@@ -8513,7 +9444,7 @@
         </p:spPr>
         <p:txBody>
           <a:bodyPr anchorCtr="0" anchor="t" bIns="91425" lIns="91425" spcFirstLastPara="1" rIns="91425" wrap="square" tIns="91425">
-            <a:normAutofit/>
+            <a:normAutofit fontScale="85000" lnSpcReduction="20000"/>
           </a:bodyPr>
           <a:lstStyle/>
           <a:p>
@@ -8528,93 +9459,141 @@
             </a:pPr>
             <a:r>
               <a:rPr lang="en"/>
-              <a:t>In this section, you will talk about the following:</a:t>
+              <a:t>In this section, you will go over the following:</a:t>
             </a:r>
             <a:endParaRPr/>
           </a:p>
           <a:p>
-            <a:pPr indent="-342900" lvl="0" marL="457200" rtl="0" algn="l">
+            <a:pPr indent="-325755" lvl="0" marL="457200" rtl="0" algn="l">
               <a:spcBef>
                 <a:spcPts val="1200"/>
               </a:spcBef>
               <a:spcAft>
                 <a:spcPts val="0"/>
               </a:spcAft>
-              <a:buSzPts val="1800"/>
+              <a:buSzPct val="100000"/>
               <a:buAutoNum type="arabicPeriod"/>
             </a:pPr>
             <a:r>
               <a:rPr lang="en"/>
-              <a:t>The </a:t>
-            </a:r>
-            <a:r>
-              <a:rPr lang="en" u="sng"/>
-              <a:t>top 3</a:t>
-            </a:r>
+              <a:t>Neural Networks Model which comes under Deep Learning</a:t>
+            </a:r>
+            <a:endParaRPr/>
+          </a:p>
+          <a:p>
+            <a:pPr indent="-325755" lvl="0" marL="457200" rtl="0" algn="l">
+              <a:spcBef>
+                <a:spcPts val="0"/>
+              </a:spcBef>
+              <a:spcAft>
+                <a:spcPts val="0"/>
+              </a:spcAft>
+              <a:buSzPct val="100000"/>
+              <a:buAutoNum type="arabicPeriod"/>
+            </a:pPr>
             <a:r>
               <a:rPr lang="en"/>
-              <a:t> challenges you faced in the project</a:t>
+              <a:t>The features of the model are amount of the transactions and the categories which different </a:t>
+            </a:r>
+            <a:r>
+              <a:rPr lang="en"/>
+              <a:t>transaction</a:t>
+            </a:r>
+            <a:r>
+              <a:rPr lang="en"/>
+              <a:t> fall into and label for the model is to predict which is fraud or not.</a:t>
             </a:r>
             <a:endParaRPr/>
           </a:p>
           <a:p>
-            <a:pPr indent="-342900" lvl="0" marL="457200" rtl="0" algn="l">
-              <a:spcBef>
-                <a:spcPts val="0"/>
-              </a:spcBef>
-              <a:spcAft>
-                <a:spcPts val="0"/>
-              </a:spcAft>
-              <a:buSzPts val="1800"/>
+            <a:pPr indent="-325755" lvl="0" marL="457200" rtl="0" algn="l">
+              <a:spcBef>
+                <a:spcPts val="0"/>
+              </a:spcBef>
+              <a:spcAft>
+                <a:spcPts val="0"/>
+              </a:spcAft>
+              <a:buSzPct val="100000"/>
               <a:buAutoNum type="arabicPeriod"/>
             </a:pPr>
             <a:r>
               <a:rPr lang="en"/>
-              <a:t>The </a:t>
-            </a:r>
-            <a:r>
-              <a:rPr lang="en" u="sng"/>
-              <a:t>top 3</a:t>
-            </a:r>
+              <a:t>The reason you chose this ML model</a:t>
+            </a:r>
+            <a:endParaRPr/>
+          </a:p>
+          <a:p>
+            <a:pPr indent="-325755" lvl="0" marL="457200" rtl="0" algn="l">
+              <a:spcBef>
+                <a:spcPts val="0"/>
+              </a:spcBef>
+              <a:spcAft>
+                <a:spcPts val="0"/>
+              </a:spcAft>
+              <a:buSzPct val="100000"/>
+              <a:buAutoNum type="arabicPeriod"/>
+            </a:pPr>
             <a:r>
               <a:rPr lang="en"/>
-              <a:t> lessons you learned in this project</a:t>
+              <a:t>How this model compares to other </a:t>
+            </a:r>
+            <a:r>
+              <a:rPr lang="en"/>
+              <a:t>ML models</a:t>
             </a:r>
             <a:endParaRPr/>
           </a:p>
-          <a:p>
-            <a:pPr indent="-342900" lvl="0" marL="457200" rtl="0" algn="l">
-              <a:spcBef>
-                <a:spcPts val="0"/>
-              </a:spcBef>
-              <a:spcAft>
-                <a:spcPts val="0"/>
-              </a:spcAft>
-              <a:buSzPts val="1800"/>
-              <a:buAutoNum type="arabicPeriod"/>
-            </a:pPr>
-            <a:r>
-              <a:rPr lang="en"/>
-              <a:t>Next steps for your data science career</a:t>
-            </a:r>
-            <a:endParaRPr/>
-          </a:p>
-          <a:p>
-            <a:pPr indent="-342900" lvl="0" marL="457200" rtl="0" algn="l">
-              <a:spcBef>
-                <a:spcPts val="0"/>
-              </a:spcBef>
-              <a:spcAft>
-                <a:spcPts val="0"/>
-              </a:spcAft>
-              <a:buSzPts val="1800"/>
-              <a:buAutoNum type="arabicPeriod"/>
-            </a:pPr>
-            <a:r>
-              <a:rPr lang="en"/>
-              <a:t>Any comments you’d like to add!</a:t>
-            </a:r>
-            <a:endParaRPr/>
+        </p:txBody>
+      </p:sp>
+      <p:sp>
+        <p:nvSpPr>
+          <p:cNvPr id="160" name="Google Shape;160;p30"/>
+          <p:cNvSpPr txBox="1"/>
+          <p:nvPr/>
+        </p:nvSpPr>
+        <p:spPr>
+          <a:xfrm>
+            <a:off x="445650" y="3305200"/>
+            <a:ext cx="5347800" cy="400200"/>
+          </a:xfrm>
+          <a:prstGeom prst="rect">
+            <a:avLst/>
+          </a:prstGeom>
+          <a:noFill/>
+          <a:ln>
+            <a:noFill/>
+          </a:ln>
+        </p:spPr>
+        <p:txBody>
+          <a:bodyPr anchorCtr="0" anchor="t" bIns="91425" lIns="91425" spcFirstLastPara="1" rIns="91425" wrap="square" tIns="91425">
+            <a:spAutoFit/>
+          </a:bodyPr>
+          <a:lstStyle/>
+          <a:p>
+            <a:pPr indent="0" lvl="0" marL="0" rtl="0" algn="l">
+              <a:spcBef>
+                <a:spcPts val="0"/>
+              </a:spcBef>
+              <a:spcAft>
+                <a:spcPts val="0"/>
+              </a:spcAft>
+              <a:buNone/>
+            </a:pPr>
+            <a:r>
+              <a:rPr lang="en">
+                <a:latin typeface="Roboto"/>
+                <a:ea typeface="Roboto"/>
+                <a:cs typeface="Roboto"/>
+                <a:sym typeface="Roboto"/>
+              </a:rPr>
+              <a:t>* For example: regression, classification, or clustering.</a:t>
+            </a:r>
+            <a:endParaRPr>
+              <a:latin typeface="Roboto"/>
+              <a:ea typeface="Roboto"/>
+              <a:cs typeface="Roboto"/>
+              <a:sym typeface="Roboto"/>
+            </a:endParaRPr>
           </a:p>
         </p:txBody>
       </p:sp>
@@ -8647,25 +9626,79 @@
         <p:nvSpPr>
           <p:cNvPr id="165" name="Google Shape;165;p31"/>
           <p:cNvSpPr txBox="1"/>
-          <p:nvPr>
-            <p:ph type="title"/>
-          </p:nvPr>
+          <p:nvPr/>
         </p:nvSpPr>
         <p:spPr>
           <a:xfrm>
-            <a:off x="490250" y="450150"/>
-            <a:ext cx="6367800" cy="4090800"/>
+            <a:off x="566125" y="720550"/>
+            <a:ext cx="7342500" cy="554100"/>
           </a:xfrm>
           <a:prstGeom prst="rect">
             <a:avLst/>
           </a:prstGeom>
+          <a:noFill/>
+          <a:ln>
+            <a:noFill/>
+          </a:ln>
         </p:spPr>
         <p:txBody>
-          <a:bodyPr anchorCtr="0" anchor="ctr" bIns="91425" lIns="91425" spcFirstLastPara="1" rIns="91425" wrap="square" tIns="91425">
-            <a:normAutofit/>
+          <a:bodyPr anchorCtr="0" anchor="t" bIns="91425" lIns="91425" spcFirstLastPara="1" rIns="91425" wrap="square" tIns="91425">
+            <a:spAutoFit/>
           </a:bodyPr>
           <a:lstStyle/>
           <a:p>
+            <a:pPr indent="0" lvl="0" marL="0" rtl="0" algn="ctr">
+              <a:spcBef>
+                <a:spcPts val="0"/>
+              </a:spcBef>
+              <a:spcAft>
+                <a:spcPts val="0"/>
+              </a:spcAft>
+              <a:buNone/>
+            </a:pPr>
+            <a:r>
+              <a:rPr lang="en" sz="2400">
+                <a:latin typeface="Georgia"/>
+                <a:ea typeface="Georgia"/>
+                <a:cs typeface="Georgia"/>
+                <a:sym typeface="Georgia"/>
+              </a:rPr>
+              <a:t>Results of Neural Network Model</a:t>
+            </a:r>
+            <a:endParaRPr sz="2400">
+              <a:latin typeface="Georgia"/>
+              <a:ea typeface="Georgia"/>
+              <a:cs typeface="Georgia"/>
+              <a:sym typeface="Georgia"/>
+            </a:endParaRPr>
+          </a:p>
+        </p:txBody>
+      </p:sp>
+      <p:sp>
+        <p:nvSpPr>
+          <p:cNvPr id="166" name="Google Shape;166;p31"/>
+          <p:cNvSpPr txBox="1"/>
+          <p:nvPr/>
+        </p:nvSpPr>
+        <p:spPr>
+          <a:xfrm>
+            <a:off x="299800" y="1665575"/>
+            <a:ext cx="8511000" cy="2016300"/>
+          </a:xfrm>
+          <a:prstGeom prst="rect">
+            <a:avLst/>
+          </a:prstGeom>
+          <a:noFill/>
+          <a:ln>
+            <a:noFill/>
+          </a:ln>
+        </p:spPr>
+        <p:txBody>
+          <a:bodyPr anchorCtr="0" anchor="t" bIns="91425" lIns="91425" spcFirstLastPara="1" rIns="91425" wrap="square" tIns="91425">
+            <a:spAutoFit/>
+          </a:bodyPr>
+          <a:lstStyle/>
+          <a:p>
             <a:pPr indent="0" lvl="0" marL="0" rtl="0" algn="l">
               <a:spcBef>
                 <a:spcPts val="0"/>
@@ -8673,13 +9706,177 @@
               <a:spcAft>
                 <a:spcPts val="0"/>
               </a:spcAft>
-              <a:buNone/>
-            </a:pPr>
-            <a:r>
-              <a:rPr lang="en"/>
-              <a:t>6. Any Questions from Audience?</a:t>
-            </a:r>
-            <a:endParaRPr/>
+              <a:buClr>
+                <a:schemeClr val="dk1"/>
+              </a:buClr>
+              <a:buSzPts val="1100"/>
+              <a:buFont typeface="Arial"/>
+              <a:buNone/>
+            </a:pPr>
+            <a:r>
+              <a:rPr b="1" lang="en" sz="2100">
+                <a:latin typeface="Roboto"/>
+                <a:ea typeface="Roboto"/>
+                <a:cs typeface="Roboto"/>
+                <a:sym typeface="Roboto"/>
+              </a:rPr>
+              <a:t>Total Fraud Cases: 118929</a:t>
+            </a:r>
+            <a:endParaRPr b="1" sz="2100">
+              <a:latin typeface="Roboto"/>
+              <a:ea typeface="Roboto"/>
+              <a:cs typeface="Roboto"/>
+              <a:sym typeface="Roboto"/>
+            </a:endParaRPr>
+          </a:p>
+          <a:p>
+            <a:pPr indent="0" lvl="0" marL="0" rtl="0" algn="l">
+              <a:spcBef>
+                <a:spcPts val="0"/>
+              </a:spcBef>
+              <a:spcAft>
+                <a:spcPts val="0"/>
+              </a:spcAft>
+              <a:buClr>
+                <a:schemeClr val="dk1"/>
+              </a:buClr>
+              <a:buSzPts val="1100"/>
+              <a:buFont typeface="Arial"/>
+              <a:buNone/>
+            </a:pPr>
+            <a:r>
+              <a:rPr b="1" lang="en" sz="2100">
+                <a:latin typeface="Roboto"/>
+                <a:ea typeface="Roboto"/>
+                <a:cs typeface="Roboto"/>
+                <a:sym typeface="Roboto"/>
+              </a:rPr>
+              <a:t>Likely Fraud: 1692</a:t>
+            </a:r>
+            <a:endParaRPr b="1" sz="2100">
+              <a:latin typeface="Roboto"/>
+              <a:ea typeface="Roboto"/>
+              <a:cs typeface="Roboto"/>
+              <a:sym typeface="Roboto"/>
+            </a:endParaRPr>
+          </a:p>
+          <a:p>
+            <a:pPr indent="0" lvl="0" marL="0" rtl="0" algn="l">
+              <a:spcBef>
+                <a:spcPts val="0"/>
+              </a:spcBef>
+              <a:spcAft>
+                <a:spcPts val="0"/>
+              </a:spcAft>
+              <a:buClr>
+                <a:schemeClr val="dk1"/>
+              </a:buClr>
+              <a:buSzPts val="1100"/>
+              <a:buFont typeface="Arial"/>
+              <a:buNone/>
+            </a:pPr>
+            <a:r>
+              <a:rPr b="1" lang="en" sz="2100">
+                <a:latin typeface="Roboto"/>
+                <a:ea typeface="Roboto"/>
+                <a:cs typeface="Roboto"/>
+                <a:sym typeface="Roboto"/>
+              </a:rPr>
+              <a:t>Actual Fraud: 1134</a:t>
+            </a:r>
+            <a:endParaRPr b="1" sz="2100">
+              <a:latin typeface="Roboto"/>
+              <a:ea typeface="Roboto"/>
+              <a:cs typeface="Roboto"/>
+              <a:sym typeface="Roboto"/>
+            </a:endParaRPr>
+          </a:p>
+          <a:p>
+            <a:pPr indent="0" lvl="0" marL="0" rtl="0" algn="l">
+              <a:spcBef>
+                <a:spcPts val="0"/>
+              </a:spcBef>
+              <a:spcAft>
+                <a:spcPts val="0"/>
+              </a:spcAft>
+              <a:buClr>
+                <a:schemeClr val="dk1"/>
+              </a:buClr>
+              <a:buSzPts val="1100"/>
+              <a:buFont typeface="Arial"/>
+              <a:buNone/>
+            </a:pPr>
+            <a:r>
+              <a:rPr b="1" lang="en" sz="2100">
+                <a:latin typeface="Roboto"/>
+                <a:ea typeface="Roboto"/>
+                <a:cs typeface="Roboto"/>
+                <a:sym typeface="Roboto"/>
+              </a:rPr>
+              <a:t>This Model Is Able To Predict </a:t>
+            </a:r>
+            <a:r>
+              <a:rPr b="1" lang="en" sz="2100">
+                <a:solidFill>
+                  <a:srgbClr val="FF0000"/>
+                </a:solidFill>
+                <a:latin typeface="Roboto"/>
+                <a:ea typeface="Roboto"/>
+                <a:cs typeface="Roboto"/>
+                <a:sym typeface="Roboto"/>
+              </a:rPr>
+              <a:t>0.95 %</a:t>
+            </a:r>
+            <a:r>
+              <a:rPr b="1" lang="en" sz="2100">
+                <a:latin typeface="Roboto"/>
+                <a:ea typeface="Roboto"/>
+                <a:cs typeface="Roboto"/>
+                <a:sym typeface="Roboto"/>
+              </a:rPr>
+              <a:t> Of Fraud With An Accuracy Of </a:t>
+            </a:r>
+            <a:r>
+              <a:rPr b="1" lang="en" sz="2100">
+                <a:solidFill>
+                  <a:srgbClr val="FF0000"/>
+                </a:solidFill>
+                <a:latin typeface="Roboto"/>
+                <a:ea typeface="Roboto"/>
+                <a:cs typeface="Roboto"/>
+                <a:sym typeface="Roboto"/>
+              </a:rPr>
+              <a:t>67.02%</a:t>
+            </a:r>
+            <a:endParaRPr b="1" sz="2100">
+              <a:solidFill>
+                <a:srgbClr val="FF0000"/>
+              </a:solidFill>
+              <a:latin typeface="Roboto"/>
+              <a:ea typeface="Roboto"/>
+              <a:cs typeface="Roboto"/>
+              <a:sym typeface="Roboto"/>
+            </a:endParaRPr>
+          </a:p>
+          <a:p>
+            <a:pPr indent="0" lvl="0" marL="0" rtl="0" algn="l">
+              <a:spcBef>
+                <a:spcPts val="0"/>
+              </a:spcBef>
+              <a:spcAft>
+                <a:spcPts val="0"/>
+              </a:spcAft>
+              <a:buNone/>
+            </a:pPr>
+            <a:r>
+              <a:t/>
+            </a:r>
+            <a:endParaRPr>
+              <a:latin typeface="Roboto"/>
+              <a:ea typeface="Roboto"/>
+              <a:cs typeface="Roboto"/>
+              <a:sym typeface="Roboto"/>
+            </a:endParaRPr>
           </a:p>
         </p:txBody>
       </p:sp>
@@ -8688,12 +9885,110 @@
   <p:clrMapOvr>
     <a:masterClrMapping/>
   </p:clrMapOvr>
+  <p:timing>
+    <p:tnLst>
+      <p:par>
+        <p:cTn dur="indefinite" nodeType="tmRoot" restart="never">
+          <p:childTnLst>
+            <p:seq concurrent="1" nextAc="seek">
+              <p:cTn dur="indefinite" id="2" nodeType="mainSeq">
+                <p:childTnLst>
+                  <p:par>
+                    <p:cTn fill="hold">
+                      <p:stCondLst>
+                        <p:cond delay="indefinite"/>
+                      </p:stCondLst>
+                      <p:childTnLst>
+                        <p:par>
+                          <p:cTn fill="hold">
+                            <p:stCondLst>
+                              <p:cond delay="0"/>
+                            </p:stCondLst>
+                            <p:childTnLst>
+                              <p:par>
+                                <p:cTn fill="hold" nodeType="clickEffect" presetClass="entr" presetID="10" presetSubtype="0">
+                                  <p:stCondLst>
+                                    <p:cond delay="0"/>
+                                  </p:stCondLst>
+                                  <p:childTnLst>
+                                    <p:set>
+                                      <p:cBhvr>
+                                        <p:cTn dur="1" fill="hold">
+                                          <p:stCondLst>
+                                            <p:cond delay="0"/>
+                                          </p:stCondLst>
+                                        </p:cTn>
+                                        <p:tgtEl>
+                                          <p:spTgt spid="166"/>
+                                        </p:tgtEl>
+                                        <p:attrNameLst>
+                                          <p:attrName>style.visibility</p:attrName>
+                                        </p:attrNameLst>
+                                      </p:cBhvr>
+                                      <p:to>
+                                        <p:strVal val="visible"/>
+                                      </p:to>
+                                    </p:set>
+                                    <p:animEffect filter="fade" transition="in">
+                                      <p:cBhvr>
+                                        <p:cTn dur="1000"/>
+                                        <p:tgtEl>
+                                          <p:spTgt spid="166"/>
+                                        </p:tgtEl>
+                                      </p:cBhvr>
+                                    </p:animEffect>
+                                  </p:childTnLst>
+                                </p:cTn>
+                              </p:par>
+                            </p:childTnLst>
+                          </p:cTn>
+                        </p:par>
+                      </p:childTnLst>
+                    </p:cTn>
+                  </p:par>
+                </p:childTnLst>
+              </p:cTn>
+              <p:prevCondLst>
+                <p:cond evt="onPrev">
+                  <p:tgtEl>
+                    <p:sldTgt/>
+                  </p:tgtEl>
+                </p:cond>
+              </p:prevCondLst>
+              <p:nextCondLst>
+                <p:cond evt="onNext">
+                  <p:tgtEl>
+                    <p:sldTgt/>
+                  </p:tgtEl>
+                </p:cond>
+              </p:nextCondLst>
+            </p:seq>
+          </p:childTnLst>
+        </p:cTn>
+      </p:par>
+    </p:tnLst>
+  </p:timing>
 </p:sld>
 </file>
 
 <file path=ppt/slides/slide2.xml><?xml version="1.0" encoding="utf-8"?>
 <p:sld xmlns:a="http://schemas.openxmlformats.org/drawingml/2006/main" xmlns:r="http://schemas.openxmlformats.org/officeDocument/2006/relationships" xmlns:mc="http://schemas.openxmlformats.org/markup-compatibility/2006" xmlns:mv="urn:schemas-microsoft-com:mac:vml" xmlns:p="http://schemas.openxmlformats.org/presentationml/2006/main" xmlns:c="http://schemas.openxmlformats.org/drawingml/2006/chart" xmlns:dgm="http://schemas.openxmlformats.org/drawingml/2006/diagram" xmlns:o="urn:schemas-microsoft-com:office:office" xmlns:v="urn:schemas-microsoft-com:vml" xmlns:pvml="urn:schemas-microsoft-com:office:powerpoint" xmlns:com="http://schemas.openxmlformats.org/drawingml/2006/compatibility" xmlns:p14="http://schemas.microsoft.com/office/powerpoint/2010/main" xmlns:p15="http://schemas.microsoft.com/office/powerpoint/2012/main" xmlns:ahyp="http://schemas.microsoft.com/office/drawing/2018/hyperlinkcolor">
   <p:cSld>
+    <p:bg>
+      <p:bgPr>
+        <a:gradFill>
+          <a:gsLst>
+            <a:gs pos="0">
+              <a:srgbClr val="F2F2F2"/>
+            </a:gs>
+            <a:gs pos="100000">
+              <a:srgbClr val="A6A6A6"/>
+            </a:gs>
+          </a:gsLst>
+          <a:lin ang="5400012" scaled="0"/>
+        </a:gradFill>
+      </p:bgPr>
+    </p:bg>
     <p:spTree>
       <p:nvGrpSpPr>
         <p:cNvPr id="60" name="Shape 60"/>
@@ -8920,7 +10215,7 @@
         </p:blipFill>
         <p:spPr>
           <a:xfrm>
-            <a:off x="4879013" y="1829025"/>
+            <a:off x="6787163" y="1877225"/>
             <a:ext cx="1389075" cy="1389075"/>
           </a:xfrm>
           <a:prstGeom prst="rect">
@@ -8940,7 +10235,7 @@
         </p:nvSpPr>
         <p:spPr>
           <a:xfrm>
-            <a:off x="4658988" y="3370175"/>
+            <a:off x="6662213" y="3478025"/>
             <a:ext cx="1829100" cy="615600"/>
           </a:xfrm>
           <a:prstGeom prst="rect">
@@ -9018,7 +10313,7 @@
         </p:nvSpPr>
         <p:spPr>
           <a:xfrm>
-            <a:off x="6662063" y="3370175"/>
+            <a:off x="4659063" y="3370175"/>
             <a:ext cx="1829100" cy="1046700"/>
           </a:xfrm>
           <a:prstGeom prst="rect">
@@ -9104,7 +10399,7 @@
         </p:blipFill>
         <p:spPr>
           <a:xfrm>
-            <a:off x="6977000" y="1818150"/>
+            <a:off x="4974012" y="1866338"/>
             <a:ext cx="1199250" cy="1410826"/>
           </a:xfrm>
           <a:prstGeom prst="rect">
@@ -9122,36 +10417,8 @@
           <p:cNvPicPr preferRelativeResize="0"/>
           <p:nvPr/>
         </p:nvPicPr>
-        <p:blipFill>
+        <p:blipFill rotWithShape="1">
           <a:blip r:embed="rId5">
-            <a:alphaModFix/>
-          </a:blip>
-          <a:stretch>
-            <a:fillRect/>
-          </a:stretch>
-        </p:blipFill>
-        <p:spPr>
-          <a:xfrm>
-            <a:off x="2947138" y="1790138"/>
-            <a:ext cx="1199250" cy="1410825"/>
-          </a:xfrm>
-          <a:prstGeom prst="rect">
-            <a:avLst/>
-          </a:prstGeom>
-          <a:noFill/>
-          <a:ln>
-            <a:noFill/>
-          </a:ln>
-        </p:spPr>
-      </p:pic>
-      <p:pic>
-        <p:nvPicPr>
-          <p:cNvPr id="69" name="Google Shape;69;p14"/>
-          <p:cNvPicPr preferRelativeResize="0"/>
-          <p:nvPr/>
-        </p:nvPicPr>
-        <p:blipFill rotWithShape="1">
-          <a:blip r:embed="rId6">
             <a:alphaModFix/>
           </a:blip>
           <a:srcRect b="7587" l="0" r="0" t="0"/>
@@ -9171,6 +10438,692 @@
           </a:ln>
         </p:spPr>
       </p:pic>
+      <p:pic>
+        <p:nvPicPr>
+          <p:cNvPr id="69" name="Google Shape;69;p14"/>
+          <p:cNvPicPr preferRelativeResize="0"/>
+          <p:nvPr/>
+        </p:nvPicPr>
+        <p:blipFill>
+          <a:blip r:embed="rId6">
+            <a:alphaModFix/>
+          </a:blip>
+          <a:stretch>
+            <a:fillRect/>
+          </a:stretch>
+        </p:blipFill>
+        <p:spPr>
+          <a:xfrm>
+            <a:off x="2852225" y="1828575"/>
+            <a:ext cx="1389074" cy="1389966"/>
+          </a:xfrm>
+          <a:prstGeom prst="rect">
+            <a:avLst/>
+          </a:prstGeom>
+          <a:noFill/>
+          <a:ln>
+            <a:noFill/>
+          </a:ln>
+        </p:spPr>
+      </p:pic>
+    </p:spTree>
+  </p:cSld>
+  <p:clrMapOvr>
+    <a:masterClrMapping/>
+  </p:clrMapOvr>
+</p:sld>
+</file>
+
+<file path=ppt/slides/slide20.xml><?xml version="1.0" encoding="utf-8"?>
+<p:sld xmlns:a="http://schemas.openxmlformats.org/drawingml/2006/main" xmlns:r="http://schemas.openxmlformats.org/officeDocument/2006/relationships" xmlns:mc="http://schemas.openxmlformats.org/markup-compatibility/2006" xmlns:mv="urn:schemas-microsoft-com:mac:vml" xmlns:p="http://schemas.openxmlformats.org/presentationml/2006/main" xmlns:c="http://schemas.openxmlformats.org/drawingml/2006/chart" xmlns:dgm="http://schemas.openxmlformats.org/drawingml/2006/diagram" xmlns:o="urn:schemas-microsoft-com:office:office" xmlns:v="urn:schemas-microsoft-com:vml" xmlns:pvml="urn:schemas-microsoft-com:office:powerpoint" xmlns:com="http://schemas.openxmlformats.org/drawingml/2006/compatibility" xmlns:p14="http://schemas.microsoft.com/office/powerpoint/2010/main" xmlns:p15="http://schemas.microsoft.com/office/powerpoint/2012/main" xmlns:ahyp="http://schemas.microsoft.com/office/drawing/2018/hyperlinkcolor">
+  <p:cSld>
+    <p:spTree>
+      <p:nvGrpSpPr>
+        <p:cNvPr id="170" name="Shape 170"/>
+        <p:cNvGrpSpPr/>
+        <p:nvPr/>
+      </p:nvGrpSpPr>
+      <p:grpSpPr>
+        <a:xfrm>
+          <a:off x="0" y="0"/>
+          <a:ext cx="0" cy="0"/>
+          <a:chOff x="0" y="0"/>
+          <a:chExt cx="0" cy="0"/>
+        </a:xfrm>
+      </p:grpSpPr>
+      <p:sp>
+        <p:nvSpPr>
+          <p:cNvPr id="171" name="Google Shape;171;p32"/>
+          <p:cNvSpPr txBox="1"/>
+          <p:nvPr/>
+        </p:nvSpPr>
+        <p:spPr>
+          <a:xfrm>
+            <a:off x="720525" y="291625"/>
+            <a:ext cx="7342500" cy="554100"/>
+          </a:xfrm>
+          <a:prstGeom prst="rect">
+            <a:avLst/>
+          </a:prstGeom>
+          <a:noFill/>
+          <a:ln>
+            <a:noFill/>
+          </a:ln>
+        </p:spPr>
+        <p:txBody>
+          <a:bodyPr anchorCtr="0" anchor="t" bIns="91425" lIns="91425" spcFirstLastPara="1" rIns="91425" wrap="square" tIns="91425">
+            <a:spAutoFit/>
+          </a:bodyPr>
+          <a:lstStyle/>
+          <a:p>
+            <a:pPr indent="0" lvl="0" marL="0" rtl="0" algn="ctr">
+              <a:spcBef>
+                <a:spcPts val="0"/>
+              </a:spcBef>
+              <a:spcAft>
+                <a:spcPts val="0"/>
+              </a:spcAft>
+              <a:buClr>
+                <a:schemeClr val="dk1"/>
+              </a:buClr>
+              <a:buSzPts val="1100"/>
+              <a:buFont typeface="Arial"/>
+              <a:buNone/>
+            </a:pPr>
+            <a:r>
+              <a:rPr lang="en" sz="2400">
+                <a:solidFill>
+                  <a:schemeClr val="dk1"/>
+                </a:solidFill>
+                <a:latin typeface="Georgia"/>
+                <a:ea typeface="Georgia"/>
+                <a:cs typeface="Georgia"/>
+                <a:sym typeface="Georgia"/>
+              </a:rPr>
+              <a:t>Results of Neural Network Model</a:t>
+            </a:r>
+            <a:endParaRPr>
+              <a:latin typeface="Roboto"/>
+              <a:ea typeface="Roboto"/>
+              <a:cs typeface="Roboto"/>
+              <a:sym typeface="Roboto"/>
+            </a:endParaRPr>
+          </a:p>
+        </p:txBody>
+      </p:sp>
+    </p:spTree>
+  </p:cSld>
+  <p:clrMapOvr>
+    <a:masterClrMapping/>
+  </p:clrMapOvr>
+</p:sld>
+</file>
+
+<file path=ppt/slides/slide21.xml><?xml version="1.0" encoding="utf-8"?>
+<p:sld xmlns:a="http://schemas.openxmlformats.org/drawingml/2006/main" xmlns:r="http://schemas.openxmlformats.org/officeDocument/2006/relationships" xmlns:mc="http://schemas.openxmlformats.org/markup-compatibility/2006" xmlns:mv="urn:schemas-microsoft-com:mac:vml" xmlns:p="http://schemas.openxmlformats.org/presentationml/2006/main" xmlns:c="http://schemas.openxmlformats.org/drawingml/2006/chart" xmlns:dgm="http://schemas.openxmlformats.org/drawingml/2006/diagram" xmlns:o="urn:schemas-microsoft-com:office:office" xmlns:v="urn:schemas-microsoft-com:vml" xmlns:pvml="urn:schemas-microsoft-com:office:powerpoint" xmlns:com="http://schemas.openxmlformats.org/drawingml/2006/compatibility" xmlns:p14="http://schemas.microsoft.com/office/powerpoint/2010/main" xmlns:p15="http://schemas.microsoft.com/office/powerpoint/2012/main" xmlns:ahyp="http://schemas.microsoft.com/office/drawing/2018/hyperlinkcolor">
+  <p:cSld>
+    <p:spTree>
+      <p:nvGrpSpPr>
+        <p:cNvPr id="175" name="Shape 175"/>
+        <p:cNvGrpSpPr/>
+        <p:nvPr/>
+      </p:nvGrpSpPr>
+      <p:grpSpPr>
+        <a:xfrm>
+          <a:off x="0" y="0"/>
+          <a:ext cx="0" cy="0"/>
+          <a:chOff x="0" y="0"/>
+          <a:chExt cx="0" cy="0"/>
+        </a:xfrm>
+      </p:grpSpPr>
+      <p:sp>
+        <p:nvSpPr>
+          <p:cNvPr id="176" name="Google Shape;176;p33"/>
+          <p:cNvSpPr txBox="1"/>
+          <p:nvPr>
+            <p:ph type="title"/>
+          </p:nvPr>
+        </p:nvSpPr>
+        <p:spPr>
+          <a:xfrm>
+            <a:off x="490250" y="450150"/>
+            <a:ext cx="6367800" cy="4090800"/>
+          </a:xfrm>
+          <a:prstGeom prst="rect">
+            <a:avLst/>
+          </a:prstGeom>
+        </p:spPr>
+        <p:txBody>
+          <a:bodyPr anchorCtr="0" anchor="ctr" bIns="91425" lIns="91425" spcFirstLastPara="1" rIns="91425" wrap="square" tIns="91425">
+            <a:normAutofit/>
+          </a:bodyPr>
+          <a:lstStyle/>
+          <a:p>
+            <a:pPr indent="0" lvl="0" marL="0" rtl="0" algn="l">
+              <a:spcBef>
+                <a:spcPts val="0"/>
+              </a:spcBef>
+              <a:spcAft>
+                <a:spcPts val="0"/>
+              </a:spcAft>
+              <a:buNone/>
+            </a:pPr>
+            <a:r>
+              <a:rPr lang="en"/>
+              <a:t>4</a:t>
+            </a:r>
+            <a:r>
+              <a:rPr lang="en"/>
+              <a:t>. Machine Learning Analysis</a:t>
+            </a:r>
+            <a:endParaRPr/>
+          </a:p>
+        </p:txBody>
+      </p:sp>
+    </p:spTree>
+  </p:cSld>
+  <p:clrMapOvr>
+    <a:masterClrMapping/>
+  </p:clrMapOvr>
+</p:sld>
+</file>
+
+<file path=ppt/slides/slide22.xml><?xml version="1.0" encoding="utf-8"?>
+<p:sld xmlns:a="http://schemas.openxmlformats.org/drawingml/2006/main" xmlns:r="http://schemas.openxmlformats.org/officeDocument/2006/relationships" xmlns:mc="http://schemas.openxmlformats.org/markup-compatibility/2006" xmlns:mv="urn:schemas-microsoft-com:mac:vml" xmlns:p="http://schemas.openxmlformats.org/presentationml/2006/main" xmlns:c="http://schemas.openxmlformats.org/drawingml/2006/chart" xmlns:dgm="http://schemas.openxmlformats.org/drawingml/2006/diagram" xmlns:o="urn:schemas-microsoft-com:office:office" xmlns:v="urn:schemas-microsoft-com:vml" xmlns:pvml="urn:schemas-microsoft-com:office:powerpoint" xmlns:com="http://schemas.openxmlformats.org/drawingml/2006/compatibility" xmlns:p14="http://schemas.microsoft.com/office/powerpoint/2010/main" xmlns:p15="http://schemas.microsoft.com/office/powerpoint/2012/main" xmlns:ahyp="http://schemas.microsoft.com/office/drawing/2018/hyperlinkcolor">
+  <p:cSld>
+    <p:spTree>
+      <p:nvGrpSpPr>
+        <p:cNvPr id="180" name="Shape 180"/>
+        <p:cNvGrpSpPr/>
+        <p:nvPr/>
+      </p:nvGrpSpPr>
+      <p:grpSpPr>
+        <a:xfrm>
+          <a:off x="0" y="0"/>
+          <a:ext cx="0" cy="0"/>
+          <a:chOff x="0" y="0"/>
+          <a:chExt cx="0" cy="0"/>
+        </a:xfrm>
+      </p:grpSpPr>
+      <p:sp>
+        <p:nvSpPr>
+          <p:cNvPr id="181" name="Google Shape;181;p34"/>
+          <p:cNvSpPr txBox="1"/>
+          <p:nvPr>
+            <p:ph type="title"/>
+          </p:nvPr>
+        </p:nvSpPr>
+        <p:spPr>
+          <a:xfrm>
+            <a:off x="311700" y="445025"/>
+            <a:ext cx="8520600" cy="572700"/>
+          </a:xfrm>
+          <a:prstGeom prst="rect">
+            <a:avLst/>
+          </a:prstGeom>
+        </p:spPr>
+        <p:txBody>
+          <a:bodyPr anchorCtr="0" anchor="t" bIns="91425" lIns="91425" spcFirstLastPara="1" rIns="91425" wrap="square" tIns="91425">
+            <a:normAutofit fontScale="90000"/>
+          </a:bodyPr>
+          <a:lstStyle/>
+          <a:p>
+            <a:pPr indent="0" lvl="0" marL="0" rtl="0" algn="l">
+              <a:spcBef>
+                <a:spcPts val="0"/>
+              </a:spcBef>
+              <a:spcAft>
+                <a:spcPts val="0"/>
+              </a:spcAft>
+              <a:buNone/>
+            </a:pPr>
+            <a:r>
+              <a:rPr lang="en"/>
+              <a:t>4.</a:t>
+            </a:r>
+            <a:r>
+              <a:rPr lang="en"/>
+              <a:t> Machine Learning Analysis</a:t>
+            </a:r>
+            <a:endParaRPr/>
+          </a:p>
+        </p:txBody>
+      </p:sp>
+      <p:sp>
+        <p:nvSpPr>
+          <p:cNvPr id="182" name="Google Shape;182;p34"/>
+          <p:cNvSpPr txBox="1"/>
+          <p:nvPr>
+            <p:ph idx="1" type="body"/>
+          </p:nvPr>
+        </p:nvSpPr>
+        <p:spPr>
+          <a:xfrm>
+            <a:off x="311700" y="1401925"/>
+            <a:ext cx="8520600" cy="2219100"/>
+          </a:xfrm>
+          <a:prstGeom prst="rect">
+            <a:avLst/>
+          </a:prstGeom>
+        </p:spPr>
+        <p:txBody>
+          <a:bodyPr anchorCtr="0" anchor="t" bIns="91425" lIns="91425" spcFirstLastPara="1" rIns="91425" wrap="square" tIns="91425">
+            <a:normAutofit/>
+          </a:bodyPr>
+          <a:lstStyle/>
+          <a:p>
+            <a:pPr indent="0" lvl="0" marL="0" rtl="0" algn="l">
+              <a:spcBef>
+                <a:spcPts val="0"/>
+              </a:spcBef>
+              <a:spcAft>
+                <a:spcPts val="0"/>
+              </a:spcAft>
+              <a:buNone/>
+            </a:pPr>
+            <a:r>
+              <a:rPr lang="en"/>
+              <a:t>In this section, you will talk about the following:</a:t>
+            </a:r>
+            <a:endParaRPr/>
+          </a:p>
+          <a:p>
+            <a:pPr indent="-342900" lvl="0" marL="457200" rtl="0" algn="l">
+              <a:spcBef>
+                <a:spcPts val="1200"/>
+              </a:spcBef>
+              <a:spcAft>
+                <a:spcPts val="0"/>
+              </a:spcAft>
+              <a:buSzPts val="1800"/>
+              <a:buAutoNum type="arabicPeriod"/>
+            </a:pPr>
+            <a:r>
+              <a:rPr lang="en"/>
+              <a:t>The final metrics of the model</a:t>
+            </a:r>
+            <a:endParaRPr/>
+          </a:p>
+          <a:p>
+            <a:pPr indent="-342900" lvl="0" marL="457200" rtl="0" algn="l">
+              <a:spcBef>
+                <a:spcPts val="0"/>
+              </a:spcBef>
+              <a:spcAft>
+                <a:spcPts val="0"/>
+              </a:spcAft>
+              <a:buSzPts val="1800"/>
+              <a:buAutoNum type="arabicPeriod"/>
+            </a:pPr>
+            <a:r>
+              <a:rPr lang="en"/>
+              <a:t>How you trained the model</a:t>
+            </a:r>
+            <a:endParaRPr/>
+          </a:p>
+          <a:p>
+            <a:pPr indent="-342900" lvl="0" marL="457200" rtl="0" algn="l">
+              <a:spcBef>
+                <a:spcPts val="0"/>
+              </a:spcBef>
+              <a:spcAft>
+                <a:spcPts val="0"/>
+              </a:spcAft>
+              <a:buSzPts val="1800"/>
+              <a:buAutoNum type="arabicPeriod"/>
+            </a:pPr>
+            <a:r>
+              <a:rPr lang="en"/>
+              <a:t>The hyperparameters used</a:t>
+            </a:r>
+            <a:endParaRPr/>
+          </a:p>
+          <a:p>
+            <a:pPr indent="-342900" lvl="0" marL="457200" rtl="0" algn="l">
+              <a:spcBef>
+                <a:spcPts val="0"/>
+              </a:spcBef>
+              <a:spcAft>
+                <a:spcPts val="0"/>
+              </a:spcAft>
+              <a:buSzPts val="1800"/>
+              <a:buAutoNum type="arabicPeriod"/>
+            </a:pPr>
+            <a:r>
+              <a:rPr lang="en"/>
+              <a:t>Other improvements that could be made the score</a:t>
+            </a:r>
+            <a:endParaRPr/>
+          </a:p>
+        </p:txBody>
+      </p:sp>
+    </p:spTree>
+  </p:cSld>
+  <p:clrMapOvr>
+    <a:masterClrMapping/>
+  </p:clrMapOvr>
+</p:sld>
+</file>
+
+<file path=ppt/slides/slide23.xml><?xml version="1.0" encoding="utf-8"?>
+<p:sld xmlns:a="http://schemas.openxmlformats.org/drawingml/2006/main" xmlns:r="http://schemas.openxmlformats.org/officeDocument/2006/relationships" xmlns:mc="http://schemas.openxmlformats.org/markup-compatibility/2006" xmlns:mv="urn:schemas-microsoft-com:mac:vml" xmlns:p="http://schemas.openxmlformats.org/presentationml/2006/main" xmlns:c="http://schemas.openxmlformats.org/drawingml/2006/chart" xmlns:dgm="http://schemas.openxmlformats.org/drawingml/2006/diagram" xmlns:o="urn:schemas-microsoft-com:office:office" xmlns:v="urn:schemas-microsoft-com:vml" xmlns:pvml="urn:schemas-microsoft-com:office:powerpoint" xmlns:com="http://schemas.openxmlformats.org/drawingml/2006/compatibility" xmlns:p14="http://schemas.microsoft.com/office/powerpoint/2010/main" xmlns:p15="http://schemas.microsoft.com/office/powerpoint/2012/main" xmlns:ahyp="http://schemas.microsoft.com/office/drawing/2018/hyperlinkcolor">
+  <p:cSld>
+    <p:spTree>
+      <p:nvGrpSpPr>
+        <p:cNvPr id="186" name="Shape 186"/>
+        <p:cNvGrpSpPr/>
+        <p:nvPr/>
+      </p:nvGrpSpPr>
+      <p:grpSpPr>
+        <a:xfrm>
+          <a:off x="0" y="0"/>
+          <a:ext cx="0" cy="0"/>
+          <a:chOff x="0" y="0"/>
+          <a:chExt cx="0" cy="0"/>
+        </a:xfrm>
+      </p:grpSpPr>
+      <p:sp>
+        <p:nvSpPr>
+          <p:cNvPr id="187" name="Google Shape;187;p35"/>
+          <p:cNvSpPr txBox="1"/>
+          <p:nvPr>
+            <p:ph type="title"/>
+          </p:nvPr>
+        </p:nvSpPr>
+        <p:spPr>
+          <a:xfrm>
+            <a:off x="490250" y="450150"/>
+            <a:ext cx="6367800" cy="4090800"/>
+          </a:xfrm>
+          <a:prstGeom prst="rect">
+            <a:avLst/>
+          </a:prstGeom>
+        </p:spPr>
+        <p:txBody>
+          <a:bodyPr anchorCtr="0" anchor="ctr" bIns="91425" lIns="91425" spcFirstLastPara="1" rIns="91425" wrap="square" tIns="91425">
+            <a:normAutofit/>
+          </a:bodyPr>
+          <a:lstStyle/>
+          <a:p>
+            <a:pPr indent="0" lvl="0" marL="0" rtl="0" algn="l">
+              <a:spcBef>
+                <a:spcPts val="0"/>
+              </a:spcBef>
+              <a:spcAft>
+                <a:spcPts val="0"/>
+              </a:spcAft>
+              <a:buNone/>
+            </a:pPr>
+            <a:r>
+              <a:rPr lang="en"/>
+              <a:t>5</a:t>
+            </a:r>
+            <a:r>
+              <a:rPr lang="en"/>
+              <a:t>. Conclusion</a:t>
+            </a:r>
+            <a:endParaRPr/>
+          </a:p>
+        </p:txBody>
+      </p:sp>
+    </p:spTree>
+  </p:cSld>
+  <p:clrMapOvr>
+    <a:masterClrMapping/>
+  </p:clrMapOvr>
+</p:sld>
+</file>
+
+<file path=ppt/slides/slide24.xml><?xml version="1.0" encoding="utf-8"?>
+<p:sld xmlns:a="http://schemas.openxmlformats.org/drawingml/2006/main" xmlns:r="http://schemas.openxmlformats.org/officeDocument/2006/relationships" xmlns:mc="http://schemas.openxmlformats.org/markup-compatibility/2006" xmlns:mv="urn:schemas-microsoft-com:mac:vml" xmlns:p="http://schemas.openxmlformats.org/presentationml/2006/main" xmlns:c="http://schemas.openxmlformats.org/drawingml/2006/chart" xmlns:dgm="http://schemas.openxmlformats.org/drawingml/2006/diagram" xmlns:o="urn:schemas-microsoft-com:office:office" xmlns:v="urn:schemas-microsoft-com:vml" xmlns:pvml="urn:schemas-microsoft-com:office:powerpoint" xmlns:com="http://schemas.openxmlformats.org/drawingml/2006/compatibility" xmlns:p14="http://schemas.microsoft.com/office/powerpoint/2010/main" xmlns:p15="http://schemas.microsoft.com/office/powerpoint/2012/main" xmlns:ahyp="http://schemas.microsoft.com/office/drawing/2018/hyperlinkcolor">
+  <p:cSld>
+    <p:spTree>
+      <p:nvGrpSpPr>
+        <p:cNvPr id="191" name="Shape 191"/>
+        <p:cNvGrpSpPr/>
+        <p:nvPr/>
+      </p:nvGrpSpPr>
+      <p:grpSpPr>
+        <a:xfrm>
+          <a:off x="0" y="0"/>
+          <a:ext cx="0" cy="0"/>
+          <a:chOff x="0" y="0"/>
+          <a:chExt cx="0" cy="0"/>
+        </a:xfrm>
+      </p:grpSpPr>
+      <p:sp>
+        <p:nvSpPr>
+          <p:cNvPr id="192" name="Google Shape;192;p36"/>
+          <p:cNvSpPr txBox="1"/>
+          <p:nvPr>
+            <p:ph type="title"/>
+          </p:nvPr>
+        </p:nvSpPr>
+        <p:spPr>
+          <a:xfrm>
+            <a:off x="311700" y="445025"/>
+            <a:ext cx="8520600" cy="572700"/>
+          </a:xfrm>
+          <a:prstGeom prst="rect">
+            <a:avLst/>
+          </a:prstGeom>
+        </p:spPr>
+        <p:txBody>
+          <a:bodyPr anchorCtr="0" anchor="t" bIns="91425" lIns="91425" spcFirstLastPara="1" rIns="91425" wrap="square" tIns="91425">
+            <a:normAutofit fontScale="90000"/>
+          </a:bodyPr>
+          <a:lstStyle/>
+          <a:p>
+            <a:pPr indent="0" lvl="0" marL="0" rtl="0" algn="l">
+              <a:spcBef>
+                <a:spcPts val="0"/>
+              </a:spcBef>
+              <a:spcAft>
+                <a:spcPts val="0"/>
+              </a:spcAft>
+              <a:buNone/>
+            </a:pPr>
+            <a:r>
+              <a:rPr lang="en"/>
+              <a:t>5</a:t>
+            </a:r>
+            <a:r>
+              <a:rPr lang="en"/>
+              <a:t>. Conclusion</a:t>
+            </a:r>
+            <a:endParaRPr/>
+          </a:p>
+        </p:txBody>
+      </p:sp>
+      <p:sp>
+        <p:nvSpPr>
+          <p:cNvPr id="193" name="Google Shape;193;p36"/>
+          <p:cNvSpPr txBox="1"/>
+          <p:nvPr>
+            <p:ph idx="1" type="body"/>
+          </p:nvPr>
+        </p:nvSpPr>
+        <p:spPr>
+          <a:xfrm>
+            <a:off x="311700" y="1401925"/>
+            <a:ext cx="8520600" cy="2219100"/>
+          </a:xfrm>
+          <a:prstGeom prst="rect">
+            <a:avLst/>
+          </a:prstGeom>
+        </p:spPr>
+        <p:txBody>
+          <a:bodyPr anchorCtr="0" anchor="t" bIns="91425" lIns="91425" spcFirstLastPara="1" rIns="91425" wrap="square" tIns="91425">
+            <a:normAutofit/>
+          </a:bodyPr>
+          <a:lstStyle/>
+          <a:p>
+            <a:pPr indent="0" lvl="0" marL="0" rtl="0" algn="l">
+              <a:spcBef>
+                <a:spcPts val="0"/>
+              </a:spcBef>
+              <a:spcAft>
+                <a:spcPts val="0"/>
+              </a:spcAft>
+              <a:buNone/>
+            </a:pPr>
+            <a:r>
+              <a:rPr lang="en"/>
+              <a:t>In this section, you will talk about the following:</a:t>
+            </a:r>
+            <a:endParaRPr/>
+          </a:p>
+          <a:p>
+            <a:pPr indent="-342900" lvl="0" marL="457200" rtl="0" algn="l">
+              <a:spcBef>
+                <a:spcPts val="1200"/>
+              </a:spcBef>
+              <a:spcAft>
+                <a:spcPts val="0"/>
+              </a:spcAft>
+              <a:buSzPts val="1800"/>
+              <a:buAutoNum type="arabicPeriod"/>
+            </a:pPr>
+            <a:r>
+              <a:rPr lang="en"/>
+              <a:t>The </a:t>
+            </a:r>
+            <a:r>
+              <a:rPr lang="en" u="sng"/>
+              <a:t>top 3</a:t>
+            </a:r>
+            <a:r>
+              <a:rPr lang="en"/>
+              <a:t> challenges you faced in the project</a:t>
+            </a:r>
+            <a:endParaRPr/>
+          </a:p>
+          <a:p>
+            <a:pPr indent="-342900" lvl="0" marL="457200" rtl="0" algn="l">
+              <a:spcBef>
+                <a:spcPts val="0"/>
+              </a:spcBef>
+              <a:spcAft>
+                <a:spcPts val="0"/>
+              </a:spcAft>
+              <a:buSzPts val="1800"/>
+              <a:buAutoNum type="arabicPeriod"/>
+            </a:pPr>
+            <a:r>
+              <a:rPr lang="en"/>
+              <a:t>The </a:t>
+            </a:r>
+            <a:r>
+              <a:rPr lang="en" u="sng"/>
+              <a:t>top 3</a:t>
+            </a:r>
+            <a:r>
+              <a:rPr lang="en"/>
+              <a:t> lessons you learned in this project</a:t>
+            </a:r>
+            <a:endParaRPr/>
+          </a:p>
+          <a:p>
+            <a:pPr indent="-342900" lvl="0" marL="457200" rtl="0" algn="l">
+              <a:spcBef>
+                <a:spcPts val="0"/>
+              </a:spcBef>
+              <a:spcAft>
+                <a:spcPts val="0"/>
+              </a:spcAft>
+              <a:buSzPts val="1800"/>
+              <a:buAutoNum type="arabicPeriod"/>
+            </a:pPr>
+            <a:r>
+              <a:rPr lang="en"/>
+              <a:t>Next steps for your data science career</a:t>
+            </a:r>
+            <a:endParaRPr/>
+          </a:p>
+          <a:p>
+            <a:pPr indent="-342900" lvl="0" marL="457200" rtl="0" algn="l">
+              <a:spcBef>
+                <a:spcPts val="0"/>
+              </a:spcBef>
+              <a:spcAft>
+                <a:spcPts val="0"/>
+              </a:spcAft>
+              <a:buSzPts val="1800"/>
+              <a:buAutoNum type="arabicPeriod"/>
+            </a:pPr>
+            <a:r>
+              <a:rPr lang="en"/>
+              <a:t>Any comments you’d like to add!</a:t>
+            </a:r>
+            <a:endParaRPr/>
+          </a:p>
+        </p:txBody>
+      </p:sp>
+    </p:spTree>
+  </p:cSld>
+  <p:clrMapOvr>
+    <a:masterClrMapping/>
+  </p:clrMapOvr>
+</p:sld>
+</file>
+
+<file path=ppt/slides/slide25.xml><?xml version="1.0" encoding="utf-8"?>
+<p:sld xmlns:a="http://schemas.openxmlformats.org/drawingml/2006/main" xmlns:r="http://schemas.openxmlformats.org/officeDocument/2006/relationships" xmlns:mc="http://schemas.openxmlformats.org/markup-compatibility/2006" xmlns:mv="urn:schemas-microsoft-com:mac:vml" xmlns:p="http://schemas.openxmlformats.org/presentationml/2006/main" xmlns:c="http://schemas.openxmlformats.org/drawingml/2006/chart" xmlns:dgm="http://schemas.openxmlformats.org/drawingml/2006/diagram" xmlns:o="urn:schemas-microsoft-com:office:office" xmlns:v="urn:schemas-microsoft-com:vml" xmlns:pvml="urn:schemas-microsoft-com:office:powerpoint" xmlns:com="http://schemas.openxmlformats.org/drawingml/2006/compatibility" xmlns:p14="http://schemas.microsoft.com/office/powerpoint/2010/main" xmlns:p15="http://schemas.microsoft.com/office/powerpoint/2012/main" xmlns:ahyp="http://schemas.microsoft.com/office/drawing/2018/hyperlinkcolor">
+  <p:cSld>
+    <p:spTree>
+      <p:nvGrpSpPr>
+        <p:cNvPr id="197" name="Shape 197"/>
+        <p:cNvGrpSpPr/>
+        <p:nvPr/>
+      </p:nvGrpSpPr>
+      <p:grpSpPr>
+        <a:xfrm>
+          <a:off x="0" y="0"/>
+          <a:ext cx="0" cy="0"/>
+          <a:chOff x="0" y="0"/>
+          <a:chExt cx="0" cy="0"/>
+        </a:xfrm>
+      </p:grpSpPr>
+      <p:sp>
+        <p:nvSpPr>
+          <p:cNvPr id="198" name="Google Shape;198;p37"/>
+          <p:cNvSpPr txBox="1"/>
+          <p:nvPr>
+            <p:ph type="title"/>
+          </p:nvPr>
+        </p:nvSpPr>
+        <p:spPr>
+          <a:xfrm>
+            <a:off x="490250" y="450150"/>
+            <a:ext cx="6367800" cy="4090800"/>
+          </a:xfrm>
+          <a:prstGeom prst="rect">
+            <a:avLst/>
+          </a:prstGeom>
+        </p:spPr>
+        <p:txBody>
+          <a:bodyPr anchorCtr="0" anchor="ctr" bIns="91425" lIns="91425" spcFirstLastPara="1" rIns="91425" wrap="square" tIns="91425">
+            <a:normAutofit/>
+          </a:bodyPr>
+          <a:lstStyle/>
+          <a:p>
+            <a:pPr indent="0" lvl="0" marL="0" rtl="0" algn="l">
+              <a:spcBef>
+                <a:spcPts val="0"/>
+              </a:spcBef>
+              <a:spcAft>
+                <a:spcPts val="0"/>
+              </a:spcAft>
+              <a:buNone/>
+            </a:pPr>
+            <a:r>
+              <a:rPr lang="en"/>
+              <a:t>6. Any Questions from Audience?</a:t>
+            </a:r>
+            <a:endParaRPr/>
+          </a:p>
+        </p:txBody>
+      </p:sp>
     </p:spTree>
   </p:cSld>
   <p:clrMapOvr>
@@ -9182,6 +11135,13 @@
 <file path=ppt/slides/slide3.xml><?xml version="1.0" encoding="utf-8"?>
 <p:sld xmlns:a="http://schemas.openxmlformats.org/drawingml/2006/main" xmlns:r="http://schemas.openxmlformats.org/officeDocument/2006/relationships" xmlns:mc="http://schemas.openxmlformats.org/markup-compatibility/2006" xmlns:mv="urn:schemas-microsoft-com:mac:vml" xmlns:p="http://schemas.openxmlformats.org/presentationml/2006/main" xmlns:c="http://schemas.openxmlformats.org/drawingml/2006/chart" xmlns:dgm="http://schemas.openxmlformats.org/drawingml/2006/diagram" xmlns:o="urn:schemas-microsoft-com:office:office" xmlns:v="urn:schemas-microsoft-com:vml" xmlns:pvml="urn:schemas-microsoft-com:office:powerpoint" xmlns:com="http://schemas.openxmlformats.org/drawingml/2006/compatibility" xmlns:p14="http://schemas.microsoft.com/office/powerpoint/2010/main" xmlns:p15="http://schemas.microsoft.com/office/powerpoint/2012/main" xmlns:ahyp="http://schemas.microsoft.com/office/drawing/2018/hyperlinkcolor">
   <p:cSld>
+    <p:bg>
+      <p:bgPr>
+        <a:solidFill>
+          <a:srgbClr val="D5A6BD"/>
+        </a:solidFill>
+      </p:bgPr>
+    </p:bg>
     <p:spTree>
       <p:nvGrpSpPr>
         <p:cNvPr id="73" name="Shape 73"/>
@@ -9196,139 +11156,34 @@
           <a:chExt cx="0" cy="0"/>
         </a:xfrm>
       </p:grpSpPr>
-      <p:sp>
-        <p:nvSpPr>
+      <p:pic>
+        <p:nvPicPr>
           <p:cNvPr id="74" name="Google Shape;74;p15"/>
-          <p:cNvSpPr txBox="1"/>
-          <p:nvPr>
-            <p:ph type="title"/>
-          </p:nvPr>
-        </p:nvSpPr>
+          <p:cNvPicPr preferRelativeResize="0"/>
+          <p:nvPr/>
+        </p:nvPicPr>
+        <p:blipFill>
+          <a:blip r:embed="rId3">
+            <a:alphaModFix/>
+          </a:blip>
+          <a:stretch>
+            <a:fillRect/>
+          </a:stretch>
+        </p:blipFill>
         <p:spPr>
           <a:xfrm>
-            <a:off x="175850" y="87925"/>
-            <a:ext cx="8704500" cy="4908900"/>
+            <a:off x="0" y="694288"/>
+            <a:ext cx="9144003" cy="3754937"/>
           </a:xfrm>
           <a:prstGeom prst="rect">
             <a:avLst/>
           </a:prstGeom>
-          <a:ln cap="flat" cmpd="sng" w="19050">
-            <a:solidFill>
-              <a:srgbClr val="000000"/>
-            </a:solidFill>
-            <a:prstDash val="solid"/>
-            <a:round/>
-            <a:headEnd len="sm" w="sm" type="none"/>
-            <a:tailEnd len="sm" w="sm" type="none"/>
+          <a:noFill/>
+          <a:ln>
+            <a:noFill/>
           </a:ln>
         </p:spPr>
-        <p:txBody>
-          <a:bodyPr anchorCtr="0" anchor="ctr" bIns="91425" lIns="91425" spcFirstLastPara="1" rIns="91425" wrap="square" tIns="91425">
-            <a:normAutofit/>
-          </a:bodyPr>
-          <a:lstStyle/>
-          <a:p>
-            <a:pPr indent="-361950" lvl="0" marL="457200" rtl="0" algn="l">
-              <a:spcBef>
-                <a:spcPts val="0"/>
-              </a:spcBef>
-              <a:spcAft>
-                <a:spcPts val="0"/>
-              </a:spcAft>
-              <a:buSzPts val="2100"/>
-              <a:buChar char="●"/>
-            </a:pPr>
-            <a:r>
-              <a:rPr lang="en" sz="2100"/>
-              <a:t>Fraud Detection on bank payments is a good way of putting </a:t>
-            </a:r>
-            <a:r>
-              <a:rPr lang="en" sz="2100"/>
-              <a:t>data science for use while generating value at the same time.</a:t>
-            </a:r>
-            <a:endParaRPr sz="2100"/>
-          </a:p>
-          <a:p>
-            <a:pPr indent="0" lvl="0" marL="914400" rtl="0" algn="l">
-              <a:spcBef>
-                <a:spcPts val="0"/>
-              </a:spcBef>
-              <a:spcAft>
-                <a:spcPts val="0"/>
-              </a:spcAft>
-              <a:buNone/>
-            </a:pPr>
-            <a:r>
-              <a:t/>
-            </a:r>
-            <a:endParaRPr sz="2100"/>
-          </a:p>
-          <a:p>
-            <a:pPr indent="-361950" lvl="0" marL="457200" rtl="0" algn="l">
-              <a:spcBef>
-                <a:spcPts val="0"/>
-              </a:spcBef>
-              <a:spcAft>
-                <a:spcPts val="0"/>
-              </a:spcAft>
-              <a:buSzPts val="2100"/>
-              <a:buChar char="●"/>
-            </a:pPr>
-            <a:r>
-              <a:rPr lang="en" sz="2100"/>
-              <a:t>Fraudulent behavior can be seen across many different fields such as e-commerce, healthcare, payment and banking systems. Fraud costs businesses millions of dollars each year.</a:t>
-            </a:r>
-            <a:endParaRPr sz="2100"/>
-          </a:p>
-          <a:p>
-            <a:pPr indent="0" lvl="0" marL="914400" rtl="0" algn="l">
-              <a:spcBef>
-                <a:spcPts val="0"/>
-              </a:spcBef>
-              <a:spcAft>
-                <a:spcPts val="0"/>
-              </a:spcAft>
-              <a:buNone/>
-            </a:pPr>
-            <a:r>
-              <a:t/>
-            </a:r>
-            <a:endParaRPr sz="2100"/>
-          </a:p>
-          <a:p>
-            <a:pPr indent="-361950" lvl="0" marL="457200" rtl="0" algn="l">
-              <a:spcBef>
-                <a:spcPts val="0"/>
-              </a:spcBef>
-              <a:spcAft>
-                <a:spcPts val="0"/>
-              </a:spcAft>
-              <a:buSzPts val="2100"/>
-              <a:buChar char="●"/>
-            </a:pPr>
-            <a:r>
-              <a:rPr lang="en" sz="2100"/>
-              <a:t>For these type of problems ML comes for help and reduce the risk of frauds and the risk of business to lose money. With Machine Learning, detection of the fraud would be more precise and confident.</a:t>
-            </a:r>
-            <a:endParaRPr sz="2100"/>
-          </a:p>
-          <a:p>
-            <a:pPr indent="0" lvl="0" marL="0" rtl="0" algn="l">
-              <a:spcBef>
-                <a:spcPts val="0"/>
-              </a:spcBef>
-              <a:spcAft>
-                <a:spcPts val="0"/>
-              </a:spcAft>
-              <a:buNone/>
-            </a:pPr>
-            <a:r>
-              <a:t/>
-            </a:r>
-            <a:endParaRPr sz="2100"/>
-          </a:p>
-        </p:txBody>
-      </p:sp>
+      </p:pic>
     </p:spTree>
   </p:cSld>
   <p:clrMapOvr>
@@ -9680,9 +11535,190 @@
           <a:chExt cx="0" cy="0"/>
         </a:xfrm>
       </p:grpSpPr>
+      <p:pic>
+        <p:nvPicPr>
+          <p:cNvPr id="90" name="Google Shape;90;p18"/>
+          <p:cNvPicPr preferRelativeResize="0"/>
+          <p:nvPr/>
+        </p:nvPicPr>
+        <p:blipFill>
+          <a:blip r:embed="rId3">
+            <a:alphaModFix/>
+          </a:blip>
+          <a:stretch>
+            <a:fillRect/>
+          </a:stretch>
+        </p:blipFill>
+        <p:spPr>
+          <a:xfrm>
+            <a:off x="1130275" y="770000"/>
+            <a:ext cx="6658424" cy="4280425"/>
+          </a:xfrm>
+          <a:prstGeom prst="rect">
+            <a:avLst/>
+          </a:prstGeom>
+          <a:noFill/>
+          <a:ln>
+            <a:noFill/>
+          </a:ln>
+        </p:spPr>
+      </p:pic>
       <p:sp>
         <p:nvSpPr>
-          <p:cNvPr id="90" name="Google Shape;90;p18"/>
+          <p:cNvPr id="91" name="Google Shape;91;p18"/>
+          <p:cNvSpPr txBox="1"/>
+          <p:nvPr/>
+        </p:nvSpPr>
+        <p:spPr>
+          <a:xfrm>
+            <a:off x="1130243" y="120075"/>
+            <a:ext cx="6658500" cy="461700"/>
+          </a:xfrm>
+          <a:prstGeom prst="rect">
+            <a:avLst/>
+          </a:prstGeom>
+          <a:noFill/>
+          <a:ln>
+            <a:noFill/>
+          </a:ln>
+        </p:spPr>
+        <p:txBody>
+          <a:bodyPr anchorCtr="0" anchor="t" bIns="91425" lIns="91425" spcFirstLastPara="1" rIns="91425" wrap="square" tIns="91425">
+            <a:spAutoFit/>
+          </a:bodyPr>
+          <a:lstStyle/>
+          <a:p>
+            <a:pPr indent="0" lvl="0" marL="0" rtl="0" algn="ctr">
+              <a:spcBef>
+                <a:spcPts val="0"/>
+              </a:spcBef>
+              <a:spcAft>
+                <a:spcPts val="0"/>
+              </a:spcAft>
+              <a:buNone/>
+            </a:pPr>
+            <a:r>
+              <a:rPr b="1" lang="en" sz="1800">
+                <a:solidFill>
+                  <a:srgbClr val="980000"/>
+                </a:solidFill>
+              </a:rPr>
+              <a:t>Percentage of amount of normal and fraud transactions</a:t>
+            </a:r>
+            <a:endParaRPr b="1" sz="1800">
+              <a:solidFill>
+                <a:srgbClr val="980000"/>
+              </a:solidFill>
+            </a:endParaRPr>
+          </a:p>
+        </p:txBody>
+      </p:sp>
+      <p:sp>
+        <p:nvSpPr>
+          <p:cNvPr id="92" name="Google Shape;92;p18"/>
+          <p:cNvSpPr txBox="1"/>
+          <p:nvPr/>
+        </p:nvSpPr>
+        <p:spPr>
+          <a:xfrm>
+            <a:off x="1355300" y="1029325"/>
+            <a:ext cx="1338000" cy="615600"/>
+          </a:xfrm>
+          <a:prstGeom prst="rect">
+            <a:avLst/>
+          </a:prstGeom>
+          <a:noFill/>
+          <a:ln>
+            <a:noFill/>
+          </a:ln>
+        </p:spPr>
+        <p:txBody>
+          <a:bodyPr anchorCtr="0" anchor="t" bIns="91425" lIns="91425" spcFirstLastPara="1" rIns="91425" wrap="square" tIns="91425">
+            <a:spAutoFit/>
+          </a:bodyPr>
+          <a:lstStyle/>
+          <a:p>
+            <a:pPr indent="0" lvl="0" marL="0" rtl="0" algn="l">
+              <a:spcBef>
+                <a:spcPts val="0"/>
+              </a:spcBef>
+              <a:spcAft>
+                <a:spcPts val="0"/>
+              </a:spcAft>
+              <a:buNone/>
+            </a:pPr>
+            <a:r>
+              <a:rPr lang="en">
+                <a:latin typeface="Roboto"/>
+                <a:ea typeface="Roboto"/>
+                <a:cs typeface="Roboto"/>
+                <a:sym typeface="Roboto"/>
+              </a:rPr>
+              <a:t>Fraud = 0</a:t>
+            </a:r>
+            <a:endParaRPr>
+              <a:latin typeface="Roboto"/>
+              <a:ea typeface="Roboto"/>
+              <a:cs typeface="Roboto"/>
+              <a:sym typeface="Roboto"/>
+            </a:endParaRPr>
+          </a:p>
+          <a:p>
+            <a:pPr indent="0" lvl="0" marL="0" rtl="0" algn="l">
+              <a:spcBef>
+                <a:spcPts val="0"/>
+              </a:spcBef>
+              <a:spcAft>
+                <a:spcPts val="0"/>
+              </a:spcAft>
+              <a:buNone/>
+            </a:pPr>
+            <a:r>
+              <a:rPr lang="en">
+                <a:latin typeface="Roboto"/>
+                <a:ea typeface="Roboto"/>
+                <a:cs typeface="Roboto"/>
+                <a:sym typeface="Roboto"/>
+              </a:rPr>
+              <a:t>Normal = 1</a:t>
+            </a:r>
+            <a:endParaRPr>
+              <a:latin typeface="Roboto"/>
+              <a:ea typeface="Roboto"/>
+              <a:cs typeface="Roboto"/>
+              <a:sym typeface="Roboto"/>
+            </a:endParaRPr>
+          </a:p>
+        </p:txBody>
+      </p:sp>
+    </p:spTree>
+  </p:cSld>
+  <p:clrMapOvr>
+    <a:masterClrMapping/>
+  </p:clrMapOvr>
+</p:sld>
+</file>
+
+<file path=ppt/slides/slide7.xml><?xml version="1.0" encoding="utf-8"?>
+<p:sld xmlns:a="http://schemas.openxmlformats.org/drawingml/2006/main" xmlns:r="http://schemas.openxmlformats.org/officeDocument/2006/relationships" xmlns:mc="http://schemas.openxmlformats.org/markup-compatibility/2006" xmlns:mv="urn:schemas-microsoft-com:mac:vml" xmlns:p="http://schemas.openxmlformats.org/presentationml/2006/main" xmlns:c="http://schemas.openxmlformats.org/drawingml/2006/chart" xmlns:dgm="http://schemas.openxmlformats.org/drawingml/2006/diagram" xmlns:o="urn:schemas-microsoft-com:office:office" xmlns:v="urn:schemas-microsoft-com:vml" xmlns:pvml="urn:schemas-microsoft-com:office:powerpoint" xmlns:com="http://schemas.openxmlformats.org/drawingml/2006/compatibility" xmlns:p14="http://schemas.microsoft.com/office/powerpoint/2010/main" xmlns:p15="http://schemas.microsoft.com/office/powerpoint/2012/main" xmlns:ahyp="http://schemas.microsoft.com/office/drawing/2018/hyperlinkcolor">
+  <p:cSld>
+    <p:spTree>
+      <p:nvGrpSpPr>
+        <p:cNvPr id="96" name="Shape 96"/>
+        <p:cNvGrpSpPr/>
+        <p:nvPr/>
+      </p:nvGrpSpPr>
+      <p:grpSpPr>
+        <a:xfrm>
+          <a:off x="0" y="0"/>
+          <a:ext cx="0" cy="0"/>
+          <a:chOff x="0" y="0"/>
+          <a:chExt cx="0" cy="0"/>
+        </a:xfrm>
+      </p:grpSpPr>
+      <p:sp>
+        <p:nvSpPr>
+          <p:cNvPr id="97" name="Google Shape;97;p19"/>
           <p:cNvSpPr txBox="1"/>
           <p:nvPr>
             <p:ph type="title"/>
@@ -10016,12 +12052,12 @@
 </p:sld>
 </file>
 
-<file path=ppt/slides/slide7.xml><?xml version="1.0" encoding="utf-8"?>
+<file path=ppt/slides/slide8.xml><?xml version="1.0" encoding="utf-8"?>
 <p:sld xmlns:a="http://schemas.openxmlformats.org/drawingml/2006/main" xmlns:r="http://schemas.openxmlformats.org/officeDocument/2006/relationships" xmlns:mc="http://schemas.openxmlformats.org/markup-compatibility/2006" xmlns:mv="urn:schemas-microsoft-com:mac:vml" xmlns:p="http://schemas.openxmlformats.org/presentationml/2006/main" xmlns:c="http://schemas.openxmlformats.org/drawingml/2006/chart" xmlns:dgm="http://schemas.openxmlformats.org/drawingml/2006/diagram" xmlns:o="urn:schemas-microsoft-com:office:office" xmlns:v="urn:schemas-microsoft-com:vml" xmlns:pvml="urn:schemas-microsoft-com:office:powerpoint" xmlns:com="http://schemas.openxmlformats.org/drawingml/2006/compatibility" xmlns:p14="http://schemas.microsoft.com/office/powerpoint/2010/main" xmlns:p15="http://schemas.microsoft.com/office/powerpoint/2012/main" xmlns:ahyp="http://schemas.microsoft.com/office/drawing/2018/hyperlinkcolor">
   <p:cSld>
     <p:spTree>
       <p:nvGrpSpPr>
-        <p:cNvPr id="94" name="Shape 94"/>
+        <p:cNvPr id="101" name="Shape 101"/>
         <p:cNvGrpSpPr/>
         <p:nvPr/>
       </p:nvGrpSpPr>
@@ -10035,7 +12071,7 @@
       </p:grpSpPr>
       <p:sp>
         <p:nvSpPr>
-          <p:cNvPr id="95" name="Google Shape;95;p19"/>
+          <p:cNvPr id="102" name="Google Shape;102;p20"/>
           <p:cNvSpPr txBox="1"/>
           <p:nvPr>
             <p:ph idx="1" type="body"/>
@@ -10723,12 +12759,12 @@
 </p:sld>
 </file>
 
-<file path=ppt/slides/slide8.xml><?xml version="1.0" encoding="utf-8"?>
+<file path=ppt/slides/slide9.xml><?xml version="1.0" encoding="utf-8"?>
 <p:sld xmlns:a="http://schemas.openxmlformats.org/drawingml/2006/main" xmlns:r="http://schemas.openxmlformats.org/officeDocument/2006/relationships" xmlns:mc="http://schemas.openxmlformats.org/markup-compatibility/2006" xmlns:mv="urn:schemas-microsoft-com:mac:vml" xmlns:p="http://schemas.openxmlformats.org/presentationml/2006/main" xmlns:c="http://schemas.openxmlformats.org/drawingml/2006/chart" xmlns:dgm="http://schemas.openxmlformats.org/drawingml/2006/diagram" xmlns:o="urn:schemas-microsoft-com:office:office" xmlns:v="urn:schemas-microsoft-com:vml" xmlns:pvml="urn:schemas-microsoft-com:office:powerpoint" xmlns:com="http://schemas.openxmlformats.org/drawingml/2006/compatibility" xmlns:p14="http://schemas.microsoft.com/office/powerpoint/2010/main" xmlns:p15="http://schemas.microsoft.com/office/powerpoint/2012/main" xmlns:ahyp="http://schemas.microsoft.com/office/drawing/2018/hyperlinkcolor">
   <p:cSld>
     <p:spTree>
       <p:nvGrpSpPr>
-        <p:cNvPr id="99" name="Shape 99"/>
+        <p:cNvPr id="106" name="Shape 106"/>
         <p:cNvGrpSpPr/>
         <p:nvPr/>
       </p:nvGrpSpPr>
@@ -10740,706 +12776,34 @@
           <a:chExt cx="0" cy="0"/>
         </a:xfrm>
       </p:grpSpPr>
-      <p:sp>
-        <p:nvSpPr>
-          <p:cNvPr id="100" name="Google Shape;100;p20"/>
-          <p:cNvSpPr txBox="1"/>
-          <p:nvPr>
-            <p:ph type="title"/>
-          </p:nvPr>
-        </p:nvSpPr>
+      <p:pic>
+        <p:nvPicPr>
+          <p:cNvPr id="107" name="Google Shape;107;p21"/>
+          <p:cNvPicPr preferRelativeResize="0"/>
+          <p:nvPr/>
+        </p:nvPicPr>
+        <p:blipFill>
+          <a:blip r:embed="rId3">
+            <a:alphaModFix/>
+          </a:blip>
+          <a:stretch>
+            <a:fillRect/>
+          </a:stretch>
+        </p:blipFill>
         <p:spPr>
-          <a:xfrm>
-            <a:off x="311700" y="225225"/>
-            <a:ext cx="8520600" cy="572700"/>
+          <a:xfrm rot="5400000">
+            <a:off x="1603600" y="-1342725"/>
+            <a:ext cx="5132675" cy="7955226"/>
           </a:xfrm>
           <a:prstGeom prst="rect">
             <a:avLst/>
           </a:prstGeom>
+          <a:noFill/>
+          <a:ln>
+            <a:noFill/>
+          </a:ln>
         </p:spPr>
-        <p:txBody>
-          <a:bodyPr anchorCtr="0" anchor="t" bIns="91425" lIns="91425" spcFirstLastPara="1" rIns="91425" wrap="square" tIns="91425">
-            <a:normAutofit fontScale="90000"/>
-          </a:bodyPr>
-          <a:lstStyle/>
-          <a:p>
-            <a:pPr indent="0" lvl="0" marL="0" rtl="0" algn="l">
-              <a:spcBef>
-                <a:spcPts val="0"/>
-              </a:spcBef>
-              <a:spcAft>
-                <a:spcPts val="0"/>
-              </a:spcAft>
-              <a:buNone/>
-            </a:pPr>
-            <a:r>
-              <a:rPr lang="en"/>
-              <a:t>2. Exploratory Data Analysis</a:t>
-            </a:r>
-            <a:endParaRPr/>
-          </a:p>
-        </p:txBody>
-      </p:sp>
-      <p:sp>
-        <p:nvSpPr>
-          <p:cNvPr id="101" name="Google Shape;101;p20"/>
-          <p:cNvSpPr txBox="1"/>
-          <p:nvPr>
-            <p:ph idx="1" type="body"/>
-          </p:nvPr>
-        </p:nvSpPr>
-        <p:spPr>
-          <a:xfrm>
-            <a:off x="311700" y="900475"/>
-            <a:ext cx="8520600" cy="3854100"/>
-          </a:xfrm>
-          <a:prstGeom prst="rect">
-            <a:avLst/>
-          </a:prstGeom>
-        </p:spPr>
-        <p:txBody>
-          <a:bodyPr anchorCtr="0" anchor="t" bIns="91425" lIns="91425" spcFirstLastPara="1" rIns="91425" wrap="square" tIns="91425">
-            <a:noAutofit/>
-          </a:bodyPr>
-          <a:lstStyle/>
-          <a:p>
-            <a:pPr indent="-334010" lvl="0" marL="457200" rtl="0" algn="l">
-              <a:lnSpc>
-                <a:spcPct val="115000"/>
-              </a:lnSpc>
-              <a:spcBef>
-                <a:spcPts val="0"/>
-              </a:spcBef>
-              <a:spcAft>
-                <a:spcPts val="0"/>
-              </a:spcAft>
-              <a:buClr>
-                <a:schemeClr val="dk1"/>
-              </a:buClr>
-              <a:buSzPts val="1660"/>
-              <a:buChar char="●"/>
-            </a:pPr>
-            <a:r>
-              <a:rPr lang="en" sz="1660">
-                <a:solidFill>
-                  <a:schemeClr val="dk1"/>
-                </a:solidFill>
-              </a:rPr>
-              <a:t>We started with analysing our dataset and found that there was no missing data. We checked the details of the fraud transactions and the </a:t>
-            </a:r>
-            <a:r>
-              <a:rPr lang="en" sz="1660">
-                <a:solidFill>
-                  <a:schemeClr val="dk1"/>
-                </a:solidFill>
-              </a:rPr>
-              <a:t>correlation</a:t>
-            </a:r>
-            <a:r>
-              <a:rPr lang="en" sz="1660">
-                <a:solidFill>
-                  <a:schemeClr val="dk1"/>
-                </a:solidFill>
-              </a:rPr>
-              <a:t> with different features like age, gender etc. </a:t>
-            </a:r>
-            <a:endParaRPr sz="1660">
-              <a:solidFill>
-                <a:schemeClr val="dk1"/>
-              </a:solidFill>
-            </a:endParaRPr>
-          </a:p>
-          <a:p>
-            <a:pPr indent="0" lvl="0" marL="457200" rtl="0" algn="l">
-              <a:lnSpc>
-                <a:spcPct val="115000"/>
-              </a:lnSpc>
-              <a:spcBef>
-                <a:spcPts val="100"/>
-              </a:spcBef>
-              <a:spcAft>
-                <a:spcPts val="0"/>
-              </a:spcAft>
-              <a:buNone/>
-            </a:pPr>
-            <a:r>
-              <a:t/>
-            </a:r>
-            <a:endParaRPr sz="1660">
-              <a:solidFill>
-                <a:schemeClr val="dk1"/>
-              </a:solidFill>
-            </a:endParaRPr>
-          </a:p>
-          <a:p>
-            <a:pPr indent="-328930" lvl="1" marL="914400" rtl="0" algn="l">
-              <a:lnSpc>
-                <a:spcPct val="115000"/>
-              </a:lnSpc>
-              <a:spcBef>
-                <a:spcPts val="100"/>
-              </a:spcBef>
-              <a:spcAft>
-                <a:spcPts val="0"/>
-              </a:spcAft>
-              <a:buClr>
-                <a:schemeClr val="dk1"/>
-              </a:buClr>
-              <a:buSzPts val="1580"/>
-              <a:buChar char="○"/>
-            </a:pPr>
-            <a:r>
-              <a:rPr lang="en" sz="1580">
-                <a:solidFill>
-                  <a:schemeClr val="dk1"/>
-                </a:solidFill>
-              </a:rPr>
-              <a:t>A</a:t>
-            </a:r>
-            <a:r>
-              <a:rPr lang="en" sz="1580">
-                <a:solidFill>
-                  <a:schemeClr val="dk1"/>
-                </a:solidFill>
-              </a:rPr>
-              <a:t>ge wise analysis showed that, the number of transaction and the number of fraud transactions were more in age group 2 that is 26-35.</a:t>
-            </a:r>
-            <a:endParaRPr sz="1580">
-              <a:solidFill>
-                <a:schemeClr val="dk1"/>
-              </a:solidFill>
-            </a:endParaRPr>
-          </a:p>
-          <a:p>
-            <a:pPr indent="0" lvl="0" marL="914400" rtl="0" algn="l">
-              <a:lnSpc>
-                <a:spcPct val="115000"/>
-              </a:lnSpc>
-              <a:spcBef>
-                <a:spcPts val="100"/>
-              </a:spcBef>
-              <a:spcAft>
-                <a:spcPts val="0"/>
-              </a:spcAft>
-              <a:buNone/>
-            </a:pPr>
-            <a:r>
-              <a:t/>
-            </a:r>
-            <a:endParaRPr sz="1380">
-              <a:solidFill>
-                <a:schemeClr val="dk1"/>
-              </a:solidFill>
-            </a:endParaRPr>
-          </a:p>
-          <a:p>
-            <a:pPr indent="-328930" lvl="1" marL="914400" rtl="0" algn="l">
-              <a:lnSpc>
-                <a:spcPct val="115000"/>
-              </a:lnSpc>
-              <a:spcBef>
-                <a:spcPts val="100"/>
-              </a:spcBef>
-              <a:spcAft>
-                <a:spcPts val="0"/>
-              </a:spcAft>
-              <a:buClr>
-                <a:schemeClr val="dk1"/>
-              </a:buClr>
-              <a:buSzPts val="1580"/>
-              <a:buChar char="○"/>
-            </a:pPr>
-            <a:r>
-              <a:rPr lang="en" sz="1580">
-                <a:solidFill>
-                  <a:schemeClr val="dk1"/>
-                </a:solidFill>
-              </a:rPr>
-              <a:t>Gender wise analysis revealed that the number of transactions were more in female category, E and U category being negligible</a:t>
-            </a:r>
-            <a:endParaRPr sz="1580">
-              <a:solidFill>
-                <a:schemeClr val="dk1"/>
-              </a:solidFill>
-            </a:endParaRPr>
-          </a:p>
-          <a:p>
-            <a:pPr indent="0" lvl="0" marL="914400" rtl="0" algn="l">
-              <a:lnSpc>
-                <a:spcPct val="115000"/>
-              </a:lnSpc>
-              <a:spcBef>
-                <a:spcPts val="100"/>
-              </a:spcBef>
-              <a:spcAft>
-                <a:spcPts val="0"/>
-              </a:spcAft>
-              <a:buNone/>
-            </a:pPr>
-            <a:r>
-              <a:t/>
-            </a:r>
-            <a:endParaRPr sz="1380">
-              <a:solidFill>
-                <a:schemeClr val="dk1"/>
-              </a:solidFill>
-            </a:endParaRPr>
-          </a:p>
-          <a:p>
-            <a:pPr indent="-334010" lvl="0" marL="457200" rtl="0" algn="l">
-              <a:lnSpc>
-                <a:spcPct val="115000"/>
-              </a:lnSpc>
-              <a:spcBef>
-                <a:spcPts val="100"/>
-              </a:spcBef>
-              <a:spcAft>
-                <a:spcPts val="100"/>
-              </a:spcAft>
-              <a:buClr>
-                <a:schemeClr val="dk1"/>
-              </a:buClr>
-              <a:buSzPts val="1660"/>
-              <a:buChar char="●"/>
-            </a:pPr>
-            <a:r>
-              <a:rPr lang="en" sz="1660">
-                <a:solidFill>
-                  <a:schemeClr val="dk1"/>
-                </a:solidFill>
-              </a:rPr>
-              <a:t>The two largest categories (es_transportation and es_food) have absolutely no fraud. Another pattern emerged was higher amount transactions has higher possibility of fraud.</a:t>
-            </a:r>
-            <a:endParaRPr sz="1380">
-              <a:solidFill>
-                <a:schemeClr val="dk1"/>
-              </a:solidFill>
-            </a:endParaRPr>
-          </a:p>
-        </p:txBody>
-      </p:sp>
-    </p:spTree>
-  </p:cSld>
-  <p:clrMapOvr>
-    <a:masterClrMapping/>
-  </p:clrMapOvr>
-</p:sld>
-</file>
-
-<file path=ppt/slides/slide9.xml><?xml version="1.0" encoding="utf-8"?>
-<p:sld xmlns:a="http://schemas.openxmlformats.org/drawingml/2006/main" xmlns:r="http://schemas.openxmlformats.org/officeDocument/2006/relationships" xmlns:mc="http://schemas.openxmlformats.org/markup-compatibility/2006" xmlns:mv="urn:schemas-microsoft-com:mac:vml" xmlns:p="http://schemas.openxmlformats.org/presentationml/2006/main" xmlns:c="http://schemas.openxmlformats.org/drawingml/2006/chart" xmlns:dgm="http://schemas.openxmlformats.org/drawingml/2006/diagram" xmlns:o="urn:schemas-microsoft-com:office:office" xmlns:v="urn:schemas-microsoft-com:vml" xmlns:pvml="urn:schemas-microsoft-com:office:powerpoint" xmlns:com="http://schemas.openxmlformats.org/drawingml/2006/compatibility" xmlns:p14="http://schemas.microsoft.com/office/powerpoint/2010/main" xmlns:p15="http://schemas.microsoft.com/office/powerpoint/2012/main" xmlns:ahyp="http://schemas.microsoft.com/office/drawing/2018/hyperlinkcolor">
-  <p:cSld>
-    <p:spTree>
-      <p:nvGrpSpPr>
-        <p:cNvPr id="105" name="Shape 105"/>
-        <p:cNvGrpSpPr/>
-        <p:nvPr/>
-      </p:nvGrpSpPr>
-      <p:grpSpPr>
-        <a:xfrm>
-          <a:off x="0" y="0"/>
-          <a:ext cx="0" cy="0"/>
-          <a:chOff x="0" y="0"/>
-          <a:chExt cx="0" cy="0"/>
-        </a:xfrm>
-      </p:grpSpPr>
-      <p:sp>
-        <p:nvSpPr>
-          <p:cNvPr id="106" name="Google Shape;106;p21"/>
-          <p:cNvSpPr txBox="1"/>
-          <p:nvPr>
-            <p:ph type="title"/>
-          </p:nvPr>
-        </p:nvSpPr>
-        <p:spPr>
-          <a:xfrm>
-            <a:off x="311700" y="313150"/>
-            <a:ext cx="8520600" cy="572700"/>
-          </a:xfrm>
-          <a:prstGeom prst="rect">
-            <a:avLst/>
-          </a:prstGeom>
-        </p:spPr>
-        <p:txBody>
-          <a:bodyPr anchorCtr="0" anchor="t" bIns="91425" lIns="91425" spcFirstLastPara="1" rIns="91425" wrap="square" tIns="91425">
-            <a:normAutofit fontScale="90000"/>
-          </a:bodyPr>
-          <a:lstStyle/>
-          <a:p>
-            <a:pPr indent="0" lvl="0" marL="0" rtl="0" algn="l">
-              <a:spcBef>
-                <a:spcPts val="0"/>
-              </a:spcBef>
-              <a:spcAft>
-                <a:spcPts val="0"/>
-              </a:spcAft>
-              <a:buNone/>
-            </a:pPr>
-            <a:r>
-              <a:rPr lang="en"/>
-              <a:t>EDA - Data Engineering</a:t>
-            </a:r>
-            <a:endParaRPr/>
-          </a:p>
-        </p:txBody>
-      </p:sp>
-      <p:sp>
-        <p:nvSpPr>
-          <p:cNvPr id="107" name="Google Shape;107;p21"/>
-          <p:cNvSpPr txBox="1"/>
-          <p:nvPr>
-            <p:ph idx="1" type="body"/>
-          </p:nvPr>
-        </p:nvSpPr>
-        <p:spPr>
-          <a:xfrm>
-            <a:off x="311700" y="885850"/>
-            <a:ext cx="8520600" cy="4023300"/>
-          </a:xfrm>
-          <a:prstGeom prst="rect">
-            <a:avLst/>
-          </a:prstGeom>
-        </p:spPr>
-        <p:txBody>
-          <a:bodyPr anchorCtr="0" anchor="t" bIns="91425" lIns="91425" spcFirstLastPara="1" rIns="91425" wrap="square" tIns="91425">
-            <a:noAutofit/>
-          </a:bodyPr>
-          <a:lstStyle/>
-          <a:p>
-            <a:pPr indent="-335756" lvl="0" marL="457200" rtl="0" algn="l">
-              <a:lnSpc>
-                <a:spcPct val="140000"/>
-              </a:lnSpc>
-              <a:spcBef>
-                <a:spcPts val="100"/>
-              </a:spcBef>
-              <a:spcAft>
-                <a:spcPts val="0"/>
-              </a:spcAft>
-              <a:buClr>
-                <a:schemeClr val="dk1"/>
-              </a:buClr>
-              <a:buSzPts val="1688"/>
-              <a:buChar char="●"/>
-            </a:pPr>
-            <a:r>
-              <a:rPr lang="en" sz="1687">
-                <a:solidFill>
-                  <a:schemeClr val="dk1"/>
-                </a:solidFill>
-              </a:rPr>
-              <a:t>EDA and advanced EDA with Data cleaning and feature engineering were done. </a:t>
-            </a:r>
-            <a:endParaRPr sz="1687">
-              <a:solidFill>
-                <a:schemeClr val="dk1"/>
-              </a:solidFill>
-            </a:endParaRPr>
-          </a:p>
-          <a:p>
-            <a:pPr indent="0" lvl="0" marL="457200" rtl="0" algn="l">
-              <a:lnSpc>
-                <a:spcPct val="140000"/>
-              </a:lnSpc>
-              <a:spcBef>
-                <a:spcPts val="100"/>
-              </a:spcBef>
-              <a:spcAft>
-                <a:spcPts val="0"/>
-              </a:spcAft>
-              <a:buNone/>
-            </a:pPr>
-            <a:r>
-              <a:rPr lang="en" sz="1687">
-                <a:solidFill>
-                  <a:schemeClr val="dk1"/>
-                </a:solidFill>
-              </a:rPr>
-              <a:t>One-hot encoding was done for ‘category’ feature as it was not numerical. Dimensions of the features were reduced.</a:t>
-            </a:r>
-            <a:endParaRPr sz="1687">
-              <a:solidFill>
-                <a:schemeClr val="dk1"/>
-              </a:solidFill>
-            </a:endParaRPr>
-          </a:p>
-          <a:p>
-            <a:pPr indent="-335756" lvl="0" marL="457200" rtl="0" algn="l">
-              <a:lnSpc>
-                <a:spcPct val="140000"/>
-              </a:lnSpc>
-              <a:spcBef>
-                <a:spcPts val="100"/>
-              </a:spcBef>
-              <a:spcAft>
-                <a:spcPts val="0"/>
-              </a:spcAft>
-              <a:buClr>
-                <a:schemeClr val="dk1"/>
-              </a:buClr>
-              <a:buSzPts val="1688"/>
-              <a:buChar char="●"/>
-            </a:pPr>
-            <a:r>
-              <a:rPr lang="en" sz="1687">
-                <a:solidFill>
-                  <a:schemeClr val="dk1"/>
-                </a:solidFill>
-              </a:rPr>
-              <a:t>Irrelevant features were dropped:</a:t>
-            </a:r>
-            <a:endParaRPr sz="1687">
-              <a:solidFill>
-                <a:schemeClr val="dk1"/>
-              </a:solidFill>
-            </a:endParaRPr>
-          </a:p>
-          <a:p>
-            <a:pPr indent="-311943" lvl="1" marL="914400" rtl="0" algn="l">
-              <a:lnSpc>
-                <a:spcPct val="140000"/>
-              </a:lnSpc>
-              <a:spcBef>
-                <a:spcPts val="100"/>
-              </a:spcBef>
-              <a:spcAft>
-                <a:spcPts val="0"/>
-              </a:spcAft>
-              <a:buClr>
-                <a:schemeClr val="dk1"/>
-              </a:buClr>
-              <a:buSzPts val="1313"/>
-              <a:buChar char="○"/>
-            </a:pPr>
-            <a:r>
-              <a:rPr lang="en" sz="1312">
-                <a:solidFill>
-                  <a:schemeClr val="dk1"/>
-                </a:solidFill>
-              </a:rPr>
-              <a:t>    </a:t>
-            </a:r>
-            <a:r>
-              <a:rPr lang="en" sz="1412">
-                <a:solidFill>
-                  <a:schemeClr val="dk1"/>
-                </a:solidFill>
-              </a:rPr>
-              <a:t>'step' - as there are only 20 repetitions</a:t>
-            </a:r>
-            <a:endParaRPr sz="1412">
-              <a:solidFill>
-                <a:schemeClr val="dk1"/>
-              </a:solidFill>
-            </a:endParaRPr>
-          </a:p>
-          <a:p>
-            <a:pPr indent="-318293" lvl="1" marL="914400" rtl="0" algn="l">
-              <a:lnSpc>
-                <a:spcPct val="140000"/>
-              </a:lnSpc>
-              <a:spcBef>
-                <a:spcPts val="100"/>
-              </a:spcBef>
-              <a:spcAft>
-                <a:spcPts val="0"/>
-              </a:spcAft>
-              <a:buClr>
-                <a:schemeClr val="dk1"/>
-              </a:buClr>
-              <a:buSzPts val="1413"/>
-              <a:buChar char="○"/>
-            </a:pPr>
-            <a:r>
-              <a:rPr lang="en" sz="1412">
-                <a:solidFill>
-                  <a:schemeClr val="dk1"/>
-                </a:solidFill>
-              </a:rPr>
-              <a:t>    'customer' - everybody can be a victim.</a:t>
-            </a:r>
-            <a:endParaRPr sz="1412">
-              <a:solidFill>
-                <a:schemeClr val="dk1"/>
-              </a:solidFill>
-            </a:endParaRPr>
-          </a:p>
-          <a:p>
-            <a:pPr indent="-318293" lvl="1" marL="914400" rtl="0" algn="l">
-              <a:lnSpc>
-                <a:spcPct val="140000"/>
-              </a:lnSpc>
-              <a:spcBef>
-                <a:spcPts val="100"/>
-              </a:spcBef>
-              <a:spcAft>
-                <a:spcPts val="0"/>
-              </a:spcAft>
-              <a:buClr>
-                <a:schemeClr val="dk1"/>
-              </a:buClr>
-              <a:buSzPts val="1413"/>
-              <a:buChar char="○"/>
-            </a:pPr>
-            <a:r>
-              <a:rPr lang="en" sz="1412">
-                <a:solidFill>
-                  <a:schemeClr val="dk1"/>
-                </a:solidFill>
-              </a:rPr>
-              <a:t>    'age' - no obvious correlation</a:t>
-            </a:r>
-            <a:endParaRPr sz="1412">
-              <a:solidFill>
-                <a:schemeClr val="dk1"/>
-              </a:solidFill>
-            </a:endParaRPr>
-          </a:p>
-          <a:p>
-            <a:pPr indent="-318293" lvl="1" marL="914400" rtl="0" algn="l">
-              <a:lnSpc>
-                <a:spcPct val="140000"/>
-              </a:lnSpc>
-              <a:spcBef>
-                <a:spcPts val="100"/>
-              </a:spcBef>
-              <a:spcAft>
-                <a:spcPts val="0"/>
-              </a:spcAft>
-              <a:buClr>
-                <a:schemeClr val="dk1"/>
-              </a:buClr>
-              <a:buSzPts val="1413"/>
-              <a:buChar char="○"/>
-            </a:pPr>
-            <a:r>
-              <a:rPr lang="en" sz="1412">
-                <a:solidFill>
-                  <a:schemeClr val="dk1"/>
-                </a:solidFill>
-              </a:rPr>
-              <a:t>    'gender' - no obvious correlation</a:t>
-            </a:r>
-            <a:endParaRPr sz="1412">
-              <a:solidFill>
-                <a:schemeClr val="dk1"/>
-              </a:solidFill>
-            </a:endParaRPr>
-          </a:p>
-          <a:p>
-            <a:pPr indent="-318293" lvl="1" marL="914400" rtl="0" algn="l">
-              <a:lnSpc>
-                <a:spcPct val="140000"/>
-              </a:lnSpc>
-              <a:spcBef>
-                <a:spcPts val="100"/>
-              </a:spcBef>
-              <a:spcAft>
-                <a:spcPts val="0"/>
-              </a:spcAft>
-              <a:buClr>
-                <a:schemeClr val="dk1"/>
-              </a:buClr>
-              <a:buSzPts val="1413"/>
-              <a:buChar char="○"/>
-            </a:pPr>
-            <a:r>
-              <a:rPr lang="en" sz="1412">
-                <a:solidFill>
-                  <a:schemeClr val="dk1"/>
-                </a:solidFill>
-              </a:rPr>
-              <a:t>    'zipMerchant' - same value for all entries</a:t>
-            </a:r>
-            <a:endParaRPr sz="1412">
-              <a:solidFill>
-                <a:schemeClr val="dk1"/>
-              </a:solidFill>
-            </a:endParaRPr>
-          </a:p>
-          <a:p>
-            <a:pPr indent="-318293" lvl="1" marL="914400" rtl="0" algn="l">
-              <a:lnSpc>
-                <a:spcPct val="140000"/>
-              </a:lnSpc>
-              <a:spcBef>
-                <a:spcPts val="100"/>
-              </a:spcBef>
-              <a:spcAft>
-                <a:spcPts val="0"/>
-              </a:spcAft>
-              <a:buClr>
-                <a:schemeClr val="dk1"/>
-              </a:buClr>
-              <a:buSzPts val="1413"/>
-              <a:buChar char="○"/>
-            </a:pPr>
-            <a:r>
-              <a:rPr lang="en" sz="1412">
-                <a:solidFill>
-                  <a:schemeClr val="dk1"/>
-                </a:solidFill>
-              </a:rPr>
-              <a:t>    'zipcodeOri'  - same value for all entries</a:t>
-            </a:r>
-            <a:endParaRPr sz="1412">
-              <a:solidFill>
-                <a:schemeClr val="dk1"/>
-              </a:solidFill>
-            </a:endParaRPr>
-          </a:p>
-          <a:p>
-            <a:pPr indent="-318293" lvl="1" marL="914400" rtl="0" algn="l">
-              <a:lnSpc>
-                <a:spcPct val="140000"/>
-              </a:lnSpc>
-              <a:spcBef>
-                <a:spcPts val="100"/>
-              </a:spcBef>
-              <a:spcAft>
-                <a:spcPts val="0"/>
-              </a:spcAft>
-              <a:buClr>
-                <a:schemeClr val="dk1"/>
-              </a:buClr>
-              <a:buSzPts val="1413"/>
-              <a:buChar char="○"/>
-            </a:pPr>
-            <a:r>
-              <a:rPr lang="en" sz="1412">
-                <a:solidFill>
-                  <a:schemeClr val="dk1"/>
-                </a:solidFill>
-              </a:rPr>
-              <a:t>    'merchant' - not a good indicator, </a:t>
-            </a:r>
-            <a:endParaRPr sz="1412">
-              <a:solidFill>
-                <a:schemeClr val="dk1"/>
-              </a:solidFill>
-            </a:endParaRPr>
-          </a:p>
-          <a:p>
-            <a:pPr indent="0" lvl="0" marL="0" rtl="0" algn="l">
-              <a:lnSpc>
-                <a:spcPct val="90000"/>
-              </a:lnSpc>
-              <a:spcBef>
-                <a:spcPts val="100"/>
-              </a:spcBef>
-              <a:spcAft>
-                <a:spcPts val="100"/>
-              </a:spcAft>
-              <a:buSzPts val="688"/>
-              <a:buNone/>
-            </a:pPr>
-            <a:r>
-              <a:t/>
-            </a:r>
-            <a:endParaRPr sz="1125"/>
-          </a:p>
-        </p:txBody>
-      </p:sp>
+      </p:pic>
     </p:spTree>
   </p:cSld>
   <p:clrMapOvr>
@@ -11449,6 +12813,285 @@
 </file>
 
 <file path=ppt/theme/theme1.xml><?xml version="1.0" encoding="utf-8"?>
+<a:theme xmlns:a="http://schemas.openxmlformats.org/drawingml/2006/main" xmlns:r="http://schemas.openxmlformats.org/officeDocument/2006/relationships" name="Simple Light">
+  <a:themeElements>
+    <a:clrScheme name="Simple Light">
+      <a:dk1>
+        <a:srgbClr val="000000"/>
+      </a:dk1>
+      <a:lt1>
+        <a:srgbClr val="FFFFFF"/>
+      </a:lt1>
+      <a:dk2>
+        <a:srgbClr val="595959"/>
+      </a:dk2>
+      <a:lt2>
+        <a:srgbClr val="EEEEEE"/>
+      </a:lt2>
+      <a:accent1>
+        <a:srgbClr val="4285F4"/>
+      </a:accent1>
+      <a:accent2>
+        <a:srgbClr val="212121"/>
+      </a:accent2>
+      <a:accent3>
+        <a:srgbClr val="78909C"/>
+      </a:accent3>
+      <a:accent4>
+        <a:srgbClr val="FFAB40"/>
+      </a:accent4>
+      <a:accent5>
+        <a:srgbClr val="0097A7"/>
+      </a:accent5>
+      <a:accent6>
+        <a:srgbClr val="EEFF41"/>
+      </a:accent6>
+      <a:hlink>
+        <a:srgbClr val="0097A7"/>
+      </a:hlink>
+      <a:folHlink>
+        <a:srgbClr val="0097A7"/>
+      </a:folHlink>
+    </a:clrScheme>
+    <a:fontScheme name="Office">
+      <a:majorFont>
+        <a:latin typeface="Arial"/>
+        <a:ea typeface=""/>
+        <a:cs typeface=""/>
+        <a:font script="Jpan" typeface="ＭＳ Ｐゴシック"/>
+        <a:font script="Hang" typeface="맑은 고딕"/>
+        <a:font script="Hans" typeface="宋体"/>
+        <a:font script="Hant" typeface="新細明體"/>
+        <a:font script="Arab" typeface="Times New Roman"/>
+        <a:font script="Hebr" typeface="Times New Roman"/>
+        <a:font script="Thai" typeface="Angsana New"/>
+        <a:font script="Ethi" typeface="Nyala"/>
+        <a:font script="Beng" typeface="Vrinda"/>
+        <a:font script="Gujr" typeface="Shruti"/>
+        <a:font script="Khmr" typeface="MoolBoran"/>
+        <a:font script="Knda" typeface="Tunga"/>
+        <a:font script="Guru" typeface="Raavi"/>
+        <a:font script="Cans" typeface="Euphemia"/>
+        <a:font script="Cher" typeface="Plantagenet Cherokee"/>
+        <a:font script="Yiii" typeface="Microsoft Yi Baiti"/>
+        <a:font script="Tibt" typeface="Microsoft Himalaya"/>
+        <a:font script="Thaa" typeface="MV Boli"/>
+        <a:font script="Deva" typeface="Mangal"/>
+        <a:font script="Telu" typeface="Gautami"/>
+        <a:font script="Taml" typeface="Latha"/>
+        <a:font script="Syrc" typeface="Estrangelo Edessa"/>
+        <a:font script="Orya" typeface="Kalinga"/>
+        <a:font script="Mlym" typeface="Kartika"/>
+        <a:font script="Laoo" typeface="DokChampa"/>
+        <a:font script="Sinh" typeface="Iskoola Pota"/>
+        <a:font script="Mong" typeface="Mongolian Baiti"/>
+        <a:font script="Viet" typeface="Times New Roman"/>
+        <a:font script="Uigh" typeface="Microsoft Uighur"/>
+        <a:font script="Geor" typeface="Sylfaen"/>
+      </a:majorFont>
+      <a:minorFont>
+        <a:latin typeface="Arial"/>
+        <a:ea typeface=""/>
+        <a:cs typeface=""/>
+        <a:font script="Jpan" typeface="ＭＳ Ｐゴシック"/>
+        <a:font script="Hang" typeface="맑은 고딕"/>
+        <a:font script="Hans" typeface="宋体"/>
+        <a:font script="Hant" typeface="新細明體"/>
+        <a:font script="Arab" typeface="Arial"/>
+        <a:font script="Hebr" typeface="Arial"/>
+        <a:font script="Thai" typeface="Cordia New"/>
+        <a:font script="Ethi" typeface="Nyala"/>
+        <a:font script="Beng" typeface="Vrinda"/>
+        <a:font script="Gujr" typeface="Shruti"/>
+        <a:font script="Khmr" typeface="DaunPenh"/>
+        <a:font script="Knda" typeface="Tunga"/>
+        <a:font script="Guru" typeface="Raavi"/>
+        <a:font script="Cans" typeface="Euphemia"/>
+        <a:font script="Cher" typeface="Plantagenet Cherokee"/>
+        <a:font script="Yiii" typeface="Microsoft Yi Baiti"/>
+        <a:font script="Tibt" typeface="Microsoft Himalaya"/>
+        <a:font script="Thaa" typeface="MV Boli"/>
+        <a:font script="Deva" typeface="Mangal"/>
+        <a:font script="Telu" typeface="Gautami"/>
+        <a:font script="Taml" typeface="Latha"/>
+        <a:font script="Syrc" typeface="Estrangelo Edessa"/>
+        <a:font script="Orya" typeface="Kalinga"/>
+        <a:font script="Mlym" typeface="Kartika"/>
+        <a:font script="Laoo" typeface="DokChampa"/>
+        <a:font script="Sinh" typeface="Iskoola Pota"/>
+        <a:font script="Mong" typeface="Mongolian Baiti"/>
+        <a:font script="Viet" typeface="Arial"/>
+        <a:font script="Uigh" typeface="Microsoft Uighur"/>
+        <a:font script="Geor" typeface="Sylfaen"/>
+      </a:minorFont>
+    </a:fontScheme>
+    <a:fmtScheme name="Office">
+      <a:fillStyleLst>
+        <a:solidFill>
+          <a:schemeClr val="phClr"/>
+        </a:solidFill>
+        <a:gradFill rotWithShape="1">
+          <a:gsLst>
+            <a:gs pos="0">
+              <a:schemeClr val="phClr">
+                <a:tint val="50000"/>
+                <a:satMod val="300000"/>
+              </a:schemeClr>
+            </a:gs>
+            <a:gs pos="35000">
+              <a:schemeClr val="phClr">
+                <a:tint val="37000"/>
+                <a:satMod val="300000"/>
+              </a:schemeClr>
+            </a:gs>
+            <a:gs pos="100000">
+              <a:schemeClr val="phClr">
+                <a:tint val="15000"/>
+                <a:satMod val="350000"/>
+              </a:schemeClr>
+            </a:gs>
+          </a:gsLst>
+          <a:lin ang="16200000" scaled="1"/>
+        </a:gradFill>
+        <a:gradFill rotWithShape="1">
+          <a:gsLst>
+            <a:gs pos="0">
+              <a:schemeClr val="phClr">
+                <a:tint val="100000"/>
+                <a:shade val="100000"/>
+                <a:satMod val="130000"/>
+              </a:schemeClr>
+            </a:gs>
+            <a:gs pos="100000">
+              <a:schemeClr val="phClr">
+                <a:tint val="50000"/>
+                <a:shade val="100000"/>
+                <a:satMod val="350000"/>
+              </a:schemeClr>
+            </a:gs>
+          </a:gsLst>
+          <a:lin ang="16200000" scaled="0"/>
+        </a:gradFill>
+      </a:fillStyleLst>
+      <a:lnStyleLst>
+        <a:ln w="9525" cap="flat" cmpd="sng" algn="ctr">
+          <a:solidFill>
+            <a:schemeClr val="phClr">
+              <a:shade val="95000"/>
+              <a:satMod val="105000"/>
+            </a:schemeClr>
+          </a:solidFill>
+          <a:prstDash val="solid"/>
+        </a:ln>
+        <a:ln w="25400" cap="flat" cmpd="sng" algn="ctr">
+          <a:solidFill>
+            <a:schemeClr val="phClr"/>
+          </a:solidFill>
+          <a:prstDash val="solid"/>
+        </a:ln>
+        <a:ln w="38100" cap="flat" cmpd="sng" algn="ctr">
+          <a:solidFill>
+            <a:schemeClr val="phClr"/>
+          </a:solidFill>
+          <a:prstDash val="solid"/>
+        </a:ln>
+      </a:lnStyleLst>
+      <a:effectStyleLst>
+        <a:effectStyle>
+          <a:effectLst>
+            <a:outerShdw blurRad="40000" dist="20000" dir="5400000" rotWithShape="0">
+              <a:srgbClr val="000000">
+                <a:alpha val="38000"/>
+              </a:srgbClr>
+            </a:outerShdw>
+          </a:effectLst>
+        </a:effectStyle>
+        <a:effectStyle>
+          <a:effectLst>
+            <a:outerShdw blurRad="40000" dist="23000" dir="5400000" rotWithShape="0">
+              <a:srgbClr val="000000">
+                <a:alpha val="35000"/>
+              </a:srgbClr>
+            </a:outerShdw>
+          </a:effectLst>
+        </a:effectStyle>
+        <a:effectStyle>
+          <a:effectLst>
+            <a:outerShdw blurRad="40000" dist="23000" dir="5400000" rotWithShape="0">
+              <a:srgbClr val="000000">
+                <a:alpha val="35000"/>
+              </a:srgbClr>
+            </a:outerShdw>
+          </a:effectLst>
+          <a:scene3d>
+            <a:camera prst="orthographicFront">
+              <a:rot lat="0" lon="0" rev="0"/>
+            </a:camera>
+            <a:lightRig rig="threePt" dir="t">
+              <a:rot lat="0" lon="0" rev="1200000"/>
+            </a:lightRig>
+          </a:scene3d>
+          <a:sp3d>
+            <a:bevelT w="63500" h="25400"/>
+          </a:sp3d>
+        </a:effectStyle>
+      </a:effectStyleLst>
+      <a:bgFillStyleLst>
+        <a:solidFill>
+          <a:schemeClr val="phClr"/>
+        </a:solidFill>
+        <a:gradFill rotWithShape="1">
+          <a:gsLst>
+            <a:gs pos="0">
+              <a:schemeClr val="phClr">
+                <a:tint val="40000"/>
+                <a:satMod val="350000"/>
+              </a:schemeClr>
+            </a:gs>
+            <a:gs pos="40000">
+              <a:schemeClr val="phClr">
+                <a:tint val="45000"/>
+                <a:shade val="99000"/>
+                <a:satMod val="350000"/>
+              </a:schemeClr>
+            </a:gs>
+            <a:gs pos="100000">
+              <a:schemeClr val="phClr">
+                <a:shade val="20000"/>
+                <a:satMod val="255000"/>
+              </a:schemeClr>
+            </a:gs>
+          </a:gsLst>
+          <a:path path="circle">
+            <a:fillToRect l="50000" t="-80000" r="50000" b="180000"/>
+          </a:path>
+        </a:gradFill>
+        <a:gradFill rotWithShape="1">
+          <a:gsLst>
+            <a:gs pos="0">
+              <a:schemeClr val="phClr">
+                <a:tint val="80000"/>
+                <a:satMod val="300000"/>
+              </a:schemeClr>
+            </a:gs>
+            <a:gs pos="100000">
+              <a:schemeClr val="phClr">
+                <a:shade val="30000"/>
+                <a:satMod val="200000"/>
+              </a:schemeClr>
+            </a:gs>
+          </a:gsLst>
+          <a:path path="circle">
+            <a:fillToRect l="50000" t="50000" r="50000" b="50000"/>
+          </a:path>
+        </a:gradFill>
+      </a:bgFillStyleLst>
+    </a:fmtScheme>
+  </a:themeElements>
+</a:theme>
+</file>
+
+<file path=ppt/theme/theme2.xml><?xml version="1.0" encoding="utf-8"?>
 <a:theme xmlns:a="http://schemas.openxmlformats.org/drawingml/2006/main" xmlns:r="http://schemas.openxmlformats.org/officeDocument/2006/relationships">
   <a:themeElements>
     <a:clrScheme name="Default">
@@ -11725,283 +13368,4 @@
     </a:fmtScheme>
   </a:themeElements>
 </a:theme>
-</file>
-
-<file path=ppt/theme/theme2.xml><?xml version="1.0" encoding="utf-8"?>
-<a:theme xmlns:a="http://schemas.openxmlformats.org/drawingml/2006/main" xmlns:r="http://schemas.openxmlformats.org/officeDocument/2006/relationships" name="Simple Light">
-  <a:themeElements>
-    <a:clrScheme name="Simple Light">
-      <a:dk1>
-        <a:srgbClr val="000000"/>
-      </a:dk1>
-      <a:lt1>
-        <a:srgbClr val="FFFFFF"/>
-      </a:lt1>
-      <a:dk2>
-        <a:srgbClr val="595959"/>
-      </a:dk2>
-      <a:lt2>
-        <a:srgbClr val="EEEEEE"/>
-      </a:lt2>
-      <a:accent1>
-        <a:srgbClr val="4285F4"/>
-      </a:accent1>
-      <a:accent2>
-        <a:srgbClr val="212121"/>
-      </a:accent2>
-      <a:accent3>
-        <a:srgbClr val="78909C"/>
-      </a:accent3>
-      <a:accent4>
-        <a:srgbClr val="FFAB40"/>
-      </a:accent4>
-      <a:accent5>
-        <a:srgbClr val="0097A7"/>
-      </a:accent5>
-      <a:accent6>
-        <a:srgbClr val="EEFF41"/>
-      </a:accent6>
-      <a:hlink>
-        <a:srgbClr val="0097A7"/>
-      </a:hlink>
-      <a:folHlink>
-        <a:srgbClr val="0097A7"/>
-      </a:folHlink>
-    </a:clrScheme>
-    <a:fontScheme name="Office">
-      <a:majorFont>
-        <a:latin typeface="Arial"/>
-        <a:ea typeface=""/>
-        <a:cs typeface=""/>
-        <a:font script="Jpan" typeface="ＭＳ Ｐゴシック"/>
-        <a:font script="Hang" typeface="맑은 고딕"/>
-        <a:font script="Hans" typeface="宋体"/>
-        <a:font script="Hant" typeface="新細明體"/>
-        <a:font script="Arab" typeface="Times New Roman"/>
-        <a:font script="Hebr" typeface="Times New Roman"/>
-        <a:font script="Thai" typeface="Angsana New"/>
-        <a:font script="Ethi" typeface="Nyala"/>
-        <a:font script="Beng" typeface="Vrinda"/>
-        <a:font script="Gujr" typeface="Shruti"/>
-        <a:font script="Khmr" typeface="MoolBoran"/>
-        <a:font script="Knda" typeface="Tunga"/>
-        <a:font script="Guru" typeface="Raavi"/>
-        <a:font script="Cans" typeface="Euphemia"/>
-        <a:font script="Cher" typeface="Plantagenet Cherokee"/>
-        <a:font script="Yiii" typeface="Microsoft Yi Baiti"/>
-        <a:font script="Tibt" typeface="Microsoft Himalaya"/>
-        <a:font script="Thaa" typeface="MV Boli"/>
-        <a:font script="Deva" typeface="Mangal"/>
-        <a:font script="Telu" typeface="Gautami"/>
-        <a:font script="Taml" typeface="Latha"/>
-        <a:font script="Syrc" typeface="Estrangelo Edessa"/>
-        <a:font script="Orya" typeface="Kalinga"/>
-        <a:font script="Mlym" typeface="Kartika"/>
-        <a:font script="Laoo" typeface="DokChampa"/>
-        <a:font script="Sinh" typeface="Iskoola Pota"/>
-        <a:font script="Mong" typeface="Mongolian Baiti"/>
-        <a:font script="Viet" typeface="Times New Roman"/>
-        <a:font script="Uigh" typeface="Microsoft Uighur"/>
-        <a:font script="Geor" typeface="Sylfaen"/>
-      </a:majorFont>
-      <a:minorFont>
-        <a:latin typeface="Arial"/>
-        <a:ea typeface=""/>
-        <a:cs typeface=""/>
-        <a:font script="Jpan" typeface="ＭＳ Ｐゴシック"/>
-        <a:font script="Hang" typeface="맑은 고딕"/>
-        <a:font script="Hans" typeface="宋体"/>
-        <a:font script="Hant" typeface="新細明體"/>
-        <a:font script="Arab" typeface="Arial"/>
-        <a:font script="Hebr" typeface="Arial"/>
-        <a:font script="Thai" typeface="Cordia New"/>
-        <a:font script="Ethi" typeface="Nyala"/>
-        <a:font script="Beng" typeface="Vrinda"/>
-        <a:font script="Gujr" typeface="Shruti"/>
-        <a:font script="Khmr" typeface="DaunPenh"/>
-        <a:font script="Knda" typeface="Tunga"/>
-        <a:font script="Guru" typeface="Raavi"/>
-        <a:font script="Cans" typeface="Euphemia"/>
-        <a:font script="Cher" typeface="Plantagenet Cherokee"/>
-        <a:font script="Yiii" typeface="Microsoft Yi Baiti"/>
-        <a:font script="Tibt" typeface="Microsoft Himalaya"/>
-        <a:font script="Thaa" typeface="MV Boli"/>
-        <a:font script="Deva" typeface="Mangal"/>
-        <a:font script="Telu" typeface="Gautami"/>
-        <a:font script="Taml" typeface="Latha"/>
-        <a:font script="Syrc" typeface="Estrangelo Edessa"/>
-        <a:font script="Orya" typeface="Kalinga"/>
-        <a:font script="Mlym" typeface="Kartika"/>
-        <a:font script="Laoo" typeface="DokChampa"/>
-        <a:font script="Sinh" typeface="Iskoola Pota"/>
-        <a:font script="Mong" typeface="Mongolian Baiti"/>
-        <a:font script="Viet" typeface="Arial"/>
-        <a:font script="Uigh" typeface="Microsoft Uighur"/>
-        <a:font script="Geor" typeface="Sylfaen"/>
-      </a:minorFont>
-    </a:fontScheme>
-    <a:fmtScheme name="Office">
-      <a:fillStyleLst>
-        <a:solidFill>
-          <a:schemeClr val="phClr"/>
-        </a:solidFill>
-        <a:gradFill rotWithShape="1">
-          <a:gsLst>
-            <a:gs pos="0">
-              <a:schemeClr val="phClr">
-                <a:tint val="50000"/>
-                <a:satMod val="300000"/>
-              </a:schemeClr>
-            </a:gs>
-            <a:gs pos="35000">
-              <a:schemeClr val="phClr">
-                <a:tint val="37000"/>
-                <a:satMod val="300000"/>
-              </a:schemeClr>
-            </a:gs>
-            <a:gs pos="100000">
-              <a:schemeClr val="phClr">
-                <a:tint val="15000"/>
-                <a:satMod val="350000"/>
-              </a:schemeClr>
-            </a:gs>
-          </a:gsLst>
-          <a:lin ang="16200000" scaled="1"/>
-        </a:gradFill>
-        <a:gradFill rotWithShape="1">
-          <a:gsLst>
-            <a:gs pos="0">
-              <a:schemeClr val="phClr">
-                <a:tint val="100000"/>
-                <a:shade val="100000"/>
-                <a:satMod val="130000"/>
-              </a:schemeClr>
-            </a:gs>
-            <a:gs pos="100000">
-              <a:schemeClr val="phClr">
-                <a:tint val="50000"/>
-                <a:shade val="100000"/>
-                <a:satMod val="350000"/>
-              </a:schemeClr>
-            </a:gs>
-          </a:gsLst>
-          <a:lin ang="16200000" scaled="0"/>
-        </a:gradFill>
-      </a:fillStyleLst>
-      <a:lnStyleLst>
-        <a:ln w="9525" cap="flat" cmpd="sng" algn="ctr">
-          <a:solidFill>
-            <a:schemeClr val="phClr">
-              <a:shade val="95000"/>
-              <a:satMod val="105000"/>
-            </a:schemeClr>
-          </a:solidFill>
-          <a:prstDash val="solid"/>
-        </a:ln>
-        <a:ln w="25400" cap="flat" cmpd="sng" algn="ctr">
-          <a:solidFill>
-            <a:schemeClr val="phClr"/>
-          </a:solidFill>
-          <a:prstDash val="solid"/>
-        </a:ln>
-        <a:ln w="38100" cap="flat" cmpd="sng" algn="ctr">
-          <a:solidFill>
-            <a:schemeClr val="phClr"/>
-          </a:solidFill>
-          <a:prstDash val="solid"/>
-        </a:ln>
-      </a:lnStyleLst>
-      <a:effectStyleLst>
-        <a:effectStyle>
-          <a:effectLst>
-            <a:outerShdw blurRad="40000" dist="20000" dir="5400000" rotWithShape="0">
-              <a:srgbClr val="000000">
-                <a:alpha val="38000"/>
-              </a:srgbClr>
-            </a:outerShdw>
-          </a:effectLst>
-        </a:effectStyle>
-        <a:effectStyle>
-          <a:effectLst>
-            <a:outerShdw blurRad="40000" dist="23000" dir="5400000" rotWithShape="0">
-              <a:srgbClr val="000000">
-                <a:alpha val="35000"/>
-              </a:srgbClr>
-            </a:outerShdw>
-          </a:effectLst>
-        </a:effectStyle>
-        <a:effectStyle>
-          <a:effectLst>
-            <a:outerShdw blurRad="40000" dist="23000" dir="5400000" rotWithShape="0">
-              <a:srgbClr val="000000">
-                <a:alpha val="35000"/>
-              </a:srgbClr>
-            </a:outerShdw>
-          </a:effectLst>
-          <a:scene3d>
-            <a:camera prst="orthographicFront">
-              <a:rot lat="0" lon="0" rev="0"/>
-            </a:camera>
-            <a:lightRig rig="threePt" dir="t">
-              <a:rot lat="0" lon="0" rev="1200000"/>
-            </a:lightRig>
-          </a:scene3d>
-          <a:sp3d>
-            <a:bevelT w="63500" h="25400"/>
-          </a:sp3d>
-        </a:effectStyle>
-      </a:effectStyleLst>
-      <a:bgFillStyleLst>
-        <a:solidFill>
-          <a:schemeClr val="phClr"/>
-        </a:solidFill>
-        <a:gradFill rotWithShape="1">
-          <a:gsLst>
-            <a:gs pos="0">
-              <a:schemeClr val="phClr">
-                <a:tint val="40000"/>
-                <a:satMod val="350000"/>
-              </a:schemeClr>
-            </a:gs>
-            <a:gs pos="40000">
-              <a:schemeClr val="phClr">
-                <a:tint val="45000"/>
-                <a:shade val="99000"/>
-                <a:satMod val="350000"/>
-              </a:schemeClr>
-            </a:gs>
-            <a:gs pos="100000">
-              <a:schemeClr val="phClr">
-                <a:shade val="20000"/>
-                <a:satMod val="255000"/>
-              </a:schemeClr>
-            </a:gs>
-          </a:gsLst>
-          <a:path path="circle">
-            <a:fillToRect l="50000" t="-80000" r="50000" b="180000"/>
-          </a:path>
-        </a:gradFill>
-        <a:gradFill rotWithShape="1">
-          <a:gsLst>
-            <a:gs pos="0">
-              <a:schemeClr val="phClr">
-                <a:tint val="80000"/>
-                <a:satMod val="300000"/>
-              </a:schemeClr>
-            </a:gs>
-            <a:gs pos="100000">
-              <a:schemeClr val="phClr">
-                <a:shade val="30000"/>
-                <a:satMod val="200000"/>
-              </a:schemeClr>
-            </a:gs>
-          </a:gsLst>
-          <a:path path="circle">
-            <a:fillToRect l="50000" t="50000" r="50000" b="50000"/>
-          </a:path>
-        </a:gradFill>
-      </a:bgFillStyleLst>
-    </a:fmtScheme>
-  </a:themeElements>
-</a:theme>
 </file>
--- a/Sample Guys _ Demo Day _ AstroLabs DS ML Bootcamp Oct Nov 2021.pptx
+++ b/Sample Guys _ Demo Day _ AstroLabs DS ML Bootcamp Oct Nov 2021.pptx
@@ -33,16 +33,23 @@
     <p:sldId id="278" r:id="rId28"/>
     <p:sldId id="279" r:id="rId29"/>
     <p:sldId id="280" r:id="rId30"/>
+    <p:sldId id="281" r:id="rId31"/>
+    <p:sldId id="282" r:id="rId32"/>
+    <p:sldId id="283" r:id="rId33"/>
+    <p:sldId id="284" r:id="rId34"/>
+    <p:sldId id="285" r:id="rId35"/>
+    <p:sldId id="286" r:id="rId36"/>
+    <p:sldId id="287" r:id="rId37"/>
   </p:sldIdLst>
   <p:sldSz cy="5143500" cx="9144000"/>
   <p:notesSz cx="6858000" cy="9144000"/>
   <p:embeddedFontLst>
     <p:embeddedFont>
       <p:font typeface="Roboto"/>
-      <p:regular r:id="rId31"/>
-      <p:bold r:id="rId32"/>
-      <p:italic r:id="rId33"/>
-      <p:boldItalic r:id="rId34"/>
+      <p:regular r:id="rId38"/>
+      <p:bold r:id="rId39"/>
+      <p:italic r:id="rId40"/>
+      <p:boldItalic r:id="rId41"/>
     </p:embeddedFont>
   </p:embeddedFontLst>
   <p:defaultTextStyle>
@@ -823,7 +830,7 @@
   <p:cSld>
     <p:spTree>
       <p:nvGrpSpPr>
-        <p:cNvPr id="108" name="Shape 108"/>
+        <p:cNvPr id="110" name="Shape 110"/>
         <p:cNvGrpSpPr/>
         <p:nvPr/>
       </p:nvGrpSpPr>
@@ -837,7 +844,7 @@
       </p:grpSpPr>
       <p:sp>
         <p:nvSpPr>
-          <p:cNvPr id="109" name="Google Shape;109;g104fbd46bb0_0_10:notes"/>
+          <p:cNvPr id="111" name="Google Shape;111;g105d11a2f18_0_31:notes"/>
           <p:cNvSpPr/>
           <p:nvPr>
             <p:ph idx="2" type="sldImg"/>
@@ -872,7 +879,7 @@
       </p:sp>
       <p:sp>
         <p:nvSpPr>
-          <p:cNvPr id="110" name="Google Shape;110;g104fbd46bb0_0_10:notes"/>
+          <p:cNvPr id="112" name="Google Shape;112;g105d11a2f18_0_31:notes"/>
           <p:cNvSpPr txBox="1"/>
           <p:nvPr>
             <p:ph idx="1" type="body"/>
@@ -922,7 +929,7 @@
   <p:cSld>
     <p:spTree>
       <p:nvGrpSpPr>
-        <p:cNvPr id="113" name="Shape 113"/>
+        <p:cNvPr id="116" name="Shape 116"/>
         <p:cNvGrpSpPr/>
         <p:nvPr/>
       </p:nvGrpSpPr>
@@ -936,7 +943,7 @@
       </p:grpSpPr>
       <p:sp>
         <p:nvSpPr>
-          <p:cNvPr id="114" name="Google Shape;114;gfa5439182c_0_158:notes"/>
+          <p:cNvPr id="117" name="Google Shape;117;gfa5439182c_0_164:notes"/>
           <p:cNvSpPr/>
           <p:nvPr>
             <p:ph idx="2" type="sldImg"/>
@@ -971,7 +978,7 @@
       </p:sp>
       <p:sp>
         <p:nvSpPr>
-          <p:cNvPr id="115" name="Google Shape;115;gfa5439182c_0_158:notes"/>
+          <p:cNvPr id="118" name="Google Shape;118;gfa5439182c_0_164:notes"/>
           <p:cNvSpPr txBox="1"/>
           <p:nvPr>
             <p:ph idx="1" type="body"/>
@@ -1021,7 +1028,7 @@
   <p:cSld>
     <p:spTree>
       <p:nvGrpSpPr>
-        <p:cNvPr id="119" name="Shape 119"/>
+        <p:cNvPr id="123" name="Shape 123"/>
         <p:cNvGrpSpPr/>
         <p:nvPr/>
       </p:nvGrpSpPr>
@@ -1035,7 +1042,7 @@
       </p:grpSpPr>
       <p:sp>
         <p:nvSpPr>
-          <p:cNvPr id="120" name="Google Shape;120;g104fbd46bb0_0_50:notes"/>
+          <p:cNvPr id="124" name="Google Shape;124;gfa5439182c_0_158:notes"/>
           <p:cNvSpPr/>
           <p:nvPr>
             <p:ph idx="2" type="sldImg"/>
@@ -1070,7 +1077,7 @@
       </p:sp>
       <p:sp>
         <p:nvSpPr>
-          <p:cNvPr id="121" name="Google Shape;121;g104fbd46bb0_0_50:notes"/>
+          <p:cNvPr id="125" name="Google Shape;125;gfa5439182c_0_158:notes"/>
           <p:cNvSpPr txBox="1"/>
           <p:nvPr>
             <p:ph idx="1" type="body"/>
@@ -1120,7 +1127,7 @@
   <p:cSld>
     <p:spTree>
       <p:nvGrpSpPr>
-        <p:cNvPr id="124" name="Shape 124"/>
+        <p:cNvPr id="130" name="Shape 130"/>
         <p:cNvGrpSpPr/>
         <p:nvPr/>
       </p:nvGrpSpPr>
@@ -1134,7 +1141,7 @@
       </p:grpSpPr>
       <p:sp>
         <p:nvSpPr>
-          <p:cNvPr id="125" name="Google Shape;125;g10125a04487_0_428:notes"/>
+          <p:cNvPr id="131" name="Google Shape;131;g104fbd46bb0_0_50:notes"/>
           <p:cNvSpPr/>
           <p:nvPr>
             <p:ph idx="2" type="sldImg"/>
@@ -1169,7 +1176,7 @@
       </p:sp>
       <p:sp>
         <p:nvSpPr>
-          <p:cNvPr id="126" name="Google Shape;126;g10125a04487_0_428:notes"/>
+          <p:cNvPr id="132" name="Google Shape;132;g104fbd46bb0_0_50:notes"/>
           <p:cNvSpPr txBox="1"/>
           <p:nvPr>
             <p:ph idx="1" type="body"/>
@@ -1219,7 +1226,7 @@
   <p:cSld>
     <p:spTree>
       <p:nvGrpSpPr>
-        <p:cNvPr id="130" name="Shape 130"/>
+        <p:cNvPr id="137" name="Shape 137"/>
         <p:cNvGrpSpPr/>
         <p:nvPr/>
       </p:nvGrpSpPr>
@@ -1233,7 +1240,7 @@
       </p:grpSpPr>
       <p:sp>
         <p:nvSpPr>
-          <p:cNvPr id="131" name="Google Shape;131;gfa5439182c_0_150:notes"/>
+          <p:cNvPr id="138" name="Google Shape;138;g105f3b31c9c_0_45:notes"/>
           <p:cNvSpPr/>
           <p:nvPr>
             <p:ph idx="2" type="sldImg"/>
@@ -1268,7 +1275,7 @@
       </p:sp>
       <p:sp>
         <p:nvSpPr>
-          <p:cNvPr id="132" name="Google Shape;132;gfa5439182c_0_150:notes"/>
+          <p:cNvPr id="139" name="Google Shape;139;g105f3b31c9c_0_45:notes"/>
           <p:cNvSpPr txBox="1"/>
           <p:nvPr>
             <p:ph idx="1" type="body"/>
@@ -1318,7 +1325,7 @@
   <p:cSld>
     <p:spTree>
       <p:nvGrpSpPr>
-        <p:cNvPr id="136" name="Shape 136"/>
+        <p:cNvPr id="144" name="Shape 144"/>
         <p:cNvGrpSpPr/>
         <p:nvPr/>
       </p:nvGrpSpPr>
@@ -1332,7 +1339,7 @@
       </p:grpSpPr>
       <p:sp>
         <p:nvSpPr>
-          <p:cNvPr id="137" name="Google Shape;137;gfa5439182c_0_146:notes"/>
+          <p:cNvPr id="145" name="Google Shape;145;g105f3b31c9c_0_13:notes"/>
           <p:cNvSpPr/>
           <p:nvPr>
             <p:ph idx="2" type="sldImg"/>
@@ -1367,7 +1374,7 @@
       </p:sp>
       <p:sp>
         <p:nvSpPr>
-          <p:cNvPr id="138" name="Google Shape;138;gfa5439182c_0_146:notes"/>
+          <p:cNvPr id="146" name="Google Shape;146;g105f3b31c9c_0_13:notes"/>
           <p:cNvSpPr txBox="1"/>
           <p:nvPr>
             <p:ph idx="1" type="body"/>
@@ -1398,8 +1405,7 @@
               <a:buNone/>
             </a:pPr>
             <a:r>
-              <a:rPr lang="en"/>
-              <a:t>Slides for stages 1 and 2 upto EDA and Data Engineering done.</a:t>
+              <a:t/>
             </a:r>
             <a:endParaRPr/>
           </a:p>
@@ -1418,7 +1424,7 @@
   <p:cSld>
     <p:spTree>
       <p:nvGrpSpPr>
-        <p:cNvPr id="144" name="Shape 144"/>
+        <p:cNvPr id="152" name="Shape 152"/>
         <p:cNvGrpSpPr/>
         <p:nvPr/>
       </p:nvGrpSpPr>
@@ -1432,7 +1438,7 @@
       </p:grpSpPr>
       <p:sp>
         <p:nvSpPr>
-          <p:cNvPr id="145" name="Google Shape;145;g10125a04487_0_434:notes"/>
+          <p:cNvPr id="153" name="Google Shape;153;g105f3b31c9c_0_3:notes"/>
           <p:cNvSpPr/>
           <p:nvPr>
             <p:ph idx="2" type="sldImg"/>
@@ -1467,7 +1473,7 @@
       </p:sp>
       <p:sp>
         <p:nvSpPr>
-          <p:cNvPr id="146" name="Google Shape;146;g10125a04487_0_434:notes"/>
+          <p:cNvPr id="154" name="Google Shape;154;g105f3b31c9c_0_3:notes"/>
           <p:cNvSpPr txBox="1"/>
           <p:nvPr>
             <p:ph idx="1" type="body"/>
@@ -1517,7 +1523,7 @@
   <p:cSld>
     <p:spTree>
       <p:nvGrpSpPr>
-        <p:cNvPr id="149" name="Shape 149"/>
+        <p:cNvPr id="158" name="Shape 158"/>
         <p:cNvGrpSpPr/>
         <p:nvPr/>
       </p:nvGrpSpPr>
@@ -1531,7 +1537,7 @@
       </p:grpSpPr>
       <p:sp>
         <p:nvSpPr>
-          <p:cNvPr id="150" name="Google Shape;150;g104e0cc5998_0_6:notes"/>
+          <p:cNvPr id="159" name="Google Shape;159;g105f3b31c9c_0_8:notes"/>
           <p:cNvSpPr/>
           <p:nvPr>
             <p:ph idx="2" type="sldImg"/>
@@ -1566,7 +1572,7 @@
       </p:sp>
       <p:sp>
         <p:nvSpPr>
-          <p:cNvPr id="151" name="Google Shape;151;g104e0cc5998_0_6:notes"/>
+          <p:cNvPr id="160" name="Google Shape;160;g105f3b31c9c_0_8:notes"/>
           <p:cNvSpPr txBox="1"/>
           <p:nvPr>
             <p:ph idx="1" type="body"/>
@@ -1616,7 +1622,7 @@
   <p:cSld>
     <p:spTree>
       <p:nvGrpSpPr>
-        <p:cNvPr id="154" name="Shape 154"/>
+        <p:cNvPr id="165" name="Shape 165"/>
         <p:cNvGrpSpPr/>
         <p:nvPr/>
       </p:nvGrpSpPr>
@@ -1630,7 +1636,7 @@
       </p:grpSpPr>
       <p:sp>
         <p:nvSpPr>
-          <p:cNvPr id="155" name="Google Shape;155;g10125a04487_0_438:notes"/>
+          <p:cNvPr id="166" name="Google Shape;166;gfa5439182c_0_150:notes"/>
           <p:cNvSpPr/>
           <p:nvPr>
             <p:ph idx="2" type="sldImg"/>
@@ -1665,7 +1671,7 @@
       </p:sp>
       <p:sp>
         <p:nvSpPr>
-          <p:cNvPr id="156" name="Google Shape;156;g10125a04487_0_438:notes"/>
+          <p:cNvPr id="167" name="Google Shape;167;gfa5439182c_0_150:notes"/>
           <p:cNvSpPr txBox="1"/>
           <p:nvPr>
             <p:ph idx="1" type="body"/>
@@ -1715,7 +1721,7 @@
   <p:cSld>
     <p:spTree>
       <p:nvGrpSpPr>
-        <p:cNvPr id="161" name="Shape 161"/>
+        <p:cNvPr id="171" name="Shape 171"/>
         <p:cNvGrpSpPr/>
         <p:nvPr/>
       </p:nvGrpSpPr>
@@ -1729,7 +1735,7 @@
       </p:grpSpPr>
       <p:sp>
         <p:nvSpPr>
-          <p:cNvPr id="162" name="Google Shape;162;g104fbd46bb0_0_32:notes"/>
+          <p:cNvPr id="172" name="Google Shape;172;gfa5439182c_0_146:notes"/>
           <p:cNvSpPr/>
           <p:nvPr>
             <p:ph idx="2" type="sldImg"/>
@@ -1764,7 +1770,7 @@
       </p:sp>
       <p:sp>
         <p:nvSpPr>
-          <p:cNvPr id="163" name="Google Shape;163;g104fbd46bb0_0_32:notes"/>
+          <p:cNvPr id="173" name="Google Shape;173;gfa5439182c_0_146:notes"/>
           <p:cNvSpPr txBox="1"/>
           <p:nvPr>
             <p:ph idx="1" type="body"/>
@@ -1795,7 +1801,8 @@
               <a:buNone/>
             </a:pPr>
             <a:r>
-              <a:t/>
+              <a:rPr lang="en"/>
+              <a:t>Slides for stages 1 and 2 upto EDA and Data Engineering done.</a:t>
             </a:r>
             <a:endParaRPr/>
           </a:p>
@@ -1913,7 +1920,7 @@
   <p:cSld>
     <p:spTree>
       <p:nvGrpSpPr>
-        <p:cNvPr id="167" name="Shape 167"/>
+        <p:cNvPr id="179" name="Shape 179"/>
         <p:cNvGrpSpPr/>
         <p:nvPr/>
       </p:nvGrpSpPr>
@@ -1927,7 +1934,7 @@
       </p:grpSpPr>
       <p:sp>
         <p:nvSpPr>
-          <p:cNvPr id="168" name="Google Shape;168;g104fbd46bb0_0_27:notes"/>
+          <p:cNvPr id="180" name="Google Shape;180;g10125a04487_0_434:notes"/>
           <p:cNvSpPr/>
           <p:nvPr>
             <p:ph idx="2" type="sldImg"/>
@@ -1962,7 +1969,7 @@
       </p:sp>
       <p:sp>
         <p:nvSpPr>
-          <p:cNvPr id="169" name="Google Shape;169;g104fbd46bb0_0_27:notes"/>
+          <p:cNvPr id="181" name="Google Shape;181;g10125a04487_0_434:notes"/>
           <p:cNvSpPr txBox="1"/>
           <p:nvPr>
             <p:ph idx="1" type="body"/>
@@ -2012,7 +2019,7 @@
   <p:cSld>
     <p:spTree>
       <p:nvGrpSpPr>
-        <p:cNvPr id="172" name="Shape 172"/>
+        <p:cNvPr id="184" name="Shape 184"/>
         <p:cNvGrpSpPr/>
         <p:nvPr/>
       </p:nvGrpSpPr>
@@ -2026,7 +2033,7 @@
       </p:grpSpPr>
       <p:sp>
         <p:nvSpPr>
-          <p:cNvPr id="173" name="Google Shape;173;g10125a04487_0_443:notes"/>
+          <p:cNvPr id="185" name="Google Shape;185;g105d11a2f18_0_15:notes"/>
           <p:cNvSpPr/>
           <p:nvPr>
             <p:ph idx="2" type="sldImg"/>
@@ -2061,7 +2068,7 @@
       </p:sp>
       <p:sp>
         <p:nvSpPr>
-          <p:cNvPr id="174" name="Google Shape;174;g10125a04487_0_443:notes"/>
+          <p:cNvPr id="186" name="Google Shape;186;g105d11a2f18_0_15:notes"/>
           <p:cNvSpPr txBox="1"/>
           <p:nvPr>
             <p:ph idx="1" type="body"/>
@@ -2111,7 +2118,7 @@
   <p:cSld>
     <p:spTree>
       <p:nvGrpSpPr>
-        <p:cNvPr id="177" name="Shape 177"/>
+        <p:cNvPr id="192" name="Shape 192"/>
         <p:cNvGrpSpPr/>
         <p:nvPr/>
       </p:nvGrpSpPr>
@@ -2125,7 +2132,7 @@
       </p:grpSpPr>
       <p:sp>
         <p:nvSpPr>
-          <p:cNvPr id="178" name="Google Shape;178;g10125a04487_0_448:notes"/>
+          <p:cNvPr id="193" name="Google Shape;193;gcfa4b3231d_0_1:notes"/>
           <p:cNvSpPr/>
           <p:nvPr>
             <p:ph idx="2" type="sldImg"/>
@@ -2160,7 +2167,7 @@
       </p:sp>
       <p:sp>
         <p:nvSpPr>
-          <p:cNvPr id="179" name="Google Shape;179;g10125a04487_0_448:notes"/>
+          <p:cNvPr id="194" name="Google Shape;194;gcfa4b3231d_0_1:notes"/>
           <p:cNvSpPr txBox="1"/>
           <p:nvPr>
             <p:ph idx="1" type="body"/>
@@ -2210,7 +2217,7 @@
   <p:cSld>
     <p:spTree>
       <p:nvGrpSpPr>
-        <p:cNvPr id="183" name="Shape 183"/>
+        <p:cNvPr id="199" name="Shape 199"/>
         <p:cNvGrpSpPr/>
         <p:nvPr/>
       </p:nvGrpSpPr>
@@ -2224,7 +2231,7 @@
       </p:grpSpPr>
       <p:sp>
         <p:nvSpPr>
-          <p:cNvPr id="184" name="Google Shape;184;g10125a04487_0_454:notes"/>
+          <p:cNvPr id="200" name="Google Shape;200;g10125a04487_0_443:notes"/>
           <p:cNvSpPr/>
           <p:nvPr>
             <p:ph idx="2" type="sldImg"/>
@@ -2259,7 +2266,7 @@
       </p:sp>
       <p:sp>
         <p:nvSpPr>
-          <p:cNvPr id="185" name="Google Shape;185;g10125a04487_0_454:notes"/>
+          <p:cNvPr id="201" name="Google Shape;201;g10125a04487_0_443:notes"/>
           <p:cNvSpPr txBox="1"/>
           <p:nvPr>
             <p:ph idx="1" type="body"/>
@@ -2309,7 +2316,7 @@
   <p:cSld>
     <p:spTree>
       <p:nvGrpSpPr>
-        <p:cNvPr id="188" name="Shape 188"/>
+        <p:cNvPr id="204" name="Shape 204"/>
         <p:cNvGrpSpPr/>
         <p:nvPr/>
       </p:nvGrpSpPr>
@@ -2323,7 +2330,7 @@
       </p:grpSpPr>
       <p:sp>
         <p:nvSpPr>
-          <p:cNvPr id="189" name="Google Shape;189;g10125a04487_0_458:notes"/>
+          <p:cNvPr id="205" name="Google Shape;205;gcfa4b3231d_0_7:notes"/>
           <p:cNvSpPr/>
           <p:nvPr>
             <p:ph idx="2" type="sldImg"/>
@@ -2358,7 +2365,7 @@
       </p:sp>
       <p:sp>
         <p:nvSpPr>
-          <p:cNvPr id="190" name="Google Shape;190;g10125a04487_0_458:notes"/>
+          <p:cNvPr id="206" name="Google Shape;206;gcfa4b3231d_0_7:notes"/>
           <p:cNvSpPr txBox="1"/>
           <p:nvPr>
             <p:ph idx="1" type="body"/>
@@ -2408,7 +2415,7 @@
   <p:cSld>
     <p:spTree>
       <p:nvGrpSpPr>
-        <p:cNvPr id="194" name="Shape 194"/>
+        <p:cNvPr id="211" name="Shape 211"/>
         <p:cNvGrpSpPr/>
         <p:nvPr/>
       </p:nvGrpSpPr>
@@ -2422,7 +2429,7 @@
       </p:grpSpPr>
       <p:sp>
         <p:nvSpPr>
-          <p:cNvPr id="195" name="Google Shape;195;g10125a04487_0_463:notes"/>
+          <p:cNvPr id="212" name="Google Shape;212;gcfa4b3231d_0_17:notes"/>
           <p:cNvSpPr/>
           <p:nvPr>
             <p:ph idx="2" type="sldImg"/>
@@ -2457,7 +2464,403 @@
       </p:sp>
       <p:sp>
         <p:nvSpPr>
-          <p:cNvPr id="196" name="Google Shape;196;g10125a04487_0_463:notes"/>
+          <p:cNvPr id="213" name="Google Shape;213;gcfa4b3231d_0_17:notes"/>
+          <p:cNvSpPr txBox="1"/>
+          <p:nvPr>
+            <p:ph idx="1" type="body"/>
+          </p:nvPr>
+        </p:nvSpPr>
+        <p:spPr>
+          <a:xfrm>
+            <a:off x="685800" y="4343400"/>
+            <a:ext cx="5486400" cy="4114800"/>
+          </a:xfrm>
+          <a:prstGeom prst="rect">
+            <a:avLst/>
+          </a:prstGeom>
+        </p:spPr>
+        <p:txBody>
+          <a:bodyPr anchorCtr="0" anchor="t" bIns="91425" lIns="91425" spcFirstLastPara="1" rIns="91425" wrap="square" tIns="91425">
+            <a:noAutofit/>
+          </a:bodyPr>
+          <a:lstStyle/>
+          <a:p>
+            <a:pPr indent="0" lvl="0" marL="0" rtl="0" algn="l">
+              <a:spcBef>
+                <a:spcPts val="0"/>
+              </a:spcBef>
+              <a:spcAft>
+                <a:spcPts val="0"/>
+              </a:spcAft>
+              <a:buNone/>
+            </a:pPr>
+            <a:r>
+              <a:t/>
+            </a:r>
+            <a:endParaRPr/>
+          </a:p>
+        </p:txBody>
+      </p:sp>
+    </p:spTree>
+  </p:cSld>
+  <p:clrMapOvr>
+    <a:masterClrMapping/>
+  </p:clrMapOvr>
+</p:notes>
+</file>
+
+<file path=ppt/notesSlides/notesSlide26.xml><?xml version="1.0" encoding="utf-8"?>
+<p:notes xmlns:a="http://schemas.openxmlformats.org/drawingml/2006/main" xmlns:r="http://schemas.openxmlformats.org/officeDocument/2006/relationships" xmlns:mc="http://schemas.openxmlformats.org/markup-compatibility/2006" xmlns:mv="urn:schemas-microsoft-com:mac:vml" xmlns:p="http://schemas.openxmlformats.org/presentationml/2006/main" xmlns:c="http://schemas.openxmlformats.org/drawingml/2006/chart" xmlns:dgm="http://schemas.openxmlformats.org/drawingml/2006/diagram" xmlns:o="urn:schemas-microsoft-com:office:office" xmlns:v="urn:schemas-microsoft-com:vml" xmlns:pvml="urn:schemas-microsoft-com:office:powerpoint" xmlns:com="http://schemas.openxmlformats.org/drawingml/2006/compatibility" xmlns:p14="http://schemas.microsoft.com/office/powerpoint/2010/main" xmlns:p15="http://schemas.microsoft.com/office/powerpoint/2012/main" xmlns:ahyp="http://schemas.microsoft.com/office/drawing/2018/hyperlinkcolor" showMasterPhAnim="0" showMasterSp="0">
+  <p:cSld>
+    <p:spTree>
+      <p:nvGrpSpPr>
+        <p:cNvPr id="218" name="Shape 218"/>
+        <p:cNvGrpSpPr/>
+        <p:nvPr/>
+      </p:nvGrpSpPr>
+      <p:grpSpPr>
+        <a:xfrm>
+          <a:off x="0" y="0"/>
+          <a:ext cx="0" cy="0"/>
+          <a:chOff x="0" y="0"/>
+          <a:chExt cx="0" cy="0"/>
+        </a:xfrm>
+      </p:grpSpPr>
+      <p:sp>
+        <p:nvSpPr>
+          <p:cNvPr id="219" name="Google Shape;219;gcfa4b3231d_0_25:notes"/>
+          <p:cNvSpPr/>
+          <p:nvPr>
+            <p:ph idx="2" type="sldImg"/>
+          </p:nvPr>
+        </p:nvSpPr>
+        <p:spPr>
+          <a:xfrm>
+            <a:off x="381300" y="685800"/>
+            <a:ext cx="6096000" cy="3429000"/>
+          </a:xfrm>
+          <a:custGeom>
+            <a:rect b="b" l="l" r="r" t="t"/>
+            <a:pathLst>
+              <a:path extrusionOk="0" h="120000" w="120000">
+                <a:moveTo>
+                  <a:pt x="0" y="0"/>
+                </a:moveTo>
+                <a:lnTo>
+                  <a:pt x="120000" y="0"/>
+                </a:lnTo>
+                <a:lnTo>
+                  <a:pt x="120000" y="120000"/>
+                </a:lnTo>
+                <a:lnTo>
+                  <a:pt x="0" y="120000"/>
+                </a:lnTo>
+                <a:close/>
+              </a:path>
+            </a:pathLst>
+          </a:custGeom>
+        </p:spPr>
+      </p:sp>
+      <p:sp>
+        <p:nvSpPr>
+          <p:cNvPr id="220" name="Google Shape;220;gcfa4b3231d_0_25:notes"/>
+          <p:cNvSpPr txBox="1"/>
+          <p:nvPr>
+            <p:ph idx="1" type="body"/>
+          </p:nvPr>
+        </p:nvSpPr>
+        <p:spPr>
+          <a:xfrm>
+            <a:off x="685800" y="4343400"/>
+            <a:ext cx="5486400" cy="4114800"/>
+          </a:xfrm>
+          <a:prstGeom prst="rect">
+            <a:avLst/>
+          </a:prstGeom>
+        </p:spPr>
+        <p:txBody>
+          <a:bodyPr anchorCtr="0" anchor="t" bIns="91425" lIns="91425" spcFirstLastPara="1" rIns="91425" wrap="square" tIns="91425">
+            <a:noAutofit/>
+          </a:bodyPr>
+          <a:lstStyle/>
+          <a:p>
+            <a:pPr indent="0" lvl="0" marL="0" rtl="0" algn="l">
+              <a:spcBef>
+                <a:spcPts val="0"/>
+              </a:spcBef>
+              <a:spcAft>
+                <a:spcPts val="0"/>
+              </a:spcAft>
+              <a:buNone/>
+            </a:pPr>
+            <a:r>
+              <a:t/>
+            </a:r>
+            <a:endParaRPr/>
+          </a:p>
+        </p:txBody>
+      </p:sp>
+    </p:spTree>
+  </p:cSld>
+  <p:clrMapOvr>
+    <a:masterClrMapping/>
+  </p:clrMapOvr>
+</p:notes>
+</file>
+
+<file path=ppt/notesSlides/notesSlide27.xml><?xml version="1.0" encoding="utf-8"?>
+<p:notes xmlns:a="http://schemas.openxmlformats.org/drawingml/2006/main" xmlns:r="http://schemas.openxmlformats.org/officeDocument/2006/relationships" xmlns:mc="http://schemas.openxmlformats.org/markup-compatibility/2006" xmlns:mv="urn:schemas-microsoft-com:mac:vml" xmlns:p="http://schemas.openxmlformats.org/presentationml/2006/main" xmlns:c="http://schemas.openxmlformats.org/drawingml/2006/chart" xmlns:dgm="http://schemas.openxmlformats.org/drawingml/2006/diagram" xmlns:o="urn:schemas-microsoft-com:office:office" xmlns:v="urn:schemas-microsoft-com:vml" xmlns:pvml="urn:schemas-microsoft-com:office:powerpoint" xmlns:com="http://schemas.openxmlformats.org/drawingml/2006/compatibility" xmlns:p14="http://schemas.microsoft.com/office/powerpoint/2010/main" xmlns:p15="http://schemas.microsoft.com/office/powerpoint/2012/main" xmlns:ahyp="http://schemas.microsoft.com/office/drawing/2018/hyperlinkcolor" showMasterPhAnim="0" showMasterSp="0">
+  <p:cSld>
+    <p:spTree>
+      <p:nvGrpSpPr>
+        <p:cNvPr id="226" name="Shape 226"/>
+        <p:cNvGrpSpPr/>
+        <p:nvPr/>
+      </p:nvGrpSpPr>
+      <p:grpSpPr>
+        <a:xfrm>
+          <a:off x="0" y="0"/>
+          <a:ext cx="0" cy="0"/>
+          <a:chOff x="0" y="0"/>
+          <a:chExt cx="0" cy="0"/>
+        </a:xfrm>
+      </p:grpSpPr>
+      <p:sp>
+        <p:nvSpPr>
+          <p:cNvPr id="227" name="Google Shape;227;g10125a04487_0_454:notes"/>
+          <p:cNvSpPr/>
+          <p:nvPr>
+            <p:ph idx="2" type="sldImg"/>
+          </p:nvPr>
+        </p:nvSpPr>
+        <p:spPr>
+          <a:xfrm>
+            <a:off x="381300" y="685800"/>
+            <a:ext cx="6096000" cy="3429000"/>
+          </a:xfrm>
+          <a:custGeom>
+            <a:rect b="b" l="l" r="r" t="t"/>
+            <a:pathLst>
+              <a:path extrusionOk="0" h="120000" w="120000">
+                <a:moveTo>
+                  <a:pt x="0" y="0"/>
+                </a:moveTo>
+                <a:lnTo>
+                  <a:pt x="120000" y="0"/>
+                </a:lnTo>
+                <a:lnTo>
+                  <a:pt x="120000" y="120000"/>
+                </a:lnTo>
+                <a:lnTo>
+                  <a:pt x="0" y="120000"/>
+                </a:lnTo>
+                <a:close/>
+              </a:path>
+            </a:pathLst>
+          </a:custGeom>
+        </p:spPr>
+      </p:sp>
+      <p:sp>
+        <p:nvSpPr>
+          <p:cNvPr id="228" name="Google Shape;228;g10125a04487_0_454:notes"/>
+          <p:cNvSpPr txBox="1"/>
+          <p:nvPr>
+            <p:ph idx="1" type="body"/>
+          </p:nvPr>
+        </p:nvSpPr>
+        <p:spPr>
+          <a:xfrm>
+            <a:off x="685800" y="4343400"/>
+            <a:ext cx="5486400" cy="4114800"/>
+          </a:xfrm>
+          <a:prstGeom prst="rect">
+            <a:avLst/>
+          </a:prstGeom>
+        </p:spPr>
+        <p:txBody>
+          <a:bodyPr anchorCtr="0" anchor="t" bIns="91425" lIns="91425" spcFirstLastPara="1" rIns="91425" wrap="square" tIns="91425">
+            <a:noAutofit/>
+          </a:bodyPr>
+          <a:lstStyle/>
+          <a:p>
+            <a:pPr indent="0" lvl="0" marL="0" rtl="0" algn="l">
+              <a:spcBef>
+                <a:spcPts val="0"/>
+              </a:spcBef>
+              <a:spcAft>
+                <a:spcPts val="0"/>
+              </a:spcAft>
+              <a:buNone/>
+            </a:pPr>
+            <a:r>
+              <a:t/>
+            </a:r>
+            <a:endParaRPr/>
+          </a:p>
+        </p:txBody>
+      </p:sp>
+    </p:spTree>
+  </p:cSld>
+  <p:clrMapOvr>
+    <a:masterClrMapping/>
+  </p:clrMapOvr>
+</p:notes>
+</file>
+
+<file path=ppt/notesSlides/notesSlide28.xml><?xml version="1.0" encoding="utf-8"?>
+<p:notes xmlns:a="http://schemas.openxmlformats.org/drawingml/2006/main" xmlns:r="http://schemas.openxmlformats.org/officeDocument/2006/relationships" xmlns:mc="http://schemas.openxmlformats.org/markup-compatibility/2006" xmlns:mv="urn:schemas-microsoft-com:mac:vml" xmlns:p="http://schemas.openxmlformats.org/presentationml/2006/main" xmlns:c="http://schemas.openxmlformats.org/drawingml/2006/chart" xmlns:dgm="http://schemas.openxmlformats.org/drawingml/2006/diagram" xmlns:o="urn:schemas-microsoft-com:office:office" xmlns:v="urn:schemas-microsoft-com:vml" xmlns:pvml="urn:schemas-microsoft-com:office:powerpoint" xmlns:com="http://schemas.openxmlformats.org/drawingml/2006/compatibility" xmlns:p14="http://schemas.microsoft.com/office/powerpoint/2010/main" xmlns:p15="http://schemas.microsoft.com/office/powerpoint/2012/main" xmlns:ahyp="http://schemas.microsoft.com/office/drawing/2018/hyperlinkcolor" showMasterPhAnim="0" showMasterSp="0">
+  <p:cSld>
+    <p:spTree>
+      <p:nvGrpSpPr>
+        <p:cNvPr id="231" name="Shape 231"/>
+        <p:cNvGrpSpPr/>
+        <p:nvPr/>
+      </p:nvGrpSpPr>
+      <p:grpSpPr>
+        <a:xfrm>
+          <a:off x="0" y="0"/>
+          <a:ext cx="0" cy="0"/>
+          <a:chOff x="0" y="0"/>
+          <a:chExt cx="0" cy="0"/>
+        </a:xfrm>
+      </p:grpSpPr>
+      <p:sp>
+        <p:nvSpPr>
+          <p:cNvPr id="232" name="Google Shape;232;g10125a04487_0_458:notes"/>
+          <p:cNvSpPr/>
+          <p:nvPr>
+            <p:ph idx="2" type="sldImg"/>
+          </p:nvPr>
+        </p:nvSpPr>
+        <p:spPr>
+          <a:xfrm>
+            <a:off x="381300" y="685800"/>
+            <a:ext cx="6096000" cy="3429000"/>
+          </a:xfrm>
+          <a:custGeom>
+            <a:rect b="b" l="l" r="r" t="t"/>
+            <a:pathLst>
+              <a:path extrusionOk="0" h="120000" w="120000">
+                <a:moveTo>
+                  <a:pt x="0" y="0"/>
+                </a:moveTo>
+                <a:lnTo>
+                  <a:pt x="120000" y="0"/>
+                </a:lnTo>
+                <a:lnTo>
+                  <a:pt x="120000" y="120000"/>
+                </a:lnTo>
+                <a:lnTo>
+                  <a:pt x="0" y="120000"/>
+                </a:lnTo>
+                <a:close/>
+              </a:path>
+            </a:pathLst>
+          </a:custGeom>
+        </p:spPr>
+      </p:sp>
+      <p:sp>
+        <p:nvSpPr>
+          <p:cNvPr id="233" name="Google Shape;233;g10125a04487_0_458:notes"/>
+          <p:cNvSpPr txBox="1"/>
+          <p:nvPr>
+            <p:ph idx="1" type="body"/>
+          </p:nvPr>
+        </p:nvSpPr>
+        <p:spPr>
+          <a:xfrm>
+            <a:off x="685800" y="4343400"/>
+            <a:ext cx="5486400" cy="4114800"/>
+          </a:xfrm>
+          <a:prstGeom prst="rect">
+            <a:avLst/>
+          </a:prstGeom>
+        </p:spPr>
+        <p:txBody>
+          <a:bodyPr anchorCtr="0" anchor="t" bIns="91425" lIns="91425" spcFirstLastPara="1" rIns="91425" wrap="square" tIns="91425">
+            <a:noAutofit/>
+          </a:bodyPr>
+          <a:lstStyle/>
+          <a:p>
+            <a:pPr indent="0" lvl="0" marL="0" rtl="0" algn="l">
+              <a:spcBef>
+                <a:spcPts val="0"/>
+              </a:spcBef>
+              <a:spcAft>
+                <a:spcPts val="0"/>
+              </a:spcAft>
+              <a:buNone/>
+            </a:pPr>
+            <a:r>
+              <a:t/>
+            </a:r>
+            <a:endParaRPr/>
+          </a:p>
+        </p:txBody>
+      </p:sp>
+    </p:spTree>
+  </p:cSld>
+  <p:clrMapOvr>
+    <a:masterClrMapping/>
+  </p:clrMapOvr>
+</p:notes>
+</file>
+
+<file path=ppt/notesSlides/notesSlide29.xml><?xml version="1.0" encoding="utf-8"?>
+<p:notes xmlns:a="http://schemas.openxmlformats.org/drawingml/2006/main" xmlns:r="http://schemas.openxmlformats.org/officeDocument/2006/relationships" xmlns:mc="http://schemas.openxmlformats.org/markup-compatibility/2006" xmlns:mv="urn:schemas-microsoft-com:mac:vml" xmlns:p="http://schemas.openxmlformats.org/presentationml/2006/main" xmlns:c="http://schemas.openxmlformats.org/drawingml/2006/chart" xmlns:dgm="http://schemas.openxmlformats.org/drawingml/2006/diagram" xmlns:o="urn:schemas-microsoft-com:office:office" xmlns:v="urn:schemas-microsoft-com:vml" xmlns:pvml="urn:schemas-microsoft-com:office:powerpoint" xmlns:com="http://schemas.openxmlformats.org/drawingml/2006/compatibility" xmlns:p14="http://schemas.microsoft.com/office/powerpoint/2010/main" xmlns:p15="http://schemas.microsoft.com/office/powerpoint/2012/main" xmlns:ahyp="http://schemas.microsoft.com/office/drawing/2018/hyperlinkcolor" showMasterPhAnim="0" showMasterSp="0">
+  <p:cSld>
+    <p:spTree>
+      <p:nvGrpSpPr>
+        <p:cNvPr id="237" name="Shape 237"/>
+        <p:cNvGrpSpPr/>
+        <p:nvPr/>
+      </p:nvGrpSpPr>
+      <p:grpSpPr>
+        <a:xfrm>
+          <a:off x="0" y="0"/>
+          <a:ext cx="0" cy="0"/>
+          <a:chOff x="0" y="0"/>
+          <a:chExt cx="0" cy="0"/>
+        </a:xfrm>
+      </p:grpSpPr>
+      <p:sp>
+        <p:nvSpPr>
+          <p:cNvPr id="238" name="Google Shape;238;g105f3b31c9c_0_35:notes"/>
+          <p:cNvSpPr/>
+          <p:nvPr>
+            <p:ph idx="2" type="sldImg"/>
+          </p:nvPr>
+        </p:nvSpPr>
+        <p:spPr>
+          <a:xfrm>
+            <a:off x="381300" y="685800"/>
+            <a:ext cx="6096000" cy="3429000"/>
+          </a:xfrm>
+          <a:custGeom>
+            <a:rect b="b" l="l" r="r" t="t"/>
+            <a:pathLst>
+              <a:path extrusionOk="0" h="120000" w="120000">
+                <a:moveTo>
+                  <a:pt x="0" y="0"/>
+                </a:moveTo>
+                <a:lnTo>
+                  <a:pt x="120000" y="0"/>
+                </a:lnTo>
+                <a:lnTo>
+                  <a:pt x="120000" y="120000"/>
+                </a:lnTo>
+                <a:lnTo>
+                  <a:pt x="0" y="120000"/>
+                </a:lnTo>
+                <a:close/>
+              </a:path>
+            </a:pathLst>
+          </a:custGeom>
+        </p:spPr>
+      </p:sp>
+      <p:sp>
+        <p:nvSpPr>
+          <p:cNvPr id="239" name="Google Shape;239;g105f3b31c9c_0_35:notes"/>
           <p:cNvSpPr txBox="1"/>
           <p:nvPr>
             <p:ph idx="1" type="body"/>
@@ -2521,7 +2924,7 @@
       </p:grpSpPr>
       <p:sp>
         <p:nvSpPr>
-          <p:cNvPr id="71" name="Google Shape;71;g104e0cc5998_0_0:notes"/>
+          <p:cNvPr id="71" name="Google Shape;71;g105d11a2f18_0_0:notes"/>
           <p:cNvSpPr/>
           <p:nvPr>
             <p:ph idx="2" type="sldImg"/>
@@ -2556,7 +2959,7 @@
       </p:sp>
       <p:sp>
         <p:nvSpPr>
-          <p:cNvPr id="72" name="Google Shape;72;g104e0cc5998_0_0:notes"/>
+          <p:cNvPr id="72" name="Google Shape;72;g105d11a2f18_0_0:notes"/>
           <p:cNvSpPr txBox="1"/>
           <p:nvPr>
             <p:ph idx="1" type="body"/>
@@ -2601,12 +3004,12 @@
 </p:notes>
 </file>
 
-<file path=ppt/notesSlides/notesSlide4.xml><?xml version="1.0" encoding="utf-8"?>
+<file path=ppt/notesSlides/notesSlide30.xml><?xml version="1.0" encoding="utf-8"?>
 <p:notes xmlns:a="http://schemas.openxmlformats.org/drawingml/2006/main" xmlns:r="http://schemas.openxmlformats.org/officeDocument/2006/relationships" xmlns:mc="http://schemas.openxmlformats.org/markup-compatibility/2006" xmlns:mv="urn:schemas-microsoft-com:mac:vml" xmlns:p="http://schemas.openxmlformats.org/presentationml/2006/main" xmlns:c="http://schemas.openxmlformats.org/drawingml/2006/chart" xmlns:dgm="http://schemas.openxmlformats.org/drawingml/2006/diagram" xmlns:o="urn:schemas-microsoft-com:office:office" xmlns:v="urn:schemas-microsoft-com:vml" xmlns:pvml="urn:schemas-microsoft-com:office:powerpoint" xmlns:com="http://schemas.openxmlformats.org/drawingml/2006/compatibility" xmlns:p14="http://schemas.microsoft.com/office/powerpoint/2010/main" xmlns:p15="http://schemas.microsoft.com/office/powerpoint/2012/main" xmlns:ahyp="http://schemas.microsoft.com/office/drawing/2018/hyperlinkcolor" showMasterPhAnim="0" showMasterSp="0">
   <p:cSld>
     <p:spTree>
       <p:nvGrpSpPr>
-        <p:cNvPr id="75" name="Shape 75"/>
+        <p:cNvPr id="243" name="Shape 243"/>
         <p:cNvGrpSpPr/>
         <p:nvPr/>
       </p:nvGrpSpPr>
@@ -2620,7 +3023,7 @@
       </p:grpSpPr>
       <p:sp>
         <p:nvSpPr>
-          <p:cNvPr id="76" name="Google Shape;76;g10125a04487_0_418:notes"/>
+          <p:cNvPr id="244" name="Google Shape;244;g10125a04487_0_463:notes"/>
           <p:cNvSpPr/>
           <p:nvPr>
             <p:ph idx="2" type="sldImg"/>
@@ -2655,7 +3058,7 @@
       </p:sp>
       <p:sp>
         <p:nvSpPr>
-          <p:cNvPr id="77" name="Google Shape;77;g10125a04487_0_418:notes"/>
+          <p:cNvPr id="245" name="Google Shape;245;g10125a04487_0_463:notes"/>
           <p:cNvSpPr txBox="1"/>
           <p:nvPr>
             <p:ph idx="1" type="body"/>
@@ -2700,12 +3103,12 @@
 </p:notes>
 </file>
 
-<file path=ppt/notesSlides/notesSlide5.xml><?xml version="1.0" encoding="utf-8"?>
+<file path=ppt/notesSlides/notesSlide31.xml><?xml version="1.0" encoding="utf-8"?>
 <p:notes xmlns:a="http://schemas.openxmlformats.org/drawingml/2006/main" xmlns:r="http://schemas.openxmlformats.org/officeDocument/2006/relationships" xmlns:mc="http://schemas.openxmlformats.org/markup-compatibility/2006" xmlns:mv="urn:schemas-microsoft-com:mac:vml" xmlns:p="http://schemas.openxmlformats.org/presentationml/2006/main" xmlns:c="http://schemas.openxmlformats.org/drawingml/2006/chart" xmlns:dgm="http://schemas.openxmlformats.org/drawingml/2006/diagram" xmlns:o="urn:schemas-microsoft-com:office:office" xmlns:v="urn:schemas-microsoft-com:vml" xmlns:pvml="urn:schemas-microsoft-com:office:powerpoint" xmlns:com="http://schemas.openxmlformats.org/drawingml/2006/compatibility" xmlns:p14="http://schemas.microsoft.com/office/powerpoint/2010/main" xmlns:p15="http://schemas.microsoft.com/office/powerpoint/2012/main" xmlns:ahyp="http://schemas.microsoft.com/office/drawing/2018/hyperlinkcolor" showMasterPhAnim="0" showMasterSp="0">
   <p:cSld>
     <p:spTree>
       <p:nvGrpSpPr>
-        <p:cNvPr id="81" name="Shape 81"/>
+        <p:cNvPr id="248" name="Shape 248"/>
         <p:cNvGrpSpPr/>
         <p:nvPr/>
       </p:nvGrpSpPr>
@@ -2719,7 +3122,7 @@
       </p:grpSpPr>
       <p:sp>
         <p:nvSpPr>
-          <p:cNvPr id="82" name="Google Shape;82;gfa5439182c_0_138:notes"/>
+          <p:cNvPr id="249" name="Google Shape;249;g10125a04487_0_438:notes"/>
           <p:cNvSpPr/>
           <p:nvPr>
             <p:ph idx="2" type="sldImg"/>
@@ -2754,7 +3157,7 @@
       </p:sp>
       <p:sp>
         <p:nvSpPr>
-          <p:cNvPr id="83" name="Google Shape;83;gfa5439182c_0_138:notes"/>
+          <p:cNvPr id="250" name="Google Shape;250;g10125a04487_0_438:notes"/>
           <p:cNvSpPr txBox="1"/>
           <p:nvPr>
             <p:ph idx="1" type="body"/>
@@ -2799,12 +3202,12 @@
 </p:notes>
 </file>
 
-<file path=ppt/notesSlides/notesSlide6.xml><?xml version="1.0" encoding="utf-8"?>
+<file path=ppt/notesSlides/notesSlide32.xml><?xml version="1.0" encoding="utf-8"?>
 <p:notes xmlns:a="http://schemas.openxmlformats.org/drawingml/2006/main" xmlns:r="http://schemas.openxmlformats.org/officeDocument/2006/relationships" xmlns:mc="http://schemas.openxmlformats.org/markup-compatibility/2006" xmlns:mv="urn:schemas-microsoft-com:mac:vml" xmlns:p="http://schemas.openxmlformats.org/presentationml/2006/main" xmlns:c="http://schemas.openxmlformats.org/drawingml/2006/chart" xmlns:dgm="http://schemas.openxmlformats.org/drawingml/2006/diagram" xmlns:o="urn:schemas-microsoft-com:office:office" xmlns:v="urn:schemas-microsoft-com:vml" xmlns:pvml="urn:schemas-microsoft-com:office:powerpoint" xmlns:com="http://schemas.openxmlformats.org/drawingml/2006/compatibility" xmlns:p14="http://schemas.microsoft.com/office/powerpoint/2010/main" xmlns:p15="http://schemas.microsoft.com/office/powerpoint/2012/main" xmlns:ahyp="http://schemas.microsoft.com/office/drawing/2018/hyperlinkcolor" showMasterPhAnim="0" showMasterSp="0">
   <p:cSld>
     <p:spTree>
       <p:nvGrpSpPr>
-        <p:cNvPr id="86" name="Shape 86"/>
+        <p:cNvPr id="255" name="Shape 255"/>
         <p:cNvGrpSpPr/>
         <p:nvPr/>
       </p:nvGrpSpPr>
@@ -2818,7 +3221,7 @@
       </p:grpSpPr>
       <p:sp>
         <p:nvSpPr>
-          <p:cNvPr id="87" name="Google Shape;87;g104fbd46bb0_0_0:notes"/>
+          <p:cNvPr id="256" name="Google Shape;256;g10125a04487_0_428:notes"/>
           <p:cNvSpPr/>
           <p:nvPr>
             <p:ph idx="2" type="sldImg"/>
@@ -2853,7 +3256,7 @@
       </p:sp>
       <p:sp>
         <p:nvSpPr>
-          <p:cNvPr id="88" name="Google Shape;88;g104fbd46bb0_0_0:notes"/>
+          <p:cNvPr id="257" name="Google Shape;257;g10125a04487_0_428:notes"/>
           <p:cNvSpPr txBox="1"/>
           <p:nvPr>
             <p:ph idx="1" type="body"/>
@@ -2898,12 +3301,12 @@
 </p:notes>
 </file>
 
-<file path=ppt/notesSlides/notesSlide7.xml><?xml version="1.0" encoding="utf-8"?>
+<file path=ppt/notesSlides/notesSlide4.xml><?xml version="1.0" encoding="utf-8"?>
 <p:notes xmlns:a="http://schemas.openxmlformats.org/drawingml/2006/main" xmlns:r="http://schemas.openxmlformats.org/officeDocument/2006/relationships" xmlns:mc="http://schemas.openxmlformats.org/markup-compatibility/2006" xmlns:mv="urn:schemas-microsoft-com:mac:vml" xmlns:p="http://schemas.openxmlformats.org/presentationml/2006/main" xmlns:c="http://schemas.openxmlformats.org/drawingml/2006/chart" xmlns:dgm="http://schemas.openxmlformats.org/drawingml/2006/diagram" xmlns:o="urn:schemas-microsoft-com:office:office" xmlns:v="urn:schemas-microsoft-com:vml" xmlns:pvml="urn:schemas-microsoft-com:office:powerpoint" xmlns:com="http://schemas.openxmlformats.org/drawingml/2006/compatibility" xmlns:p14="http://schemas.microsoft.com/office/powerpoint/2010/main" xmlns:p15="http://schemas.microsoft.com/office/powerpoint/2012/main" xmlns:ahyp="http://schemas.microsoft.com/office/drawing/2018/hyperlinkcolor" showMasterPhAnim="0" showMasterSp="0">
   <p:cSld>
     <p:spTree>
       <p:nvGrpSpPr>
-        <p:cNvPr id="93" name="Shape 93"/>
+        <p:cNvPr id="78" name="Shape 78"/>
         <p:cNvGrpSpPr/>
         <p:nvPr/>
       </p:nvGrpSpPr>
@@ -2917,7 +3320,7 @@
       </p:grpSpPr>
       <p:sp>
         <p:nvSpPr>
-          <p:cNvPr id="94" name="Google Shape;94;g10125a04487_0_424:notes"/>
+          <p:cNvPr id="79" name="Google Shape;79;g10125a04487_0_418:notes"/>
           <p:cNvSpPr/>
           <p:nvPr>
             <p:ph idx="2" type="sldImg"/>
@@ -2952,7 +3355,7 @@
       </p:sp>
       <p:sp>
         <p:nvSpPr>
-          <p:cNvPr id="95" name="Google Shape;95;g10125a04487_0_424:notes"/>
+          <p:cNvPr id="80" name="Google Shape;80;g10125a04487_0_418:notes"/>
           <p:cNvSpPr txBox="1"/>
           <p:nvPr>
             <p:ph idx="1" type="body"/>
@@ -2997,12 +3400,12 @@
 </p:notes>
 </file>
 
-<file path=ppt/notesSlides/notesSlide8.xml><?xml version="1.0" encoding="utf-8"?>
+<file path=ppt/notesSlides/notesSlide5.xml><?xml version="1.0" encoding="utf-8"?>
 <p:notes xmlns:a="http://schemas.openxmlformats.org/drawingml/2006/main" xmlns:r="http://schemas.openxmlformats.org/officeDocument/2006/relationships" xmlns:mc="http://schemas.openxmlformats.org/markup-compatibility/2006" xmlns:mv="urn:schemas-microsoft-com:mac:vml" xmlns:p="http://schemas.openxmlformats.org/presentationml/2006/main" xmlns:c="http://schemas.openxmlformats.org/drawingml/2006/chart" xmlns:dgm="http://schemas.openxmlformats.org/drawingml/2006/diagram" xmlns:o="urn:schemas-microsoft-com:office:office" xmlns:v="urn:schemas-microsoft-com:vml" xmlns:pvml="urn:schemas-microsoft-com:office:powerpoint" xmlns:com="http://schemas.openxmlformats.org/drawingml/2006/compatibility" xmlns:p14="http://schemas.microsoft.com/office/powerpoint/2010/main" xmlns:p15="http://schemas.microsoft.com/office/powerpoint/2012/main" xmlns:ahyp="http://schemas.microsoft.com/office/drawing/2018/hyperlinkcolor" showMasterPhAnim="0" showMasterSp="0">
   <p:cSld>
     <p:spTree>
       <p:nvGrpSpPr>
-        <p:cNvPr id="98" name="Shape 98"/>
+        <p:cNvPr id="84" name="Shape 84"/>
         <p:cNvGrpSpPr/>
         <p:nvPr/>
       </p:nvGrpSpPr>
@@ -3016,7 +3419,7 @@
       </p:grpSpPr>
       <p:sp>
         <p:nvSpPr>
-          <p:cNvPr id="99" name="Google Shape;99;gfa5439182c_0_129:notes"/>
+          <p:cNvPr id="85" name="Google Shape;85;g10616766144_0_9:notes"/>
           <p:cNvSpPr/>
           <p:nvPr>
             <p:ph idx="2" type="sldImg"/>
@@ -3051,7 +3454,7 @@
       </p:sp>
       <p:sp>
         <p:nvSpPr>
-          <p:cNvPr id="100" name="Google Shape;100;gfa5439182c_0_129:notes"/>
+          <p:cNvPr id="86" name="Google Shape;86;g10616766144_0_9:notes"/>
           <p:cNvSpPr txBox="1"/>
           <p:nvPr>
             <p:ph idx="1" type="body"/>
@@ -3096,12 +3499,12 @@
 </p:notes>
 </file>
 
-<file path=ppt/notesSlides/notesSlide9.xml><?xml version="1.0" encoding="utf-8"?>
+<file path=ppt/notesSlides/notesSlide6.xml><?xml version="1.0" encoding="utf-8"?>
 <p:notes xmlns:a="http://schemas.openxmlformats.org/drawingml/2006/main" xmlns:r="http://schemas.openxmlformats.org/officeDocument/2006/relationships" xmlns:mc="http://schemas.openxmlformats.org/markup-compatibility/2006" xmlns:mv="urn:schemas-microsoft-com:mac:vml" xmlns:p="http://schemas.openxmlformats.org/presentationml/2006/main" xmlns:c="http://schemas.openxmlformats.org/drawingml/2006/chart" xmlns:dgm="http://schemas.openxmlformats.org/drawingml/2006/diagram" xmlns:o="urn:schemas-microsoft-com:office:office" xmlns:v="urn:schemas-microsoft-com:vml" xmlns:pvml="urn:schemas-microsoft-com:office:powerpoint" xmlns:com="http://schemas.openxmlformats.org/drawingml/2006/compatibility" xmlns:p14="http://schemas.microsoft.com/office/powerpoint/2010/main" xmlns:p15="http://schemas.microsoft.com/office/powerpoint/2012/main" xmlns:ahyp="http://schemas.microsoft.com/office/drawing/2018/hyperlinkcolor" showMasterPhAnim="0" showMasterSp="0">
   <p:cSld>
     <p:spTree>
       <p:nvGrpSpPr>
-        <p:cNvPr id="103" name="Shape 103"/>
+        <p:cNvPr id="89" name="Shape 89"/>
         <p:cNvGrpSpPr/>
         <p:nvPr/>
       </p:nvGrpSpPr>
@@ -3115,7 +3518,7 @@
       </p:grpSpPr>
       <p:sp>
         <p:nvSpPr>
-          <p:cNvPr id="104" name="Google Shape;104;gfa5439182c_0_164:notes"/>
+          <p:cNvPr id="90" name="Google Shape;90;g105f3b31c9c_0_30:notes"/>
           <p:cNvSpPr/>
           <p:nvPr>
             <p:ph idx="2" type="sldImg"/>
@@ -3150,7 +3553,305 @@
       </p:sp>
       <p:sp>
         <p:nvSpPr>
-          <p:cNvPr id="105" name="Google Shape;105;gfa5439182c_0_164:notes"/>
+          <p:cNvPr id="91" name="Google Shape;91;g105f3b31c9c_0_30:notes"/>
+          <p:cNvSpPr txBox="1"/>
+          <p:nvPr>
+            <p:ph idx="1" type="body"/>
+          </p:nvPr>
+        </p:nvSpPr>
+        <p:spPr>
+          <a:xfrm>
+            <a:off x="685800" y="4343400"/>
+            <a:ext cx="5486400" cy="4114800"/>
+          </a:xfrm>
+          <a:prstGeom prst="rect">
+            <a:avLst/>
+          </a:prstGeom>
+        </p:spPr>
+        <p:txBody>
+          <a:bodyPr anchorCtr="0" anchor="t" bIns="91425" lIns="91425" spcFirstLastPara="1" rIns="91425" wrap="square" tIns="91425">
+            <a:noAutofit/>
+          </a:bodyPr>
+          <a:lstStyle/>
+          <a:p>
+            <a:pPr indent="0" lvl="0" marL="0" rtl="0" algn="l">
+              <a:spcBef>
+                <a:spcPts val="0"/>
+              </a:spcBef>
+              <a:spcAft>
+                <a:spcPts val="0"/>
+              </a:spcAft>
+              <a:buNone/>
+            </a:pPr>
+            <a:r>
+              <a:rPr lang="en"/>
+              <a:t>No missing data. From two large datasets.</a:t>
+            </a:r>
+            <a:endParaRPr/>
+          </a:p>
+        </p:txBody>
+      </p:sp>
+    </p:spTree>
+  </p:cSld>
+  <p:clrMapOvr>
+    <a:masterClrMapping/>
+  </p:clrMapOvr>
+</p:notes>
+</file>
+
+<file path=ppt/notesSlides/notesSlide7.xml><?xml version="1.0" encoding="utf-8"?>
+<p:notes xmlns:a="http://schemas.openxmlformats.org/drawingml/2006/main" xmlns:r="http://schemas.openxmlformats.org/officeDocument/2006/relationships" xmlns:mc="http://schemas.openxmlformats.org/markup-compatibility/2006" xmlns:mv="urn:schemas-microsoft-com:mac:vml" xmlns:p="http://schemas.openxmlformats.org/presentationml/2006/main" xmlns:c="http://schemas.openxmlformats.org/drawingml/2006/chart" xmlns:dgm="http://schemas.openxmlformats.org/drawingml/2006/diagram" xmlns:o="urn:schemas-microsoft-com:office:office" xmlns:v="urn:schemas-microsoft-com:vml" xmlns:pvml="urn:schemas-microsoft-com:office:powerpoint" xmlns:com="http://schemas.openxmlformats.org/drawingml/2006/compatibility" xmlns:p14="http://schemas.microsoft.com/office/powerpoint/2010/main" xmlns:p15="http://schemas.microsoft.com/office/powerpoint/2012/main" xmlns:ahyp="http://schemas.microsoft.com/office/drawing/2018/hyperlinkcolor" showMasterPhAnim="0" showMasterSp="0">
+  <p:cSld>
+    <p:spTree>
+      <p:nvGrpSpPr>
+        <p:cNvPr id="94" name="Shape 94"/>
+        <p:cNvGrpSpPr/>
+        <p:nvPr/>
+      </p:nvGrpSpPr>
+      <p:grpSpPr>
+        <a:xfrm>
+          <a:off x="0" y="0"/>
+          <a:ext cx="0" cy="0"/>
+          <a:chOff x="0" y="0"/>
+          <a:chExt cx="0" cy="0"/>
+        </a:xfrm>
+      </p:grpSpPr>
+      <p:sp>
+        <p:nvSpPr>
+          <p:cNvPr id="95" name="Google Shape;95;g10125a04487_0_424:notes"/>
+          <p:cNvSpPr/>
+          <p:nvPr>
+            <p:ph idx="2" type="sldImg"/>
+          </p:nvPr>
+        </p:nvSpPr>
+        <p:spPr>
+          <a:xfrm>
+            <a:off x="381300" y="685800"/>
+            <a:ext cx="6096000" cy="3429000"/>
+          </a:xfrm>
+          <a:custGeom>
+            <a:rect b="b" l="l" r="r" t="t"/>
+            <a:pathLst>
+              <a:path extrusionOk="0" h="120000" w="120000">
+                <a:moveTo>
+                  <a:pt x="0" y="0"/>
+                </a:moveTo>
+                <a:lnTo>
+                  <a:pt x="120000" y="0"/>
+                </a:lnTo>
+                <a:lnTo>
+                  <a:pt x="120000" y="120000"/>
+                </a:lnTo>
+                <a:lnTo>
+                  <a:pt x="0" y="120000"/>
+                </a:lnTo>
+                <a:close/>
+              </a:path>
+            </a:pathLst>
+          </a:custGeom>
+        </p:spPr>
+      </p:sp>
+      <p:sp>
+        <p:nvSpPr>
+          <p:cNvPr id="96" name="Google Shape;96;g10125a04487_0_424:notes"/>
+          <p:cNvSpPr txBox="1"/>
+          <p:nvPr>
+            <p:ph idx="1" type="body"/>
+          </p:nvPr>
+        </p:nvSpPr>
+        <p:spPr>
+          <a:xfrm>
+            <a:off x="685800" y="4343400"/>
+            <a:ext cx="5486400" cy="4114800"/>
+          </a:xfrm>
+          <a:prstGeom prst="rect">
+            <a:avLst/>
+          </a:prstGeom>
+        </p:spPr>
+        <p:txBody>
+          <a:bodyPr anchorCtr="0" anchor="t" bIns="91425" lIns="91425" spcFirstLastPara="1" rIns="91425" wrap="square" tIns="91425">
+            <a:noAutofit/>
+          </a:bodyPr>
+          <a:lstStyle/>
+          <a:p>
+            <a:pPr indent="0" lvl="0" marL="0" rtl="0" algn="l">
+              <a:spcBef>
+                <a:spcPts val="0"/>
+              </a:spcBef>
+              <a:spcAft>
+                <a:spcPts val="0"/>
+              </a:spcAft>
+              <a:buNone/>
+            </a:pPr>
+            <a:r>
+              <a:t/>
+            </a:r>
+            <a:endParaRPr/>
+          </a:p>
+        </p:txBody>
+      </p:sp>
+    </p:spTree>
+  </p:cSld>
+  <p:clrMapOvr>
+    <a:masterClrMapping/>
+  </p:clrMapOvr>
+</p:notes>
+</file>
+
+<file path=ppt/notesSlides/notesSlide8.xml><?xml version="1.0" encoding="utf-8"?>
+<p:notes xmlns:a="http://schemas.openxmlformats.org/drawingml/2006/main" xmlns:r="http://schemas.openxmlformats.org/officeDocument/2006/relationships" xmlns:mc="http://schemas.openxmlformats.org/markup-compatibility/2006" xmlns:mv="urn:schemas-microsoft-com:mac:vml" xmlns:p="http://schemas.openxmlformats.org/presentationml/2006/main" xmlns:c="http://schemas.openxmlformats.org/drawingml/2006/chart" xmlns:dgm="http://schemas.openxmlformats.org/drawingml/2006/diagram" xmlns:o="urn:schemas-microsoft-com:office:office" xmlns:v="urn:schemas-microsoft-com:vml" xmlns:pvml="urn:schemas-microsoft-com:office:powerpoint" xmlns:com="http://schemas.openxmlformats.org/drawingml/2006/compatibility" xmlns:p14="http://schemas.microsoft.com/office/powerpoint/2010/main" xmlns:p15="http://schemas.microsoft.com/office/powerpoint/2012/main" xmlns:ahyp="http://schemas.microsoft.com/office/drawing/2018/hyperlinkcolor" showMasterPhAnim="0" showMasterSp="0">
+  <p:cSld>
+    <p:spTree>
+      <p:nvGrpSpPr>
+        <p:cNvPr id="99" name="Shape 99"/>
+        <p:cNvGrpSpPr/>
+        <p:nvPr/>
+      </p:nvGrpSpPr>
+      <p:grpSpPr>
+        <a:xfrm>
+          <a:off x="0" y="0"/>
+          <a:ext cx="0" cy="0"/>
+          <a:chOff x="0" y="0"/>
+          <a:chExt cx="0" cy="0"/>
+        </a:xfrm>
+      </p:grpSpPr>
+      <p:sp>
+        <p:nvSpPr>
+          <p:cNvPr id="100" name="Google Shape;100;gfa5439182c_0_129:notes"/>
+          <p:cNvSpPr/>
+          <p:nvPr>
+            <p:ph idx="2" type="sldImg"/>
+          </p:nvPr>
+        </p:nvSpPr>
+        <p:spPr>
+          <a:xfrm>
+            <a:off x="381300" y="685800"/>
+            <a:ext cx="6096000" cy="3429000"/>
+          </a:xfrm>
+          <a:custGeom>
+            <a:rect b="b" l="l" r="r" t="t"/>
+            <a:pathLst>
+              <a:path extrusionOk="0" h="120000" w="120000">
+                <a:moveTo>
+                  <a:pt x="0" y="0"/>
+                </a:moveTo>
+                <a:lnTo>
+                  <a:pt x="120000" y="0"/>
+                </a:lnTo>
+                <a:lnTo>
+                  <a:pt x="120000" y="120000"/>
+                </a:lnTo>
+                <a:lnTo>
+                  <a:pt x="0" y="120000"/>
+                </a:lnTo>
+                <a:close/>
+              </a:path>
+            </a:pathLst>
+          </a:custGeom>
+        </p:spPr>
+      </p:sp>
+      <p:sp>
+        <p:nvSpPr>
+          <p:cNvPr id="101" name="Google Shape;101;gfa5439182c_0_129:notes"/>
+          <p:cNvSpPr txBox="1"/>
+          <p:nvPr>
+            <p:ph idx="1" type="body"/>
+          </p:nvPr>
+        </p:nvSpPr>
+        <p:spPr>
+          <a:xfrm>
+            <a:off x="685800" y="4343400"/>
+            <a:ext cx="5486400" cy="4114800"/>
+          </a:xfrm>
+          <a:prstGeom prst="rect">
+            <a:avLst/>
+          </a:prstGeom>
+        </p:spPr>
+        <p:txBody>
+          <a:bodyPr anchorCtr="0" anchor="t" bIns="91425" lIns="91425" spcFirstLastPara="1" rIns="91425" wrap="square" tIns="91425">
+            <a:noAutofit/>
+          </a:bodyPr>
+          <a:lstStyle/>
+          <a:p>
+            <a:pPr indent="0" lvl="0" marL="0" rtl="0" algn="l">
+              <a:spcBef>
+                <a:spcPts val="0"/>
+              </a:spcBef>
+              <a:spcAft>
+                <a:spcPts val="0"/>
+              </a:spcAft>
+              <a:buNone/>
+            </a:pPr>
+            <a:r>
+              <a:t/>
+            </a:r>
+            <a:endParaRPr/>
+          </a:p>
+        </p:txBody>
+      </p:sp>
+    </p:spTree>
+  </p:cSld>
+  <p:clrMapOvr>
+    <a:masterClrMapping/>
+  </p:clrMapOvr>
+</p:notes>
+</file>
+
+<file path=ppt/notesSlides/notesSlide9.xml><?xml version="1.0" encoding="utf-8"?>
+<p:notes xmlns:a="http://schemas.openxmlformats.org/drawingml/2006/main" xmlns:r="http://schemas.openxmlformats.org/officeDocument/2006/relationships" xmlns:mc="http://schemas.openxmlformats.org/markup-compatibility/2006" xmlns:mv="urn:schemas-microsoft-com:mac:vml" xmlns:p="http://schemas.openxmlformats.org/presentationml/2006/main" xmlns:c="http://schemas.openxmlformats.org/drawingml/2006/chart" xmlns:dgm="http://schemas.openxmlformats.org/drawingml/2006/diagram" xmlns:o="urn:schemas-microsoft-com:office:office" xmlns:v="urn:schemas-microsoft-com:vml" xmlns:pvml="urn:schemas-microsoft-com:office:powerpoint" xmlns:com="http://schemas.openxmlformats.org/drawingml/2006/compatibility" xmlns:p14="http://schemas.microsoft.com/office/powerpoint/2010/main" xmlns:p15="http://schemas.microsoft.com/office/powerpoint/2012/main" xmlns:ahyp="http://schemas.microsoft.com/office/drawing/2018/hyperlinkcolor" showMasterPhAnim="0" showMasterSp="0">
+  <p:cSld>
+    <p:spTree>
+      <p:nvGrpSpPr>
+        <p:cNvPr id="104" name="Shape 104"/>
+        <p:cNvGrpSpPr/>
+        <p:nvPr/>
+      </p:nvGrpSpPr>
+      <p:grpSpPr>
+        <a:xfrm>
+          <a:off x="0" y="0"/>
+          <a:ext cx="0" cy="0"/>
+          <a:chOff x="0" y="0"/>
+          <a:chExt cx="0" cy="0"/>
+        </a:xfrm>
+      </p:grpSpPr>
+      <p:sp>
+        <p:nvSpPr>
+          <p:cNvPr id="105" name="Google Shape;105;gfa5439182c_0_138:notes"/>
+          <p:cNvSpPr/>
+          <p:nvPr>
+            <p:ph idx="2" type="sldImg"/>
+          </p:nvPr>
+        </p:nvSpPr>
+        <p:spPr>
+          <a:xfrm>
+            <a:off x="381300" y="685800"/>
+            <a:ext cx="6096000" cy="3429000"/>
+          </a:xfrm>
+          <a:custGeom>
+            <a:rect b="b" l="l" r="r" t="t"/>
+            <a:pathLst>
+              <a:path extrusionOk="0" h="120000" w="120000">
+                <a:moveTo>
+                  <a:pt x="0" y="0"/>
+                </a:moveTo>
+                <a:lnTo>
+                  <a:pt x="120000" y="0"/>
+                </a:lnTo>
+                <a:lnTo>
+                  <a:pt x="120000" y="120000"/>
+                </a:lnTo>
+                <a:lnTo>
+                  <a:pt x="0" y="120000"/>
+                </a:lnTo>
+                <a:close/>
+              </a:path>
+            </a:pathLst>
+          </a:custGeom>
+        </p:spPr>
+      </p:sp>
+      <p:sp>
+        <p:nvSpPr>
+          <p:cNvPr id="106" name="Google Shape;106;gfa5439182c_0_138:notes"/>
           <p:cNvSpPr txBox="1"/>
           <p:nvPr>
             <p:ph idx="1" type="body"/>
@@ -8141,9 +8842,16 @@
 <file path=ppt/slides/slide10.xml><?xml version="1.0" encoding="utf-8"?>
 <p:sld xmlns:a="http://schemas.openxmlformats.org/drawingml/2006/main" xmlns:r="http://schemas.openxmlformats.org/officeDocument/2006/relationships" xmlns:mc="http://schemas.openxmlformats.org/markup-compatibility/2006" xmlns:mv="urn:schemas-microsoft-com:mac:vml" xmlns:p="http://schemas.openxmlformats.org/presentationml/2006/main" xmlns:c="http://schemas.openxmlformats.org/drawingml/2006/chart" xmlns:dgm="http://schemas.openxmlformats.org/drawingml/2006/diagram" xmlns:o="urn:schemas-microsoft-com:office:office" xmlns:v="urn:schemas-microsoft-com:vml" xmlns:pvml="urn:schemas-microsoft-com:office:powerpoint" xmlns:com="http://schemas.openxmlformats.org/drawingml/2006/compatibility" xmlns:p14="http://schemas.microsoft.com/office/powerpoint/2010/main" xmlns:p15="http://schemas.microsoft.com/office/powerpoint/2012/main" xmlns:ahyp="http://schemas.microsoft.com/office/drawing/2018/hyperlinkcolor">
   <p:cSld>
+    <p:bg>
+      <p:bgPr>
+        <a:solidFill>
+          <a:schemeClr val="lt1"/>
+        </a:solidFill>
+      </p:bgPr>
+    </p:bg>
     <p:spTree>
       <p:nvGrpSpPr>
-        <p:cNvPr id="111" name="Shape 111"/>
+        <p:cNvPr id="113" name="Shape 113"/>
         <p:cNvGrpSpPr/>
         <p:nvPr/>
       </p:nvGrpSpPr>
@@ -8157,7 +8865,7 @@
       </p:grpSpPr>
       <p:pic>
         <p:nvPicPr>
-          <p:cNvPr id="112" name="Google Shape;112;p22"/>
+          <p:cNvPr id="114" name="Google Shape;114;p22"/>
           <p:cNvPicPr preferRelativeResize="0"/>
           <p:nvPr/>
         </p:nvPicPr>
@@ -8171,8 +8879,8 @@
         </p:blipFill>
         <p:spPr>
           <a:xfrm>
-            <a:off x="1130275" y="428625"/>
-            <a:ext cx="6667500" cy="4286250"/>
+            <a:off x="587775" y="0"/>
+            <a:ext cx="7823900" cy="5029650"/>
           </a:xfrm>
           <a:prstGeom prst="rect">
             <a:avLst/>
@@ -8183,6 +8891,58 @@
           </a:ln>
         </p:spPr>
       </p:pic>
+      <p:sp>
+        <p:nvSpPr>
+          <p:cNvPr id="115" name="Google Shape;115;p22"/>
+          <p:cNvSpPr txBox="1"/>
+          <p:nvPr/>
+        </p:nvSpPr>
+        <p:spPr>
+          <a:xfrm>
+            <a:off x="901050" y="0"/>
+            <a:ext cx="7341900" cy="461700"/>
+          </a:xfrm>
+          <a:prstGeom prst="rect">
+            <a:avLst/>
+          </a:prstGeom>
+          <a:noFill/>
+          <a:ln>
+            <a:noFill/>
+          </a:ln>
+        </p:spPr>
+        <p:txBody>
+          <a:bodyPr anchorCtr="0" anchor="t" bIns="91425" lIns="91425" spcFirstLastPara="1" rIns="91425" wrap="square" tIns="91425">
+            <a:spAutoFit/>
+          </a:bodyPr>
+          <a:lstStyle/>
+          <a:p>
+            <a:pPr indent="0" lvl="0" marL="0" rtl="0" algn="ctr">
+              <a:spcBef>
+                <a:spcPts val="0"/>
+              </a:spcBef>
+              <a:spcAft>
+                <a:spcPts val="0"/>
+              </a:spcAft>
+              <a:buNone/>
+            </a:pPr>
+            <a:r>
+              <a:rPr lang="en" sz="1800">
+                <a:latin typeface="Roboto"/>
+                <a:ea typeface="Roboto"/>
+                <a:cs typeface="Roboto"/>
+                <a:sym typeface="Roboto"/>
+              </a:rPr>
+              <a:t>Amount of Fraudulent and Non-Fraudulent Payments</a:t>
+            </a:r>
+            <a:endParaRPr sz="1800">
+              <a:latin typeface="Roboto"/>
+              <a:ea typeface="Roboto"/>
+              <a:cs typeface="Roboto"/>
+              <a:sym typeface="Roboto"/>
+            </a:endParaRPr>
+          </a:p>
+        </p:txBody>
+      </p:sp>
     </p:spTree>
   </p:cSld>
   <p:clrMapOvr>
@@ -8194,9 +8954,16 @@
 <file path=ppt/slides/slide11.xml><?xml version="1.0" encoding="utf-8"?>
 <p:sld xmlns:a="http://schemas.openxmlformats.org/drawingml/2006/main" xmlns:r="http://schemas.openxmlformats.org/officeDocument/2006/relationships" xmlns:mc="http://schemas.openxmlformats.org/markup-compatibility/2006" xmlns:mv="urn:schemas-microsoft-com:mac:vml" xmlns:p="http://schemas.openxmlformats.org/presentationml/2006/main" xmlns:c="http://schemas.openxmlformats.org/drawingml/2006/chart" xmlns:dgm="http://schemas.openxmlformats.org/drawingml/2006/diagram" xmlns:o="urn:schemas-microsoft-com:office:office" xmlns:v="urn:schemas-microsoft-com:vml" xmlns:pvml="urn:schemas-microsoft-com:office:powerpoint" xmlns:com="http://schemas.openxmlformats.org/drawingml/2006/compatibility" xmlns:p14="http://schemas.microsoft.com/office/powerpoint/2010/main" xmlns:p15="http://schemas.microsoft.com/office/powerpoint/2012/main" xmlns:ahyp="http://schemas.microsoft.com/office/drawing/2018/hyperlinkcolor">
   <p:cSld>
+    <p:bg>
+      <p:bgPr>
+        <a:solidFill>
+          <a:schemeClr val="lt1"/>
+        </a:solidFill>
+      </p:bgPr>
+    </p:bg>
     <p:spTree>
       <p:nvGrpSpPr>
-        <p:cNvPr id="116" name="Shape 116"/>
+        <p:cNvPr id="119" name="Shape 119"/>
         <p:cNvGrpSpPr/>
         <p:nvPr/>
       </p:nvGrpSpPr>
@@ -8210,7 +8977,7 @@
       </p:grpSpPr>
       <p:pic>
         <p:nvPicPr>
-          <p:cNvPr id="117" name="Google Shape;117;p23"/>
+          <p:cNvPr id="120" name="Google Shape;120;p23"/>
           <p:cNvPicPr preferRelativeResize="0"/>
           <p:nvPr/>
         </p:nvPicPr>
@@ -8223,9 +8990,9 @@
           </a:stretch>
         </p:blipFill>
         <p:spPr>
-          <a:xfrm>
-            <a:off x="1" y="424975"/>
-            <a:ext cx="4666075" cy="3749193"/>
+          <a:xfrm rot="5400000">
+            <a:off x="1469300" y="-1248400"/>
+            <a:ext cx="4540349" cy="7037150"/>
           </a:xfrm>
           <a:prstGeom prst="rect">
             <a:avLst/>
@@ -8238,7 +9005,7 @@
       </p:pic>
       <p:pic>
         <p:nvPicPr>
-          <p:cNvPr id="118" name="Google Shape;118;p23"/>
+          <p:cNvPr id="121" name="Google Shape;121;p23"/>
           <p:cNvPicPr preferRelativeResize="0"/>
           <p:nvPr/>
         </p:nvPicPr>
@@ -8252,8 +9019,8 @@
         </p:blipFill>
         <p:spPr>
           <a:xfrm>
-            <a:off x="4666075" y="839150"/>
-            <a:ext cx="4477925" cy="2213789"/>
+            <a:off x="3315775" y="832800"/>
+            <a:ext cx="5654199" cy="3634825"/>
           </a:xfrm>
           <a:prstGeom prst="rect">
             <a:avLst/>
@@ -8264,6 +9031,59 @@
           </a:ln>
         </p:spPr>
       </p:pic>
+      <p:sp>
+        <p:nvSpPr>
+          <p:cNvPr id="122" name="Google Shape;122;p23"/>
+          <p:cNvSpPr txBox="1"/>
+          <p:nvPr/>
+        </p:nvSpPr>
+        <p:spPr>
+          <a:xfrm>
+            <a:off x="0" y="4591050"/>
+            <a:ext cx="9144000" cy="440100"/>
+          </a:xfrm>
+          <a:prstGeom prst="rect">
+            <a:avLst/>
+          </a:prstGeom>
+          <a:noFill/>
+          <a:ln>
+            <a:noFill/>
+          </a:ln>
+        </p:spPr>
+        <p:txBody>
+          <a:bodyPr anchorCtr="0" anchor="t" bIns="91425" lIns="91425" spcFirstLastPara="1" rIns="91425" wrap="square" tIns="91425">
+            <a:spAutoFit/>
+          </a:bodyPr>
+          <a:lstStyle/>
+          <a:p>
+            <a:pPr indent="0" lvl="0" marL="0" rtl="0" algn="l">
+              <a:lnSpc>
+                <a:spcPct val="115000"/>
+              </a:lnSpc>
+              <a:spcBef>
+                <a:spcPts val="0"/>
+              </a:spcBef>
+              <a:spcAft>
+                <a:spcPts val="100"/>
+              </a:spcAft>
+              <a:buNone/>
+            </a:pPr>
+            <a:r>
+              <a:rPr lang="en" sz="1660">
+                <a:solidFill>
+                  <a:schemeClr val="dk1"/>
+                </a:solidFill>
+                <a:latin typeface="Roboto"/>
+                <a:ea typeface="Roboto"/>
+                <a:cs typeface="Roboto"/>
+                <a:sym typeface="Roboto"/>
+              </a:rPr>
+              <a:t>The two largest categories (es_transportation and es_food) have absolutely no fraud.</a:t>
+            </a:r>
+            <a:endParaRPr/>
+          </a:p>
+        </p:txBody>
+      </p:sp>
     </p:spTree>
   </p:cSld>
   <p:clrMapOvr>
@@ -8275,9 +9095,16 @@
 <file path=ppt/slides/slide12.xml><?xml version="1.0" encoding="utf-8"?>
 <p:sld xmlns:a="http://schemas.openxmlformats.org/drawingml/2006/main" xmlns:r="http://schemas.openxmlformats.org/officeDocument/2006/relationships" xmlns:mc="http://schemas.openxmlformats.org/markup-compatibility/2006" xmlns:mv="urn:schemas-microsoft-com:mac:vml" xmlns:p="http://schemas.openxmlformats.org/presentationml/2006/main" xmlns:c="http://schemas.openxmlformats.org/drawingml/2006/chart" xmlns:dgm="http://schemas.openxmlformats.org/drawingml/2006/diagram" xmlns:o="urn:schemas-microsoft-com:office:office" xmlns:v="urn:schemas-microsoft-com:vml" xmlns:pvml="urn:schemas-microsoft-com:office:powerpoint" xmlns:com="http://schemas.openxmlformats.org/drawingml/2006/compatibility" xmlns:p14="http://schemas.microsoft.com/office/powerpoint/2010/main" xmlns:p15="http://schemas.microsoft.com/office/powerpoint/2012/main" xmlns:ahyp="http://schemas.microsoft.com/office/drawing/2018/hyperlinkcolor">
   <p:cSld>
+    <p:bg>
+      <p:bgPr>
+        <a:solidFill>
+          <a:schemeClr val="lt1"/>
+        </a:solidFill>
+      </p:bgPr>
+    </p:bg>
     <p:spTree>
       <p:nvGrpSpPr>
-        <p:cNvPr id="122" name="Shape 122"/>
+        <p:cNvPr id="126" name="Shape 126"/>
         <p:cNvGrpSpPr/>
         <p:nvPr/>
       </p:nvGrpSpPr>
@@ -8291,7 +9118,7 @@
       </p:grpSpPr>
       <p:pic>
         <p:nvPicPr>
-          <p:cNvPr id="123" name="Google Shape;123;p24"/>
+          <p:cNvPr id="127" name="Google Shape;127;p24"/>
           <p:cNvPicPr preferRelativeResize="0"/>
           <p:nvPr/>
         </p:nvPicPr>
@@ -8305,8 +9132,8 @@
         </p:blipFill>
         <p:spPr>
           <a:xfrm>
-            <a:off x="150475" y="477725"/>
-            <a:ext cx="4849999" cy="3896976"/>
+            <a:off x="116600" y="117350"/>
+            <a:ext cx="6095999" cy="4898151"/>
           </a:xfrm>
           <a:prstGeom prst="rect">
             <a:avLst/>
@@ -8317,6 +9144,393 @@
           </a:ln>
         </p:spPr>
       </p:pic>
+      <p:pic>
+        <p:nvPicPr>
+          <p:cNvPr id="128" name="Google Shape;128;p24"/>
+          <p:cNvPicPr preferRelativeResize="0"/>
+          <p:nvPr/>
+        </p:nvPicPr>
+        <p:blipFill>
+          <a:blip r:embed="rId4">
+            <a:alphaModFix/>
+          </a:blip>
+          <a:stretch>
+            <a:fillRect/>
+          </a:stretch>
+        </p:blipFill>
+        <p:spPr>
+          <a:xfrm>
+            <a:off x="3337399" y="433050"/>
+            <a:ext cx="5669875" cy="2610474"/>
+          </a:xfrm>
+          <a:prstGeom prst="rect">
+            <a:avLst/>
+          </a:prstGeom>
+          <a:noFill/>
+          <a:ln>
+            <a:noFill/>
+          </a:ln>
+        </p:spPr>
+      </p:pic>
+      <p:sp>
+        <p:nvSpPr>
+          <p:cNvPr id="129" name="Google Shape;129;p24"/>
+          <p:cNvSpPr txBox="1"/>
+          <p:nvPr/>
+        </p:nvSpPr>
+        <p:spPr>
+          <a:xfrm>
+            <a:off x="6899175" y="3043525"/>
+            <a:ext cx="2108100" cy="1985700"/>
+          </a:xfrm>
+          <a:prstGeom prst="rect">
+            <a:avLst/>
+          </a:prstGeom>
+          <a:noFill/>
+          <a:ln>
+            <a:noFill/>
+          </a:ln>
+        </p:spPr>
+        <p:txBody>
+          <a:bodyPr anchorCtr="0" anchor="t" bIns="91425" lIns="91425" spcFirstLastPara="1" rIns="91425" wrap="square" tIns="91425">
+            <a:spAutoFit/>
+          </a:bodyPr>
+          <a:lstStyle/>
+          <a:p>
+            <a:pPr indent="457200" lvl="0" marL="0" rtl="0" algn="l">
+              <a:lnSpc>
+                <a:spcPct val="90000"/>
+              </a:lnSpc>
+              <a:spcBef>
+                <a:spcPts val="0"/>
+              </a:spcBef>
+              <a:spcAft>
+                <a:spcPts val="0"/>
+              </a:spcAft>
+              <a:buNone/>
+            </a:pPr>
+            <a:r>
+              <a:rPr lang="en" sz="1300">
+                <a:solidFill>
+                  <a:schemeClr val="dk1"/>
+                </a:solidFill>
+                <a:latin typeface="Roboto"/>
+                <a:ea typeface="Roboto"/>
+                <a:cs typeface="Roboto"/>
+                <a:sym typeface="Roboto"/>
+              </a:rPr>
+              <a:t>Categorized Age</a:t>
+            </a:r>
+            <a:endParaRPr sz="1300">
+              <a:solidFill>
+                <a:schemeClr val="dk1"/>
+              </a:solidFill>
+              <a:latin typeface="Roboto"/>
+              <a:ea typeface="Roboto"/>
+              <a:cs typeface="Roboto"/>
+              <a:sym typeface="Roboto"/>
+            </a:endParaRPr>
+          </a:p>
+          <a:p>
+            <a:pPr indent="0" lvl="0" marL="457200" rtl="0" algn="l">
+              <a:lnSpc>
+                <a:spcPct val="90000"/>
+              </a:lnSpc>
+              <a:spcBef>
+                <a:spcPts val="0"/>
+              </a:spcBef>
+              <a:spcAft>
+                <a:spcPts val="0"/>
+              </a:spcAft>
+              <a:buNone/>
+            </a:pPr>
+            <a:r>
+              <a:t/>
+            </a:r>
+            <a:endParaRPr sz="1300">
+              <a:solidFill>
+                <a:schemeClr val="dk1"/>
+              </a:solidFill>
+              <a:latin typeface="Roboto"/>
+              <a:ea typeface="Roboto"/>
+              <a:cs typeface="Roboto"/>
+              <a:sym typeface="Roboto"/>
+            </a:endParaRPr>
+          </a:p>
+          <a:p>
+            <a:pPr indent="0" lvl="0" marL="457200" rtl="0" algn="l">
+              <a:lnSpc>
+                <a:spcPct val="90000"/>
+              </a:lnSpc>
+              <a:spcBef>
+                <a:spcPts val="0"/>
+              </a:spcBef>
+              <a:spcAft>
+                <a:spcPts val="0"/>
+              </a:spcAft>
+              <a:buNone/>
+            </a:pPr>
+            <a:r>
+              <a:rPr lang="en" sz="1300">
+                <a:solidFill>
+                  <a:schemeClr val="dk1"/>
+                </a:solidFill>
+                <a:latin typeface="Roboto"/>
+                <a:ea typeface="Roboto"/>
+                <a:cs typeface="Roboto"/>
+                <a:sym typeface="Roboto"/>
+              </a:rPr>
+              <a:t>0: &lt;= 18,</a:t>
+            </a:r>
+            <a:endParaRPr sz="1300">
+              <a:solidFill>
+                <a:schemeClr val="dk1"/>
+              </a:solidFill>
+              <a:latin typeface="Roboto"/>
+              <a:ea typeface="Roboto"/>
+              <a:cs typeface="Roboto"/>
+              <a:sym typeface="Roboto"/>
+            </a:endParaRPr>
+          </a:p>
+          <a:p>
+            <a:pPr indent="0" lvl="0" marL="457200" rtl="0" algn="l">
+              <a:lnSpc>
+                <a:spcPct val="90000"/>
+              </a:lnSpc>
+              <a:spcBef>
+                <a:spcPts val="0"/>
+              </a:spcBef>
+              <a:spcAft>
+                <a:spcPts val="0"/>
+              </a:spcAft>
+              <a:buNone/>
+            </a:pPr>
+            <a:r>
+              <a:rPr lang="en" sz="1300">
+                <a:solidFill>
+                  <a:schemeClr val="dk1"/>
+                </a:solidFill>
+                <a:latin typeface="Roboto"/>
+                <a:ea typeface="Roboto"/>
+                <a:cs typeface="Roboto"/>
+                <a:sym typeface="Roboto"/>
+              </a:rPr>
+              <a:t>1: 19-25,</a:t>
+            </a:r>
+            <a:endParaRPr sz="1300">
+              <a:solidFill>
+                <a:schemeClr val="dk1"/>
+              </a:solidFill>
+              <a:latin typeface="Roboto"/>
+              <a:ea typeface="Roboto"/>
+              <a:cs typeface="Roboto"/>
+              <a:sym typeface="Roboto"/>
+            </a:endParaRPr>
+          </a:p>
+          <a:p>
+            <a:pPr indent="0" lvl="0" marL="457200" rtl="0" algn="l">
+              <a:lnSpc>
+                <a:spcPct val="90000"/>
+              </a:lnSpc>
+              <a:spcBef>
+                <a:spcPts val="0"/>
+              </a:spcBef>
+              <a:spcAft>
+                <a:spcPts val="0"/>
+              </a:spcAft>
+              <a:buNone/>
+            </a:pPr>
+            <a:r>
+              <a:rPr lang="en" sz="1300">
+                <a:solidFill>
+                  <a:schemeClr val="dk1"/>
+                </a:solidFill>
+                <a:latin typeface="Roboto"/>
+                <a:ea typeface="Roboto"/>
+                <a:cs typeface="Roboto"/>
+                <a:sym typeface="Roboto"/>
+              </a:rPr>
+              <a:t>2: 26-35,</a:t>
+            </a:r>
+            <a:endParaRPr sz="1300">
+              <a:solidFill>
+                <a:schemeClr val="dk1"/>
+              </a:solidFill>
+              <a:latin typeface="Roboto"/>
+              <a:ea typeface="Roboto"/>
+              <a:cs typeface="Roboto"/>
+              <a:sym typeface="Roboto"/>
+            </a:endParaRPr>
+          </a:p>
+          <a:p>
+            <a:pPr indent="0" lvl="0" marL="457200" rtl="0" algn="l">
+              <a:lnSpc>
+                <a:spcPct val="90000"/>
+              </a:lnSpc>
+              <a:spcBef>
+                <a:spcPts val="0"/>
+              </a:spcBef>
+              <a:spcAft>
+                <a:spcPts val="0"/>
+              </a:spcAft>
+              <a:buNone/>
+            </a:pPr>
+            <a:r>
+              <a:rPr lang="en" sz="1300">
+                <a:solidFill>
+                  <a:schemeClr val="dk1"/>
+                </a:solidFill>
+                <a:latin typeface="Roboto"/>
+                <a:ea typeface="Roboto"/>
+                <a:cs typeface="Roboto"/>
+                <a:sym typeface="Roboto"/>
+              </a:rPr>
+              <a:t>3: 36-45,</a:t>
+            </a:r>
+            <a:endParaRPr sz="1300">
+              <a:solidFill>
+                <a:schemeClr val="dk1"/>
+              </a:solidFill>
+              <a:latin typeface="Roboto"/>
+              <a:ea typeface="Roboto"/>
+              <a:cs typeface="Roboto"/>
+              <a:sym typeface="Roboto"/>
+            </a:endParaRPr>
+          </a:p>
+          <a:p>
+            <a:pPr indent="0" lvl="0" marL="457200" rtl="0" algn="l">
+              <a:lnSpc>
+                <a:spcPct val="90000"/>
+              </a:lnSpc>
+              <a:spcBef>
+                <a:spcPts val="0"/>
+              </a:spcBef>
+              <a:spcAft>
+                <a:spcPts val="0"/>
+              </a:spcAft>
+              <a:buNone/>
+            </a:pPr>
+            <a:r>
+              <a:rPr lang="en" sz="1300">
+                <a:solidFill>
+                  <a:schemeClr val="dk1"/>
+                </a:solidFill>
+                <a:latin typeface="Roboto"/>
+                <a:ea typeface="Roboto"/>
+                <a:cs typeface="Roboto"/>
+                <a:sym typeface="Roboto"/>
+              </a:rPr>
+              <a:t>4: 46:55,</a:t>
+            </a:r>
+            <a:endParaRPr sz="1300">
+              <a:solidFill>
+                <a:schemeClr val="dk1"/>
+              </a:solidFill>
+              <a:latin typeface="Roboto"/>
+              <a:ea typeface="Roboto"/>
+              <a:cs typeface="Roboto"/>
+              <a:sym typeface="Roboto"/>
+            </a:endParaRPr>
+          </a:p>
+          <a:p>
+            <a:pPr indent="0" lvl="0" marL="457200" rtl="0" algn="l">
+              <a:lnSpc>
+                <a:spcPct val="90000"/>
+              </a:lnSpc>
+              <a:spcBef>
+                <a:spcPts val="0"/>
+              </a:spcBef>
+              <a:spcAft>
+                <a:spcPts val="0"/>
+              </a:spcAft>
+              <a:buNone/>
+            </a:pPr>
+            <a:r>
+              <a:rPr lang="en" sz="1300">
+                <a:solidFill>
+                  <a:schemeClr val="dk1"/>
+                </a:solidFill>
+                <a:latin typeface="Roboto"/>
+                <a:ea typeface="Roboto"/>
+                <a:cs typeface="Roboto"/>
+                <a:sym typeface="Roboto"/>
+              </a:rPr>
+              <a:t>5: 56:65,</a:t>
+            </a:r>
+            <a:endParaRPr sz="1300">
+              <a:solidFill>
+                <a:schemeClr val="dk1"/>
+              </a:solidFill>
+              <a:latin typeface="Roboto"/>
+              <a:ea typeface="Roboto"/>
+              <a:cs typeface="Roboto"/>
+              <a:sym typeface="Roboto"/>
+            </a:endParaRPr>
+          </a:p>
+          <a:p>
+            <a:pPr indent="0" lvl="0" marL="457200" rtl="0" algn="l">
+              <a:lnSpc>
+                <a:spcPct val="90000"/>
+              </a:lnSpc>
+              <a:spcBef>
+                <a:spcPts val="0"/>
+              </a:spcBef>
+              <a:spcAft>
+                <a:spcPts val="0"/>
+              </a:spcAft>
+              <a:buNone/>
+            </a:pPr>
+            <a:r>
+              <a:rPr lang="en" sz="1300">
+                <a:solidFill>
+                  <a:schemeClr val="dk1"/>
+                </a:solidFill>
+                <a:latin typeface="Roboto"/>
+                <a:ea typeface="Roboto"/>
+                <a:cs typeface="Roboto"/>
+                <a:sym typeface="Roboto"/>
+              </a:rPr>
+              <a:t>6: &gt; 65</a:t>
+            </a:r>
+            <a:endParaRPr sz="1300">
+              <a:solidFill>
+                <a:schemeClr val="dk1"/>
+              </a:solidFill>
+              <a:latin typeface="Roboto"/>
+              <a:ea typeface="Roboto"/>
+              <a:cs typeface="Roboto"/>
+              <a:sym typeface="Roboto"/>
+            </a:endParaRPr>
+          </a:p>
+          <a:p>
+            <a:pPr indent="0" lvl="0" marL="457200" rtl="0" algn="l">
+              <a:lnSpc>
+                <a:spcPct val="90000"/>
+              </a:lnSpc>
+              <a:spcBef>
+                <a:spcPts val="0"/>
+              </a:spcBef>
+              <a:spcAft>
+                <a:spcPts val="0"/>
+              </a:spcAft>
+              <a:buNone/>
+            </a:pPr>
+            <a:r>
+              <a:rPr lang="en" sz="1300">
+                <a:solidFill>
+                  <a:schemeClr val="dk1"/>
+                </a:solidFill>
+                <a:latin typeface="Roboto"/>
+                <a:ea typeface="Roboto"/>
+                <a:cs typeface="Roboto"/>
+                <a:sym typeface="Roboto"/>
+              </a:rPr>
+              <a:t>U: Unknown</a:t>
+            </a:r>
+            <a:endParaRPr sz="1100"/>
+          </a:p>
+        </p:txBody>
+      </p:sp>
     </p:spTree>
   </p:cSld>
   <p:clrMapOvr>
@@ -8328,9 +9542,16 @@
 <file path=ppt/slides/slide13.xml><?xml version="1.0" encoding="utf-8"?>
 <p:sld xmlns:a="http://schemas.openxmlformats.org/drawingml/2006/main" xmlns:r="http://schemas.openxmlformats.org/officeDocument/2006/relationships" xmlns:mc="http://schemas.openxmlformats.org/markup-compatibility/2006" xmlns:mv="urn:schemas-microsoft-com:mac:vml" xmlns:p="http://schemas.openxmlformats.org/presentationml/2006/main" xmlns:c="http://schemas.openxmlformats.org/drawingml/2006/chart" xmlns:dgm="http://schemas.openxmlformats.org/drawingml/2006/diagram" xmlns:o="urn:schemas-microsoft-com:office:office" xmlns:v="urn:schemas-microsoft-com:vml" xmlns:pvml="urn:schemas-microsoft-com:office:powerpoint" xmlns:com="http://schemas.openxmlformats.org/drawingml/2006/compatibility" xmlns:p14="http://schemas.microsoft.com/office/powerpoint/2010/main" xmlns:p15="http://schemas.microsoft.com/office/powerpoint/2012/main" xmlns:ahyp="http://schemas.microsoft.com/office/drawing/2018/hyperlinkcolor">
   <p:cSld>
+    <p:bg>
+      <p:bgPr>
+        <a:solidFill>
+          <a:schemeClr val="lt1"/>
+        </a:solidFill>
+      </p:bgPr>
+    </p:bg>
     <p:spTree>
       <p:nvGrpSpPr>
-        <p:cNvPr id="127" name="Shape 127"/>
+        <p:cNvPr id="133" name="Shape 133"/>
         <p:cNvGrpSpPr/>
         <p:nvPr/>
       </p:nvGrpSpPr>
@@ -8342,72 +9563,90 @@
           <a:chExt cx="0" cy="0"/>
         </a:xfrm>
       </p:grpSpPr>
-      <p:sp>
-        <p:nvSpPr>
-          <p:cNvPr id="128" name="Google Shape;128;p25"/>
-          <p:cNvSpPr txBox="1"/>
-          <p:nvPr>
-            <p:ph type="title"/>
-          </p:nvPr>
-        </p:nvSpPr>
-        <p:spPr>
-          <a:xfrm>
-            <a:off x="311700" y="225225"/>
-            <a:ext cx="8520600" cy="572700"/>
+      <p:pic>
+        <p:nvPicPr>
+          <p:cNvPr id="134" name="Google Shape;134;p25"/>
+          <p:cNvPicPr preferRelativeResize="0"/>
+          <p:nvPr/>
+        </p:nvPicPr>
+        <p:blipFill>
+          <a:blip r:embed="rId3">
+            <a:alphaModFix/>
+          </a:blip>
+          <a:stretch>
+            <a:fillRect/>
+          </a:stretch>
+        </p:blipFill>
+        <p:spPr>
+          <a:xfrm>
+            <a:off x="150475" y="461075"/>
+            <a:ext cx="4849999" cy="3896976"/>
           </a:xfrm>
           <a:prstGeom prst="rect">
             <a:avLst/>
           </a:prstGeom>
-        </p:spPr>
-        <p:txBody>
-          <a:bodyPr anchorCtr="0" anchor="t" bIns="91425" lIns="91425" spcFirstLastPara="1" rIns="91425" wrap="square" tIns="91425">
-            <a:normAutofit fontScale="90000"/>
-          </a:bodyPr>
-          <a:lstStyle/>
-          <a:p>
-            <a:pPr indent="0" lvl="0" marL="0" rtl="0" algn="l">
-              <a:spcBef>
-                <a:spcPts val="0"/>
-              </a:spcBef>
-              <a:spcAft>
-                <a:spcPts val="0"/>
-              </a:spcAft>
-              <a:buNone/>
-            </a:pPr>
-            <a:r>
-              <a:rPr lang="en"/>
-              <a:t>2. Exploratory Data Analysis</a:t>
-            </a:r>
-            <a:endParaRPr/>
-          </a:p>
-        </p:txBody>
-      </p:sp>
-      <p:sp>
-        <p:nvSpPr>
-          <p:cNvPr id="129" name="Google Shape;129;p25"/>
-          <p:cNvSpPr txBox="1"/>
-          <p:nvPr>
-            <p:ph idx="1" type="body"/>
-          </p:nvPr>
-        </p:nvSpPr>
-        <p:spPr>
-          <a:xfrm>
-            <a:off x="311700" y="900475"/>
-            <a:ext cx="8520600" cy="3854100"/>
+          <a:noFill/>
+          <a:ln>
+            <a:noFill/>
+          </a:ln>
+        </p:spPr>
+      </p:pic>
+      <p:pic>
+        <p:nvPicPr>
+          <p:cNvPr id="135" name="Google Shape;135;p25"/>
+          <p:cNvPicPr preferRelativeResize="0"/>
+          <p:nvPr/>
+        </p:nvPicPr>
+        <p:blipFill>
+          <a:blip r:embed="rId4">
+            <a:alphaModFix/>
+          </a:blip>
+          <a:stretch>
+            <a:fillRect/>
+          </a:stretch>
+        </p:blipFill>
+        <p:spPr>
+          <a:xfrm>
+            <a:off x="2879175" y="755900"/>
+            <a:ext cx="6128750" cy="3029925"/>
           </a:xfrm>
           <a:prstGeom prst="rect">
             <a:avLst/>
           </a:prstGeom>
+          <a:noFill/>
+          <a:ln>
+            <a:noFill/>
+          </a:ln>
+        </p:spPr>
+      </p:pic>
+      <p:sp>
+        <p:nvSpPr>
+          <p:cNvPr id="136" name="Google Shape;136;p25"/>
+          <p:cNvSpPr txBox="1"/>
+          <p:nvPr/>
+        </p:nvSpPr>
+        <p:spPr>
+          <a:xfrm>
+            <a:off x="6179400" y="3850500"/>
+            <a:ext cx="2964600" cy="1293000"/>
+          </a:xfrm>
+          <a:prstGeom prst="rect">
+            <a:avLst/>
+          </a:prstGeom>
+          <a:noFill/>
+          <a:ln>
+            <a:noFill/>
+          </a:ln>
         </p:spPr>
         <p:txBody>
           <a:bodyPr anchorCtr="0" anchor="t" bIns="91425" lIns="91425" spcFirstLastPara="1" rIns="91425" wrap="square" tIns="91425">
-            <a:noAutofit/>
+            <a:spAutoFit/>
           </a:bodyPr>
           <a:lstStyle/>
           <a:p>
-            <a:pPr indent="-334010" lvl="0" marL="457200" rtl="0" algn="l">
+            <a:pPr indent="457200" lvl="0" marL="0" rtl="0" algn="l">
               <a:lnSpc>
-                <a:spcPct val="115000"/>
+                <a:spcPct val="90000"/>
               </a:lnSpc>
               <a:spcBef>
                 <a:spcPts val="0"/>
@@ -8418,68 +9657,159 @@
               <a:buClr>
                 <a:schemeClr val="dk1"/>
               </a:buClr>
-              <a:buSzPts val="1660"/>
-              <a:buChar char="●"/>
-            </a:pPr>
-            <a:r>
-              <a:rPr lang="en" sz="1660">
+              <a:buSzPts val="990"/>
+              <a:buFont typeface="Arial"/>
+              <a:buNone/>
+            </a:pPr>
+            <a:r>
+              <a:rPr lang="en" sz="1600">
                 <a:solidFill>
                   <a:schemeClr val="dk1"/>
                 </a:solidFill>
+                <a:latin typeface="Roboto"/>
+                <a:ea typeface="Roboto"/>
+                <a:cs typeface="Roboto"/>
+                <a:sym typeface="Roboto"/>
               </a:rPr>
-              <a:t>We started with analysing our dataset and found that there was no missing data. We checked the details of the fraud transactions and the </a:t>
-            </a:r>
-            <a:r>
-              <a:rPr lang="en" sz="1660">
+              <a:t>Gender for customers:</a:t>
+            </a:r>
+            <a:endParaRPr sz="1600">
+              <a:solidFill>
+                <a:schemeClr val="dk1"/>
+              </a:solidFill>
+              <a:latin typeface="Roboto"/>
+              <a:ea typeface="Roboto"/>
+              <a:cs typeface="Roboto"/>
+              <a:sym typeface="Roboto"/>
+            </a:endParaRPr>
+          </a:p>
+          <a:p>
+            <a:pPr indent="0" lvl="0" marL="457200" rtl="0" algn="l">
+              <a:lnSpc>
+                <a:spcPct val="90000"/>
+              </a:lnSpc>
+              <a:spcBef>
+                <a:spcPts val="0"/>
+              </a:spcBef>
+              <a:spcAft>
+                <a:spcPts val="0"/>
+              </a:spcAft>
+              <a:buClr>
+                <a:schemeClr val="dk1"/>
+              </a:buClr>
+              <a:buSzPts val="990"/>
+              <a:buFont typeface="Arial"/>
+              <a:buNone/>
+            </a:pPr>
+            <a:r>
+              <a:rPr lang="en" sz="1600">
                 <a:solidFill>
                   <a:schemeClr val="dk1"/>
                 </a:solidFill>
+                <a:latin typeface="Roboto"/>
+                <a:ea typeface="Roboto"/>
+                <a:cs typeface="Roboto"/>
+                <a:sym typeface="Roboto"/>
               </a:rPr>
-              <a:t>correlation</a:t>
-            </a:r>
-            <a:r>
-              <a:rPr lang="en" sz="1660">
+              <a:t>E : Enterprise,</a:t>
+            </a:r>
+            <a:endParaRPr sz="1600">
+              <a:solidFill>
+                <a:schemeClr val="dk1"/>
+              </a:solidFill>
+              <a:latin typeface="Roboto"/>
+              <a:ea typeface="Roboto"/>
+              <a:cs typeface="Roboto"/>
+              <a:sym typeface="Roboto"/>
+            </a:endParaRPr>
+          </a:p>
+          <a:p>
+            <a:pPr indent="0" lvl="0" marL="457200" rtl="0" algn="l">
+              <a:lnSpc>
+                <a:spcPct val="90000"/>
+              </a:lnSpc>
+              <a:spcBef>
+                <a:spcPts val="0"/>
+              </a:spcBef>
+              <a:spcAft>
+                <a:spcPts val="0"/>
+              </a:spcAft>
+              <a:buClr>
+                <a:schemeClr val="dk1"/>
+              </a:buClr>
+              <a:buSzPts val="990"/>
+              <a:buFont typeface="Arial"/>
+              <a:buNone/>
+            </a:pPr>
+            <a:r>
+              <a:rPr lang="en" sz="1600">
                 <a:solidFill>
                   <a:schemeClr val="dk1"/>
                 </a:solidFill>
+                <a:latin typeface="Roboto"/>
+                <a:ea typeface="Roboto"/>
+                <a:cs typeface="Roboto"/>
+                <a:sym typeface="Roboto"/>
               </a:rPr>
-              <a:t> with different features like age, gender etc. </a:t>
-            </a:r>
-            <a:endParaRPr sz="1660">
+              <a:t>F: Female,</a:t>
+            </a:r>
+            <a:endParaRPr sz="1600">
               <a:solidFill>
                 <a:schemeClr val="dk1"/>
               </a:solidFill>
+              <a:latin typeface="Roboto"/>
+              <a:ea typeface="Roboto"/>
+              <a:cs typeface="Roboto"/>
+              <a:sym typeface="Roboto"/>
             </a:endParaRPr>
           </a:p>
           <a:p>
             <a:pPr indent="0" lvl="0" marL="457200" rtl="0" algn="l">
               <a:lnSpc>
-                <a:spcPct val="115000"/>
+                <a:spcPct val="90000"/>
               </a:lnSpc>
               <a:spcBef>
-                <a:spcPts val="100"/>
-              </a:spcBef>
-              <a:spcAft>
-                <a:spcPts val="0"/>
-              </a:spcAft>
-              <a:buNone/>
-            </a:pPr>
-            <a:r>
-              <a:t/>
-            </a:r>
-            <a:endParaRPr sz="1660">
+                <a:spcPts val="0"/>
+              </a:spcBef>
+              <a:spcAft>
+                <a:spcPts val="0"/>
+              </a:spcAft>
+              <a:buClr>
+                <a:schemeClr val="dk1"/>
+              </a:buClr>
+              <a:buSzPts val="990"/>
+              <a:buFont typeface="Arial"/>
+              <a:buNone/>
+            </a:pPr>
+            <a:r>
+              <a:rPr lang="en" sz="1600">
+                <a:solidFill>
+                  <a:schemeClr val="dk1"/>
+                </a:solidFill>
+                <a:latin typeface="Roboto"/>
+                <a:ea typeface="Roboto"/>
+                <a:cs typeface="Roboto"/>
+                <a:sym typeface="Roboto"/>
+              </a:rPr>
+              <a:t>M: Male,</a:t>
+            </a:r>
+            <a:endParaRPr sz="1600">
               <a:solidFill>
                 <a:schemeClr val="dk1"/>
               </a:solidFill>
+              <a:latin typeface="Roboto"/>
+              <a:ea typeface="Roboto"/>
+              <a:cs typeface="Roboto"/>
+              <a:sym typeface="Roboto"/>
             </a:endParaRPr>
           </a:p>
           <a:p>
-            <a:pPr indent="-328930" lvl="1" marL="914400" rtl="0" algn="l">
+            <a:pPr indent="0" lvl="0" marL="457200" rtl="0" algn="l">
               <a:lnSpc>
-                <a:spcPct val="115000"/>
+                <a:spcPct val="90000"/>
               </a:lnSpc>
               <a:spcBef>
-                <a:spcPts val="100"/>
+                <a:spcPts val="0"/>
               </a:spcBef>
               <a:spcAft>
                 <a:spcPts val="0"/>
@@ -8487,135 +9817,27 @@
               <a:buClr>
                 <a:schemeClr val="dk1"/>
               </a:buClr>
-              <a:buSzPts val="1580"/>
-              <a:buChar char="○"/>
-            </a:pPr>
-            <a:r>
-              <a:rPr lang="en" sz="1580">
+              <a:buSzPts val="1100"/>
+              <a:buFont typeface="Arial"/>
+              <a:buNone/>
+            </a:pPr>
+            <a:r>
+              <a:rPr lang="en" sz="1600">
                 <a:solidFill>
                   <a:schemeClr val="dk1"/>
                 </a:solidFill>
+                <a:latin typeface="Roboto"/>
+                <a:ea typeface="Roboto"/>
+                <a:cs typeface="Roboto"/>
+                <a:sym typeface="Roboto"/>
               </a:rPr>
-              <a:t>A</a:t>
-            </a:r>
-            <a:r>
-              <a:rPr lang="en" sz="1580">
-                <a:solidFill>
-                  <a:schemeClr val="dk1"/>
-                </a:solidFill>
-              </a:rPr>
-              <a:t>ge wise analysis showed that, the number of transaction and the number of fraud transactions were more in age group 2 that is 26-35.</a:t>
-            </a:r>
-            <a:endParaRPr sz="1580">
-              <a:solidFill>
-                <a:schemeClr val="dk1"/>
-              </a:solidFill>
-            </a:endParaRPr>
-          </a:p>
-          <a:p>
-            <a:pPr indent="0" lvl="0" marL="914400" rtl="0" algn="l">
-              <a:lnSpc>
-                <a:spcPct val="115000"/>
-              </a:lnSpc>
-              <a:spcBef>
-                <a:spcPts val="100"/>
-              </a:spcBef>
-              <a:spcAft>
-                <a:spcPts val="0"/>
-              </a:spcAft>
-              <a:buNone/>
-            </a:pPr>
-            <a:r>
-              <a:t/>
-            </a:r>
-            <a:endParaRPr sz="1380">
-              <a:solidFill>
-                <a:schemeClr val="dk1"/>
-              </a:solidFill>
-            </a:endParaRPr>
-          </a:p>
-          <a:p>
-            <a:pPr indent="-328930" lvl="1" marL="914400" rtl="0" algn="l">
-              <a:lnSpc>
-                <a:spcPct val="115000"/>
-              </a:lnSpc>
-              <a:spcBef>
-                <a:spcPts val="100"/>
-              </a:spcBef>
-              <a:spcAft>
-                <a:spcPts val="0"/>
-              </a:spcAft>
-              <a:buClr>
-                <a:schemeClr val="dk1"/>
-              </a:buClr>
-              <a:buSzPts val="1580"/>
-              <a:buChar char="○"/>
-            </a:pPr>
-            <a:r>
-              <a:rPr lang="en" sz="1580">
-                <a:solidFill>
-                  <a:schemeClr val="dk1"/>
-                </a:solidFill>
-              </a:rPr>
-              <a:t>Gender wise analysis revealed that the number of transactions were more in female category, E and U category being negligible</a:t>
-            </a:r>
-            <a:endParaRPr sz="1580">
-              <a:solidFill>
-                <a:schemeClr val="dk1"/>
-              </a:solidFill>
-            </a:endParaRPr>
-          </a:p>
-          <a:p>
-            <a:pPr indent="0" lvl="0" marL="914400" rtl="0" algn="l">
-              <a:lnSpc>
-                <a:spcPct val="115000"/>
-              </a:lnSpc>
-              <a:spcBef>
-                <a:spcPts val="100"/>
-              </a:spcBef>
-              <a:spcAft>
-                <a:spcPts val="0"/>
-              </a:spcAft>
-              <a:buNone/>
-            </a:pPr>
-            <a:r>
-              <a:t/>
-            </a:r>
-            <a:endParaRPr sz="1380">
-              <a:solidFill>
-                <a:schemeClr val="dk1"/>
-              </a:solidFill>
-            </a:endParaRPr>
-          </a:p>
-          <a:p>
-            <a:pPr indent="-334010" lvl="0" marL="457200" rtl="0" algn="l">
-              <a:lnSpc>
-                <a:spcPct val="115000"/>
-              </a:lnSpc>
-              <a:spcBef>
-                <a:spcPts val="100"/>
-              </a:spcBef>
-              <a:spcAft>
-                <a:spcPts val="100"/>
-              </a:spcAft>
-              <a:buClr>
-                <a:schemeClr val="dk1"/>
-              </a:buClr>
-              <a:buSzPts val="1660"/>
-              <a:buChar char="●"/>
-            </a:pPr>
-            <a:r>
-              <a:rPr lang="en" sz="1660">
-                <a:solidFill>
-                  <a:schemeClr val="dk1"/>
-                </a:solidFill>
-              </a:rPr>
-              <a:t>The two largest categories (es_transportation and es_food) have absolutely no fraud. Another pattern emerged was higher amount transactions has higher possibility of fraud.</a:t>
-            </a:r>
-            <a:endParaRPr sz="1380">
-              <a:solidFill>
-                <a:schemeClr val="dk1"/>
-              </a:solidFill>
+              <a:t>U: Unknown</a:t>
+            </a:r>
+            <a:endParaRPr>
+              <a:latin typeface="Roboto"/>
+              <a:ea typeface="Roboto"/>
+              <a:cs typeface="Roboto"/>
+              <a:sym typeface="Roboto"/>
             </a:endParaRPr>
           </a:p>
         </p:txBody>
@@ -8633,7 +9855,7 @@
   <p:cSld>
     <p:spTree>
       <p:nvGrpSpPr>
-        <p:cNvPr id="133" name="Shape 133"/>
+        <p:cNvPr id="140" name="Shape 140"/>
         <p:cNvGrpSpPr/>
         <p:nvPr/>
       </p:nvGrpSpPr>
@@ -8647,7 +9869,7 @@
       </p:grpSpPr>
       <p:sp>
         <p:nvSpPr>
-          <p:cNvPr id="134" name="Google Shape;134;p26"/>
+          <p:cNvPr id="141" name="Google Shape;141;p26"/>
           <p:cNvSpPr txBox="1"/>
           <p:nvPr>
             <p:ph type="title"/>
@@ -8679,7 +9901,7 @@
             </a:pPr>
             <a:r>
               <a:rPr lang="en"/>
-              <a:t>EDA - Data Engineering</a:t>
+              <a:t>Initial Attempt</a:t>
             </a:r>
             <a:endParaRPr/>
           </a:p>
@@ -8687,7 +9909,7 @@
       </p:sp>
       <p:sp>
         <p:nvSpPr>
-          <p:cNvPr id="135" name="Google Shape;135;p26"/>
+          <p:cNvPr id="142" name="Google Shape;142;p26"/>
           <p:cNvSpPr txBox="1"/>
           <p:nvPr>
             <p:ph idx="1" type="body"/>
@@ -8707,64 +9929,6 @@
             <a:noAutofit/>
           </a:bodyPr>
           <a:lstStyle/>
-          <a:p>
-            <a:pPr indent="-335756" lvl="0" marL="457200" rtl="0" algn="l">
-              <a:lnSpc>
-                <a:spcPct val="140000"/>
-              </a:lnSpc>
-              <a:spcBef>
-                <a:spcPts val="100"/>
-              </a:spcBef>
-              <a:spcAft>
-                <a:spcPts val="0"/>
-              </a:spcAft>
-              <a:buClr>
-                <a:schemeClr val="dk1"/>
-              </a:buClr>
-              <a:buSzPts val="1688"/>
-              <a:buChar char="●"/>
-            </a:pPr>
-            <a:r>
-              <a:rPr lang="en" sz="1687">
-                <a:solidFill>
-                  <a:schemeClr val="dk1"/>
-                </a:solidFill>
-              </a:rPr>
-              <a:t>EDA and advanced EDA with Data cleaning and feature engineering were done. </a:t>
-            </a:r>
-            <a:endParaRPr sz="1687">
-              <a:solidFill>
-                <a:schemeClr val="dk1"/>
-              </a:solidFill>
-            </a:endParaRPr>
-          </a:p>
-          <a:p>
-            <a:pPr indent="0" lvl="0" marL="457200" rtl="0" algn="l">
-              <a:lnSpc>
-                <a:spcPct val="140000"/>
-              </a:lnSpc>
-              <a:spcBef>
-                <a:spcPts val="100"/>
-              </a:spcBef>
-              <a:spcAft>
-                <a:spcPts val="0"/>
-              </a:spcAft>
-              <a:buNone/>
-            </a:pPr>
-            <a:r>
-              <a:rPr lang="en" sz="1687">
-                <a:solidFill>
-                  <a:schemeClr val="dk1"/>
-                </a:solidFill>
-              </a:rPr>
-              <a:t>One-hot encoding was done for ‘category’ feature as it was not numerical. Dimensions of the features were reduced.</a:t>
-            </a:r>
-            <a:endParaRPr sz="1687">
-              <a:solidFill>
-                <a:schemeClr val="dk1"/>
-              </a:solidFill>
-            </a:endParaRPr>
-          </a:p>
           <a:p>
             <a:pPr indent="-335756" lvl="0" marL="457200" rtl="0" algn="l">
               <a:lnSpc>
@@ -8790,138 +9954,6 @@
               </a:rPr>
               <a:t>Irrelevant features were dropped:</a:t>
             </a:r>
-            <a:endParaRPr sz="1687">
-              <a:solidFill>
-                <a:schemeClr val="dk1"/>
-              </a:solidFill>
-            </a:endParaRPr>
-          </a:p>
-          <a:p>
-            <a:pPr indent="-311943" lvl="1" marL="914400" rtl="0" algn="l">
-              <a:lnSpc>
-                <a:spcPct val="140000"/>
-              </a:lnSpc>
-              <a:spcBef>
-                <a:spcPts val="100"/>
-              </a:spcBef>
-              <a:spcAft>
-                <a:spcPts val="0"/>
-              </a:spcAft>
-              <a:buClr>
-                <a:schemeClr val="dk1"/>
-              </a:buClr>
-              <a:buSzPts val="1313"/>
-              <a:buChar char="○"/>
-            </a:pPr>
-            <a:r>
-              <a:rPr lang="en" sz="1312">
-                <a:solidFill>
-                  <a:schemeClr val="dk1"/>
-                </a:solidFill>
-              </a:rPr>
-              <a:t>    </a:t>
-            </a:r>
-            <a:r>
-              <a:rPr lang="en" sz="1412">
-                <a:solidFill>
-                  <a:schemeClr val="dk1"/>
-                </a:solidFill>
-              </a:rPr>
-              <a:t>'step' - as there are only 20 repetitions</a:t>
-            </a:r>
-            <a:endParaRPr sz="1412">
-              <a:solidFill>
-                <a:schemeClr val="dk1"/>
-              </a:solidFill>
-            </a:endParaRPr>
-          </a:p>
-          <a:p>
-            <a:pPr indent="-318293" lvl="1" marL="914400" rtl="0" algn="l">
-              <a:lnSpc>
-                <a:spcPct val="140000"/>
-              </a:lnSpc>
-              <a:spcBef>
-                <a:spcPts val="100"/>
-              </a:spcBef>
-              <a:spcAft>
-                <a:spcPts val="0"/>
-              </a:spcAft>
-              <a:buClr>
-                <a:schemeClr val="dk1"/>
-              </a:buClr>
-              <a:buSzPts val="1413"/>
-              <a:buChar char="○"/>
-            </a:pPr>
-            <a:r>
-              <a:rPr lang="en" sz="1412">
-                <a:solidFill>
-                  <a:schemeClr val="dk1"/>
-                </a:solidFill>
-              </a:rPr>
-              <a:t>    'customer' - everybody can be a victim.</a:t>
-            </a:r>
-            <a:endParaRPr sz="1412">
-              <a:solidFill>
-                <a:schemeClr val="dk1"/>
-              </a:solidFill>
-            </a:endParaRPr>
-          </a:p>
-          <a:p>
-            <a:pPr indent="-318293" lvl="1" marL="914400" rtl="0" algn="l">
-              <a:lnSpc>
-                <a:spcPct val="140000"/>
-              </a:lnSpc>
-              <a:spcBef>
-                <a:spcPts val="100"/>
-              </a:spcBef>
-              <a:spcAft>
-                <a:spcPts val="0"/>
-              </a:spcAft>
-              <a:buClr>
-                <a:schemeClr val="dk1"/>
-              </a:buClr>
-              <a:buSzPts val="1413"/>
-              <a:buChar char="○"/>
-            </a:pPr>
-            <a:r>
-              <a:rPr lang="en" sz="1412">
-                <a:solidFill>
-                  <a:schemeClr val="dk1"/>
-                </a:solidFill>
-              </a:rPr>
-              <a:t>    'age' - no obvious correlation</a:t>
-            </a:r>
-            <a:endParaRPr sz="1412">
-              <a:solidFill>
-                <a:schemeClr val="dk1"/>
-              </a:solidFill>
-            </a:endParaRPr>
-          </a:p>
-          <a:p>
-            <a:pPr indent="-318293" lvl="1" marL="914400" rtl="0" algn="l">
-              <a:lnSpc>
-                <a:spcPct val="140000"/>
-              </a:lnSpc>
-              <a:spcBef>
-                <a:spcPts val="100"/>
-              </a:spcBef>
-              <a:spcAft>
-                <a:spcPts val="0"/>
-              </a:spcAft>
-              <a:buClr>
-                <a:schemeClr val="dk1"/>
-              </a:buClr>
-              <a:buSzPts val="1413"/>
-              <a:buChar char="○"/>
-            </a:pPr>
-            <a:r>
-              <a:rPr lang="en" sz="1412">
-                <a:solidFill>
-                  <a:schemeClr val="dk1"/>
-                </a:solidFill>
-              </a:rPr>
-              <a:t>    'gender' - no obvious correlation</a:t>
-            </a:r>
             <a:endParaRPr sz="1412">
               <a:solidFill>
                 <a:schemeClr val="dk1"/>
@@ -8991,6 +10023,37 @@
             </a:endParaRPr>
           </a:p>
           <a:p>
+            <a:pPr indent="-318293" lvl="0" marL="457200" rtl="0" algn="l">
+              <a:lnSpc>
+                <a:spcPct val="140000"/>
+              </a:lnSpc>
+              <a:spcBef>
+                <a:spcPts val="100"/>
+              </a:spcBef>
+              <a:spcAft>
+                <a:spcPts val="0"/>
+              </a:spcAft>
+              <a:buClr>
+                <a:schemeClr val="dk1"/>
+              </a:buClr>
+              <a:buSzPts val="1413"/>
+              <a:buChar char="●"/>
+            </a:pPr>
+            <a:r>
+              <a:rPr lang="en" sz="1412">
+                <a:solidFill>
+                  <a:schemeClr val="dk1"/>
+                </a:solidFill>
+              </a:rPr>
+              <a:t>Categorical Features were dropped:</a:t>
+            </a:r>
+            <a:endParaRPr sz="1412">
+              <a:solidFill>
+                <a:schemeClr val="dk1"/>
+              </a:solidFill>
+            </a:endParaRPr>
+          </a:p>
+          <a:p>
             <a:pPr indent="-318293" lvl="1" marL="914400" rtl="0" algn="l">
               <a:lnSpc>
                 <a:spcPct val="140000"/>
@@ -9013,7 +10076,7 @@
                   <a:schemeClr val="dk1"/>
                 </a:solidFill>
               </a:rPr>
-              <a:t>    'merchant' - not a good indicator, </a:t>
+              <a:t>    'Customer'</a:t>
             </a:r>
             <a:endParaRPr sz="1412">
               <a:solidFill>
@@ -9022,6 +10085,191 @@
             </a:endParaRPr>
           </a:p>
           <a:p>
+            <a:pPr indent="-318293" lvl="1" marL="914400" rtl="0" algn="l">
+              <a:lnSpc>
+                <a:spcPct val="140000"/>
+              </a:lnSpc>
+              <a:spcBef>
+                <a:spcPts val="100"/>
+              </a:spcBef>
+              <a:spcAft>
+                <a:spcPts val="0"/>
+              </a:spcAft>
+              <a:buClr>
+                <a:schemeClr val="dk1"/>
+              </a:buClr>
+              <a:buSzPts val="1413"/>
+              <a:buChar char="○"/>
+            </a:pPr>
+            <a:r>
+              <a:rPr lang="en" sz="1412">
+                <a:solidFill>
+                  <a:schemeClr val="dk1"/>
+                </a:solidFill>
+              </a:rPr>
+              <a:t>    'age' </a:t>
+            </a:r>
+            <a:endParaRPr sz="1412">
+              <a:solidFill>
+                <a:schemeClr val="dk1"/>
+              </a:solidFill>
+            </a:endParaRPr>
+          </a:p>
+          <a:p>
+            <a:pPr indent="-318293" lvl="1" marL="914400" rtl="0" algn="l">
+              <a:lnSpc>
+                <a:spcPct val="140000"/>
+              </a:lnSpc>
+              <a:spcBef>
+                <a:spcPts val="100"/>
+              </a:spcBef>
+              <a:spcAft>
+                <a:spcPts val="0"/>
+              </a:spcAft>
+              <a:buClr>
+                <a:schemeClr val="dk1"/>
+              </a:buClr>
+              <a:buSzPts val="1413"/>
+              <a:buChar char="○"/>
+            </a:pPr>
+            <a:r>
+              <a:rPr lang="en" sz="1412">
+                <a:solidFill>
+                  <a:schemeClr val="dk1"/>
+                </a:solidFill>
+              </a:rPr>
+              <a:t>    'gender'</a:t>
+            </a:r>
+            <a:endParaRPr sz="1412">
+              <a:solidFill>
+                <a:schemeClr val="dk1"/>
+              </a:solidFill>
+            </a:endParaRPr>
+          </a:p>
+          <a:p>
+            <a:pPr indent="-318293" lvl="1" marL="914400" rtl="0" algn="l">
+              <a:lnSpc>
+                <a:spcPct val="140000"/>
+              </a:lnSpc>
+              <a:spcBef>
+                <a:spcPts val="100"/>
+              </a:spcBef>
+              <a:spcAft>
+                <a:spcPts val="0"/>
+              </a:spcAft>
+              <a:buClr>
+                <a:schemeClr val="dk1"/>
+              </a:buClr>
+              <a:buSzPts val="1413"/>
+              <a:buChar char="○"/>
+            </a:pPr>
+            <a:r>
+              <a:rPr lang="en" sz="1412">
+                <a:solidFill>
+                  <a:schemeClr val="dk1"/>
+                </a:solidFill>
+              </a:rPr>
+              <a:t>    'Merchant'</a:t>
+            </a:r>
+            <a:endParaRPr sz="1412">
+              <a:solidFill>
+                <a:schemeClr val="dk1"/>
+              </a:solidFill>
+            </a:endParaRPr>
+          </a:p>
+          <a:p>
+            <a:pPr indent="-318293" lvl="1" marL="914400" rtl="0" algn="l">
+              <a:lnSpc>
+                <a:spcPct val="140000"/>
+              </a:lnSpc>
+              <a:spcBef>
+                <a:spcPts val="100"/>
+              </a:spcBef>
+              <a:spcAft>
+                <a:spcPts val="0"/>
+              </a:spcAft>
+              <a:buClr>
+                <a:schemeClr val="dk1"/>
+              </a:buClr>
+              <a:buSzPts val="1413"/>
+              <a:buChar char="○"/>
+            </a:pPr>
+            <a:r>
+              <a:rPr lang="en" sz="1412">
+                <a:solidFill>
+                  <a:schemeClr val="dk1"/>
+                </a:solidFill>
+              </a:rPr>
+              <a:t>   </a:t>
+            </a:r>
+            <a:r>
+              <a:rPr lang="en" sz="1412">
+                <a:solidFill>
+                  <a:schemeClr val="dk1"/>
+                </a:solidFill>
+              </a:rPr>
+              <a:t>‘Step’</a:t>
+            </a:r>
+            <a:endParaRPr sz="1412">
+              <a:solidFill>
+                <a:schemeClr val="dk1"/>
+              </a:solidFill>
+            </a:endParaRPr>
+          </a:p>
+          <a:p>
+            <a:pPr indent="-318293" lvl="0" marL="457200" rtl="0" algn="l">
+              <a:lnSpc>
+                <a:spcPct val="140000"/>
+              </a:lnSpc>
+              <a:spcBef>
+                <a:spcPts val="100"/>
+              </a:spcBef>
+              <a:spcAft>
+                <a:spcPts val="0"/>
+              </a:spcAft>
+              <a:buClr>
+                <a:schemeClr val="dk1"/>
+              </a:buClr>
+              <a:buSzPts val="1413"/>
+              <a:buChar char="●"/>
+            </a:pPr>
+            <a:r>
+              <a:rPr lang="en" sz="1412">
+                <a:solidFill>
+                  <a:schemeClr val="dk1"/>
+                </a:solidFill>
+              </a:rPr>
+              <a:t>‘Categories’ =&gt; one hot encoding</a:t>
+            </a:r>
+            <a:endParaRPr sz="1412">
+              <a:solidFill>
+                <a:schemeClr val="dk1"/>
+              </a:solidFill>
+            </a:endParaRPr>
+          </a:p>
+          <a:p>
+            <a:pPr indent="0" lvl="0" marL="0" rtl="0" algn="l">
+              <a:lnSpc>
+                <a:spcPct val="140000"/>
+              </a:lnSpc>
+              <a:spcBef>
+                <a:spcPts val="100"/>
+              </a:spcBef>
+              <a:spcAft>
+                <a:spcPts val="0"/>
+              </a:spcAft>
+              <a:buNone/>
+            </a:pPr>
+            <a:r>
+              <a:t/>
+            </a:r>
+            <a:endParaRPr sz="1412">
+              <a:solidFill>
+                <a:schemeClr val="dk1"/>
+              </a:solidFill>
+            </a:endParaRPr>
+          </a:p>
+          <a:p>
             <a:pPr indent="0" lvl="0" marL="0" rtl="0" algn="l">
               <a:lnSpc>
                 <a:spcPct val="90000"/>
@@ -9039,6 +10287,59 @@
               <a:t/>
             </a:r>
             <a:endParaRPr sz="1125"/>
+          </a:p>
+        </p:txBody>
+      </p:sp>
+      <p:sp>
+        <p:nvSpPr>
+          <p:cNvPr id="143" name="Google Shape;143;p26"/>
+          <p:cNvSpPr txBox="1"/>
+          <p:nvPr/>
+        </p:nvSpPr>
+        <p:spPr>
+          <a:xfrm>
+            <a:off x="4419600" y="4324350"/>
+            <a:ext cx="4165200" cy="461700"/>
+          </a:xfrm>
+          <a:prstGeom prst="rect">
+            <a:avLst/>
+          </a:prstGeom>
+          <a:noFill/>
+          <a:ln>
+            <a:noFill/>
+          </a:ln>
+        </p:spPr>
+        <p:txBody>
+          <a:bodyPr anchorCtr="0" anchor="t" bIns="91425" lIns="91425" spcFirstLastPara="1" rIns="91425" wrap="square" tIns="91425">
+            <a:spAutoFit/>
+          </a:bodyPr>
+          <a:lstStyle/>
+          <a:p>
+            <a:pPr indent="0" lvl="0" marL="0" rtl="0" algn="l">
+              <a:lnSpc>
+                <a:spcPct val="115000"/>
+              </a:lnSpc>
+              <a:spcBef>
+                <a:spcPts val="0"/>
+              </a:spcBef>
+              <a:spcAft>
+                <a:spcPts val="1200"/>
+              </a:spcAft>
+              <a:buNone/>
+            </a:pPr>
+            <a:r>
+              <a:rPr lang="en" sz="1800">
+                <a:solidFill>
+                  <a:schemeClr val="dk2"/>
+                </a:solidFill>
+                <a:latin typeface="Roboto"/>
+                <a:ea typeface="Roboto"/>
+                <a:cs typeface="Roboto"/>
+                <a:sym typeface="Roboto"/>
+              </a:rPr>
+              <a:t>=&gt; no relevant capability to predict</a:t>
+            </a:r>
+            <a:endParaRPr/>
           </a:p>
         </p:txBody>
       </p:sp>
@@ -9051,179 +10352,6 @@
 </file>
 
 <file path=ppt/slides/slide15.xml><?xml version="1.0" encoding="utf-8"?>
-<p:sld xmlns:a="http://schemas.openxmlformats.org/drawingml/2006/main" xmlns:r="http://schemas.openxmlformats.org/officeDocument/2006/relationships" xmlns:mc="http://schemas.openxmlformats.org/markup-compatibility/2006" xmlns:mv="urn:schemas-microsoft-com:mac:vml" xmlns:p="http://schemas.openxmlformats.org/presentationml/2006/main" xmlns:c="http://schemas.openxmlformats.org/drawingml/2006/chart" xmlns:dgm="http://schemas.openxmlformats.org/drawingml/2006/diagram" xmlns:o="urn:schemas-microsoft-com:office:office" xmlns:v="urn:schemas-microsoft-com:vml" xmlns:pvml="urn:schemas-microsoft-com:office:powerpoint" xmlns:com="http://schemas.openxmlformats.org/drawingml/2006/compatibility" xmlns:p14="http://schemas.microsoft.com/office/powerpoint/2010/main" xmlns:p15="http://schemas.microsoft.com/office/powerpoint/2012/main" xmlns:ahyp="http://schemas.microsoft.com/office/drawing/2018/hyperlinkcolor">
-  <p:cSld>
-    <p:spTree>
-      <p:nvGrpSpPr>
-        <p:cNvPr id="139" name="Shape 139"/>
-        <p:cNvGrpSpPr/>
-        <p:nvPr/>
-      </p:nvGrpSpPr>
-      <p:grpSpPr>
-        <a:xfrm>
-          <a:off x="0" y="0"/>
-          <a:ext cx="0" cy="0"/>
-          <a:chOff x="0" y="0"/>
-          <a:chExt cx="0" cy="0"/>
-        </a:xfrm>
-      </p:grpSpPr>
-      <p:sp>
-        <p:nvSpPr>
-          <p:cNvPr id="140" name="Google Shape;140;p27"/>
-          <p:cNvSpPr txBox="1"/>
-          <p:nvPr>
-            <p:ph type="title"/>
-          </p:nvPr>
-        </p:nvSpPr>
-        <p:spPr>
-          <a:xfrm>
-            <a:off x="124650" y="87900"/>
-            <a:ext cx="8894700" cy="483600"/>
-          </a:xfrm>
-          <a:prstGeom prst="rect">
-            <a:avLst/>
-          </a:prstGeom>
-        </p:spPr>
-        <p:txBody>
-          <a:bodyPr anchorCtr="0" anchor="ctr" bIns="91425" lIns="91425" spcFirstLastPara="1" rIns="91425" wrap="square" tIns="91425">
-            <a:normAutofit fontScale="90000"/>
-          </a:bodyPr>
-          <a:lstStyle/>
-          <a:p>
-            <a:pPr indent="0" lvl="0" marL="0" rtl="0" algn="ctr">
-              <a:spcBef>
-                <a:spcPts val="0"/>
-              </a:spcBef>
-              <a:spcAft>
-                <a:spcPts val="0"/>
-              </a:spcAft>
-              <a:buNone/>
-            </a:pPr>
-            <a:r>
-              <a:rPr lang="en" sz="2400"/>
-              <a:t>Data before EDA and Data Engineering</a:t>
-            </a:r>
-            <a:endParaRPr sz="2400"/>
-          </a:p>
-        </p:txBody>
-      </p:sp>
-      <p:pic>
-        <p:nvPicPr>
-          <p:cNvPr id="141" name="Google Shape;141;p27"/>
-          <p:cNvPicPr preferRelativeResize="0"/>
-          <p:nvPr/>
-        </p:nvPicPr>
-        <p:blipFill>
-          <a:blip r:embed="rId3">
-            <a:alphaModFix/>
-          </a:blip>
-          <a:stretch>
-            <a:fillRect/>
-          </a:stretch>
-        </p:blipFill>
-        <p:spPr>
-          <a:xfrm>
-            <a:off x="152400" y="571500"/>
-            <a:ext cx="8839202" cy="2082346"/>
-          </a:xfrm>
-          <a:prstGeom prst="rect">
-            <a:avLst/>
-          </a:prstGeom>
-          <a:noFill/>
-          <a:ln>
-            <a:noFill/>
-          </a:ln>
-        </p:spPr>
-      </p:pic>
-      <p:pic>
-        <p:nvPicPr>
-          <p:cNvPr id="142" name="Google Shape;142;p27"/>
-          <p:cNvPicPr preferRelativeResize="0"/>
-          <p:nvPr/>
-        </p:nvPicPr>
-        <p:blipFill>
-          <a:blip r:embed="rId4">
-            <a:alphaModFix/>
-          </a:blip>
-          <a:stretch>
-            <a:fillRect/>
-          </a:stretch>
-        </p:blipFill>
-        <p:spPr>
-          <a:xfrm>
-            <a:off x="0" y="3269425"/>
-            <a:ext cx="9143997" cy="1294810"/>
-          </a:xfrm>
-          <a:prstGeom prst="rect">
-            <a:avLst/>
-          </a:prstGeom>
-          <a:noFill/>
-          <a:ln>
-            <a:noFill/>
-          </a:ln>
-        </p:spPr>
-      </p:pic>
-      <p:sp>
-        <p:nvSpPr>
-          <p:cNvPr id="143" name="Google Shape;143;p27"/>
-          <p:cNvSpPr txBox="1"/>
-          <p:nvPr/>
-        </p:nvSpPr>
-        <p:spPr>
-          <a:xfrm>
-            <a:off x="0" y="2715325"/>
-            <a:ext cx="9144000" cy="554100"/>
-          </a:xfrm>
-          <a:prstGeom prst="rect">
-            <a:avLst/>
-          </a:prstGeom>
-          <a:noFill/>
-          <a:ln>
-            <a:noFill/>
-          </a:ln>
-        </p:spPr>
-        <p:txBody>
-          <a:bodyPr anchorCtr="0" anchor="t" bIns="91425" lIns="91425" spcFirstLastPara="1" rIns="91425" wrap="square" tIns="91425">
-            <a:spAutoFit/>
-          </a:bodyPr>
-          <a:lstStyle/>
-          <a:p>
-            <a:pPr indent="0" lvl="0" marL="0" rtl="0" algn="ctr">
-              <a:spcBef>
-                <a:spcPts val="0"/>
-              </a:spcBef>
-              <a:spcAft>
-                <a:spcPts val="0"/>
-              </a:spcAft>
-              <a:buNone/>
-            </a:pPr>
-            <a:r>
-              <a:rPr lang="en" sz="2400">
-                <a:latin typeface="Roboto"/>
-                <a:ea typeface="Roboto"/>
-                <a:cs typeface="Roboto"/>
-                <a:sym typeface="Roboto"/>
-              </a:rPr>
-              <a:t>Data ready for Machine Learning after EDA and Data Engineering</a:t>
-            </a:r>
-            <a:endParaRPr sz="2400">
-              <a:latin typeface="Roboto"/>
-              <a:ea typeface="Roboto"/>
-              <a:cs typeface="Roboto"/>
-              <a:sym typeface="Roboto"/>
-            </a:endParaRPr>
-          </a:p>
-        </p:txBody>
-      </p:sp>
-    </p:spTree>
-  </p:cSld>
-  <p:clrMapOvr>
-    <a:masterClrMapping/>
-  </p:clrMapOvr>
-</p:sld>
-</file>
-
-<file path=ppt/slides/slide16.xml><?xml version="1.0" encoding="utf-8"?>
 <p:sld xmlns:a="http://schemas.openxmlformats.org/drawingml/2006/main" xmlns:r="http://schemas.openxmlformats.org/officeDocument/2006/relationships" xmlns:mc="http://schemas.openxmlformats.org/markup-compatibility/2006" xmlns:mv="urn:schemas-microsoft-com:mac:vml" xmlns:p="http://schemas.openxmlformats.org/presentationml/2006/main" xmlns:c="http://schemas.openxmlformats.org/drawingml/2006/chart" xmlns:dgm="http://schemas.openxmlformats.org/drawingml/2006/diagram" xmlns:o="urn:schemas-microsoft-com:office:office" xmlns:v="urn:schemas-microsoft-com:vml" xmlns:pvml="urn:schemas-microsoft-com:office:powerpoint" xmlns:com="http://schemas.openxmlformats.org/drawingml/2006/compatibility" xmlns:p14="http://schemas.microsoft.com/office/powerpoint/2010/main" xmlns:p15="http://schemas.microsoft.com/office/powerpoint/2012/main" xmlns:ahyp="http://schemas.microsoft.com/office/drawing/2018/hyperlinkcolor">
   <p:cSld>
     <p:spTree>
@@ -9240,26 +10368,56 @@
           <a:chExt cx="0" cy="0"/>
         </a:xfrm>
       </p:grpSpPr>
-      <p:sp>
-        <p:nvSpPr>
-          <p:cNvPr id="148" name="Google Shape;148;p28"/>
-          <p:cNvSpPr txBox="1"/>
-          <p:nvPr>
-            <p:ph type="title"/>
-          </p:nvPr>
-        </p:nvSpPr>
-        <p:spPr>
-          <a:xfrm>
-            <a:off x="490250" y="450150"/>
-            <a:ext cx="6367800" cy="4090800"/>
+      <p:pic>
+        <p:nvPicPr>
+          <p:cNvPr id="148" name="Google Shape;148;p27"/>
+          <p:cNvPicPr preferRelativeResize="0"/>
+          <p:nvPr/>
+        </p:nvPicPr>
+        <p:blipFill>
+          <a:blip r:embed="rId3">
+            <a:alphaModFix/>
+          </a:blip>
+          <a:stretch>
+            <a:fillRect/>
+          </a:stretch>
+        </p:blipFill>
+        <p:spPr>
+          <a:xfrm>
+            <a:off x="1724026" y="1114725"/>
+            <a:ext cx="6330626" cy="3876375"/>
           </a:xfrm>
           <a:prstGeom prst="rect">
             <a:avLst/>
           </a:prstGeom>
+          <a:noFill/>
+          <a:ln>
+            <a:noFill/>
+          </a:ln>
+        </p:spPr>
+      </p:pic>
+      <p:sp>
+        <p:nvSpPr>
+          <p:cNvPr id="149" name="Google Shape;149;p27"/>
+          <p:cNvSpPr txBox="1"/>
+          <p:nvPr/>
+        </p:nvSpPr>
+        <p:spPr>
+          <a:xfrm>
+            <a:off x="0" y="0"/>
+            <a:ext cx="3000000" cy="566400"/>
+          </a:xfrm>
+          <a:prstGeom prst="rect">
+            <a:avLst/>
+          </a:prstGeom>
+          <a:noFill/>
+          <a:ln>
+            <a:noFill/>
+          </a:ln>
         </p:spPr>
         <p:txBody>
-          <a:bodyPr anchorCtr="0" anchor="ctr" bIns="91425" lIns="91425" spcFirstLastPara="1" rIns="91425" wrap="square" tIns="91425">
-            <a:normAutofit/>
+          <a:bodyPr anchorCtr="0" anchor="t" bIns="91425" lIns="91425" spcFirstLastPara="1" rIns="91425" wrap="square" tIns="91425">
+            <a:spAutoFit/>
           </a:bodyPr>
           <a:lstStyle/>
           <a:p>
@@ -9273,28 +10431,208 @@
               <a:buNone/>
             </a:pPr>
             <a:r>
-              <a:rPr lang="en"/>
-              <a:t>3</a:t>
-            </a:r>
-            <a:r>
-              <a:rPr lang="en"/>
-              <a:t>. The Machine Learning Model</a:t>
+              <a:rPr lang="en" sz="2480">
+                <a:solidFill>
+                  <a:schemeClr val="dk1"/>
+                </a:solidFill>
+                <a:latin typeface="Roboto"/>
+                <a:ea typeface="Roboto"/>
+                <a:cs typeface="Roboto"/>
+                <a:sym typeface="Roboto"/>
+              </a:rPr>
+              <a:t>Worst Merchant:</a:t>
             </a:r>
             <a:endParaRPr/>
           </a:p>
-          <a:p>
-            <a:pPr indent="457200" lvl="0" marL="0" rtl="0" algn="l">
-              <a:spcBef>
-                <a:spcPts val="0"/>
-              </a:spcBef>
-              <a:spcAft>
-                <a:spcPts val="0"/>
-              </a:spcAft>
-              <a:buNone/>
-            </a:pPr>
-            <a:r>
-              <a:rPr lang="en"/>
-              <a:t>Neural Network</a:t>
+        </p:txBody>
+      </p:sp>
+      <p:pic>
+        <p:nvPicPr>
+          <p:cNvPr id="150" name="Google Shape;150;p27"/>
+          <p:cNvPicPr preferRelativeResize="0"/>
+          <p:nvPr/>
+        </p:nvPicPr>
+        <p:blipFill>
+          <a:blip r:embed="rId4">
+            <a:alphaModFix/>
+          </a:blip>
+          <a:stretch>
+            <a:fillRect/>
+          </a:stretch>
+        </p:blipFill>
+        <p:spPr>
+          <a:xfrm>
+            <a:off x="190500" y="1114725"/>
+            <a:ext cx="1238250" cy="681525"/>
+          </a:xfrm>
+          <a:prstGeom prst="rect">
+            <a:avLst/>
+          </a:prstGeom>
+          <a:noFill/>
+          <a:ln>
+            <a:noFill/>
+          </a:ln>
+        </p:spPr>
+      </p:pic>
+      <p:sp>
+        <p:nvSpPr>
+          <p:cNvPr id="151" name="Google Shape;151;p27"/>
+          <p:cNvSpPr txBox="1"/>
+          <p:nvPr/>
+        </p:nvSpPr>
+        <p:spPr>
+          <a:xfrm>
+            <a:off x="2219325" y="2410200"/>
+            <a:ext cx="676200" cy="400200"/>
+          </a:xfrm>
+          <a:prstGeom prst="rect">
+            <a:avLst/>
+          </a:prstGeom>
+          <a:noFill/>
+          <a:ln>
+            <a:noFill/>
+          </a:ln>
+        </p:spPr>
+        <p:txBody>
+          <a:bodyPr anchorCtr="0" anchor="t" bIns="91425" lIns="91425" spcFirstLastPara="1" rIns="91425" wrap="square" tIns="91425">
+            <a:spAutoFit/>
+          </a:bodyPr>
+          <a:lstStyle/>
+          <a:p>
+            <a:pPr indent="0" lvl="0" marL="0" rtl="0" algn="l">
+              <a:spcBef>
+                <a:spcPts val="0"/>
+              </a:spcBef>
+              <a:spcAft>
+                <a:spcPts val="0"/>
+              </a:spcAft>
+              <a:buNone/>
+            </a:pPr>
+            <a:r>
+              <a:rPr lang="en">
+                <a:solidFill>
+                  <a:srgbClr val="D4D4D4"/>
+                </a:solidFill>
+                <a:highlight>
+                  <a:srgbClr val="37373D"/>
+                </a:highlight>
+              </a:rPr>
+              <a:t>1324</a:t>
+            </a:r>
+            <a:endParaRPr sz="1900"/>
+          </a:p>
+        </p:txBody>
+      </p:sp>
+    </p:spTree>
+  </p:cSld>
+  <p:clrMapOvr>
+    <a:masterClrMapping/>
+  </p:clrMapOvr>
+</p:sld>
+</file>
+
+<file path=ppt/slides/slide16.xml><?xml version="1.0" encoding="utf-8"?>
+<p:sld xmlns:a="http://schemas.openxmlformats.org/drawingml/2006/main" xmlns:r="http://schemas.openxmlformats.org/officeDocument/2006/relationships" xmlns:mc="http://schemas.openxmlformats.org/markup-compatibility/2006" xmlns:mv="urn:schemas-microsoft-com:mac:vml" xmlns:p="http://schemas.openxmlformats.org/presentationml/2006/main" xmlns:c="http://schemas.openxmlformats.org/drawingml/2006/chart" xmlns:dgm="http://schemas.openxmlformats.org/drawingml/2006/diagram" xmlns:o="urn:schemas-microsoft-com:office:office" xmlns:v="urn:schemas-microsoft-com:vml" xmlns:pvml="urn:schemas-microsoft-com:office:powerpoint" xmlns:com="http://schemas.openxmlformats.org/drawingml/2006/compatibility" xmlns:p14="http://schemas.microsoft.com/office/powerpoint/2010/main" xmlns:p15="http://schemas.microsoft.com/office/powerpoint/2012/main" xmlns:ahyp="http://schemas.microsoft.com/office/drawing/2018/hyperlinkcolor">
+  <p:cSld>
+    <p:spTree>
+      <p:nvGrpSpPr>
+        <p:cNvPr id="155" name="Shape 155"/>
+        <p:cNvGrpSpPr/>
+        <p:nvPr/>
+      </p:nvGrpSpPr>
+      <p:grpSpPr>
+        <a:xfrm>
+          <a:off x="0" y="0"/>
+          <a:ext cx="0" cy="0"/>
+          <a:chOff x="0" y="0"/>
+          <a:chExt cx="0" cy="0"/>
+        </a:xfrm>
+      </p:grpSpPr>
+      <p:pic>
+        <p:nvPicPr>
+          <p:cNvPr id="156" name="Google Shape;156;p28"/>
+          <p:cNvPicPr preferRelativeResize="0"/>
+          <p:nvPr/>
+        </p:nvPicPr>
+        <p:blipFill>
+          <a:blip r:embed="rId3">
+            <a:alphaModFix/>
+          </a:blip>
+          <a:stretch>
+            <a:fillRect/>
+          </a:stretch>
+        </p:blipFill>
+        <p:spPr>
+          <a:xfrm>
+            <a:off x="923925" y="665775"/>
+            <a:ext cx="7220675" cy="4353251"/>
+          </a:xfrm>
+          <a:prstGeom prst="rect">
+            <a:avLst/>
+          </a:prstGeom>
+          <a:noFill/>
+          <a:ln>
+            <a:noFill/>
+          </a:ln>
+        </p:spPr>
+      </p:pic>
+      <p:sp>
+        <p:nvSpPr>
+          <p:cNvPr id="157" name="Google Shape;157;p28"/>
+          <p:cNvSpPr txBox="1"/>
+          <p:nvPr/>
+        </p:nvSpPr>
+        <p:spPr>
+          <a:xfrm>
+            <a:off x="0" y="0"/>
+            <a:ext cx="4848300" cy="566400"/>
+          </a:xfrm>
+          <a:prstGeom prst="rect">
+            <a:avLst/>
+          </a:prstGeom>
+          <a:noFill/>
+          <a:ln>
+            <a:noFill/>
+          </a:ln>
+        </p:spPr>
+        <p:txBody>
+          <a:bodyPr anchorCtr="0" anchor="t" bIns="91425" lIns="91425" spcFirstLastPara="1" rIns="91425" wrap="square" tIns="91425">
+            <a:spAutoFit/>
+          </a:bodyPr>
+          <a:lstStyle/>
+          <a:p>
+            <a:pPr indent="0" lvl="0" marL="0" rtl="0" algn="l">
+              <a:spcBef>
+                <a:spcPts val="0"/>
+              </a:spcBef>
+              <a:spcAft>
+                <a:spcPts val="0"/>
+              </a:spcAft>
+              <a:buNone/>
+            </a:pPr>
+            <a:r>
+              <a:rPr lang="en" sz="2480">
+                <a:solidFill>
+                  <a:schemeClr val="dk1"/>
+                </a:solidFill>
+                <a:latin typeface="Roboto"/>
+                <a:ea typeface="Roboto"/>
+                <a:cs typeface="Roboto"/>
+                <a:sym typeface="Roboto"/>
+              </a:rPr>
+              <a:t>One b</a:t>
+            </a:r>
+            <a:r>
+              <a:rPr lang="en" sz="2480">
+                <a:solidFill>
+                  <a:schemeClr val="dk1"/>
+                </a:solidFill>
+                <a:latin typeface="Roboto"/>
+                <a:ea typeface="Roboto"/>
+                <a:cs typeface="Roboto"/>
+                <a:sym typeface="Roboto"/>
+              </a:rPr>
+              <a:t>adly hit customer</a:t>
             </a:r>
             <a:endParaRPr/>
           </a:p>
@@ -9311,16 +10649,9 @@
 <file path=ppt/slides/slide17.xml><?xml version="1.0" encoding="utf-8"?>
 <p:sld xmlns:a="http://schemas.openxmlformats.org/drawingml/2006/main" xmlns:r="http://schemas.openxmlformats.org/officeDocument/2006/relationships" xmlns:mc="http://schemas.openxmlformats.org/markup-compatibility/2006" xmlns:mv="urn:schemas-microsoft-com:mac:vml" xmlns:p="http://schemas.openxmlformats.org/presentationml/2006/main" xmlns:c="http://schemas.openxmlformats.org/drawingml/2006/chart" xmlns:dgm="http://schemas.openxmlformats.org/drawingml/2006/diagram" xmlns:o="urn:schemas-microsoft-com:office:office" xmlns:v="urn:schemas-microsoft-com:vml" xmlns:pvml="urn:schemas-microsoft-com:office:powerpoint" xmlns:com="http://schemas.openxmlformats.org/drawingml/2006/compatibility" xmlns:p14="http://schemas.microsoft.com/office/powerpoint/2010/main" xmlns:p15="http://schemas.microsoft.com/office/powerpoint/2012/main" xmlns:ahyp="http://schemas.microsoft.com/office/drawing/2018/hyperlinkcolor">
   <p:cSld>
-    <p:bg>
-      <p:bgPr>
-        <a:solidFill>
-          <a:schemeClr val="lt1"/>
-        </a:solidFill>
-      </p:bgPr>
-    </p:bg>
     <p:spTree>
       <p:nvGrpSpPr>
-        <p:cNvPr id="152" name="Shape 152"/>
+        <p:cNvPr id="161" name="Shape 161"/>
         <p:cNvGrpSpPr/>
         <p:nvPr/>
       </p:nvGrpSpPr>
@@ -9334,22 +10665,21 @@
       </p:grpSpPr>
       <p:pic>
         <p:nvPicPr>
-          <p:cNvPr id="153" name="Google Shape;153;p29"/>
+          <p:cNvPr id="162" name="Google Shape;162;p29"/>
           <p:cNvPicPr preferRelativeResize="0"/>
           <p:nvPr/>
         </p:nvPicPr>
-        <p:blipFill>
+        <p:blipFill rotWithShape="1">
           <a:blip r:embed="rId3">
             <a:alphaModFix/>
           </a:blip>
-          <a:stretch>
-            <a:fillRect/>
-          </a:stretch>
+          <a:srcRect b="42615" l="0" r="0" t="53849"/>
+          <a:stretch/>
         </p:blipFill>
         <p:spPr>
           <a:xfrm>
-            <a:off x="76200" y="1041263"/>
-            <a:ext cx="8991601" cy="3060970"/>
+            <a:off x="851950" y="1085850"/>
+            <a:ext cx="7597451" cy="161925"/>
           </a:xfrm>
           <a:prstGeom prst="rect">
             <a:avLst/>
@@ -9360,6 +10690,84 @@
           </a:ln>
         </p:spPr>
       </p:pic>
+      <p:pic>
+        <p:nvPicPr>
+          <p:cNvPr id="163" name="Google Shape;163;p29"/>
+          <p:cNvPicPr preferRelativeResize="0"/>
+          <p:nvPr/>
+        </p:nvPicPr>
+        <p:blipFill>
+          <a:blip r:embed="rId4">
+            <a:alphaModFix/>
+          </a:blip>
+          <a:stretch>
+            <a:fillRect/>
+          </a:stretch>
+        </p:blipFill>
+        <p:spPr>
+          <a:xfrm>
+            <a:off x="231075" y="1753138"/>
+            <a:ext cx="8839201" cy="1637230"/>
+          </a:xfrm>
+          <a:prstGeom prst="rect">
+            <a:avLst/>
+          </a:prstGeom>
+          <a:noFill/>
+          <a:ln>
+            <a:noFill/>
+          </a:ln>
+        </p:spPr>
+      </p:pic>
+      <p:sp>
+        <p:nvSpPr>
+          <p:cNvPr id="164" name="Google Shape;164;p29"/>
+          <p:cNvSpPr txBox="1"/>
+          <p:nvPr/>
+        </p:nvSpPr>
+        <p:spPr>
+          <a:xfrm>
+            <a:off x="0" y="0"/>
+            <a:ext cx="6677100" cy="566400"/>
+          </a:xfrm>
+          <a:prstGeom prst="rect">
+            <a:avLst/>
+          </a:prstGeom>
+          <a:noFill/>
+          <a:ln>
+            <a:noFill/>
+          </a:ln>
+        </p:spPr>
+        <p:txBody>
+          <a:bodyPr anchorCtr="0" anchor="t" bIns="91425" lIns="91425" spcFirstLastPara="1" rIns="91425" wrap="square" tIns="91425">
+            <a:spAutoFit/>
+          </a:bodyPr>
+          <a:lstStyle/>
+          <a:p>
+            <a:pPr indent="0" lvl="0" marL="0" rtl="0" algn="l">
+              <a:spcBef>
+                <a:spcPts val="0"/>
+              </a:spcBef>
+              <a:spcAft>
+                <a:spcPts val="0"/>
+              </a:spcAft>
+              <a:buNone/>
+            </a:pPr>
+            <a:r>
+              <a:rPr lang="en" sz="2480">
+                <a:solidFill>
+                  <a:schemeClr val="dk1"/>
+                </a:solidFill>
+                <a:latin typeface="Roboto"/>
+                <a:ea typeface="Roboto"/>
+                <a:cs typeface="Roboto"/>
+                <a:sym typeface="Roboto"/>
+              </a:rPr>
+              <a:t>Ambiguous Customer Merchant Relationship</a:t>
+            </a:r>
+            <a:endParaRPr/>
+          </a:p>
+        </p:txBody>
+      </p:sp>
     </p:spTree>
   </p:cSld>
   <p:clrMapOvr>
@@ -9373,7 +10781,7 @@
   <p:cSld>
     <p:spTree>
       <p:nvGrpSpPr>
-        <p:cNvPr id="157" name="Shape 157"/>
+        <p:cNvPr id="168" name="Shape 168"/>
         <p:cNvGrpSpPr/>
         <p:nvPr/>
       </p:nvGrpSpPr>
@@ -9387,7 +10795,7 @@
       </p:grpSpPr>
       <p:sp>
         <p:nvSpPr>
-          <p:cNvPr id="158" name="Google Shape;158;p30"/>
+          <p:cNvPr id="169" name="Google Shape;169;p30"/>
           <p:cNvSpPr txBox="1"/>
           <p:nvPr>
             <p:ph type="title"/>
@@ -9395,7 +10803,7 @@
         </p:nvSpPr>
         <p:spPr>
           <a:xfrm>
-            <a:off x="311700" y="445025"/>
+            <a:off x="311700" y="313150"/>
             <a:ext cx="8520600" cy="572700"/>
           </a:xfrm>
           <a:prstGeom prst="rect">
@@ -9419,7 +10827,7 @@
             </a:pPr>
             <a:r>
               <a:rPr lang="en"/>
-              <a:t>3. The Machine Learning Model</a:t>
+              <a:t>EDA - Data Engineering</a:t>
             </a:r>
             <a:endParaRPr/>
           </a:p>
@@ -9427,7 +10835,7 @@
       </p:sp>
       <p:sp>
         <p:nvSpPr>
-          <p:cNvPr id="159" name="Google Shape;159;p30"/>
+          <p:cNvPr id="170" name="Google Shape;170;p30"/>
           <p:cNvSpPr txBox="1"/>
           <p:nvPr>
             <p:ph idx="1" type="body"/>
@@ -9435,8 +10843,8 @@
         </p:nvSpPr>
         <p:spPr>
           <a:xfrm>
-            <a:off x="311700" y="1401925"/>
-            <a:ext cx="8520600" cy="1774200"/>
+            <a:off x="311700" y="885850"/>
+            <a:ext cx="8520600" cy="4023300"/>
           </a:xfrm>
           <a:prstGeom prst="rect">
             <a:avLst/>
@@ -9444,156 +10852,297 @@
         </p:spPr>
         <p:txBody>
           <a:bodyPr anchorCtr="0" anchor="t" bIns="91425" lIns="91425" spcFirstLastPara="1" rIns="91425" wrap="square" tIns="91425">
-            <a:normAutofit fontScale="85000" lnSpcReduction="20000"/>
+            <a:noAutofit/>
           </a:bodyPr>
           <a:lstStyle/>
           <a:p>
+            <a:pPr indent="-335756" lvl="0" marL="457200" rtl="0" algn="l">
+              <a:lnSpc>
+                <a:spcPct val="140000"/>
+              </a:lnSpc>
+              <a:spcBef>
+                <a:spcPts val="100"/>
+              </a:spcBef>
+              <a:spcAft>
+                <a:spcPts val="0"/>
+              </a:spcAft>
+              <a:buClr>
+                <a:schemeClr val="dk1"/>
+              </a:buClr>
+              <a:buSzPts val="1688"/>
+              <a:buChar char="●"/>
+            </a:pPr>
+            <a:r>
+              <a:rPr lang="en" sz="1687">
+                <a:solidFill>
+                  <a:schemeClr val="dk1"/>
+                </a:solidFill>
+              </a:rPr>
+              <a:t>Irrelevant features were dropped:</a:t>
+            </a:r>
+            <a:endParaRPr sz="1412">
+              <a:solidFill>
+                <a:schemeClr val="dk1"/>
+              </a:solidFill>
+            </a:endParaRPr>
+          </a:p>
+          <a:p>
+            <a:pPr indent="-318293" lvl="1" marL="914400" rtl="0" algn="l">
+              <a:lnSpc>
+                <a:spcPct val="140000"/>
+              </a:lnSpc>
+              <a:spcBef>
+                <a:spcPts val="100"/>
+              </a:spcBef>
+              <a:spcAft>
+                <a:spcPts val="0"/>
+              </a:spcAft>
+              <a:buClr>
+                <a:schemeClr val="dk1"/>
+              </a:buClr>
+              <a:buSzPts val="1413"/>
+              <a:buChar char="○"/>
+            </a:pPr>
+            <a:r>
+              <a:rPr lang="en" sz="1412">
+                <a:solidFill>
+                  <a:schemeClr val="dk1"/>
+                </a:solidFill>
+              </a:rPr>
+              <a:t>    'zipMerchant' - same value for all entries</a:t>
+            </a:r>
+            <a:endParaRPr sz="1412">
+              <a:solidFill>
+                <a:schemeClr val="dk1"/>
+              </a:solidFill>
+            </a:endParaRPr>
+          </a:p>
+          <a:p>
+            <a:pPr indent="-318293" lvl="1" marL="914400" rtl="0" algn="l">
+              <a:lnSpc>
+                <a:spcPct val="140000"/>
+              </a:lnSpc>
+              <a:spcBef>
+                <a:spcPts val="100"/>
+              </a:spcBef>
+              <a:spcAft>
+                <a:spcPts val="0"/>
+              </a:spcAft>
+              <a:buClr>
+                <a:schemeClr val="dk1"/>
+              </a:buClr>
+              <a:buSzPts val="1413"/>
+              <a:buChar char="○"/>
+            </a:pPr>
+            <a:r>
+              <a:rPr lang="en" sz="1412">
+                <a:solidFill>
+                  <a:schemeClr val="dk1"/>
+                </a:solidFill>
+              </a:rPr>
+              <a:t>    'zipcodeOri'  - same value for all entries</a:t>
+            </a:r>
+            <a:endParaRPr sz="1412">
+              <a:solidFill>
+                <a:schemeClr val="dk1"/>
+              </a:solidFill>
+            </a:endParaRPr>
+          </a:p>
+          <a:p>
+            <a:pPr indent="-318293" lvl="0" marL="457200" rtl="0" algn="l">
+              <a:lnSpc>
+                <a:spcPct val="140000"/>
+              </a:lnSpc>
+              <a:spcBef>
+                <a:spcPts val="100"/>
+              </a:spcBef>
+              <a:spcAft>
+                <a:spcPts val="0"/>
+              </a:spcAft>
+              <a:buClr>
+                <a:schemeClr val="dk1"/>
+              </a:buClr>
+              <a:buSzPts val="1413"/>
+              <a:buChar char="●"/>
+            </a:pPr>
+            <a:r>
+              <a:rPr lang="en" sz="1412">
+                <a:solidFill>
+                  <a:schemeClr val="dk1"/>
+                </a:solidFill>
+              </a:rPr>
+              <a:t>Categorical Features were converted into numerical features:</a:t>
+            </a:r>
+            <a:endParaRPr sz="1412">
+              <a:solidFill>
+                <a:schemeClr val="dk1"/>
+              </a:solidFill>
+            </a:endParaRPr>
+          </a:p>
+          <a:p>
+            <a:pPr indent="-318293" lvl="1" marL="914400" rtl="0" algn="l">
+              <a:lnSpc>
+                <a:spcPct val="140000"/>
+              </a:lnSpc>
+              <a:spcBef>
+                <a:spcPts val="100"/>
+              </a:spcBef>
+              <a:spcAft>
+                <a:spcPts val="0"/>
+              </a:spcAft>
+              <a:buClr>
+                <a:schemeClr val="dk1"/>
+              </a:buClr>
+              <a:buSzPts val="1413"/>
+              <a:buChar char="○"/>
+            </a:pPr>
+            <a:r>
+              <a:rPr lang="en" sz="1412">
+                <a:solidFill>
+                  <a:schemeClr val="dk1"/>
+                </a:solidFill>
+              </a:rPr>
+              <a:t>    'Customer'</a:t>
+            </a:r>
+            <a:endParaRPr sz="1412">
+              <a:solidFill>
+                <a:schemeClr val="dk1"/>
+              </a:solidFill>
+            </a:endParaRPr>
+          </a:p>
+          <a:p>
+            <a:pPr indent="-318293" lvl="1" marL="914400" rtl="0" algn="l">
+              <a:lnSpc>
+                <a:spcPct val="140000"/>
+              </a:lnSpc>
+              <a:spcBef>
+                <a:spcPts val="100"/>
+              </a:spcBef>
+              <a:spcAft>
+                <a:spcPts val="0"/>
+              </a:spcAft>
+              <a:buClr>
+                <a:schemeClr val="dk1"/>
+              </a:buClr>
+              <a:buSzPts val="1413"/>
+              <a:buChar char="○"/>
+            </a:pPr>
+            <a:r>
+              <a:rPr lang="en" sz="1412">
+                <a:solidFill>
+                  <a:schemeClr val="dk1"/>
+                </a:solidFill>
+              </a:rPr>
+              <a:t>    'age' </a:t>
+            </a:r>
+            <a:endParaRPr sz="1412">
+              <a:solidFill>
+                <a:schemeClr val="dk1"/>
+              </a:solidFill>
+            </a:endParaRPr>
+          </a:p>
+          <a:p>
+            <a:pPr indent="-318293" lvl="1" marL="914400" rtl="0" algn="l">
+              <a:lnSpc>
+                <a:spcPct val="140000"/>
+              </a:lnSpc>
+              <a:spcBef>
+                <a:spcPts val="100"/>
+              </a:spcBef>
+              <a:spcAft>
+                <a:spcPts val="0"/>
+              </a:spcAft>
+              <a:buClr>
+                <a:schemeClr val="dk1"/>
+              </a:buClr>
+              <a:buSzPts val="1413"/>
+              <a:buChar char="○"/>
+            </a:pPr>
+            <a:r>
+              <a:rPr lang="en" sz="1412">
+                <a:solidFill>
+                  <a:schemeClr val="dk1"/>
+                </a:solidFill>
+              </a:rPr>
+              <a:t>    'gender'</a:t>
+            </a:r>
+            <a:endParaRPr sz="1412">
+              <a:solidFill>
+                <a:schemeClr val="dk1"/>
+              </a:solidFill>
+            </a:endParaRPr>
+          </a:p>
+          <a:p>
+            <a:pPr indent="-318293" lvl="1" marL="914400" rtl="0" algn="l">
+              <a:lnSpc>
+                <a:spcPct val="140000"/>
+              </a:lnSpc>
+              <a:spcBef>
+                <a:spcPts val="100"/>
+              </a:spcBef>
+              <a:spcAft>
+                <a:spcPts val="0"/>
+              </a:spcAft>
+              <a:buClr>
+                <a:schemeClr val="dk1"/>
+              </a:buClr>
+              <a:buSzPts val="1413"/>
+              <a:buChar char="○"/>
+            </a:pPr>
+            <a:r>
+              <a:rPr lang="en" sz="1412">
+                <a:solidFill>
+                  <a:schemeClr val="dk1"/>
+                </a:solidFill>
+              </a:rPr>
+              <a:t>    'merchant'</a:t>
+            </a:r>
+            <a:endParaRPr sz="1412">
+              <a:solidFill>
+                <a:schemeClr val="dk1"/>
+              </a:solidFill>
+            </a:endParaRPr>
+          </a:p>
+          <a:p>
             <a:pPr indent="0" lvl="0" marL="0" rtl="0" algn="l">
-              <a:spcBef>
-                <a:spcPts val="0"/>
-              </a:spcBef>
-              <a:spcAft>
-                <a:spcPts val="0"/>
-              </a:spcAft>
-              <a:buNone/>
-            </a:pPr>
-            <a:r>
-              <a:rPr lang="en"/>
-              <a:t>In this section, you will go over the following:</a:t>
-            </a:r>
-            <a:endParaRPr/>
-          </a:p>
-          <a:p>
-            <a:pPr indent="-325755" lvl="0" marL="457200" rtl="0" algn="l">
-              <a:spcBef>
-                <a:spcPts val="1200"/>
-              </a:spcBef>
-              <a:spcAft>
-                <a:spcPts val="0"/>
-              </a:spcAft>
-              <a:buSzPct val="100000"/>
-              <a:buAutoNum type="arabicPeriod"/>
-            </a:pPr>
-            <a:r>
-              <a:rPr lang="en"/>
-              <a:t>Neural Networks Model which comes under Deep Learning</a:t>
-            </a:r>
-            <a:endParaRPr/>
-          </a:p>
-          <a:p>
-            <a:pPr indent="-325755" lvl="0" marL="457200" rtl="0" algn="l">
-              <a:spcBef>
-                <a:spcPts val="0"/>
-              </a:spcBef>
-              <a:spcAft>
-                <a:spcPts val="0"/>
-              </a:spcAft>
-              <a:buSzPct val="100000"/>
-              <a:buAutoNum type="arabicPeriod"/>
-            </a:pPr>
-            <a:r>
-              <a:rPr lang="en"/>
-              <a:t>The features of the model are amount of the transactions and the categories which different </a:t>
-            </a:r>
-            <a:r>
-              <a:rPr lang="en"/>
-              <a:t>transaction</a:t>
-            </a:r>
-            <a:r>
-              <a:rPr lang="en"/>
-              <a:t> fall into and label for the model is to predict which is fraud or not.</a:t>
-            </a:r>
-            <a:endParaRPr/>
-          </a:p>
-          <a:p>
-            <a:pPr indent="-325755" lvl="0" marL="457200" rtl="0" algn="l">
-              <a:spcBef>
-                <a:spcPts val="0"/>
-              </a:spcBef>
-              <a:spcAft>
-                <a:spcPts val="0"/>
-              </a:spcAft>
-              <a:buSzPct val="100000"/>
-              <a:buAutoNum type="arabicPeriod"/>
-            </a:pPr>
-            <a:r>
-              <a:rPr lang="en"/>
-              <a:t>The reason you chose this ML model</a:t>
-            </a:r>
-            <a:endParaRPr/>
-          </a:p>
-          <a:p>
-            <a:pPr indent="-325755" lvl="0" marL="457200" rtl="0" algn="l">
-              <a:spcBef>
-                <a:spcPts val="0"/>
-              </a:spcBef>
-              <a:spcAft>
-                <a:spcPts val="0"/>
-              </a:spcAft>
-              <a:buSzPct val="100000"/>
-              <a:buAutoNum type="arabicPeriod"/>
-            </a:pPr>
-            <a:r>
-              <a:rPr lang="en"/>
-              <a:t>How this model compares to other </a:t>
-            </a:r>
-            <a:r>
-              <a:rPr lang="en"/>
-              <a:t>ML models</a:t>
-            </a:r>
-            <a:endParaRPr/>
-          </a:p>
-        </p:txBody>
-      </p:sp>
-      <p:sp>
-        <p:nvSpPr>
-          <p:cNvPr id="160" name="Google Shape;160;p30"/>
-          <p:cNvSpPr txBox="1"/>
-          <p:nvPr/>
-        </p:nvSpPr>
-        <p:spPr>
-          <a:xfrm>
-            <a:off x="445650" y="3305200"/>
-            <a:ext cx="5347800" cy="400200"/>
-          </a:xfrm>
-          <a:prstGeom prst="rect">
-            <a:avLst/>
-          </a:prstGeom>
-          <a:noFill/>
-          <a:ln>
-            <a:noFill/>
-          </a:ln>
-        </p:spPr>
-        <p:txBody>
-          <a:bodyPr anchorCtr="0" anchor="t" bIns="91425" lIns="91425" spcFirstLastPara="1" rIns="91425" wrap="square" tIns="91425">
-            <a:spAutoFit/>
-          </a:bodyPr>
-          <a:lstStyle/>
+              <a:lnSpc>
+                <a:spcPct val="140000"/>
+              </a:lnSpc>
+              <a:spcBef>
+                <a:spcPts val="100"/>
+              </a:spcBef>
+              <a:spcAft>
+                <a:spcPts val="0"/>
+              </a:spcAft>
+              <a:buNone/>
+            </a:pPr>
+            <a:r>
+              <a:t/>
+            </a:r>
+            <a:endParaRPr sz="1412">
+              <a:solidFill>
+                <a:schemeClr val="dk1"/>
+              </a:solidFill>
+            </a:endParaRPr>
+          </a:p>
           <a:p>
             <a:pPr indent="0" lvl="0" marL="0" rtl="0" algn="l">
-              <a:spcBef>
-                <a:spcPts val="0"/>
-              </a:spcBef>
-              <a:spcAft>
-                <a:spcPts val="0"/>
-              </a:spcAft>
-              <a:buNone/>
-            </a:pPr>
-            <a:r>
-              <a:rPr lang="en">
-                <a:latin typeface="Roboto"/>
-                <a:ea typeface="Roboto"/>
-                <a:cs typeface="Roboto"/>
-                <a:sym typeface="Roboto"/>
-              </a:rPr>
-              <a:t>* For example: regression, classification, or clustering.</a:t>
-            </a:r>
-            <a:endParaRPr>
-              <a:latin typeface="Roboto"/>
-              <a:ea typeface="Roboto"/>
-              <a:cs typeface="Roboto"/>
-              <a:sym typeface="Roboto"/>
-            </a:endParaRPr>
+              <a:lnSpc>
+                <a:spcPct val="90000"/>
+              </a:lnSpc>
+              <a:spcBef>
+                <a:spcPts val="100"/>
+              </a:spcBef>
+              <a:spcAft>
+                <a:spcPts val="100"/>
+              </a:spcAft>
+              <a:buSzPts val="688"/>
+              <a:buNone/>
+            </a:pPr>
+            <a:r>
+              <a:t/>
+            </a:r>
+            <a:endParaRPr sz="1125"/>
           </a:p>
         </p:txBody>
       </p:sp>
@@ -9610,7 +11159,7 @@
   <p:cSld>
     <p:spTree>
       <p:nvGrpSpPr>
-        <p:cNvPr id="164" name="Shape 164"/>
+        <p:cNvPr id="174" name="Shape 174"/>
         <p:cNvGrpSpPr/>
         <p:nvPr/>
       </p:nvGrpSpPr>
@@ -9624,14 +11173,62 @@
       </p:grpSpPr>
       <p:sp>
         <p:nvSpPr>
-          <p:cNvPr id="165" name="Google Shape;165;p31"/>
+          <p:cNvPr id="175" name="Google Shape;175;p31"/>
           <p:cNvSpPr txBox="1"/>
+          <p:nvPr>
+            <p:ph type="title"/>
+          </p:nvPr>
+        </p:nvSpPr>
+        <p:spPr>
+          <a:xfrm>
+            <a:off x="124650" y="87900"/>
+            <a:ext cx="8894700" cy="483600"/>
+          </a:xfrm>
+          <a:prstGeom prst="rect">
+            <a:avLst/>
+          </a:prstGeom>
+        </p:spPr>
+        <p:txBody>
+          <a:bodyPr anchorCtr="0" anchor="ctr" bIns="91425" lIns="91425" spcFirstLastPara="1" rIns="91425" wrap="square" tIns="91425">
+            <a:normAutofit fontScale="90000"/>
+          </a:bodyPr>
+          <a:lstStyle/>
+          <a:p>
+            <a:pPr indent="0" lvl="0" marL="0" rtl="0" algn="ctr">
+              <a:spcBef>
+                <a:spcPts val="0"/>
+              </a:spcBef>
+              <a:spcAft>
+                <a:spcPts val="0"/>
+              </a:spcAft>
+              <a:buNone/>
+            </a:pPr>
+            <a:r>
+              <a:rPr lang="en" sz="2400"/>
+              <a:t>Data before EDA and Data Engineering</a:t>
+            </a:r>
+            <a:endParaRPr sz="2400"/>
+          </a:p>
+        </p:txBody>
+      </p:sp>
+      <p:pic>
+        <p:nvPicPr>
+          <p:cNvPr id="176" name="Google Shape;176;p31"/>
+          <p:cNvPicPr preferRelativeResize="0"/>
           <p:nvPr/>
-        </p:nvSpPr>
-        <p:spPr>
-          <a:xfrm>
-            <a:off x="566125" y="720550"/>
-            <a:ext cx="7342500" cy="554100"/>
+        </p:nvPicPr>
+        <p:blipFill>
+          <a:blip r:embed="rId3">
+            <a:alphaModFix/>
+          </a:blip>
+          <a:stretch>
+            <a:fillRect/>
+          </a:stretch>
+        </p:blipFill>
+        <p:spPr>
+          <a:xfrm>
+            <a:off x="152400" y="571500"/>
+            <a:ext cx="8839202" cy="2082346"/>
           </a:xfrm>
           <a:prstGeom prst="rect">
             <a:avLst/>
@@ -9641,49 +11238,17 @@
             <a:noFill/>
           </a:ln>
         </p:spPr>
-        <p:txBody>
-          <a:bodyPr anchorCtr="0" anchor="t" bIns="91425" lIns="91425" spcFirstLastPara="1" rIns="91425" wrap="square" tIns="91425">
-            <a:spAutoFit/>
-          </a:bodyPr>
-          <a:lstStyle/>
-          <a:p>
-            <a:pPr indent="0" lvl="0" marL="0" rtl="0" algn="ctr">
-              <a:spcBef>
-                <a:spcPts val="0"/>
-              </a:spcBef>
-              <a:spcAft>
-                <a:spcPts val="0"/>
-              </a:spcAft>
-              <a:buNone/>
-            </a:pPr>
-            <a:r>
-              <a:rPr lang="en" sz="2400">
-                <a:latin typeface="Georgia"/>
-                <a:ea typeface="Georgia"/>
-                <a:cs typeface="Georgia"/>
-                <a:sym typeface="Georgia"/>
-              </a:rPr>
-              <a:t>Results of Neural Network Model</a:t>
-            </a:r>
-            <a:endParaRPr sz="2400">
-              <a:latin typeface="Georgia"/>
-              <a:ea typeface="Georgia"/>
-              <a:cs typeface="Georgia"/>
-              <a:sym typeface="Georgia"/>
-            </a:endParaRPr>
-          </a:p>
-        </p:txBody>
-      </p:sp>
+      </p:pic>
       <p:sp>
         <p:nvSpPr>
-          <p:cNvPr id="166" name="Google Shape;166;p31"/>
+          <p:cNvPr id="177" name="Google Shape;177;p31"/>
           <p:cNvSpPr txBox="1"/>
           <p:nvPr/>
         </p:nvSpPr>
         <p:spPr>
           <a:xfrm>
-            <a:off x="299800" y="1665575"/>
-            <a:ext cx="8511000" cy="2016300"/>
+            <a:off x="0" y="2715325"/>
+            <a:ext cx="9144000" cy="554100"/>
           </a:xfrm>
           <a:prstGeom prst="rect">
             <a:avLst/>
@@ -9699,275 +11264,66 @@
           </a:bodyPr>
           <a:lstStyle/>
           <a:p>
-            <a:pPr indent="0" lvl="0" marL="0" rtl="0" algn="l">
-              <a:spcBef>
-                <a:spcPts val="0"/>
-              </a:spcBef>
-              <a:spcAft>
-                <a:spcPts val="0"/>
-              </a:spcAft>
-              <a:buClr>
-                <a:schemeClr val="dk1"/>
-              </a:buClr>
-              <a:buSzPts val="1100"/>
-              <a:buFont typeface="Arial"/>
-              <a:buNone/>
-            </a:pPr>
-            <a:r>
-              <a:rPr b="1" lang="en" sz="2100">
+            <a:pPr indent="0" lvl="0" marL="0" rtl="0" algn="ctr">
+              <a:spcBef>
+                <a:spcPts val="0"/>
+              </a:spcBef>
+              <a:spcAft>
+                <a:spcPts val="0"/>
+              </a:spcAft>
+              <a:buNone/>
+            </a:pPr>
+            <a:r>
+              <a:rPr lang="en" sz="2400">
                 <a:latin typeface="Roboto"/>
                 <a:ea typeface="Roboto"/>
                 <a:cs typeface="Roboto"/>
                 <a:sym typeface="Roboto"/>
               </a:rPr>
-              <a:t>Total Fraud Cases: 118929</a:t>
-            </a:r>
-            <a:endParaRPr b="1" sz="2100">
+              <a:t>Data ready for Machine Learning after EDA and Data Engineering</a:t>
+            </a:r>
+            <a:endParaRPr sz="2400">
               <a:latin typeface="Roboto"/>
               <a:ea typeface="Roboto"/>
               <a:cs typeface="Roboto"/>
               <a:sym typeface="Roboto"/>
             </a:endParaRPr>
           </a:p>
-          <a:p>
-            <a:pPr indent="0" lvl="0" marL="0" rtl="0" algn="l">
-              <a:spcBef>
-                <a:spcPts val="0"/>
-              </a:spcBef>
-              <a:spcAft>
-                <a:spcPts val="0"/>
-              </a:spcAft>
-              <a:buClr>
-                <a:schemeClr val="dk1"/>
-              </a:buClr>
-              <a:buSzPts val="1100"/>
-              <a:buFont typeface="Arial"/>
-              <a:buNone/>
-            </a:pPr>
-            <a:r>
-              <a:rPr b="1" lang="en" sz="2100">
-                <a:latin typeface="Roboto"/>
-                <a:ea typeface="Roboto"/>
-                <a:cs typeface="Roboto"/>
-                <a:sym typeface="Roboto"/>
-              </a:rPr>
-              <a:t>Likely Fraud: 1692</a:t>
-            </a:r>
-            <a:endParaRPr b="1" sz="2100">
-              <a:latin typeface="Roboto"/>
-              <a:ea typeface="Roboto"/>
-              <a:cs typeface="Roboto"/>
-              <a:sym typeface="Roboto"/>
-            </a:endParaRPr>
-          </a:p>
-          <a:p>
-            <a:pPr indent="0" lvl="0" marL="0" rtl="0" algn="l">
-              <a:spcBef>
-                <a:spcPts val="0"/>
-              </a:spcBef>
-              <a:spcAft>
-                <a:spcPts val="0"/>
-              </a:spcAft>
-              <a:buClr>
-                <a:schemeClr val="dk1"/>
-              </a:buClr>
-              <a:buSzPts val="1100"/>
-              <a:buFont typeface="Arial"/>
-              <a:buNone/>
-            </a:pPr>
-            <a:r>
-              <a:rPr b="1" lang="en" sz="2100">
-                <a:latin typeface="Roboto"/>
-                <a:ea typeface="Roboto"/>
-                <a:cs typeface="Roboto"/>
-                <a:sym typeface="Roboto"/>
-              </a:rPr>
-              <a:t>Actual Fraud: 1134</a:t>
-            </a:r>
-            <a:endParaRPr b="1" sz="2100">
-              <a:latin typeface="Roboto"/>
-              <a:ea typeface="Roboto"/>
-              <a:cs typeface="Roboto"/>
-              <a:sym typeface="Roboto"/>
-            </a:endParaRPr>
-          </a:p>
-          <a:p>
-            <a:pPr indent="0" lvl="0" marL="0" rtl="0" algn="l">
-              <a:spcBef>
-                <a:spcPts val="0"/>
-              </a:spcBef>
-              <a:spcAft>
-                <a:spcPts val="0"/>
-              </a:spcAft>
-              <a:buClr>
-                <a:schemeClr val="dk1"/>
-              </a:buClr>
-              <a:buSzPts val="1100"/>
-              <a:buFont typeface="Arial"/>
-              <a:buNone/>
-            </a:pPr>
-            <a:r>
-              <a:rPr b="1" lang="en" sz="2100">
-                <a:latin typeface="Roboto"/>
-                <a:ea typeface="Roboto"/>
-                <a:cs typeface="Roboto"/>
-                <a:sym typeface="Roboto"/>
-              </a:rPr>
-              <a:t>This Model Is Able To Predict </a:t>
-            </a:r>
-            <a:r>
-              <a:rPr b="1" lang="en" sz="2100">
-                <a:solidFill>
-                  <a:srgbClr val="FF0000"/>
-                </a:solidFill>
-                <a:latin typeface="Roboto"/>
-                <a:ea typeface="Roboto"/>
-                <a:cs typeface="Roboto"/>
-                <a:sym typeface="Roboto"/>
-              </a:rPr>
-              <a:t>0.95 %</a:t>
-            </a:r>
-            <a:r>
-              <a:rPr b="1" lang="en" sz="2100">
-                <a:latin typeface="Roboto"/>
-                <a:ea typeface="Roboto"/>
-                <a:cs typeface="Roboto"/>
-                <a:sym typeface="Roboto"/>
-              </a:rPr>
-              <a:t> Of Fraud With An Accuracy Of </a:t>
-            </a:r>
-            <a:r>
-              <a:rPr b="1" lang="en" sz="2100">
-                <a:solidFill>
-                  <a:srgbClr val="FF0000"/>
-                </a:solidFill>
-                <a:latin typeface="Roboto"/>
-                <a:ea typeface="Roboto"/>
-                <a:cs typeface="Roboto"/>
-                <a:sym typeface="Roboto"/>
-              </a:rPr>
-              <a:t>67.02%</a:t>
-            </a:r>
-            <a:endParaRPr b="1" sz="2100">
-              <a:solidFill>
-                <a:srgbClr val="FF0000"/>
-              </a:solidFill>
-              <a:latin typeface="Roboto"/>
-              <a:ea typeface="Roboto"/>
-              <a:cs typeface="Roboto"/>
-              <a:sym typeface="Roboto"/>
-            </a:endParaRPr>
-          </a:p>
-          <a:p>
-            <a:pPr indent="0" lvl="0" marL="0" rtl="0" algn="l">
-              <a:spcBef>
-                <a:spcPts val="0"/>
-              </a:spcBef>
-              <a:spcAft>
-                <a:spcPts val="0"/>
-              </a:spcAft>
-              <a:buNone/>
-            </a:pPr>
-            <a:r>
-              <a:t/>
-            </a:r>
-            <a:endParaRPr>
-              <a:latin typeface="Roboto"/>
-              <a:ea typeface="Roboto"/>
-              <a:cs typeface="Roboto"/>
-              <a:sym typeface="Roboto"/>
-            </a:endParaRPr>
-          </a:p>
         </p:txBody>
       </p:sp>
+      <p:pic>
+        <p:nvPicPr>
+          <p:cNvPr id="178" name="Google Shape;178;p31"/>
+          <p:cNvPicPr preferRelativeResize="0"/>
+          <p:nvPr/>
+        </p:nvPicPr>
+        <p:blipFill>
+          <a:blip r:embed="rId4">
+            <a:alphaModFix/>
+          </a:blip>
+          <a:stretch>
+            <a:fillRect/>
+          </a:stretch>
+        </p:blipFill>
+        <p:spPr>
+          <a:xfrm>
+            <a:off x="152400" y="3421825"/>
+            <a:ext cx="8392584" cy="1569275"/>
+          </a:xfrm>
+          <a:prstGeom prst="rect">
+            <a:avLst/>
+          </a:prstGeom>
+          <a:noFill/>
+          <a:ln>
+            <a:noFill/>
+          </a:ln>
+        </p:spPr>
+      </p:pic>
     </p:spTree>
   </p:cSld>
   <p:clrMapOvr>
     <a:masterClrMapping/>
   </p:clrMapOvr>
-  <p:timing>
-    <p:tnLst>
-      <p:par>
-        <p:cTn dur="indefinite" nodeType="tmRoot" restart="never">
-          <p:childTnLst>
-            <p:seq concurrent="1" nextAc="seek">
-              <p:cTn dur="indefinite" id="2" nodeType="mainSeq">
-                <p:childTnLst>
-                  <p:par>
-                    <p:cTn fill="hold">
-                      <p:stCondLst>
-                        <p:cond delay="indefinite"/>
-                      </p:stCondLst>
-                      <p:childTnLst>
-                        <p:par>
-                          <p:cTn fill="hold">
-                            <p:stCondLst>
-                              <p:cond delay="0"/>
-                            </p:stCondLst>
-                            <p:childTnLst>
-                              <p:par>
-                                <p:cTn fill="hold" nodeType="clickEffect" presetClass="entr" presetID="10" presetSubtype="0">
-                                  <p:stCondLst>
-                                    <p:cond delay="0"/>
-                                  </p:stCondLst>
-                                  <p:childTnLst>
-                                    <p:set>
-                                      <p:cBhvr>
-                                        <p:cTn dur="1" fill="hold">
-                                          <p:stCondLst>
-                                            <p:cond delay="0"/>
-                                          </p:stCondLst>
-                                        </p:cTn>
-                                        <p:tgtEl>
-                                          <p:spTgt spid="166"/>
-                                        </p:tgtEl>
-                                        <p:attrNameLst>
-                                          <p:attrName>style.visibility</p:attrName>
-                                        </p:attrNameLst>
-                                      </p:cBhvr>
-                                      <p:to>
-                                        <p:strVal val="visible"/>
-                                      </p:to>
-                                    </p:set>
-                                    <p:animEffect filter="fade" transition="in">
-                                      <p:cBhvr>
-                                        <p:cTn dur="1000"/>
-                                        <p:tgtEl>
-                                          <p:spTgt spid="166"/>
-                                        </p:tgtEl>
-                                      </p:cBhvr>
-                                    </p:animEffect>
-                                  </p:childTnLst>
-                                </p:cTn>
-                              </p:par>
-                            </p:childTnLst>
-                          </p:cTn>
-                        </p:par>
-                      </p:childTnLst>
-                    </p:cTn>
-                  </p:par>
-                </p:childTnLst>
-              </p:cTn>
-              <p:prevCondLst>
-                <p:cond evt="onPrev">
-                  <p:tgtEl>
-                    <p:sldTgt/>
-                  </p:tgtEl>
-                </p:cond>
-              </p:prevCondLst>
-              <p:nextCondLst>
-                <p:cond evt="onNext">
-                  <p:tgtEl>
-                    <p:sldTgt/>
-                  </p:tgtEl>
-                </p:cond>
-              </p:nextCondLst>
-            </p:seq>
-          </p:childTnLst>
-        </p:cTn>
-      </p:par>
-    </p:tnLst>
-  </p:timing>
 </p:sld>
 </file>
 
@@ -10479,7 +11835,7 @@
   <p:cSld>
     <p:spTree>
       <p:nvGrpSpPr>
-        <p:cNvPr id="170" name="Shape 170"/>
+        <p:cNvPr id="182" name="Shape 182"/>
         <p:cNvGrpSpPr/>
         <p:nvPr/>
       </p:nvGrpSpPr>
@@ -10493,61 +11849,45 @@
       </p:grpSpPr>
       <p:sp>
         <p:nvSpPr>
-          <p:cNvPr id="171" name="Google Shape;171;p32"/>
+          <p:cNvPr id="183" name="Google Shape;183;p32"/>
           <p:cNvSpPr txBox="1"/>
-          <p:nvPr/>
+          <p:nvPr>
+            <p:ph type="title"/>
+          </p:nvPr>
         </p:nvSpPr>
         <p:spPr>
           <a:xfrm>
-            <a:off x="720525" y="291625"/>
-            <a:ext cx="7342500" cy="554100"/>
+            <a:off x="490250" y="450150"/>
+            <a:ext cx="6367800" cy="4090800"/>
           </a:xfrm>
           <a:prstGeom prst="rect">
             <a:avLst/>
           </a:prstGeom>
-          <a:noFill/>
-          <a:ln>
-            <a:noFill/>
-          </a:ln>
         </p:spPr>
         <p:txBody>
-          <a:bodyPr anchorCtr="0" anchor="t" bIns="91425" lIns="91425" spcFirstLastPara="1" rIns="91425" wrap="square" tIns="91425">
-            <a:spAutoFit/>
+          <a:bodyPr anchorCtr="0" anchor="ctr" bIns="91425" lIns="91425" spcFirstLastPara="1" rIns="91425" wrap="square" tIns="91425">
+            <a:normAutofit/>
           </a:bodyPr>
           <a:lstStyle/>
           <a:p>
-            <a:pPr indent="0" lvl="0" marL="0" rtl="0" algn="ctr">
-              <a:spcBef>
-                <a:spcPts val="0"/>
-              </a:spcBef>
-              <a:spcAft>
-                <a:spcPts val="0"/>
-              </a:spcAft>
-              <a:buClr>
-                <a:schemeClr val="dk1"/>
-              </a:buClr>
-              <a:buSzPts val="1100"/>
-              <a:buFont typeface="Arial"/>
-              <a:buNone/>
-            </a:pPr>
-            <a:r>
-              <a:rPr lang="en" sz="2400">
-                <a:solidFill>
-                  <a:schemeClr val="dk1"/>
-                </a:solidFill>
-                <a:latin typeface="Georgia"/>
-                <a:ea typeface="Georgia"/>
-                <a:cs typeface="Georgia"/>
-                <a:sym typeface="Georgia"/>
-              </a:rPr>
-              <a:t>Results of Neural Network Model</a:t>
-            </a:r>
-            <a:endParaRPr>
-              <a:latin typeface="Roboto"/>
-              <a:ea typeface="Roboto"/>
-              <a:cs typeface="Roboto"/>
-              <a:sym typeface="Roboto"/>
-            </a:endParaRPr>
+            <a:pPr indent="0" lvl="0" marL="0" rtl="0" algn="l">
+              <a:spcBef>
+                <a:spcPts val="0"/>
+              </a:spcBef>
+              <a:spcAft>
+                <a:spcPts val="0"/>
+              </a:spcAft>
+              <a:buNone/>
+            </a:pPr>
+            <a:r>
+              <a:rPr lang="en"/>
+              <a:t>3</a:t>
+            </a:r>
+            <a:r>
+              <a:rPr lang="en"/>
+              <a:t>. The Machine Learning Model</a:t>
+            </a:r>
+            <a:endParaRPr/>
           </a:p>
         </p:txBody>
       </p:sp>
@@ -10562,9 +11902,16 @@
 <file path=ppt/slides/slide21.xml><?xml version="1.0" encoding="utf-8"?>
 <p:sld xmlns:a="http://schemas.openxmlformats.org/drawingml/2006/main" xmlns:r="http://schemas.openxmlformats.org/officeDocument/2006/relationships" xmlns:mc="http://schemas.openxmlformats.org/markup-compatibility/2006" xmlns:mv="urn:schemas-microsoft-com:mac:vml" xmlns:p="http://schemas.openxmlformats.org/presentationml/2006/main" xmlns:c="http://schemas.openxmlformats.org/drawingml/2006/chart" xmlns:dgm="http://schemas.openxmlformats.org/drawingml/2006/diagram" xmlns:o="urn:schemas-microsoft-com:office:office" xmlns:v="urn:schemas-microsoft-com:vml" xmlns:pvml="urn:schemas-microsoft-com:office:powerpoint" xmlns:com="http://schemas.openxmlformats.org/drawingml/2006/compatibility" xmlns:p14="http://schemas.microsoft.com/office/powerpoint/2010/main" xmlns:p15="http://schemas.microsoft.com/office/powerpoint/2012/main" xmlns:ahyp="http://schemas.microsoft.com/office/drawing/2018/hyperlinkcolor">
   <p:cSld>
+    <p:bg>
+      <p:bgPr>
+        <a:solidFill>
+          <a:schemeClr val="lt1"/>
+        </a:solidFill>
+      </p:bgPr>
+    </p:bg>
     <p:spTree>
       <p:nvGrpSpPr>
-        <p:cNvPr id="175" name="Shape 175"/>
+        <p:cNvPr id="187" name="Shape 187"/>
         <p:cNvGrpSpPr/>
         <p:nvPr/>
       </p:nvGrpSpPr>
@@ -10578,27 +11925,107 @@
       </p:grpSpPr>
       <p:sp>
         <p:nvSpPr>
-          <p:cNvPr id="176" name="Google Shape;176;p33"/>
+          <p:cNvPr id="188" name="Google Shape;188;p33"/>
           <p:cNvSpPr txBox="1"/>
-          <p:nvPr>
-            <p:ph type="title"/>
-          </p:nvPr>
+          <p:nvPr/>
         </p:nvSpPr>
         <p:spPr>
           <a:xfrm>
-            <a:off x="490250" y="450150"/>
-            <a:ext cx="6367800" cy="4090800"/>
+            <a:off x="274800" y="233200"/>
+            <a:ext cx="8594400" cy="461700"/>
           </a:xfrm>
           <a:prstGeom prst="rect">
             <a:avLst/>
           </a:prstGeom>
+          <a:noFill/>
+          <a:ln>
+            <a:noFill/>
+          </a:ln>
         </p:spPr>
         <p:txBody>
-          <a:bodyPr anchorCtr="0" anchor="ctr" bIns="91425" lIns="91425" spcFirstLastPara="1" rIns="91425" wrap="square" tIns="91425">
-            <a:normAutofit/>
+          <a:bodyPr anchorCtr="0" anchor="t" bIns="91425" lIns="91425" spcFirstLastPara="1" rIns="91425" wrap="square" tIns="91425">
+            <a:spAutoFit/>
           </a:bodyPr>
           <a:lstStyle/>
           <a:p>
+            <a:pPr indent="0" lvl="0" marL="0" rtl="0" algn="ctr">
+              <a:spcBef>
+                <a:spcPts val="0"/>
+              </a:spcBef>
+              <a:spcAft>
+                <a:spcPts val="0"/>
+              </a:spcAft>
+              <a:buNone/>
+            </a:pPr>
+            <a:r>
+              <a:rPr b="1" lang="en" sz="1800">
+                <a:solidFill>
+                  <a:srgbClr val="666666"/>
+                </a:solidFill>
+                <a:latin typeface="Roboto"/>
+                <a:ea typeface="Roboto"/>
+                <a:cs typeface="Roboto"/>
+                <a:sym typeface="Roboto"/>
+              </a:rPr>
+              <a:t>Tried and tested with Neural Network Model from Deep Learning</a:t>
+            </a:r>
+            <a:endParaRPr b="1"/>
+          </a:p>
+        </p:txBody>
+      </p:sp>
+      <p:pic>
+        <p:nvPicPr>
+          <p:cNvPr id="189" name="Google Shape;189;p33"/>
+          <p:cNvPicPr preferRelativeResize="0"/>
+          <p:nvPr/>
+        </p:nvPicPr>
+        <p:blipFill>
+          <a:blip r:embed="rId3">
+            <a:alphaModFix/>
+          </a:blip>
+          <a:stretch>
+            <a:fillRect/>
+          </a:stretch>
+        </p:blipFill>
+        <p:spPr>
+          <a:xfrm>
+            <a:off x="1088739" y="873450"/>
+            <a:ext cx="7263025" cy="2472525"/>
+          </a:xfrm>
+          <a:prstGeom prst="rect">
+            <a:avLst/>
+          </a:prstGeom>
+          <a:noFill/>
+          <a:ln>
+            <a:noFill/>
+          </a:ln>
+        </p:spPr>
+      </p:pic>
+      <p:sp>
+        <p:nvSpPr>
+          <p:cNvPr id="190" name="Google Shape;190;p33"/>
+          <p:cNvSpPr txBox="1"/>
+          <p:nvPr/>
+        </p:nvSpPr>
+        <p:spPr>
+          <a:xfrm>
+            <a:off x="1049316" y="3524525"/>
+            <a:ext cx="2179800" cy="992700"/>
+          </a:xfrm>
+          <a:prstGeom prst="rect">
+            <a:avLst/>
+          </a:prstGeom>
+          <a:noFill/>
+          <a:ln>
+            <a:noFill/>
+          </a:ln>
+        </p:spPr>
+        <p:txBody>
+          <a:bodyPr anchorCtr="0" anchor="t" bIns="91425" lIns="91425" spcFirstLastPara="1" rIns="91425" wrap="square" tIns="91425">
+            <a:spAutoFit/>
+          </a:bodyPr>
+          <a:lstStyle/>
+          <a:p>
             <a:pPr indent="0" lvl="0" marL="0" rtl="0" algn="l">
               <a:spcBef>
                 <a:spcPts val="0"/>
@@ -10606,15 +12033,348 @@
               <a:spcAft>
                 <a:spcPts val="0"/>
               </a:spcAft>
-              <a:buNone/>
-            </a:pPr>
-            <a:r>
-              <a:rPr lang="en"/>
-              <a:t>4</a:t>
-            </a:r>
-            <a:r>
-              <a:rPr lang="en"/>
-              <a:t>. Machine Learning Analysis</a:t>
+              <a:buClr>
+                <a:schemeClr val="dk1"/>
+              </a:buClr>
+              <a:buSzPts val="1100"/>
+              <a:buFont typeface="Arial"/>
+              <a:buNone/>
+            </a:pPr>
+            <a:r>
+              <a:rPr lang="en" sz="1050">
+                <a:solidFill>
+                  <a:schemeClr val="accent2"/>
+                </a:solidFill>
+                <a:highlight>
+                  <a:srgbClr val="FFFFFF"/>
+                </a:highlight>
+                <a:latin typeface="Courier New"/>
+                <a:ea typeface="Courier New"/>
+                <a:cs typeface="Courier New"/>
+                <a:sym typeface="Courier New"/>
+              </a:rPr>
+              <a:t>Total Test Cases: 237858</a:t>
+            </a:r>
+            <a:endParaRPr sz="1050">
+              <a:solidFill>
+                <a:schemeClr val="accent2"/>
+              </a:solidFill>
+              <a:highlight>
+                <a:srgbClr val="FFFFFF"/>
+              </a:highlight>
+              <a:latin typeface="Courier New"/>
+              <a:ea typeface="Courier New"/>
+              <a:cs typeface="Courier New"/>
+              <a:sym typeface="Courier New"/>
+            </a:endParaRPr>
+          </a:p>
+          <a:p>
+            <a:pPr indent="0" lvl="0" marL="0" rtl="0" algn="l">
+              <a:spcBef>
+                <a:spcPts val="0"/>
+              </a:spcBef>
+              <a:spcAft>
+                <a:spcPts val="0"/>
+              </a:spcAft>
+              <a:buClr>
+                <a:schemeClr val="dk1"/>
+              </a:buClr>
+              <a:buSzPts val="1100"/>
+              <a:buFont typeface="Arial"/>
+              <a:buNone/>
+            </a:pPr>
+            <a:r>
+              <a:rPr lang="en" sz="1050">
+                <a:solidFill>
+                  <a:schemeClr val="accent2"/>
+                </a:solidFill>
+                <a:highlight>
+                  <a:srgbClr val="FFFFFF"/>
+                </a:highlight>
+                <a:latin typeface="Courier New"/>
+                <a:ea typeface="Courier New"/>
+                <a:cs typeface="Courier New"/>
+                <a:sym typeface="Courier New"/>
+              </a:rPr>
+              <a:t>Predicted Fraud: 2344</a:t>
+            </a:r>
+            <a:endParaRPr sz="1050">
+              <a:solidFill>
+                <a:schemeClr val="accent2"/>
+              </a:solidFill>
+              <a:highlight>
+                <a:srgbClr val="FFFFFF"/>
+              </a:highlight>
+              <a:latin typeface="Courier New"/>
+              <a:ea typeface="Courier New"/>
+              <a:cs typeface="Courier New"/>
+              <a:sym typeface="Courier New"/>
+            </a:endParaRPr>
+          </a:p>
+          <a:p>
+            <a:pPr indent="0" lvl="0" marL="0" rtl="0" algn="l">
+              <a:spcBef>
+                <a:spcPts val="0"/>
+              </a:spcBef>
+              <a:spcAft>
+                <a:spcPts val="0"/>
+              </a:spcAft>
+              <a:buClr>
+                <a:schemeClr val="dk1"/>
+              </a:buClr>
+              <a:buSzPts val="1100"/>
+              <a:buFont typeface="Arial"/>
+              <a:buNone/>
+            </a:pPr>
+            <a:r>
+              <a:rPr lang="en" sz="1050">
+                <a:solidFill>
+                  <a:schemeClr val="accent2"/>
+                </a:solidFill>
+                <a:highlight>
+                  <a:srgbClr val="FFFFFF"/>
+                </a:highlight>
+                <a:latin typeface="Courier New"/>
+                <a:ea typeface="Courier New"/>
+                <a:cs typeface="Courier New"/>
+                <a:sym typeface="Courier New"/>
+              </a:rPr>
+              <a:t>Actual Fraud: 1834</a:t>
+            </a:r>
+            <a:endParaRPr sz="1050">
+              <a:solidFill>
+                <a:schemeClr val="accent2"/>
+              </a:solidFill>
+              <a:highlight>
+                <a:srgbClr val="FFFFFF"/>
+              </a:highlight>
+              <a:latin typeface="Courier New"/>
+              <a:ea typeface="Courier New"/>
+              <a:cs typeface="Courier New"/>
+              <a:sym typeface="Courier New"/>
+            </a:endParaRPr>
+          </a:p>
+          <a:p>
+            <a:pPr indent="0" lvl="0" marL="0" rtl="0" algn="l">
+              <a:spcBef>
+                <a:spcPts val="0"/>
+              </a:spcBef>
+              <a:spcAft>
+                <a:spcPts val="0"/>
+              </a:spcAft>
+              <a:buClr>
+                <a:schemeClr val="dk1"/>
+              </a:buClr>
+              <a:buSzPts val="1100"/>
+              <a:buFont typeface="Arial"/>
+              <a:buNone/>
+            </a:pPr>
+            <a:r>
+              <a:rPr lang="en" sz="1050">
+                <a:solidFill>
+                  <a:schemeClr val="accent2"/>
+                </a:solidFill>
+                <a:highlight>
+                  <a:srgbClr val="FFFFFF"/>
+                </a:highlight>
+                <a:latin typeface="Courier New"/>
+                <a:ea typeface="Courier New"/>
+                <a:cs typeface="Courier New"/>
+                <a:sym typeface="Courier New"/>
+              </a:rPr>
+              <a:t>Wrong Detection: 510</a:t>
+            </a:r>
+            <a:endParaRPr sz="1050">
+              <a:solidFill>
+                <a:schemeClr val="accent2"/>
+              </a:solidFill>
+              <a:highlight>
+                <a:srgbClr val="FFFFFF"/>
+              </a:highlight>
+              <a:latin typeface="Courier New"/>
+              <a:ea typeface="Courier New"/>
+              <a:cs typeface="Courier New"/>
+              <a:sym typeface="Courier New"/>
+            </a:endParaRPr>
+          </a:p>
+          <a:p>
+            <a:pPr indent="0" lvl="0" marL="0" rtl="0" algn="l">
+              <a:spcBef>
+                <a:spcPts val="0"/>
+              </a:spcBef>
+              <a:spcAft>
+                <a:spcPts val="0"/>
+              </a:spcAft>
+              <a:buClr>
+                <a:schemeClr val="dk1"/>
+              </a:buClr>
+              <a:buSzPts val="1100"/>
+              <a:buFont typeface="Arial"/>
+              <a:buNone/>
+            </a:pPr>
+            <a:r>
+              <a:rPr lang="en" sz="1050">
+                <a:solidFill>
+                  <a:schemeClr val="accent2"/>
+                </a:solidFill>
+                <a:highlight>
+                  <a:srgbClr val="FFFFFF"/>
+                </a:highlight>
+                <a:latin typeface="Courier New"/>
+                <a:ea typeface="Courier New"/>
+                <a:cs typeface="Courier New"/>
+                <a:sym typeface="Courier New"/>
+              </a:rPr>
+              <a:t>Missed Detection: 961</a:t>
+            </a:r>
+            <a:endParaRPr sz="1700">
+              <a:latin typeface="Roboto"/>
+              <a:ea typeface="Roboto"/>
+              <a:cs typeface="Roboto"/>
+              <a:sym typeface="Roboto"/>
+            </a:endParaRPr>
+          </a:p>
+        </p:txBody>
+      </p:sp>
+      <p:sp>
+        <p:nvSpPr>
+          <p:cNvPr id="191" name="Google Shape;191;p33"/>
+          <p:cNvSpPr txBox="1"/>
+          <p:nvPr/>
+        </p:nvSpPr>
+        <p:spPr>
+          <a:xfrm>
+            <a:off x="3933825" y="3524525"/>
+            <a:ext cx="4029000" cy="669600"/>
+          </a:xfrm>
+          <a:prstGeom prst="rect">
+            <a:avLst/>
+          </a:prstGeom>
+          <a:noFill/>
+          <a:ln>
+            <a:noFill/>
+          </a:ln>
+        </p:spPr>
+        <p:txBody>
+          <a:bodyPr anchorCtr="0" anchor="t" bIns="91425" lIns="91425" spcFirstLastPara="1" rIns="91425" wrap="square" tIns="91425">
+            <a:spAutoFit/>
+          </a:bodyPr>
+          <a:lstStyle/>
+          <a:p>
+            <a:pPr indent="0" lvl="0" marL="0" rtl="0" algn="l">
+              <a:spcBef>
+                <a:spcPts val="0"/>
+              </a:spcBef>
+              <a:spcAft>
+                <a:spcPts val="0"/>
+              </a:spcAft>
+              <a:buNone/>
+            </a:pPr>
+            <a:r>
+              <a:rPr lang="en" sz="1050">
+                <a:solidFill>
+                  <a:schemeClr val="accent2"/>
+                </a:solidFill>
+                <a:highlight>
+                  <a:srgbClr val="FFFFFF"/>
+                </a:highlight>
+                <a:latin typeface="Courier New"/>
+                <a:ea typeface="Courier New"/>
+                <a:cs typeface="Courier New"/>
+                <a:sym typeface="Courier New"/>
+              </a:rPr>
+              <a:t>Our</a:t>
+            </a:r>
+            <a:r>
+              <a:rPr lang="en" sz="1050">
+                <a:solidFill>
+                  <a:schemeClr val="accent2"/>
+                </a:solidFill>
+                <a:highlight>
+                  <a:srgbClr val="FFFFFF"/>
+                </a:highlight>
+                <a:latin typeface="Courier New"/>
+                <a:ea typeface="Courier New"/>
+                <a:cs typeface="Courier New"/>
+                <a:sym typeface="Courier New"/>
+              </a:rPr>
+              <a:t> model was able to predict 78% of fraud </a:t>
+            </a:r>
+            <a:endParaRPr sz="1050">
+              <a:solidFill>
+                <a:schemeClr val="accent2"/>
+              </a:solidFill>
+              <a:highlight>
+                <a:srgbClr val="FFFFFF"/>
+              </a:highlight>
+              <a:latin typeface="Courier New"/>
+              <a:ea typeface="Courier New"/>
+              <a:cs typeface="Courier New"/>
+              <a:sym typeface="Courier New"/>
+            </a:endParaRPr>
+          </a:p>
+          <a:p>
+            <a:pPr indent="0" lvl="0" marL="0" rtl="0" algn="l">
+              <a:spcBef>
+                <a:spcPts val="0"/>
+              </a:spcBef>
+              <a:spcAft>
+                <a:spcPts val="0"/>
+              </a:spcAft>
+              <a:buNone/>
+            </a:pPr>
+            <a:r>
+              <a:rPr lang="en" sz="1050">
+                <a:solidFill>
+                  <a:schemeClr val="accent2"/>
+                </a:solidFill>
+                <a:highlight>
+                  <a:srgbClr val="FFFFFF"/>
+                </a:highlight>
+                <a:latin typeface="Courier New"/>
+                <a:ea typeface="Courier New"/>
+                <a:cs typeface="Courier New"/>
+                <a:sym typeface="Courier New"/>
+              </a:rPr>
+              <a:t>with 27% false positive</a:t>
+            </a:r>
+            <a:endParaRPr sz="1050">
+              <a:solidFill>
+                <a:schemeClr val="accent2"/>
+              </a:solidFill>
+              <a:highlight>
+                <a:srgbClr val="FFFFFF"/>
+              </a:highlight>
+              <a:latin typeface="Courier New"/>
+              <a:ea typeface="Courier New"/>
+              <a:cs typeface="Courier New"/>
+              <a:sym typeface="Courier New"/>
+            </a:endParaRPr>
+          </a:p>
+          <a:p>
+            <a:pPr indent="0" lvl="0" marL="0" rtl="0" algn="l">
+              <a:spcBef>
+                <a:spcPts val="0"/>
+              </a:spcBef>
+              <a:spcAft>
+                <a:spcPts val="0"/>
+              </a:spcAft>
+              <a:buNone/>
+            </a:pPr>
+            <a:r>
+              <a:rPr lang="en" sz="1050">
+                <a:solidFill>
+                  <a:schemeClr val="accent2"/>
+                </a:solidFill>
+                <a:highlight>
+                  <a:srgbClr val="FFFFFF"/>
+                </a:highlight>
+                <a:latin typeface="Courier New"/>
+                <a:ea typeface="Courier New"/>
+                <a:cs typeface="Courier New"/>
+                <a:sym typeface="Courier New"/>
+              </a:rPr>
+              <a:t>And  52% false negative</a:t>
             </a:r>
             <a:endParaRPr/>
           </a:p>
@@ -10631,9 +12391,16 @@
 <file path=ppt/slides/slide22.xml><?xml version="1.0" encoding="utf-8"?>
 <p:sld xmlns:a="http://schemas.openxmlformats.org/drawingml/2006/main" xmlns:r="http://schemas.openxmlformats.org/officeDocument/2006/relationships" xmlns:mc="http://schemas.openxmlformats.org/markup-compatibility/2006" xmlns:mv="urn:schemas-microsoft-com:mac:vml" xmlns:p="http://schemas.openxmlformats.org/presentationml/2006/main" xmlns:c="http://schemas.openxmlformats.org/drawingml/2006/chart" xmlns:dgm="http://schemas.openxmlformats.org/drawingml/2006/diagram" xmlns:o="urn:schemas-microsoft-com:office:office" xmlns:v="urn:schemas-microsoft-com:vml" xmlns:pvml="urn:schemas-microsoft-com:office:powerpoint" xmlns:com="http://schemas.openxmlformats.org/drawingml/2006/compatibility" xmlns:p14="http://schemas.microsoft.com/office/powerpoint/2010/main" xmlns:p15="http://schemas.microsoft.com/office/powerpoint/2012/main" xmlns:ahyp="http://schemas.microsoft.com/office/drawing/2018/hyperlinkcolor">
   <p:cSld>
+    <p:bg>
+      <p:bgPr>
+        <a:solidFill>
+          <a:schemeClr val="lt1"/>
+        </a:solidFill>
+      </p:bgPr>
+    </p:bg>
     <p:spTree>
       <p:nvGrpSpPr>
-        <p:cNvPr id="180" name="Shape 180"/>
+        <p:cNvPr id="195" name="Shape 195"/>
         <p:cNvGrpSpPr/>
         <p:nvPr/>
       </p:nvGrpSpPr>
@@ -10647,7 +12414,7 @@
       </p:grpSpPr>
       <p:sp>
         <p:nvSpPr>
-          <p:cNvPr id="181" name="Google Shape;181;p34"/>
+          <p:cNvPr id="196" name="Google Shape;196;p34"/>
           <p:cNvSpPr txBox="1"/>
           <p:nvPr>
             <p:ph type="title"/>
@@ -10655,7 +12422,7 @@
         </p:nvSpPr>
         <p:spPr>
           <a:xfrm>
-            <a:off x="311700" y="445025"/>
+            <a:off x="311700" y="261800"/>
             <a:ext cx="8520600" cy="572700"/>
           </a:xfrm>
           <a:prstGeom prst="rect">
@@ -10679,11 +12446,7 @@
             </a:pPr>
             <a:r>
               <a:rPr lang="en"/>
-              <a:t>4.</a:t>
-            </a:r>
-            <a:r>
-              <a:rPr lang="en"/>
-              <a:t> Machine Learning Analysis</a:t>
+              <a:t>We chose “Random Forest Classifier”</a:t>
             </a:r>
             <a:endParaRPr/>
           </a:p>
@@ -10691,7 +12454,7 @@
       </p:sp>
       <p:sp>
         <p:nvSpPr>
-          <p:cNvPr id="182" name="Google Shape;182;p34"/>
+          <p:cNvPr id="197" name="Google Shape;197;p34"/>
           <p:cNvSpPr txBox="1"/>
           <p:nvPr>
             <p:ph idx="1" type="body"/>
@@ -10699,8 +12462,8 @@
         </p:nvSpPr>
         <p:spPr>
           <a:xfrm>
-            <a:off x="311700" y="1401925"/>
-            <a:ext cx="8520600" cy="2219100"/>
+            <a:off x="311700" y="887625"/>
+            <a:ext cx="8520600" cy="979800"/>
           </a:xfrm>
           <a:prstGeom prst="rect">
             <a:avLst/>
@@ -10712,25 +12475,9 @@
           </a:bodyPr>
           <a:lstStyle/>
           <a:p>
-            <a:pPr indent="0" lvl="0" marL="0" rtl="0" algn="l">
-              <a:spcBef>
-                <a:spcPts val="0"/>
-              </a:spcBef>
-              <a:spcAft>
-                <a:spcPts val="0"/>
-              </a:spcAft>
-              <a:buNone/>
-            </a:pPr>
-            <a:r>
-              <a:rPr lang="en"/>
-              <a:t>In this section, you will talk about the following:</a:t>
-            </a:r>
-            <a:endParaRPr/>
-          </a:p>
-          <a:p>
             <a:pPr indent="-342900" lvl="0" marL="457200" rtl="0" algn="l">
               <a:spcBef>
-                <a:spcPts val="1200"/>
+                <a:spcPts val="0"/>
               </a:spcBef>
               <a:spcAft>
                 <a:spcPts val="0"/>
@@ -10740,63 +12487,47 @@
             </a:pPr>
             <a:r>
               <a:rPr lang="en"/>
-              <a:t>The final metrics of the model</a:t>
-            </a:r>
-            <a:endParaRPr/>
-          </a:p>
-          <a:p>
-            <a:pPr indent="-342900" lvl="0" marL="457200" rtl="0" algn="l">
-              <a:spcBef>
-                <a:spcPts val="0"/>
-              </a:spcBef>
-              <a:spcAft>
-                <a:spcPts val="0"/>
-              </a:spcAft>
-              <a:buSzPts val="1800"/>
-              <a:buAutoNum type="arabicPeriod"/>
-            </a:pPr>
-            <a:r>
+              <a:t>Reason:</a:t>
+            </a:r>
+            <a:br>
               <a:rPr lang="en"/>
-              <a:t>How you trained the model</a:t>
-            </a:r>
-            <a:endParaRPr/>
-          </a:p>
-          <a:p>
-            <a:pPr indent="-342900" lvl="0" marL="457200" rtl="0" algn="l">
-              <a:spcBef>
-                <a:spcPts val="0"/>
-              </a:spcBef>
-              <a:spcAft>
-                <a:spcPts val="0"/>
-              </a:spcAft>
-              <a:buSzPts val="1800"/>
-              <a:buAutoNum type="arabicPeriod"/>
-            </a:pPr>
+            </a:br>
             <a:r>
               <a:rPr lang="en"/>
-              <a:t>The hyperparameters used</a:t>
-            </a:r>
-            <a:endParaRPr/>
-          </a:p>
-          <a:p>
-            <a:pPr indent="-342900" lvl="0" marL="457200" rtl="0" algn="l">
-              <a:spcBef>
-                <a:spcPts val="0"/>
-              </a:spcBef>
-              <a:spcAft>
-                <a:spcPts val="0"/>
-              </a:spcAft>
-              <a:buSzPts val="1800"/>
-              <a:buAutoNum type="arabicPeriod"/>
-            </a:pPr>
-            <a:r>
-              <a:rPr lang="en"/>
-              <a:t>Other improvements that could be made the score</a:t>
+              <a:t>Proven concept to determine binary classes (e.g. “Titanic Dataframe”)</a:t>
             </a:r>
             <a:endParaRPr/>
           </a:p>
         </p:txBody>
       </p:sp>
+      <p:pic>
+        <p:nvPicPr>
+          <p:cNvPr id="198" name="Google Shape;198;p34"/>
+          <p:cNvPicPr preferRelativeResize="0"/>
+          <p:nvPr/>
+        </p:nvPicPr>
+        <p:blipFill>
+          <a:blip r:embed="rId3">
+            <a:alphaModFix/>
+          </a:blip>
+          <a:stretch>
+            <a:fillRect/>
+          </a:stretch>
+        </p:blipFill>
+        <p:spPr>
+          <a:xfrm>
+            <a:off x="1884125" y="1732200"/>
+            <a:ext cx="4905850" cy="3324475"/>
+          </a:xfrm>
+          <a:prstGeom prst="rect">
+            <a:avLst/>
+          </a:prstGeom>
+          <a:noFill/>
+          <a:ln>
+            <a:noFill/>
+          </a:ln>
+        </p:spPr>
+      </p:pic>
     </p:spTree>
   </p:cSld>
   <p:clrMapOvr>
@@ -10810,7 +12541,7 @@
   <p:cSld>
     <p:spTree>
       <p:nvGrpSpPr>
-        <p:cNvPr id="186" name="Shape 186"/>
+        <p:cNvPr id="202" name="Shape 202"/>
         <p:cNvGrpSpPr/>
         <p:nvPr/>
       </p:nvGrpSpPr>
@@ -10824,7 +12555,7 @@
       </p:grpSpPr>
       <p:sp>
         <p:nvSpPr>
-          <p:cNvPr id="187" name="Google Shape;187;p35"/>
+          <p:cNvPr id="203" name="Google Shape;203;p35"/>
           <p:cNvSpPr txBox="1"/>
           <p:nvPr>
             <p:ph type="title"/>
@@ -10856,11 +12587,11 @@
             </a:pPr>
             <a:r>
               <a:rPr lang="en"/>
-              <a:t>5</a:t>
+              <a:t>4</a:t>
             </a:r>
             <a:r>
               <a:rPr lang="en"/>
-              <a:t>. Conclusion</a:t>
+              <a:t>. Machine Learning Analysis</a:t>
             </a:r>
             <a:endParaRPr/>
           </a:p>
@@ -10879,7 +12610,7 @@
   <p:cSld>
     <p:spTree>
       <p:nvGrpSpPr>
-        <p:cNvPr id="191" name="Shape 191"/>
+        <p:cNvPr id="207" name="Shape 207"/>
         <p:cNvGrpSpPr/>
         <p:nvPr/>
       </p:nvGrpSpPr>
@@ -10893,7 +12624,7 @@
       </p:grpSpPr>
       <p:sp>
         <p:nvSpPr>
-          <p:cNvPr id="192" name="Google Shape;192;p36"/>
+          <p:cNvPr id="208" name="Google Shape;208;p36"/>
           <p:cNvSpPr txBox="1"/>
           <p:nvPr>
             <p:ph type="title"/>
@@ -10925,11 +12656,7 @@
             </a:pPr>
             <a:r>
               <a:rPr lang="en"/>
-              <a:t>5</a:t>
-            </a:r>
-            <a:r>
-              <a:rPr lang="en"/>
-              <a:t>. Conclusion</a:t>
+              <a:t>4. Machine Learning Analysis</a:t>
             </a:r>
             <a:endParaRPr/>
           </a:p>
@@ -10937,7 +12664,7 @@
       </p:sp>
       <p:sp>
         <p:nvSpPr>
-          <p:cNvPr id="193" name="Google Shape;193;p36"/>
+          <p:cNvPr id="209" name="Google Shape;209;p36"/>
           <p:cNvSpPr txBox="1"/>
           <p:nvPr>
             <p:ph idx="1" type="body"/>
@@ -10958,25 +12685,9 @@
           </a:bodyPr>
           <a:lstStyle/>
           <a:p>
-            <a:pPr indent="0" lvl="0" marL="0" rtl="0" algn="l">
-              <a:spcBef>
-                <a:spcPts val="0"/>
-              </a:spcBef>
-              <a:spcAft>
-                <a:spcPts val="0"/>
-              </a:spcAft>
-              <a:buNone/>
-            </a:pPr>
-            <a:r>
-              <a:rPr lang="en"/>
-              <a:t>In this section, you will talk about the following:</a:t>
-            </a:r>
-            <a:endParaRPr/>
-          </a:p>
-          <a:p>
             <a:pPr indent="-342900" lvl="0" marL="457200" rtl="0" algn="l">
               <a:spcBef>
-                <a:spcPts val="1200"/>
+                <a:spcPts val="0"/>
               </a:spcBef>
               <a:spcAft>
                 <a:spcPts val="0"/>
@@ -10986,15 +12697,11 @@
             </a:pPr>
             <a:r>
               <a:rPr lang="en"/>
-              <a:t>The </a:t>
-            </a:r>
-            <a:r>
-              <a:rPr lang="en" u="sng"/>
-              <a:t>top 3</a:t>
+              <a:t>Hyperparameters used: </a:t>
             </a:r>
             <a:r>
               <a:rPr lang="en"/>
-              <a:t> challenges you faced in the project</a:t>
+              <a:t>    'n_estimators': [5, 50, 100],     'max_depth': [2, 10, ] </a:t>
             </a:r>
             <a:endParaRPr/>
           </a:p>
@@ -11011,15 +12718,7 @@
             </a:pPr>
             <a:r>
               <a:rPr lang="en"/>
-              <a:t>The </a:t>
-            </a:r>
-            <a:r>
-              <a:rPr lang="en" u="sng"/>
-              <a:t>top 3</a:t>
-            </a:r>
-            <a:r>
-              <a:rPr lang="en"/>
-              <a:t> lessons you learned in this project</a:t>
+              <a:t>Potential for improvement =&gt;  'max_depth':  20,  None </a:t>
             </a:r>
             <a:endParaRPr/>
           </a:p>
@@ -11036,7 +12735,7 @@
             </a:pPr>
             <a:r>
               <a:rPr lang="en"/>
-              <a:t>Next steps for your data science career</a:t>
+              <a:t>60:20:20 split</a:t>
             </a:r>
             <a:endParaRPr/>
           </a:p>
@@ -11053,12 +12752,48 @@
             </a:pPr>
             <a:r>
               <a:rPr lang="en"/>
-              <a:t>Any comments you’d like to add!</a:t>
+              <a:t>We </a:t>
+            </a:r>
+            <a:r>
+              <a:rPr lang="en"/>
+              <a:t>chose</a:t>
+            </a:r>
+            <a:r>
+              <a:rPr lang="en"/>
+              <a:t> the best-of-3 model from the validation dataset</a:t>
             </a:r>
             <a:endParaRPr/>
           </a:p>
         </p:txBody>
       </p:sp>
+      <p:pic>
+        <p:nvPicPr>
+          <p:cNvPr id="210" name="Google Shape;210;p36"/>
+          <p:cNvPicPr preferRelativeResize="0"/>
+          <p:nvPr/>
+        </p:nvPicPr>
+        <p:blipFill>
+          <a:blip r:embed="rId3">
+            <a:alphaModFix/>
+          </a:blip>
+          <a:stretch>
+            <a:fillRect/>
+          </a:stretch>
+        </p:blipFill>
+        <p:spPr>
+          <a:xfrm>
+            <a:off x="2203125" y="2901376"/>
+            <a:ext cx="4104575" cy="1980651"/>
+          </a:xfrm>
+          <a:prstGeom prst="rect">
+            <a:avLst/>
+          </a:prstGeom>
+          <a:noFill/>
+          <a:ln>
+            <a:noFill/>
+          </a:ln>
+        </p:spPr>
+      </p:pic>
     </p:spTree>
   </p:cSld>
   <p:clrMapOvr>
@@ -11072,7 +12807,7 @@
   <p:cSld>
     <p:spTree>
       <p:nvGrpSpPr>
-        <p:cNvPr id="197" name="Shape 197"/>
+        <p:cNvPr id="214" name="Shape 214"/>
         <p:cNvGrpSpPr/>
         <p:nvPr/>
       </p:nvGrpSpPr>
@@ -11086,7 +12821,7 @@
       </p:grpSpPr>
       <p:sp>
         <p:nvSpPr>
-          <p:cNvPr id="198" name="Google Shape;198;p37"/>
+          <p:cNvPr id="215" name="Google Shape;215;p37"/>
           <p:cNvSpPr txBox="1"/>
           <p:nvPr>
             <p:ph type="title"/>
@@ -11094,6 +12829,380 @@
         </p:nvSpPr>
         <p:spPr>
           <a:xfrm>
+            <a:off x="311700" y="445025"/>
+            <a:ext cx="8520600" cy="572700"/>
+          </a:xfrm>
+          <a:prstGeom prst="rect">
+            <a:avLst/>
+          </a:prstGeom>
+        </p:spPr>
+        <p:txBody>
+          <a:bodyPr anchorCtr="0" anchor="t" bIns="91425" lIns="91425" spcFirstLastPara="1" rIns="91425" wrap="square" tIns="91425">
+            <a:normAutofit fontScale="90000"/>
+          </a:bodyPr>
+          <a:lstStyle/>
+          <a:p>
+            <a:pPr indent="0" lvl="0" marL="0" rtl="0" algn="l">
+              <a:spcBef>
+                <a:spcPts val="0"/>
+              </a:spcBef>
+              <a:spcAft>
+                <a:spcPts val="0"/>
+              </a:spcAft>
+              <a:buNone/>
+            </a:pPr>
+            <a:r>
+              <a:rPr lang="en"/>
+              <a:t>4. Machine Learning Analysis</a:t>
+            </a:r>
+            <a:endParaRPr/>
+          </a:p>
+        </p:txBody>
+      </p:sp>
+      <p:sp>
+        <p:nvSpPr>
+          <p:cNvPr id="216" name="Google Shape;216;p37"/>
+          <p:cNvSpPr txBox="1"/>
+          <p:nvPr>
+            <p:ph idx="1" type="body"/>
+          </p:nvPr>
+        </p:nvSpPr>
+        <p:spPr>
+          <a:xfrm>
+            <a:off x="311700" y="1401925"/>
+            <a:ext cx="8520600" cy="2219100"/>
+          </a:xfrm>
+          <a:prstGeom prst="rect">
+            <a:avLst/>
+          </a:prstGeom>
+        </p:spPr>
+        <p:txBody>
+          <a:bodyPr anchorCtr="0" anchor="t" bIns="91425" lIns="91425" spcFirstLastPara="1" rIns="91425" wrap="square" tIns="91425">
+            <a:normAutofit/>
+          </a:bodyPr>
+          <a:lstStyle/>
+          <a:p>
+            <a:pPr indent="-342900" lvl="0" marL="457200" rtl="0" algn="l">
+              <a:spcBef>
+                <a:spcPts val="0"/>
+              </a:spcBef>
+              <a:spcAft>
+                <a:spcPts val="0"/>
+              </a:spcAft>
+              <a:buSzPts val="1800"/>
+              <a:buAutoNum type="arabicPeriod"/>
+            </a:pPr>
+            <a:r>
+              <a:rPr lang="en"/>
+              <a:t>And ran it on the test dataset:</a:t>
+            </a:r>
+            <a:endParaRPr/>
+          </a:p>
+        </p:txBody>
+      </p:sp>
+      <p:pic>
+        <p:nvPicPr>
+          <p:cNvPr id="217" name="Google Shape;217;p37"/>
+          <p:cNvPicPr preferRelativeResize="0"/>
+          <p:nvPr/>
+        </p:nvPicPr>
+        <p:blipFill>
+          <a:blip r:embed="rId3">
+            <a:alphaModFix/>
+          </a:blip>
+          <a:stretch>
+            <a:fillRect/>
+          </a:stretch>
+        </p:blipFill>
+        <p:spPr>
+          <a:xfrm>
+            <a:off x="1049524" y="1997713"/>
+            <a:ext cx="7237975" cy="1027525"/>
+          </a:xfrm>
+          <a:prstGeom prst="rect">
+            <a:avLst/>
+          </a:prstGeom>
+          <a:noFill/>
+          <a:ln>
+            <a:noFill/>
+          </a:ln>
+        </p:spPr>
+      </p:pic>
+    </p:spTree>
+  </p:cSld>
+  <p:clrMapOvr>
+    <a:masterClrMapping/>
+  </p:clrMapOvr>
+</p:sld>
+</file>
+
+<file path=ppt/slides/slide26.xml><?xml version="1.0" encoding="utf-8"?>
+<p:sld xmlns:a="http://schemas.openxmlformats.org/drawingml/2006/main" xmlns:r="http://schemas.openxmlformats.org/officeDocument/2006/relationships" xmlns:mc="http://schemas.openxmlformats.org/markup-compatibility/2006" xmlns:mv="urn:schemas-microsoft-com:mac:vml" xmlns:p="http://schemas.openxmlformats.org/presentationml/2006/main" xmlns:c="http://schemas.openxmlformats.org/drawingml/2006/chart" xmlns:dgm="http://schemas.openxmlformats.org/drawingml/2006/diagram" xmlns:o="urn:schemas-microsoft-com:office:office" xmlns:v="urn:schemas-microsoft-com:vml" xmlns:pvml="urn:schemas-microsoft-com:office:powerpoint" xmlns:com="http://schemas.openxmlformats.org/drawingml/2006/compatibility" xmlns:p14="http://schemas.microsoft.com/office/powerpoint/2010/main" xmlns:p15="http://schemas.microsoft.com/office/powerpoint/2012/main" xmlns:ahyp="http://schemas.microsoft.com/office/drawing/2018/hyperlinkcolor">
+  <p:cSld>
+    <p:spTree>
+      <p:nvGrpSpPr>
+        <p:cNvPr id="221" name="Shape 221"/>
+        <p:cNvGrpSpPr/>
+        <p:nvPr/>
+      </p:nvGrpSpPr>
+      <p:grpSpPr>
+        <a:xfrm>
+          <a:off x="0" y="0"/>
+          <a:ext cx="0" cy="0"/>
+          <a:chOff x="0" y="0"/>
+          <a:chExt cx="0" cy="0"/>
+        </a:xfrm>
+      </p:grpSpPr>
+      <p:sp>
+        <p:nvSpPr>
+          <p:cNvPr id="222" name="Google Shape;222;p38"/>
+          <p:cNvSpPr txBox="1"/>
+          <p:nvPr>
+            <p:ph type="title"/>
+          </p:nvPr>
+        </p:nvSpPr>
+        <p:spPr>
+          <a:xfrm>
+            <a:off x="311700" y="445025"/>
+            <a:ext cx="8520600" cy="572700"/>
+          </a:xfrm>
+          <a:prstGeom prst="rect">
+            <a:avLst/>
+          </a:prstGeom>
+        </p:spPr>
+        <p:txBody>
+          <a:bodyPr anchorCtr="0" anchor="t" bIns="91425" lIns="91425" spcFirstLastPara="1" rIns="91425" wrap="square" tIns="91425">
+            <a:normAutofit fontScale="90000"/>
+          </a:bodyPr>
+          <a:lstStyle/>
+          <a:p>
+            <a:pPr indent="0" lvl="0" marL="0" rtl="0" algn="l">
+              <a:spcBef>
+                <a:spcPts val="0"/>
+              </a:spcBef>
+              <a:spcAft>
+                <a:spcPts val="0"/>
+              </a:spcAft>
+              <a:buNone/>
+            </a:pPr>
+            <a:r>
+              <a:rPr lang="en"/>
+              <a:t>4. Machine Learning Analysis</a:t>
+            </a:r>
+            <a:endParaRPr/>
+          </a:p>
+        </p:txBody>
+      </p:sp>
+      <p:sp>
+        <p:nvSpPr>
+          <p:cNvPr id="223" name="Google Shape;223;p38"/>
+          <p:cNvSpPr txBox="1"/>
+          <p:nvPr>
+            <p:ph idx="1" type="body"/>
+          </p:nvPr>
+        </p:nvSpPr>
+        <p:spPr>
+          <a:xfrm>
+            <a:off x="311700" y="1401925"/>
+            <a:ext cx="8520600" cy="2219100"/>
+          </a:xfrm>
+          <a:prstGeom prst="rect">
+            <a:avLst/>
+          </a:prstGeom>
+        </p:spPr>
+        <p:txBody>
+          <a:bodyPr anchorCtr="0" anchor="t" bIns="91425" lIns="91425" spcFirstLastPara="1" rIns="91425" wrap="square" tIns="91425">
+            <a:normAutofit/>
+          </a:bodyPr>
+          <a:lstStyle/>
+          <a:p>
+            <a:pPr indent="0" lvl="0" marL="457200" rtl="0" algn="l">
+              <a:spcBef>
+                <a:spcPts val="0"/>
+              </a:spcBef>
+              <a:spcAft>
+                <a:spcPts val="1200"/>
+              </a:spcAft>
+              <a:buNone/>
+            </a:pPr>
+            <a:r>
+              <a:rPr lang="en"/>
+              <a:t>Then we</a:t>
+            </a:r>
+            <a:r>
+              <a:rPr lang="en"/>
+              <a:t> ran some fabricated datasets like:</a:t>
+            </a:r>
+            <a:endParaRPr/>
+          </a:p>
+        </p:txBody>
+      </p:sp>
+      <p:pic>
+        <p:nvPicPr>
+          <p:cNvPr id="224" name="Google Shape;224;p38"/>
+          <p:cNvPicPr preferRelativeResize="0"/>
+          <p:nvPr/>
+        </p:nvPicPr>
+        <p:blipFill>
+          <a:blip r:embed="rId3">
+            <a:alphaModFix/>
+          </a:blip>
+          <a:stretch>
+            <a:fillRect/>
+          </a:stretch>
+        </p:blipFill>
+        <p:spPr>
+          <a:xfrm>
+            <a:off x="213125" y="1899900"/>
+            <a:ext cx="8839203" cy="1120847"/>
+          </a:xfrm>
+          <a:prstGeom prst="rect">
+            <a:avLst/>
+          </a:prstGeom>
+          <a:noFill/>
+          <a:ln>
+            <a:noFill/>
+          </a:ln>
+        </p:spPr>
+      </p:pic>
+      <p:sp>
+        <p:nvSpPr>
+          <p:cNvPr id="225" name="Google Shape;225;p38"/>
+          <p:cNvSpPr txBox="1"/>
+          <p:nvPr>
+            <p:ph idx="1" type="body"/>
+          </p:nvPr>
+        </p:nvSpPr>
+        <p:spPr>
+          <a:xfrm>
+            <a:off x="372425" y="3419175"/>
+            <a:ext cx="8520600" cy="1120800"/>
+          </a:xfrm>
+          <a:prstGeom prst="rect">
+            <a:avLst/>
+          </a:prstGeom>
+        </p:spPr>
+        <p:txBody>
+          <a:bodyPr anchorCtr="0" anchor="t" bIns="91425" lIns="91425" spcFirstLastPara="1" rIns="91425" wrap="square" tIns="91425">
+            <a:normAutofit fontScale="85000" lnSpcReduction="20000"/>
+          </a:bodyPr>
+          <a:lstStyle/>
+          <a:p>
+            <a:pPr indent="0" lvl="0" marL="457200" rtl="0" algn="l">
+              <a:spcBef>
+                <a:spcPts val="0"/>
+              </a:spcBef>
+              <a:spcAft>
+                <a:spcPts val="0"/>
+              </a:spcAft>
+              <a:buNone/>
+            </a:pPr>
+            <a:r>
+              <a:rPr lang="en"/>
+              <a:t>It yielded </a:t>
+            </a:r>
+            <a:endParaRPr/>
+          </a:p>
+          <a:p>
+            <a:pPr indent="-309562" lvl="0" marL="1371600" rtl="0" algn="l">
+              <a:spcBef>
+                <a:spcPts val="1200"/>
+              </a:spcBef>
+              <a:spcAft>
+                <a:spcPts val="0"/>
+              </a:spcAft>
+              <a:buSzPct val="100000"/>
+              <a:buChar char="●"/>
+            </a:pPr>
+            <a:r>
+              <a:rPr lang="en" sz="1500"/>
+              <a:t>good results for known customer-merchant combinations</a:t>
+            </a:r>
+            <a:endParaRPr sz="1500"/>
+          </a:p>
+          <a:p>
+            <a:pPr indent="-309562" lvl="0" marL="1371600" rtl="0" algn="l">
+              <a:spcBef>
+                <a:spcPts val="0"/>
+              </a:spcBef>
+              <a:spcAft>
+                <a:spcPts val="0"/>
+              </a:spcAft>
+              <a:buSzPct val="100000"/>
+              <a:buChar char="●"/>
+            </a:pPr>
+            <a:r>
+              <a:rPr lang="en" sz="1500"/>
+              <a:t>acceptable results for new customer</a:t>
+            </a:r>
+            <a:endParaRPr sz="1500"/>
+          </a:p>
+          <a:p>
+            <a:pPr indent="-309562" lvl="0" marL="1371600" rtl="0" algn="l">
+              <a:spcBef>
+                <a:spcPts val="0"/>
+              </a:spcBef>
+              <a:spcAft>
+                <a:spcPts val="0"/>
+              </a:spcAft>
+              <a:buSzPct val="100000"/>
+              <a:buChar char="●"/>
+            </a:pPr>
+            <a:r>
+              <a:rPr lang="en" sz="1500"/>
+              <a:t>q</a:t>
+            </a:r>
+            <a:r>
+              <a:rPr lang="en" sz="1500"/>
+              <a:t>uestionable</a:t>
+            </a:r>
+            <a:r>
+              <a:rPr lang="en" sz="1500"/>
+              <a:t> results when both </a:t>
+            </a:r>
+            <a:r>
+              <a:rPr lang="en" sz="1500"/>
+              <a:t>customer and merchant are new.</a:t>
+            </a:r>
+            <a:endParaRPr sz="1500"/>
+          </a:p>
+        </p:txBody>
+      </p:sp>
+    </p:spTree>
+  </p:cSld>
+  <p:clrMapOvr>
+    <a:masterClrMapping/>
+  </p:clrMapOvr>
+</p:sld>
+</file>
+
+<file path=ppt/slides/slide27.xml><?xml version="1.0" encoding="utf-8"?>
+<p:sld xmlns:a="http://schemas.openxmlformats.org/drawingml/2006/main" xmlns:r="http://schemas.openxmlformats.org/officeDocument/2006/relationships" xmlns:mc="http://schemas.openxmlformats.org/markup-compatibility/2006" xmlns:mv="urn:schemas-microsoft-com:mac:vml" xmlns:p="http://schemas.openxmlformats.org/presentationml/2006/main" xmlns:c="http://schemas.openxmlformats.org/drawingml/2006/chart" xmlns:dgm="http://schemas.openxmlformats.org/drawingml/2006/diagram" xmlns:o="urn:schemas-microsoft-com:office:office" xmlns:v="urn:schemas-microsoft-com:vml" xmlns:pvml="urn:schemas-microsoft-com:office:powerpoint" xmlns:com="http://schemas.openxmlformats.org/drawingml/2006/compatibility" xmlns:p14="http://schemas.microsoft.com/office/powerpoint/2010/main" xmlns:p15="http://schemas.microsoft.com/office/powerpoint/2012/main" xmlns:ahyp="http://schemas.microsoft.com/office/drawing/2018/hyperlinkcolor">
+  <p:cSld>
+    <p:spTree>
+      <p:nvGrpSpPr>
+        <p:cNvPr id="229" name="Shape 229"/>
+        <p:cNvGrpSpPr/>
+        <p:nvPr/>
+      </p:nvGrpSpPr>
+      <p:grpSpPr>
+        <a:xfrm>
+          <a:off x="0" y="0"/>
+          <a:ext cx="0" cy="0"/>
+          <a:chOff x="0" y="0"/>
+          <a:chExt cx="0" cy="0"/>
+        </a:xfrm>
+      </p:grpSpPr>
+      <p:sp>
+        <p:nvSpPr>
+          <p:cNvPr id="230" name="Google Shape;230;p39"/>
+          <p:cNvSpPr txBox="1"/>
+          <p:nvPr>
+            <p:ph type="title"/>
+          </p:nvPr>
+        </p:nvSpPr>
+        <p:spPr>
+          <a:xfrm>
             <a:off x="490250" y="450150"/>
             <a:ext cx="6367800" cy="4090800"/>
           </a:xfrm>
@@ -11118,7 +13227,449 @@
             </a:pPr>
             <a:r>
               <a:rPr lang="en"/>
-              <a:t>6. Any Questions from Audience?</a:t>
+              <a:t>5</a:t>
+            </a:r>
+            <a:r>
+              <a:rPr lang="en"/>
+              <a:t>. Conclusion</a:t>
+            </a:r>
+            <a:endParaRPr/>
+          </a:p>
+        </p:txBody>
+      </p:sp>
+    </p:spTree>
+  </p:cSld>
+  <p:clrMapOvr>
+    <a:masterClrMapping/>
+  </p:clrMapOvr>
+</p:sld>
+</file>
+
+<file path=ppt/slides/slide28.xml><?xml version="1.0" encoding="utf-8"?>
+<p:sld xmlns:a="http://schemas.openxmlformats.org/drawingml/2006/main" xmlns:r="http://schemas.openxmlformats.org/officeDocument/2006/relationships" xmlns:mc="http://schemas.openxmlformats.org/markup-compatibility/2006" xmlns:mv="urn:schemas-microsoft-com:mac:vml" xmlns:p="http://schemas.openxmlformats.org/presentationml/2006/main" xmlns:c="http://schemas.openxmlformats.org/drawingml/2006/chart" xmlns:dgm="http://schemas.openxmlformats.org/drawingml/2006/diagram" xmlns:o="urn:schemas-microsoft-com:office:office" xmlns:v="urn:schemas-microsoft-com:vml" xmlns:pvml="urn:schemas-microsoft-com:office:powerpoint" xmlns:com="http://schemas.openxmlformats.org/drawingml/2006/compatibility" xmlns:p14="http://schemas.microsoft.com/office/powerpoint/2010/main" xmlns:p15="http://schemas.microsoft.com/office/powerpoint/2012/main" xmlns:ahyp="http://schemas.microsoft.com/office/drawing/2018/hyperlinkcolor">
+  <p:cSld>
+    <p:spTree>
+      <p:nvGrpSpPr>
+        <p:cNvPr id="234" name="Shape 234"/>
+        <p:cNvGrpSpPr/>
+        <p:nvPr/>
+      </p:nvGrpSpPr>
+      <p:grpSpPr>
+        <a:xfrm>
+          <a:off x="0" y="0"/>
+          <a:ext cx="0" cy="0"/>
+          <a:chOff x="0" y="0"/>
+          <a:chExt cx="0" cy="0"/>
+        </a:xfrm>
+      </p:grpSpPr>
+      <p:sp>
+        <p:nvSpPr>
+          <p:cNvPr id="235" name="Google Shape;235;p40"/>
+          <p:cNvSpPr txBox="1"/>
+          <p:nvPr>
+            <p:ph type="title"/>
+          </p:nvPr>
+        </p:nvSpPr>
+        <p:spPr>
+          <a:xfrm>
+            <a:off x="311700" y="445025"/>
+            <a:ext cx="8520600" cy="572700"/>
+          </a:xfrm>
+          <a:prstGeom prst="rect">
+            <a:avLst/>
+          </a:prstGeom>
+        </p:spPr>
+        <p:txBody>
+          <a:bodyPr anchorCtr="0" anchor="t" bIns="91425" lIns="91425" spcFirstLastPara="1" rIns="91425" wrap="square" tIns="91425">
+            <a:normAutofit fontScale="90000"/>
+          </a:bodyPr>
+          <a:lstStyle/>
+          <a:p>
+            <a:pPr indent="0" lvl="0" marL="0" rtl="0" algn="l">
+              <a:spcBef>
+                <a:spcPts val="0"/>
+              </a:spcBef>
+              <a:spcAft>
+                <a:spcPts val="0"/>
+              </a:spcAft>
+              <a:buNone/>
+            </a:pPr>
+            <a:r>
+              <a:rPr lang="en"/>
+              <a:t>Conclusion 1</a:t>
+            </a:r>
+            <a:endParaRPr/>
+          </a:p>
+        </p:txBody>
+      </p:sp>
+      <p:sp>
+        <p:nvSpPr>
+          <p:cNvPr id="236" name="Google Shape;236;p40"/>
+          <p:cNvSpPr txBox="1"/>
+          <p:nvPr>
+            <p:ph idx="1" type="body"/>
+          </p:nvPr>
+        </p:nvSpPr>
+        <p:spPr>
+          <a:xfrm>
+            <a:off x="311700" y="1401925"/>
+            <a:ext cx="8520600" cy="3498600"/>
+          </a:xfrm>
+          <a:prstGeom prst="rect">
+            <a:avLst/>
+          </a:prstGeom>
+        </p:spPr>
+        <p:txBody>
+          <a:bodyPr anchorCtr="0" anchor="t" bIns="91425" lIns="91425" spcFirstLastPara="1" rIns="91425" wrap="square" tIns="91425">
+            <a:normAutofit/>
+          </a:bodyPr>
+          <a:lstStyle/>
+          <a:p>
+            <a:pPr indent="-336550" lvl="1" marL="914400" rtl="0" algn="l">
+              <a:spcBef>
+                <a:spcPts val="0"/>
+              </a:spcBef>
+              <a:spcAft>
+                <a:spcPts val="0"/>
+              </a:spcAft>
+              <a:buSzPts val="1700"/>
+              <a:buAutoNum type="alphaLcPeriod"/>
+            </a:pPr>
+            <a:r>
+              <a:rPr lang="en" sz="1700"/>
+              <a:t>The </a:t>
+            </a:r>
+            <a:r>
+              <a:rPr lang="en" sz="1700"/>
+              <a:t>suitability</a:t>
+            </a:r>
+            <a:r>
+              <a:rPr lang="en" sz="1700"/>
+              <a:t> and aptness of the Machine Learning Model depends upon the data and the features in it.</a:t>
+            </a:r>
+            <a:endParaRPr sz="1700"/>
+          </a:p>
+          <a:p>
+            <a:pPr indent="-336550" lvl="1" marL="914400" rtl="0" algn="l">
+              <a:spcBef>
+                <a:spcPts val="0"/>
+              </a:spcBef>
+              <a:spcAft>
+                <a:spcPts val="0"/>
+              </a:spcAft>
+              <a:buSzPts val="1700"/>
+              <a:buAutoNum type="alphaLcPeriod"/>
+            </a:pPr>
+            <a:r>
+              <a:rPr lang="en" sz="1700"/>
+              <a:t>Predicting fraud requires complex analysis of time related data</a:t>
+            </a:r>
+            <a:endParaRPr sz="1700"/>
+          </a:p>
+        </p:txBody>
+      </p:sp>
+    </p:spTree>
+  </p:cSld>
+  <p:clrMapOvr>
+    <a:masterClrMapping/>
+  </p:clrMapOvr>
+</p:sld>
+</file>
+
+<file path=ppt/slides/slide29.xml><?xml version="1.0" encoding="utf-8"?>
+<p:sld xmlns:a="http://schemas.openxmlformats.org/drawingml/2006/main" xmlns:r="http://schemas.openxmlformats.org/officeDocument/2006/relationships" xmlns:mc="http://schemas.openxmlformats.org/markup-compatibility/2006" xmlns:mv="urn:schemas-microsoft-com:mac:vml" xmlns:p="http://schemas.openxmlformats.org/presentationml/2006/main" xmlns:c="http://schemas.openxmlformats.org/drawingml/2006/chart" xmlns:dgm="http://schemas.openxmlformats.org/drawingml/2006/diagram" xmlns:o="urn:schemas-microsoft-com:office:office" xmlns:v="urn:schemas-microsoft-com:vml" xmlns:pvml="urn:schemas-microsoft-com:office:powerpoint" xmlns:com="http://schemas.openxmlformats.org/drawingml/2006/compatibility" xmlns:p14="http://schemas.microsoft.com/office/powerpoint/2010/main" xmlns:p15="http://schemas.microsoft.com/office/powerpoint/2012/main" xmlns:ahyp="http://schemas.microsoft.com/office/drawing/2018/hyperlinkcolor">
+  <p:cSld>
+    <p:spTree>
+      <p:nvGrpSpPr>
+        <p:cNvPr id="240" name="Shape 240"/>
+        <p:cNvGrpSpPr/>
+        <p:nvPr/>
+      </p:nvGrpSpPr>
+      <p:grpSpPr>
+        <a:xfrm>
+          <a:off x="0" y="0"/>
+          <a:ext cx="0" cy="0"/>
+          <a:chOff x="0" y="0"/>
+          <a:chExt cx="0" cy="0"/>
+        </a:xfrm>
+      </p:grpSpPr>
+      <p:sp>
+        <p:nvSpPr>
+          <p:cNvPr id="241" name="Google Shape;241;p41"/>
+          <p:cNvSpPr txBox="1"/>
+          <p:nvPr>
+            <p:ph type="title"/>
+          </p:nvPr>
+        </p:nvSpPr>
+        <p:spPr>
+          <a:xfrm>
+            <a:off x="311700" y="445025"/>
+            <a:ext cx="8520600" cy="572700"/>
+          </a:xfrm>
+          <a:prstGeom prst="rect">
+            <a:avLst/>
+          </a:prstGeom>
+        </p:spPr>
+        <p:txBody>
+          <a:bodyPr anchorCtr="0" anchor="t" bIns="91425" lIns="91425" spcFirstLastPara="1" rIns="91425" wrap="square" tIns="91425">
+            <a:normAutofit fontScale="90000"/>
+          </a:bodyPr>
+          <a:lstStyle/>
+          <a:p>
+            <a:pPr indent="0" lvl="0" marL="0" rtl="0" algn="l">
+              <a:spcBef>
+                <a:spcPts val="0"/>
+              </a:spcBef>
+              <a:spcAft>
+                <a:spcPts val="0"/>
+              </a:spcAft>
+              <a:buNone/>
+            </a:pPr>
+            <a:r>
+              <a:rPr lang="en"/>
+              <a:t>Conclusion 2</a:t>
+            </a:r>
+            <a:endParaRPr/>
+          </a:p>
+        </p:txBody>
+      </p:sp>
+      <p:sp>
+        <p:nvSpPr>
+          <p:cNvPr id="242" name="Google Shape;242;p41"/>
+          <p:cNvSpPr txBox="1"/>
+          <p:nvPr>
+            <p:ph idx="1" type="body"/>
+          </p:nvPr>
+        </p:nvSpPr>
+        <p:spPr>
+          <a:xfrm>
+            <a:off x="228425" y="1017725"/>
+            <a:ext cx="8520600" cy="3498600"/>
+          </a:xfrm>
+          <a:prstGeom prst="rect">
+            <a:avLst/>
+          </a:prstGeom>
+        </p:spPr>
+        <p:txBody>
+          <a:bodyPr anchorCtr="0" anchor="t" bIns="91425" lIns="91425" spcFirstLastPara="1" rIns="91425" wrap="square" tIns="91425">
+            <a:normAutofit lnSpcReduction="10000"/>
+          </a:bodyPr>
+          <a:lstStyle/>
+          <a:p>
+            <a:pPr indent="0" lvl="0" marL="0" rtl="0" algn="l">
+              <a:spcBef>
+                <a:spcPts val="0"/>
+              </a:spcBef>
+              <a:spcAft>
+                <a:spcPts val="0"/>
+              </a:spcAft>
+              <a:buNone/>
+            </a:pPr>
+            <a:r>
+              <a:t/>
+            </a:r>
+            <a:endParaRPr/>
+          </a:p>
+          <a:p>
+            <a:pPr indent="-342900" lvl="0" marL="457200" rtl="0" algn="l">
+              <a:spcBef>
+                <a:spcPts val="1200"/>
+              </a:spcBef>
+              <a:spcAft>
+                <a:spcPts val="0"/>
+              </a:spcAft>
+              <a:buSzPts val="1800"/>
+              <a:buAutoNum type="arabicPeriod"/>
+            </a:pPr>
+            <a:r>
+              <a:rPr lang="en"/>
+              <a:t>The </a:t>
+            </a:r>
+            <a:r>
+              <a:rPr lang="en" u="sng"/>
+              <a:t>top 3</a:t>
+            </a:r>
+            <a:r>
+              <a:rPr lang="en"/>
+              <a:t> challenges:</a:t>
+            </a:r>
+            <a:endParaRPr/>
+          </a:p>
+          <a:p>
+            <a:pPr indent="-317500" lvl="1" marL="914400" rtl="0" algn="l">
+              <a:spcBef>
+                <a:spcPts val="0"/>
+              </a:spcBef>
+              <a:spcAft>
+                <a:spcPts val="0"/>
+              </a:spcAft>
+              <a:buSzPts val="1400"/>
+              <a:buAutoNum type="alphaLcPeriod"/>
+            </a:pPr>
+            <a:r>
+              <a:rPr lang="en"/>
+              <a:t>Identifying a suitable ML model</a:t>
+            </a:r>
+            <a:endParaRPr/>
+          </a:p>
+          <a:p>
+            <a:pPr indent="-317500" lvl="1" marL="914400" rtl="0" algn="l">
+              <a:spcBef>
+                <a:spcPts val="0"/>
+              </a:spcBef>
+              <a:spcAft>
+                <a:spcPts val="0"/>
+              </a:spcAft>
+              <a:buSzPts val="1400"/>
+              <a:buAutoNum type="alphaLcPeriod"/>
+            </a:pPr>
+            <a:r>
+              <a:rPr lang="en"/>
+              <a:t>Deciding on valid features</a:t>
+            </a:r>
+            <a:endParaRPr/>
+          </a:p>
+          <a:p>
+            <a:pPr indent="-317500" lvl="1" marL="914400" rtl="0" algn="l">
+              <a:spcBef>
+                <a:spcPts val="0"/>
+              </a:spcBef>
+              <a:spcAft>
+                <a:spcPts val="0"/>
+              </a:spcAft>
+              <a:buSzPts val="1400"/>
+              <a:buAutoNum type="alphaLcPeriod"/>
+            </a:pPr>
+            <a:r>
+              <a:rPr lang="en"/>
+              <a:t>Detection Capability vs Accuracy</a:t>
+            </a:r>
+            <a:endParaRPr/>
+          </a:p>
+          <a:p>
+            <a:pPr indent="-317500" lvl="1" marL="914400" rtl="0" algn="l">
+              <a:spcBef>
+                <a:spcPts val="0"/>
+              </a:spcBef>
+              <a:spcAft>
+                <a:spcPts val="0"/>
+              </a:spcAft>
+              <a:buSzPts val="1400"/>
+              <a:buAutoNum type="alphaLcPeriod"/>
+            </a:pPr>
+            <a:r>
+              <a:rPr lang="en"/>
+              <a:t>Useability in real life scenarios</a:t>
+            </a:r>
+            <a:endParaRPr/>
+          </a:p>
+          <a:p>
+            <a:pPr indent="-342900" lvl="0" marL="457200" rtl="0" algn="l">
+              <a:spcBef>
+                <a:spcPts val="0"/>
+              </a:spcBef>
+              <a:spcAft>
+                <a:spcPts val="0"/>
+              </a:spcAft>
+              <a:buSzPts val="1800"/>
+              <a:buAutoNum type="arabicPeriod"/>
+            </a:pPr>
+            <a:r>
+              <a:rPr lang="en"/>
+              <a:t>The </a:t>
+            </a:r>
+            <a:r>
+              <a:rPr lang="en" u="sng"/>
+              <a:t>top 3</a:t>
+            </a:r>
+            <a:r>
+              <a:rPr lang="en"/>
+              <a:t> lessons</a:t>
+            </a:r>
+            <a:endParaRPr/>
+          </a:p>
+          <a:p>
+            <a:pPr indent="-317500" lvl="1" marL="914400" rtl="0" algn="l">
+              <a:spcBef>
+                <a:spcPts val="0"/>
+              </a:spcBef>
+              <a:spcAft>
+                <a:spcPts val="0"/>
+              </a:spcAft>
+              <a:buSzPts val="1400"/>
+              <a:buAutoNum type="alphaLcPeriod"/>
+            </a:pPr>
+            <a:r>
+              <a:rPr lang="en"/>
+              <a:t>Listening to a few hours of ML narratives does not make you catch thieves</a:t>
+            </a:r>
+            <a:endParaRPr/>
+          </a:p>
+          <a:p>
+            <a:pPr indent="-317500" lvl="1" marL="914400" rtl="0" algn="l">
+              <a:spcBef>
+                <a:spcPts val="0"/>
+              </a:spcBef>
+              <a:spcAft>
+                <a:spcPts val="0"/>
+              </a:spcAft>
+              <a:buSzPts val="1400"/>
+              <a:buAutoNum type="alphaLcPeriod"/>
+            </a:pPr>
+            <a:r>
+              <a:rPr lang="en"/>
+              <a:t>Subject matter expertise could have helped us</a:t>
+            </a:r>
+            <a:endParaRPr/>
+          </a:p>
+          <a:p>
+            <a:pPr indent="-317500" lvl="1" marL="914400" rtl="0" algn="l">
+              <a:spcBef>
+                <a:spcPts val="0"/>
+              </a:spcBef>
+              <a:spcAft>
+                <a:spcPts val="0"/>
+              </a:spcAft>
+              <a:buSzPts val="1400"/>
+              <a:buAutoNum type="alphaLcPeriod"/>
+            </a:pPr>
+            <a:r>
+              <a:rPr lang="en"/>
+              <a:t>Becoming a useful data analyst is a long road</a:t>
+            </a:r>
+            <a:endParaRPr/>
+          </a:p>
+          <a:p>
+            <a:pPr indent="-342900" lvl="0" marL="457200" rtl="0" algn="l">
+              <a:spcBef>
+                <a:spcPts val="0"/>
+              </a:spcBef>
+              <a:spcAft>
+                <a:spcPts val="0"/>
+              </a:spcAft>
+              <a:buSzPts val="1800"/>
+              <a:buAutoNum type="arabicPeriod"/>
+            </a:pPr>
+            <a:r>
+              <a:rPr lang="en"/>
+              <a:t>Next steps for your data science career</a:t>
+            </a:r>
+            <a:endParaRPr/>
+          </a:p>
+          <a:p>
+            <a:pPr indent="-317500" lvl="1" marL="914400" rtl="0" algn="l">
+              <a:spcBef>
+                <a:spcPts val="0"/>
+              </a:spcBef>
+              <a:spcAft>
+                <a:spcPts val="0"/>
+              </a:spcAft>
+              <a:buSzPts val="1400"/>
+              <a:buAutoNum type="alphaLcPeriod"/>
+            </a:pPr>
+            <a:r>
+              <a:rPr lang="en"/>
+              <a:t>Learn more - get better</a:t>
             </a:r>
             <a:endParaRPr/>
           </a:p>
@@ -11138,7 +13689,7 @@
     <p:bg>
       <p:bgPr>
         <a:solidFill>
-          <a:srgbClr val="D5A6BD"/>
+          <a:srgbClr val="741B47"/>
         </a:solidFill>
       </p:bgPr>
     </p:bg>
@@ -11172,8 +13723,8 @@
         </p:blipFill>
         <p:spPr>
           <a:xfrm>
-            <a:off x="0" y="694288"/>
-            <a:ext cx="9144003" cy="3754937"/>
+            <a:off x="76200" y="725575"/>
+            <a:ext cx="8991601" cy="3692358"/>
           </a:xfrm>
           <a:prstGeom prst="rect">
             <a:avLst/>
@@ -11184,6 +13735,785 @@
           </a:ln>
         </p:spPr>
       </p:pic>
+      <p:sp>
+        <p:nvSpPr>
+          <p:cNvPr id="75" name="Google Shape;75;p15"/>
+          <p:cNvSpPr txBox="1"/>
+          <p:nvPr/>
+        </p:nvSpPr>
+        <p:spPr>
+          <a:xfrm>
+            <a:off x="2140200" y="149900"/>
+            <a:ext cx="4863600" cy="507900"/>
+          </a:xfrm>
+          <a:prstGeom prst="rect">
+            <a:avLst/>
+          </a:prstGeom>
+          <a:noFill/>
+          <a:ln>
+            <a:noFill/>
+          </a:ln>
+        </p:spPr>
+        <p:txBody>
+          <a:bodyPr anchorCtr="0" anchor="t" bIns="91425" lIns="91425" spcFirstLastPara="1" rIns="91425" wrap="square" tIns="91425">
+            <a:spAutoFit/>
+          </a:bodyPr>
+          <a:lstStyle/>
+          <a:p>
+            <a:pPr indent="0" lvl="0" marL="0" rtl="0" algn="ctr">
+              <a:spcBef>
+                <a:spcPts val="0"/>
+              </a:spcBef>
+              <a:spcAft>
+                <a:spcPts val="0"/>
+              </a:spcAft>
+              <a:buNone/>
+            </a:pPr>
+            <a:r>
+              <a:rPr b="1" lang="en" sz="2100">
+                <a:solidFill>
+                  <a:srgbClr val="FFFFFF"/>
+                </a:solidFill>
+                <a:latin typeface="Roboto"/>
+                <a:ea typeface="Roboto"/>
+                <a:cs typeface="Roboto"/>
+                <a:sym typeface="Roboto"/>
+              </a:rPr>
+              <a:t>Machine Learning Fraud Detection</a:t>
+            </a:r>
+            <a:endParaRPr b="1" sz="2100">
+              <a:solidFill>
+                <a:srgbClr val="FFFFFF"/>
+              </a:solidFill>
+              <a:latin typeface="Roboto"/>
+              <a:ea typeface="Roboto"/>
+              <a:cs typeface="Roboto"/>
+              <a:sym typeface="Roboto"/>
+            </a:endParaRPr>
+          </a:p>
+        </p:txBody>
+      </p:sp>
+      <p:sp>
+        <p:nvSpPr>
+          <p:cNvPr id="76" name="Google Shape;76;p15"/>
+          <p:cNvSpPr txBox="1"/>
+          <p:nvPr/>
+        </p:nvSpPr>
+        <p:spPr>
+          <a:xfrm>
+            <a:off x="6536100" y="725575"/>
+            <a:ext cx="2531700" cy="507900"/>
+          </a:xfrm>
+          <a:prstGeom prst="rect">
+            <a:avLst/>
+          </a:prstGeom>
+          <a:noFill/>
+          <a:ln>
+            <a:noFill/>
+          </a:ln>
+        </p:spPr>
+        <p:txBody>
+          <a:bodyPr anchorCtr="0" anchor="t" bIns="91425" lIns="91425" spcFirstLastPara="1" rIns="91425" wrap="square" tIns="91425">
+            <a:spAutoFit/>
+          </a:bodyPr>
+          <a:lstStyle/>
+          <a:p>
+            <a:pPr indent="0" lvl="0" marL="0" rtl="0" algn="ctr">
+              <a:spcBef>
+                <a:spcPts val="0"/>
+              </a:spcBef>
+              <a:spcAft>
+                <a:spcPts val="0"/>
+              </a:spcAft>
+              <a:buNone/>
+            </a:pPr>
+            <a:r>
+              <a:rPr b="1" lang="en" sz="2100">
+                <a:solidFill>
+                  <a:schemeClr val="lt1"/>
+                </a:solidFill>
+                <a:latin typeface="Roboto"/>
+                <a:ea typeface="Roboto"/>
+                <a:cs typeface="Roboto"/>
+                <a:sym typeface="Roboto"/>
+              </a:rPr>
+              <a:t>Statistical Models</a:t>
+            </a:r>
+            <a:endParaRPr b="1" sz="2100">
+              <a:solidFill>
+                <a:schemeClr val="lt1"/>
+              </a:solidFill>
+              <a:latin typeface="Roboto"/>
+              <a:ea typeface="Roboto"/>
+              <a:cs typeface="Roboto"/>
+              <a:sym typeface="Roboto"/>
+            </a:endParaRPr>
+          </a:p>
+        </p:txBody>
+      </p:sp>
+      <p:sp>
+        <p:nvSpPr>
+          <p:cNvPr id="77" name="Google Shape;77;p15"/>
+          <p:cNvSpPr txBox="1"/>
+          <p:nvPr/>
+        </p:nvSpPr>
+        <p:spPr>
+          <a:xfrm>
+            <a:off x="5844525" y="3954725"/>
+            <a:ext cx="2531700" cy="431100"/>
+          </a:xfrm>
+          <a:prstGeom prst="rect">
+            <a:avLst/>
+          </a:prstGeom>
+          <a:noFill/>
+          <a:ln>
+            <a:noFill/>
+          </a:ln>
+        </p:spPr>
+        <p:txBody>
+          <a:bodyPr anchorCtr="0" anchor="t" bIns="91425" lIns="91425" spcFirstLastPara="1" rIns="91425" wrap="square" tIns="91425">
+            <a:spAutoFit/>
+          </a:bodyPr>
+          <a:lstStyle/>
+          <a:p>
+            <a:pPr indent="0" lvl="0" marL="0" rtl="0" algn="ctr">
+              <a:spcBef>
+                <a:spcPts val="0"/>
+              </a:spcBef>
+              <a:spcAft>
+                <a:spcPts val="0"/>
+              </a:spcAft>
+              <a:buNone/>
+            </a:pPr>
+            <a:r>
+              <a:rPr b="1" lang="en" sz="1600">
+                <a:solidFill>
+                  <a:schemeClr val="lt1"/>
+                </a:solidFill>
+                <a:latin typeface="Roboto"/>
+                <a:ea typeface="Roboto"/>
+                <a:cs typeface="Roboto"/>
+                <a:sym typeface="Roboto"/>
+              </a:rPr>
+              <a:t>Trillions of dollars in loss</a:t>
+            </a:r>
+            <a:endParaRPr b="1" sz="1600">
+              <a:solidFill>
+                <a:schemeClr val="lt1"/>
+              </a:solidFill>
+              <a:latin typeface="Roboto"/>
+              <a:ea typeface="Roboto"/>
+              <a:cs typeface="Roboto"/>
+              <a:sym typeface="Roboto"/>
+            </a:endParaRPr>
+          </a:p>
+        </p:txBody>
+      </p:sp>
+    </p:spTree>
+  </p:cSld>
+  <p:clrMapOvr>
+    <a:masterClrMapping/>
+  </p:clrMapOvr>
+</p:sld>
+</file>
+
+<file path=ppt/slides/slide30.xml><?xml version="1.0" encoding="utf-8"?>
+<p:sld xmlns:a="http://schemas.openxmlformats.org/drawingml/2006/main" xmlns:r="http://schemas.openxmlformats.org/officeDocument/2006/relationships" xmlns:mc="http://schemas.openxmlformats.org/markup-compatibility/2006" xmlns:mv="urn:schemas-microsoft-com:mac:vml" xmlns:p="http://schemas.openxmlformats.org/presentationml/2006/main" xmlns:c="http://schemas.openxmlformats.org/drawingml/2006/chart" xmlns:dgm="http://schemas.openxmlformats.org/drawingml/2006/diagram" xmlns:o="urn:schemas-microsoft-com:office:office" xmlns:v="urn:schemas-microsoft-com:vml" xmlns:pvml="urn:schemas-microsoft-com:office:powerpoint" xmlns:com="http://schemas.openxmlformats.org/drawingml/2006/compatibility" xmlns:p14="http://schemas.microsoft.com/office/powerpoint/2010/main" xmlns:p15="http://schemas.microsoft.com/office/powerpoint/2012/main" xmlns:ahyp="http://schemas.microsoft.com/office/drawing/2018/hyperlinkcolor">
+  <p:cSld>
+    <p:spTree>
+      <p:nvGrpSpPr>
+        <p:cNvPr id="246" name="Shape 246"/>
+        <p:cNvGrpSpPr/>
+        <p:nvPr/>
+      </p:nvGrpSpPr>
+      <p:grpSpPr>
+        <a:xfrm>
+          <a:off x="0" y="0"/>
+          <a:ext cx="0" cy="0"/>
+          <a:chOff x="0" y="0"/>
+          <a:chExt cx="0" cy="0"/>
+        </a:xfrm>
+      </p:grpSpPr>
+      <p:sp>
+        <p:nvSpPr>
+          <p:cNvPr id="247" name="Google Shape;247;p42"/>
+          <p:cNvSpPr txBox="1"/>
+          <p:nvPr>
+            <p:ph type="title"/>
+          </p:nvPr>
+        </p:nvSpPr>
+        <p:spPr>
+          <a:xfrm>
+            <a:off x="490250" y="450150"/>
+            <a:ext cx="6367800" cy="4090800"/>
+          </a:xfrm>
+          <a:prstGeom prst="rect">
+            <a:avLst/>
+          </a:prstGeom>
+        </p:spPr>
+        <p:txBody>
+          <a:bodyPr anchorCtr="0" anchor="ctr" bIns="91425" lIns="91425" spcFirstLastPara="1" rIns="91425" wrap="square" tIns="91425">
+            <a:normAutofit/>
+          </a:bodyPr>
+          <a:lstStyle/>
+          <a:p>
+            <a:pPr indent="0" lvl="0" marL="0" rtl="0" algn="l">
+              <a:spcBef>
+                <a:spcPts val="0"/>
+              </a:spcBef>
+              <a:spcAft>
+                <a:spcPts val="0"/>
+              </a:spcAft>
+              <a:buNone/>
+            </a:pPr>
+            <a:r>
+              <a:rPr lang="en"/>
+              <a:t>6. Any Questions from Audience?</a:t>
+            </a:r>
+            <a:endParaRPr/>
+          </a:p>
+        </p:txBody>
+      </p:sp>
+    </p:spTree>
+  </p:cSld>
+  <p:clrMapOvr>
+    <a:masterClrMapping/>
+  </p:clrMapOvr>
+</p:sld>
+</file>
+
+<file path=ppt/slides/slide31.xml><?xml version="1.0" encoding="utf-8"?>
+<p:sld xmlns:a="http://schemas.openxmlformats.org/drawingml/2006/main" xmlns:r="http://schemas.openxmlformats.org/officeDocument/2006/relationships" xmlns:mc="http://schemas.openxmlformats.org/markup-compatibility/2006" xmlns:mv="urn:schemas-microsoft-com:mac:vml" xmlns:p="http://schemas.openxmlformats.org/presentationml/2006/main" xmlns:c="http://schemas.openxmlformats.org/drawingml/2006/chart" xmlns:dgm="http://schemas.openxmlformats.org/drawingml/2006/diagram" xmlns:o="urn:schemas-microsoft-com:office:office" xmlns:v="urn:schemas-microsoft-com:vml" xmlns:pvml="urn:schemas-microsoft-com:office:powerpoint" xmlns:com="http://schemas.openxmlformats.org/drawingml/2006/compatibility" xmlns:p14="http://schemas.microsoft.com/office/powerpoint/2010/main" xmlns:p15="http://schemas.microsoft.com/office/powerpoint/2012/main" xmlns:ahyp="http://schemas.microsoft.com/office/drawing/2018/hyperlinkcolor" show="0">
+  <p:cSld>
+    <p:spTree>
+      <p:nvGrpSpPr>
+        <p:cNvPr id="251" name="Shape 251"/>
+        <p:cNvGrpSpPr/>
+        <p:nvPr/>
+      </p:nvGrpSpPr>
+      <p:grpSpPr>
+        <a:xfrm>
+          <a:off x="0" y="0"/>
+          <a:ext cx="0" cy="0"/>
+          <a:chOff x="0" y="0"/>
+          <a:chExt cx="0" cy="0"/>
+        </a:xfrm>
+      </p:grpSpPr>
+      <p:sp>
+        <p:nvSpPr>
+          <p:cNvPr id="252" name="Google Shape;252;p43"/>
+          <p:cNvSpPr txBox="1"/>
+          <p:nvPr>
+            <p:ph type="title"/>
+          </p:nvPr>
+        </p:nvSpPr>
+        <p:spPr>
+          <a:xfrm>
+            <a:off x="311700" y="445025"/>
+            <a:ext cx="8520600" cy="572700"/>
+          </a:xfrm>
+          <a:prstGeom prst="rect">
+            <a:avLst/>
+          </a:prstGeom>
+        </p:spPr>
+        <p:txBody>
+          <a:bodyPr anchorCtr="0" anchor="t" bIns="91425" lIns="91425" spcFirstLastPara="1" rIns="91425" wrap="square" tIns="91425">
+            <a:normAutofit fontScale="90000"/>
+          </a:bodyPr>
+          <a:lstStyle/>
+          <a:p>
+            <a:pPr indent="0" lvl="0" marL="0" rtl="0" algn="l">
+              <a:spcBef>
+                <a:spcPts val="0"/>
+              </a:spcBef>
+              <a:spcAft>
+                <a:spcPts val="0"/>
+              </a:spcAft>
+              <a:buNone/>
+            </a:pPr>
+            <a:r>
+              <a:rPr lang="en"/>
+              <a:t>3. The Machine Learning Model</a:t>
+            </a:r>
+            <a:endParaRPr/>
+          </a:p>
+        </p:txBody>
+      </p:sp>
+      <p:sp>
+        <p:nvSpPr>
+          <p:cNvPr id="253" name="Google Shape;253;p43"/>
+          <p:cNvSpPr txBox="1"/>
+          <p:nvPr>
+            <p:ph idx="1" type="body"/>
+          </p:nvPr>
+        </p:nvSpPr>
+        <p:spPr>
+          <a:xfrm>
+            <a:off x="311700" y="1401925"/>
+            <a:ext cx="8520600" cy="1774200"/>
+          </a:xfrm>
+          <a:prstGeom prst="rect">
+            <a:avLst/>
+          </a:prstGeom>
+        </p:spPr>
+        <p:txBody>
+          <a:bodyPr anchorCtr="0" anchor="t" bIns="91425" lIns="91425" spcFirstLastPara="1" rIns="91425" wrap="square" tIns="91425">
+            <a:normAutofit fontScale="85000" lnSpcReduction="20000"/>
+          </a:bodyPr>
+          <a:lstStyle/>
+          <a:p>
+            <a:pPr indent="0" lvl="0" marL="0" rtl="0" algn="l">
+              <a:spcBef>
+                <a:spcPts val="0"/>
+              </a:spcBef>
+              <a:spcAft>
+                <a:spcPts val="0"/>
+              </a:spcAft>
+              <a:buNone/>
+            </a:pPr>
+            <a:r>
+              <a:rPr lang="en"/>
+              <a:t>In this section, you will go over the following:</a:t>
+            </a:r>
+            <a:endParaRPr/>
+          </a:p>
+          <a:p>
+            <a:pPr indent="-325755" lvl="0" marL="457200" rtl="0" algn="l">
+              <a:spcBef>
+                <a:spcPts val="1200"/>
+              </a:spcBef>
+              <a:spcAft>
+                <a:spcPts val="0"/>
+              </a:spcAft>
+              <a:buSzPct val="100000"/>
+              <a:buAutoNum type="arabicPeriod"/>
+            </a:pPr>
+            <a:r>
+              <a:rPr lang="en"/>
+              <a:t>Neural Networks Model which comes under Deep Learning</a:t>
+            </a:r>
+            <a:endParaRPr/>
+          </a:p>
+          <a:p>
+            <a:pPr indent="-325755" lvl="0" marL="457200" rtl="0" algn="l">
+              <a:spcBef>
+                <a:spcPts val="0"/>
+              </a:spcBef>
+              <a:spcAft>
+                <a:spcPts val="0"/>
+              </a:spcAft>
+              <a:buSzPct val="100000"/>
+              <a:buAutoNum type="arabicPeriod"/>
+            </a:pPr>
+            <a:r>
+              <a:rPr lang="en"/>
+              <a:t>The features of the model are amount of the transactions and the categories which different </a:t>
+            </a:r>
+            <a:r>
+              <a:rPr lang="en"/>
+              <a:t>transaction</a:t>
+            </a:r>
+            <a:r>
+              <a:rPr lang="en"/>
+              <a:t> fall into and label for the model is to predict which is fraud or not.</a:t>
+            </a:r>
+            <a:endParaRPr/>
+          </a:p>
+          <a:p>
+            <a:pPr indent="-325755" lvl="0" marL="457200" rtl="0" algn="l">
+              <a:spcBef>
+                <a:spcPts val="0"/>
+              </a:spcBef>
+              <a:spcAft>
+                <a:spcPts val="0"/>
+              </a:spcAft>
+              <a:buSzPct val="100000"/>
+              <a:buAutoNum type="arabicPeriod"/>
+            </a:pPr>
+            <a:r>
+              <a:rPr lang="en"/>
+              <a:t>The reason you chose this ML model</a:t>
+            </a:r>
+            <a:endParaRPr/>
+          </a:p>
+          <a:p>
+            <a:pPr indent="-325755" lvl="0" marL="457200" rtl="0" algn="l">
+              <a:spcBef>
+                <a:spcPts val="0"/>
+              </a:spcBef>
+              <a:spcAft>
+                <a:spcPts val="0"/>
+              </a:spcAft>
+              <a:buSzPct val="100000"/>
+              <a:buAutoNum type="arabicPeriod"/>
+            </a:pPr>
+            <a:r>
+              <a:rPr lang="en"/>
+              <a:t>How this model compares to other </a:t>
+            </a:r>
+            <a:r>
+              <a:rPr lang="en"/>
+              <a:t>ML models</a:t>
+            </a:r>
+            <a:endParaRPr/>
+          </a:p>
+        </p:txBody>
+      </p:sp>
+      <p:sp>
+        <p:nvSpPr>
+          <p:cNvPr id="254" name="Google Shape;254;p43"/>
+          <p:cNvSpPr txBox="1"/>
+          <p:nvPr/>
+        </p:nvSpPr>
+        <p:spPr>
+          <a:xfrm>
+            <a:off x="445650" y="3305200"/>
+            <a:ext cx="5347800" cy="400200"/>
+          </a:xfrm>
+          <a:prstGeom prst="rect">
+            <a:avLst/>
+          </a:prstGeom>
+          <a:noFill/>
+          <a:ln>
+            <a:noFill/>
+          </a:ln>
+        </p:spPr>
+        <p:txBody>
+          <a:bodyPr anchorCtr="0" anchor="t" bIns="91425" lIns="91425" spcFirstLastPara="1" rIns="91425" wrap="square" tIns="91425">
+            <a:spAutoFit/>
+          </a:bodyPr>
+          <a:lstStyle/>
+          <a:p>
+            <a:pPr indent="0" lvl="0" marL="0" rtl="0" algn="l">
+              <a:spcBef>
+                <a:spcPts val="0"/>
+              </a:spcBef>
+              <a:spcAft>
+                <a:spcPts val="0"/>
+              </a:spcAft>
+              <a:buNone/>
+            </a:pPr>
+            <a:r>
+              <a:rPr lang="en">
+                <a:latin typeface="Roboto"/>
+                <a:ea typeface="Roboto"/>
+                <a:cs typeface="Roboto"/>
+                <a:sym typeface="Roboto"/>
+              </a:rPr>
+              <a:t>* For example: regression, classification, or clustering.</a:t>
+            </a:r>
+            <a:endParaRPr>
+              <a:latin typeface="Roboto"/>
+              <a:ea typeface="Roboto"/>
+              <a:cs typeface="Roboto"/>
+              <a:sym typeface="Roboto"/>
+            </a:endParaRPr>
+          </a:p>
+        </p:txBody>
+      </p:sp>
+    </p:spTree>
+  </p:cSld>
+  <p:clrMapOvr>
+    <a:masterClrMapping/>
+  </p:clrMapOvr>
+</p:sld>
+</file>
+
+<file path=ppt/slides/slide32.xml><?xml version="1.0" encoding="utf-8"?>
+<p:sld xmlns:a="http://schemas.openxmlformats.org/drawingml/2006/main" xmlns:r="http://schemas.openxmlformats.org/officeDocument/2006/relationships" xmlns:mc="http://schemas.openxmlformats.org/markup-compatibility/2006" xmlns:mv="urn:schemas-microsoft-com:mac:vml" xmlns:p="http://schemas.openxmlformats.org/presentationml/2006/main" xmlns:c="http://schemas.openxmlformats.org/drawingml/2006/chart" xmlns:dgm="http://schemas.openxmlformats.org/drawingml/2006/diagram" xmlns:o="urn:schemas-microsoft-com:office:office" xmlns:v="urn:schemas-microsoft-com:vml" xmlns:pvml="urn:schemas-microsoft-com:office:powerpoint" xmlns:com="http://schemas.openxmlformats.org/drawingml/2006/compatibility" xmlns:p14="http://schemas.microsoft.com/office/powerpoint/2010/main" xmlns:p15="http://schemas.microsoft.com/office/powerpoint/2012/main" xmlns:ahyp="http://schemas.microsoft.com/office/drawing/2018/hyperlinkcolor" show="0">
+  <p:cSld>
+    <p:spTree>
+      <p:nvGrpSpPr>
+        <p:cNvPr id="258" name="Shape 258"/>
+        <p:cNvGrpSpPr/>
+        <p:nvPr/>
+      </p:nvGrpSpPr>
+      <p:grpSpPr>
+        <a:xfrm>
+          <a:off x="0" y="0"/>
+          <a:ext cx="0" cy="0"/>
+          <a:chOff x="0" y="0"/>
+          <a:chExt cx="0" cy="0"/>
+        </a:xfrm>
+      </p:grpSpPr>
+      <p:sp>
+        <p:nvSpPr>
+          <p:cNvPr id="259" name="Google Shape;259;p44"/>
+          <p:cNvSpPr txBox="1"/>
+          <p:nvPr>
+            <p:ph type="title"/>
+          </p:nvPr>
+        </p:nvSpPr>
+        <p:spPr>
+          <a:xfrm>
+            <a:off x="311700" y="225225"/>
+            <a:ext cx="8520600" cy="572700"/>
+          </a:xfrm>
+          <a:prstGeom prst="rect">
+            <a:avLst/>
+          </a:prstGeom>
+        </p:spPr>
+        <p:txBody>
+          <a:bodyPr anchorCtr="0" anchor="t" bIns="91425" lIns="91425" spcFirstLastPara="1" rIns="91425" wrap="square" tIns="91425">
+            <a:normAutofit fontScale="90000"/>
+          </a:bodyPr>
+          <a:lstStyle/>
+          <a:p>
+            <a:pPr indent="0" lvl="0" marL="0" rtl="0" algn="l">
+              <a:spcBef>
+                <a:spcPts val="0"/>
+              </a:spcBef>
+              <a:spcAft>
+                <a:spcPts val="0"/>
+              </a:spcAft>
+              <a:buNone/>
+            </a:pPr>
+            <a:r>
+              <a:rPr lang="en"/>
+              <a:t>2. Exploratory Data Analysis</a:t>
+            </a:r>
+            <a:endParaRPr/>
+          </a:p>
+        </p:txBody>
+      </p:sp>
+      <p:sp>
+        <p:nvSpPr>
+          <p:cNvPr id="260" name="Google Shape;260;p44"/>
+          <p:cNvSpPr txBox="1"/>
+          <p:nvPr>
+            <p:ph idx="1" type="body"/>
+          </p:nvPr>
+        </p:nvSpPr>
+        <p:spPr>
+          <a:xfrm>
+            <a:off x="311700" y="900475"/>
+            <a:ext cx="8520600" cy="3854100"/>
+          </a:xfrm>
+          <a:prstGeom prst="rect">
+            <a:avLst/>
+          </a:prstGeom>
+        </p:spPr>
+        <p:txBody>
+          <a:bodyPr anchorCtr="0" anchor="t" bIns="91425" lIns="91425" spcFirstLastPara="1" rIns="91425" wrap="square" tIns="91425">
+            <a:noAutofit/>
+          </a:bodyPr>
+          <a:lstStyle/>
+          <a:p>
+            <a:pPr indent="-334010" lvl="0" marL="457200" rtl="0" algn="l">
+              <a:lnSpc>
+                <a:spcPct val="115000"/>
+              </a:lnSpc>
+              <a:spcBef>
+                <a:spcPts val="0"/>
+              </a:spcBef>
+              <a:spcAft>
+                <a:spcPts val="0"/>
+              </a:spcAft>
+              <a:buClr>
+                <a:schemeClr val="dk1"/>
+              </a:buClr>
+              <a:buSzPts val="1660"/>
+              <a:buChar char="●"/>
+            </a:pPr>
+            <a:r>
+              <a:rPr lang="en" sz="1660">
+                <a:solidFill>
+                  <a:schemeClr val="dk1"/>
+                </a:solidFill>
+              </a:rPr>
+              <a:t>We started with analysing our dataset and found that there was no missing data. We checked the details of the fraud transactions and the </a:t>
+            </a:r>
+            <a:r>
+              <a:rPr lang="en" sz="1660">
+                <a:solidFill>
+                  <a:schemeClr val="dk1"/>
+                </a:solidFill>
+              </a:rPr>
+              <a:t>correlation</a:t>
+            </a:r>
+            <a:r>
+              <a:rPr lang="en" sz="1660">
+                <a:solidFill>
+                  <a:schemeClr val="dk1"/>
+                </a:solidFill>
+              </a:rPr>
+              <a:t> with different features like age, gender etc. </a:t>
+            </a:r>
+            <a:endParaRPr sz="1660">
+              <a:solidFill>
+                <a:schemeClr val="dk1"/>
+              </a:solidFill>
+            </a:endParaRPr>
+          </a:p>
+          <a:p>
+            <a:pPr indent="0" lvl="0" marL="457200" rtl="0" algn="l">
+              <a:lnSpc>
+                <a:spcPct val="115000"/>
+              </a:lnSpc>
+              <a:spcBef>
+                <a:spcPts val="100"/>
+              </a:spcBef>
+              <a:spcAft>
+                <a:spcPts val="0"/>
+              </a:spcAft>
+              <a:buNone/>
+            </a:pPr>
+            <a:r>
+              <a:t/>
+            </a:r>
+            <a:endParaRPr sz="1660">
+              <a:solidFill>
+                <a:schemeClr val="dk1"/>
+              </a:solidFill>
+            </a:endParaRPr>
+          </a:p>
+          <a:p>
+            <a:pPr indent="-328930" lvl="1" marL="914400" rtl="0" algn="l">
+              <a:lnSpc>
+                <a:spcPct val="115000"/>
+              </a:lnSpc>
+              <a:spcBef>
+                <a:spcPts val="100"/>
+              </a:spcBef>
+              <a:spcAft>
+                <a:spcPts val="0"/>
+              </a:spcAft>
+              <a:buClr>
+                <a:schemeClr val="dk1"/>
+              </a:buClr>
+              <a:buSzPts val="1580"/>
+              <a:buChar char="○"/>
+            </a:pPr>
+            <a:r>
+              <a:rPr lang="en" sz="1580">
+                <a:solidFill>
+                  <a:schemeClr val="dk1"/>
+                </a:solidFill>
+              </a:rPr>
+              <a:t>A</a:t>
+            </a:r>
+            <a:r>
+              <a:rPr lang="en" sz="1580">
+                <a:solidFill>
+                  <a:schemeClr val="dk1"/>
+                </a:solidFill>
+              </a:rPr>
+              <a:t>ge wise analysis showed that, the number of transaction and the number of fraud transactions were more in age group 2 that is 26-35.</a:t>
+            </a:r>
+            <a:endParaRPr sz="1580">
+              <a:solidFill>
+                <a:schemeClr val="dk1"/>
+              </a:solidFill>
+            </a:endParaRPr>
+          </a:p>
+          <a:p>
+            <a:pPr indent="0" lvl="0" marL="914400" rtl="0" algn="l">
+              <a:lnSpc>
+                <a:spcPct val="115000"/>
+              </a:lnSpc>
+              <a:spcBef>
+                <a:spcPts val="100"/>
+              </a:spcBef>
+              <a:spcAft>
+                <a:spcPts val="0"/>
+              </a:spcAft>
+              <a:buNone/>
+            </a:pPr>
+            <a:r>
+              <a:t/>
+            </a:r>
+            <a:endParaRPr sz="1380">
+              <a:solidFill>
+                <a:schemeClr val="dk1"/>
+              </a:solidFill>
+            </a:endParaRPr>
+          </a:p>
+          <a:p>
+            <a:pPr indent="-328930" lvl="1" marL="914400" rtl="0" algn="l">
+              <a:lnSpc>
+                <a:spcPct val="115000"/>
+              </a:lnSpc>
+              <a:spcBef>
+                <a:spcPts val="100"/>
+              </a:spcBef>
+              <a:spcAft>
+                <a:spcPts val="0"/>
+              </a:spcAft>
+              <a:buClr>
+                <a:schemeClr val="dk1"/>
+              </a:buClr>
+              <a:buSzPts val="1580"/>
+              <a:buChar char="○"/>
+            </a:pPr>
+            <a:r>
+              <a:rPr lang="en" sz="1580">
+                <a:solidFill>
+                  <a:schemeClr val="dk1"/>
+                </a:solidFill>
+              </a:rPr>
+              <a:t>Gender wise analysis revealed that the number of transactions were more in female category, E and U category being negligible</a:t>
+            </a:r>
+            <a:endParaRPr sz="1580">
+              <a:solidFill>
+                <a:schemeClr val="dk1"/>
+              </a:solidFill>
+            </a:endParaRPr>
+          </a:p>
+          <a:p>
+            <a:pPr indent="0" lvl="0" marL="914400" rtl="0" algn="l">
+              <a:lnSpc>
+                <a:spcPct val="115000"/>
+              </a:lnSpc>
+              <a:spcBef>
+                <a:spcPts val="100"/>
+              </a:spcBef>
+              <a:spcAft>
+                <a:spcPts val="0"/>
+              </a:spcAft>
+              <a:buNone/>
+            </a:pPr>
+            <a:r>
+              <a:t/>
+            </a:r>
+            <a:endParaRPr sz="1380">
+              <a:solidFill>
+                <a:schemeClr val="dk1"/>
+              </a:solidFill>
+            </a:endParaRPr>
+          </a:p>
+          <a:p>
+            <a:pPr indent="-334010" lvl="0" marL="457200" rtl="0" algn="l">
+              <a:lnSpc>
+                <a:spcPct val="115000"/>
+              </a:lnSpc>
+              <a:spcBef>
+                <a:spcPts val="100"/>
+              </a:spcBef>
+              <a:spcAft>
+                <a:spcPts val="100"/>
+              </a:spcAft>
+              <a:buClr>
+                <a:schemeClr val="dk1"/>
+              </a:buClr>
+              <a:buSzPts val="1660"/>
+              <a:buChar char="●"/>
+            </a:pPr>
+            <a:r>
+              <a:rPr lang="en" sz="1660">
+                <a:solidFill>
+                  <a:schemeClr val="dk1"/>
+                </a:solidFill>
+              </a:rPr>
+              <a:t>The two largest categories (es_transportation and es_food) have absolutely no fraud. Another pattern emerged was higher amount transactions has higher possibility of fraud.</a:t>
+            </a:r>
+            <a:endParaRPr sz="1380">
+              <a:solidFill>
+                <a:schemeClr val="dk1"/>
+              </a:solidFill>
+            </a:endParaRPr>
+          </a:p>
+        </p:txBody>
+      </p:sp>
     </p:spTree>
   </p:cSld>
   <p:clrMapOvr>
@@ -11197,7 +14527,7 @@
   <p:cSld>
     <p:spTree>
       <p:nvGrpSpPr>
-        <p:cNvPr id="78" name="Shape 78"/>
+        <p:cNvPr id="81" name="Shape 81"/>
         <p:cNvGrpSpPr/>
         <p:nvPr/>
       </p:nvGrpSpPr>
@@ -11211,7 +14541,7 @@
       </p:grpSpPr>
       <p:sp>
         <p:nvSpPr>
-          <p:cNvPr id="79" name="Google Shape;79;p16"/>
+          <p:cNvPr id="82" name="Google Shape;82;p16"/>
           <p:cNvSpPr txBox="1"/>
           <p:nvPr>
             <p:ph type="title"/>
@@ -11274,7 +14604,7 @@
       </p:sp>
       <p:sp>
         <p:nvSpPr>
-          <p:cNvPr id="80" name="Google Shape;80;p16"/>
+          <p:cNvPr id="83" name="Google Shape;83;p16"/>
           <p:cNvSpPr txBox="1"/>
           <p:nvPr>
             <p:ph idx="1" type="body"/>
@@ -11469,9 +14799,16 @@
 <file path=ppt/slides/slide5.xml><?xml version="1.0" encoding="utf-8"?>
 <p:sld xmlns:a="http://schemas.openxmlformats.org/drawingml/2006/main" xmlns:r="http://schemas.openxmlformats.org/officeDocument/2006/relationships" xmlns:mc="http://schemas.openxmlformats.org/markup-compatibility/2006" xmlns:mv="urn:schemas-microsoft-com:mac:vml" xmlns:p="http://schemas.openxmlformats.org/presentationml/2006/main" xmlns:c="http://schemas.openxmlformats.org/drawingml/2006/chart" xmlns:dgm="http://schemas.openxmlformats.org/drawingml/2006/diagram" xmlns:o="urn:schemas-microsoft-com:office:office" xmlns:v="urn:schemas-microsoft-com:vml" xmlns:pvml="urn:schemas-microsoft-com:office:powerpoint" xmlns:com="http://schemas.openxmlformats.org/drawingml/2006/compatibility" xmlns:p14="http://schemas.microsoft.com/office/powerpoint/2010/main" xmlns:p15="http://schemas.microsoft.com/office/powerpoint/2012/main" xmlns:ahyp="http://schemas.microsoft.com/office/drawing/2018/hyperlinkcolor">
   <p:cSld>
+    <p:bg>
+      <p:bgPr>
+        <a:solidFill>
+          <a:schemeClr val="lt1"/>
+        </a:solidFill>
+      </p:bgPr>
+    </p:bg>
     <p:spTree>
       <p:nvGrpSpPr>
-        <p:cNvPr id="84" name="Shape 84"/>
+        <p:cNvPr id="87" name="Shape 87"/>
         <p:cNvGrpSpPr/>
         <p:nvPr/>
       </p:nvGrpSpPr>
@@ -11485,21 +14822,22 @@
       </p:grpSpPr>
       <p:pic>
         <p:nvPicPr>
-          <p:cNvPr id="85" name="Google Shape;85;p17"/>
+          <p:cNvPr id="88" name="Google Shape;88;p17"/>
           <p:cNvPicPr preferRelativeResize="0"/>
           <p:nvPr/>
         </p:nvPicPr>
-        <p:blipFill rotWithShape="1">
+        <p:blipFill>
           <a:blip r:embed="rId3">
             <a:alphaModFix/>
           </a:blip>
-          <a:srcRect b="0" l="0" r="0" t="0"/>
-          <a:stretch/>
+          <a:stretch>
+            <a:fillRect/>
+          </a:stretch>
         </p:blipFill>
         <p:spPr>
           <a:xfrm>
-            <a:off x="885875" y="511700"/>
-            <a:ext cx="6367800" cy="4432490"/>
+            <a:off x="904875" y="1457325"/>
+            <a:ext cx="7334250" cy="2228850"/>
           </a:xfrm>
           <a:prstGeom prst="rect">
             <a:avLst/>
@@ -11523,7 +14861,7 @@
   <p:cSld>
     <p:spTree>
       <p:nvGrpSpPr>
-        <p:cNvPr id="89" name="Shape 89"/>
+        <p:cNvPr id="92" name="Shape 92"/>
         <p:cNvGrpSpPr/>
         <p:nvPr/>
       </p:nvGrpSpPr>
@@ -11535,109 +14873,29 @@
           <a:chExt cx="0" cy="0"/>
         </a:xfrm>
       </p:grpSpPr>
-      <p:pic>
-        <p:nvPicPr>
-          <p:cNvPr id="90" name="Google Shape;90;p18"/>
-          <p:cNvPicPr preferRelativeResize="0"/>
-          <p:nvPr/>
-        </p:nvPicPr>
-        <p:blipFill>
-          <a:blip r:embed="rId3">
-            <a:alphaModFix/>
-          </a:blip>
-          <a:stretch>
-            <a:fillRect/>
-          </a:stretch>
-        </p:blipFill>
-        <p:spPr>
-          <a:xfrm>
-            <a:off x="1130275" y="770000"/>
-            <a:ext cx="6658424" cy="4280425"/>
+      <p:sp>
+        <p:nvSpPr>
+          <p:cNvPr id="93" name="Google Shape;93;p18"/>
+          <p:cNvSpPr txBox="1"/>
+          <p:nvPr>
+            <p:ph type="title"/>
+          </p:nvPr>
+        </p:nvSpPr>
+        <p:spPr>
+          <a:xfrm>
+            <a:off x="490250" y="450150"/>
+            <a:ext cx="6367800" cy="4090800"/>
           </a:xfrm>
           <a:prstGeom prst="rect">
             <a:avLst/>
           </a:prstGeom>
-          <a:noFill/>
-          <a:ln>
-            <a:noFill/>
-          </a:ln>
-        </p:spPr>
-      </p:pic>
-      <p:sp>
-        <p:nvSpPr>
-          <p:cNvPr id="91" name="Google Shape;91;p18"/>
-          <p:cNvSpPr txBox="1"/>
-          <p:nvPr/>
-        </p:nvSpPr>
-        <p:spPr>
-          <a:xfrm>
-            <a:off x="1130243" y="120075"/>
-            <a:ext cx="6658500" cy="461700"/>
-          </a:xfrm>
-          <a:prstGeom prst="rect">
-            <a:avLst/>
-          </a:prstGeom>
-          <a:noFill/>
-          <a:ln>
-            <a:noFill/>
-          </a:ln>
         </p:spPr>
         <p:txBody>
-          <a:bodyPr anchorCtr="0" anchor="t" bIns="91425" lIns="91425" spcFirstLastPara="1" rIns="91425" wrap="square" tIns="91425">
-            <a:spAutoFit/>
+          <a:bodyPr anchorCtr="0" anchor="ctr" bIns="91425" lIns="91425" spcFirstLastPara="1" rIns="91425" wrap="square" tIns="91425">
+            <a:normAutofit/>
           </a:bodyPr>
           <a:lstStyle/>
           <a:p>
-            <a:pPr indent="0" lvl="0" marL="0" rtl="0" algn="ctr">
-              <a:spcBef>
-                <a:spcPts val="0"/>
-              </a:spcBef>
-              <a:spcAft>
-                <a:spcPts val="0"/>
-              </a:spcAft>
-              <a:buNone/>
-            </a:pPr>
-            <a:r>
-              <a:rPr b="1" lang="en" sz="1800">
-                <a:solidFill>
-                  <a:srgbClr val="980000"/>
-                </a:solidFill>
-              </a:rPr>
-              <a:t>Percentage of amount of normal and fraud transactions</a:t>
-            </a:r>
-            <a:endParaRPr b="1" sz="1800">
-              <a:solidFill>
-                <a:srgbClr val="980000"/>
-              </a:solidFill>
-            </a:endParaRPr>
-          </a:p>
-        </p:txBody>
-      </p:sp>
-      <p:sp>
-        <p:nvSpPr>
-          <p:cNvPr id="92" name="Google Shape;92;p18"/>
-          <p:cNvSpPr txBox="1"/>
-          <p:nvPr/>
-        </p:nvSpPr>
-        <p:spPr>
-          <a:xfrm>
-            <a:off x="1355300" y="1029325"/>
-            <a:ext cx="1338000" cy="615600"/>
-          </a:xfrm>
-          <a:prstGeom prst="rect">
-            <a:avLst/>
-          </a:prstGeom>
-          <a:noFill/>
-          <a:ln>
-            <a:noFill/>
-          </a:ln>
-        </p:spPr>
-        <p:txBody>
-          <a:bodyPr anchorCtr="0" anchor="t" bIns="91425" lIns="91425" spcFirstLastPara="1" rIns="91425" wrap="square" tIns="91425">
-            <a:spAutoFit/>
-          </a:bodyPr>
-          <a:lstStyle/>
-          <a:p>
             <a:pPr indent="0" lvl="0" marL="0" rtl="0" algn="l">
               <a:spcBef>
                 <a:spcPts val="0"/>
@@ -11648,46 +14906,10 @@
               <a:buNone/>
             </a:pPr>
             <a:r>
-              <a:rPr lang="en">
-                <a:latin typeface="Roboto"/>
-                <a:ea typeface="Roboto"/>
-                <a:cs typeface="Roboto"/>
-                <a:sym typeface="Roboto"/>
-              </a:rPr>
-              <a:t>Fraud = 0</a:t>
-            </a:r>
-            <a:endParaRPr>
-              <a:latin typeface="Roboto"/>
-              <a:ea typeface="Roboto"/>
-              <a:cs typeface="Roboto"/>
-              <a:sym typeface="Roboto"/>
-            </a:endParaRPr>
-          </a:p>
-          <a:p>
-            <a:pPr indent="0" lvl="0" marL="0" rtl="0" algn="l">
-              <a:spcBef>
-                <a:spcPts val="0"/>
-              </a:spcBef>
-              <a:spcAft>
-                <a:spcPts val="0"/>
-              </a:spcAft>
-              <a:buNone/>
-            </a:pPr>
-            <a:r>
-              <a:rPr lang="en">
-                <a:latin typeface="Roboto"/>
-                <a:ea typeface="Roboto"/>
-                <a:cs typeface="Roboto"/>
-                <a:sym typeface="Roboto"/>
-              </a:rPr>
-              <a:t>Normal = 1</a:t>
-            </a:r>
-            <a:endParaRPr>
-              <a:latin typeface="Roboto"/>
-              <a:ea typeface="Roboto"/>
-              <a:cs typeface="Roboto"/>
-              <a:sym typeface="Roboto"/>
-            </a:endParaRPr>
+              <a:rPr lang="en"/>
+              <a:t>2. Exploratory Data Analysis</a:t>
+            </a:r>
+            <a:endParaRPr/>
           </a:p>
         </p:txBody>
       </p:sp>
@@ -11704,7 +14926,7 @@
   <p:cSld>
     <p:spTree>
       <p:nvGrpSpPr>
-        <p:cNvPr id="96" name="Shape 96"/>
+        <p:cNvPr id="97" name="Shape 97"/>
         <p:cNvGrpSpPr/>
         <p:nvPr/>
       </p:nvGrpSpPr>
@@ -11718,7 +14940,7 @@
       </p:grpSpPr>
       <p:sp>
         <p:nvSpPr>
-          <p:cNvPr id="97" name="Google Shape;97;p19"/>
+          <p:cNvPr id="98" name="Google Shape;98;p19"/>
           <p:cNvSpPr txBox="1"/>
           <p:nvPr>
             <p:ph type="title"/>
@@ -11767,7 +14989,7 @@
             </a:pPr>
             <a:r>
               <a:rPr lang="en" sz="2480"/>
-              <a:t>2. Exploratory Data Analysis</a:t>
+              <a:t>The Dataset</a:t>
             </a:r>
             <a:endParaRPr sz="2480"/>
           </a:p>
@@ -12057,7 +15279,7 @@
   <p:cSld>
     <p:spTree>
       <p:nvGrpSpPr>
-        <p:cNvPr id="101" name="Shape 101"/>
+        <p:cNvPr id="102" name="Shape 102"/>
         <p:cNvGrpSpPr/>
         <p:nvPr/>
       </p:nvGrpSpPr>
@@ -12071,7 +15293,7 @@
       </p:grpSpPr>
       <p:sp>
         <p:nvSpPr>
-          <p:cNvPr id="102" name="Google Shape;102;p20"/>
+          <p:cNvPr id="103" name="Google Shape;103;p20"/>
           <p:cNvSpPr txBox="1"/>
           <p:nvPr>
             <p:ph idx="1" type="body"/>
@@ -12762,9 +15984,16 @@
 <file path=ppt/slides/slide9.xml><?xml version="1.0" encoding="utf-8"?>
 <p:sld xmlns:a="http://schemas.openxmlformats.org/drawingml/2006/main" xmlns:r="http://schemas.openxmlformats.org/officeDocument/2006/relationships" xmlns:mc="http://schemas.openxmlformats.org/markup-compatibility/2006" xmlns:mv="urn:schemas-microsoft-com:mac:vml" xmlns:p="http://schemas.openxmlformats.org/presentationml/2006/main" xmlns:c="http://schemas.openxmlformats.org/drawingml/2006/chart" xmlns:dgm="http://schemas.openxmlformats.org/drawingml/2006/diagram" xmlns:o="urn:schemas-microsoft-com:office:office" xmlns:v="urn:schemas-microsoft-com:vml" xmlns:pvml="urn:schemas-microsoft-com:office:powerpoint" xmlns:com="http://schemas.openxmlformats.org/drawingml/2006/compatibility" xmlns:p14="http://schemas.microsoft.com/office/powerpoint/2010/main" xmlns:p15="http://schemas.microsoft.com/office/powerpoint/2012/main" xmlns:ahyp="http://schemas.microsoft.com/office/drawing/2018/hyperlinkcolor">
   <p:cSld>
+    <p:bg>
+      <p:bgPr>
+        <a:solidFill>
+          <a:schemeClr val="lt1"/>
+        </a:solidFill>
+      </p:bgPr>
+    </p:bg>
     <p:spTree>
       <p:nvGrpSpPr>
-        <p:cNvPr id="106" name="Shape 106"/>
+        <p:cNvPr id="107" name="Shape 107"/>
         <p:cNvGrpSpPr/>
         <p:nvPr/>
       </p:nvGrpSpPr>
@@ -12778,22 +16007,21 @@
       </p:grpSpPr>
       <p:pic>
         <p:nvPicPr>
-          <p:cNvPr id="107" name="Google Shape;107;p21"/>
+          <p:cNvPr id="108" name="Google Shape;108;p21"/>
           <p:cNvPicPr preferRelativeResize="0"/>
           <p:nvPr/>
         </p:nvPicPr>
-        <p:blipFill>
+        <p:blipFill rotWithShape="1">
           <a:blip r:embed="rId3">
             <a:alphaModFix/>
           </a:blip>
-          <a:stretch>
-            <a:fillRect/>
-          </a:stretch>
+          <a:srcRect b="0" l="0" r="0" t="0"/>
+          <a:stretch/>
         </p:blipFill>
         <p:spPr>
-          <a:xfrm rot="5400000">
-            <a:off x="1603600" y="-1342725"/>
-            <a:ext cx="5132675" cy="7955226"/>
+          <a:xfrm>
+            <a:off x="1162100" y="524327"/>
+            <a:ext cx="6486475" cy="4515125"/>
           </a:xfrm>
           <a:prstGeom prst="rect">
             <a:avLst/>
@@ -12804,6 +16032,58 @@
           </a:ln>
         </p:spPr>
       </p:pic>
+      <p:sp>
+        <p:nvSpPr>
+          <p:cNvPr id="109" name="Google Shape;109;p21"/>
+          <p:cNvSpPr txBox="1"/>
+          <p:nvPr/>
+        </p:nvSpPr>
+        <p:spPr>
+          <a:xfrm>
+            <a:off x="7724775" y="2371650"/>
+            <a:ext cx="1323900" cy="400200"/>
+          </a:xfrm>
+          <a:prstGeom prst="rect">
+            <a:avLst/>
+          </a:prstGeom>
+          <a:noFill/>
+          <a:ln>
+            <a:noFill/>
+          </a:ln>
+        </p:spPr>
+        <p:txBody>
+          <a:bodyPr anchorCtr="0" anchor="t" bIns="91425" lIns="91425" spcFirstLastPara="1" rIns="91425" wrap="square" tIns="91425">
+            <a:spAutoFit/>
+          </a:bodyPr>
+          <a:lstStyle/>
+          <a:p>
+            <a:pPr indent="0" lvl="0" marL="0" rtl="0" algn="l">
+              <a:spcBef>
+                <a:spcPts val="0"/>
+              </a:spcBef>
+              <a:spcAft>
+                <a:spcPts val="0"/>
+              </a:spcAft>
+              <a:buNone/>
+            </a:pPr>
+            <a:r>
+              <a:rPr lang="en">
+                <a:latin typeface="Roboto"/>
+                <a:ea typeface="Roboto"/>
+                <a:cs typeface="Roboto"/>
+                <a:sym typeface="Roboto"/>
+              </a:rPr>
+              <a:t>About 1.2%</a:t>
+            </a:r>
+            <a:endParaRPr>
+              <a:latin typeface="Roboto"/>
+              <a:ea typeface="Roboto"/>
+              <a:cs typeface="Roboto"/>
+              <a:sym typeface="Roboto"/>
+            </a:endParaRPr>
+          </a:p>
+        </p:txBody>
+      </p:sp>
     </p:spTree>
   </p:cSld>
   <p:clrMapOvr>
